--- a/eem272/dersler/images/02_slayt.pptx
+++ b/eem272/dersler/images/02_slayt.pptx
@@ -7,10 +7,10 @@
     <p:sldMasterId id="2147483722" r:id="rId3"/>
   </p:sldMasterIdLst>
   <p:notesMasterIdLst>
-    <p:notesMasterId r:id="rId65"/>
+    <p:notesMasterId r:id="rId51"/>
   </p:notesMasterIdLst>
   <p:handoutMasterIdLst>
-    <p:handoutMasterId r:id="rId66"/>
+    <p:handoutMasterId r:id="rId52"/>
   </p:handoutMasterIdLst>
   <p:sldIdLst>
     <p:sldId id="563" r:id="rId4"/>
@@ -59,26 +59,12 @@
     <p:sldId id="604" r:id="rId47"/>
     <p:sldId id="605" r:id="rId48"/>
     <p:sldId id="606" r:id="rId49"/>
-    <p:sldId id="328" r:id="rId50"/>
-    <p:sldId id="329" r:id="rId51"/>
-    <p:sldId id="330" r:id="rId52"/>
-    <p:sldId id="331" r:id="rId53"/>
-    <p:sldId id="332" r:id="rId54"/>
-    <p:sldId id="333" r:id="rId55"/>
-    <p:sldId id="334" r:id="rId56"/>
-    <p:sldId id="335" r:id="rId57"/>
-    <p:sldId id="336" r:id="rId58"/>
-    <p:sldId id="337" r:id="rId59"/>
-    <p:sldId id="339" r:id="rId60"/>
-    <p:sldId id="345" r:id="rId61"/>
-    <p:sldId id="347" r:id="rId62"/>
-    <p:sldId id="348" r:id="rId63"/>
-    <p:sldId id="616" r:id="rId64"/>
+    <p:sldId id="616" r:id="rId50"/>
   </p:sldIdLst>
   <p:sldSz cx="6858000" cy="5143500"/>
   <p:notesSz cx="6858000" cy="9144000"/>
   <p:custDataLst>
-    <p:tags r:id="rId67"/>
+    <p:tags r:id="rId53"/>
   </p:custDataLst>
   <p:defaultTextStyle>
     <a:defPPr>
@@ -2098,482 +2084,6 @@
 </c:chartSpace>
 </file>
 
-<file path=ppt/charts/chart13.xml><?xml version="1.0" encoding="utf-8"?>
-<c:chartSpace xmlns:c="http://schemas.openxmlformats.org/drawingml/2006/chart" xmlns:a="http://schemas.openxmlformats.org/drawingml/2006/main" xmlns:r="http://schemas.openxmlformats.org/officeDocument/2006/relationships" xmlns:c16r2="http://schemas.microsoft.com/office/drawing/2015/06/chart">
-  <c:date1904 val="0"/>
-  <c:lang val="en-US"/>
-  <c:roundedCorners val="0"/>
-  <mc:AlternateContent xmlns:mc="http://schemas.openxmlformats.org/markup-compatibility/2006">
-    <mc:Choice xmlns:c14="http://schemas.microsoft.com/office/drawing/2007/8/2/chart" Requires="c14">
-      <c14:style val="102"/>
-    </mc:Choice>
-    <mc:Fallback>
-      <c:style val="2"/>
-    </mc:Fallback>
-  </mc:AlternateContent>
-  <c:chart>
-    <c:autoTitleDeleted val="0"/>
-    <c:plotArea>
-      <c:layout/>
-      <c:scatterChart>
-        <c:scatterStyle val="lineMarker"/>
-        <c:varyColors val="0"/>
-        <c:ser>
-          <c:idx val="0"/>
-          <c:order val="0"/>
-          <c:spPr>
-            <a:ln w="28575">
-              <a:noFill/>
-            </a:ln>
-          </c:spPr>
-          <c:marker>
-            <c:symbol val="x"/>
-            <c:size val="7"/>
-            <c:spPr>
-              <a:ln w="15875">
-                <a:solidFill>
-                  <a:srgbClr val="C00000"/>
-                </a:solidFill>
-              </a:ln>
-            </c:spPr>
-          </c:marker>
-          <c:xVal>
-            <c:numRef>
-              <c:f>Sheet1!$A$1:$A$20</c:f>
-              <c:numCache>
-                <c:formatCode>General</c:formatCode>
-                <c:ptCount val="20"/>
-                <c:pt idx="0">
-                  <c:v>59.331797235022997</c:v>
-                </c:pt>
-                <c:pt idx="1">
-                  <c:v>82.373271889400897</c:v>
-                </c:pt>
-                <c:pt idx="2">
-                  <c:v>112.327188940092</c:v>
-                </c:pt>
-                <c:pt idx="3">
-                  <c:v>152.64976958525301</c:v>
-                </c:pt>
-                <c:pt idx="4">
-                  <c:v>167.626728110599</c:v>
-                </c:pt>
-                <c:pt idx="5">
-                  <c:v>221.77419354838699</c:v>
-                </c:pt>
-                <c:pt idx="6">
-                  <c:v>228.68663594469999</c:v>
-                </c:pt>
-                <c:pt idx="7">
-                  <c:v>301.267281105991</c:v>
-                </c:pt>
-                <c:pt idx="8">
-                  <c:v>312.78801843318001</c:v>
-                </c:pt>
-                <c:pt idx="9">
-                  <c:v>343.89400921659001</c:v>
-                </c:pt>
-                <c:pt idx="10">
-                  <c:v>272.46543778801799</c:v>
-                </c:pt>
-                <c:pt idx="11">
-                  <c:v>394.58525345622098</c:v>
-                </c:pt>
-                <c:pt idx="12">
-                  <c:v>393.43317972350201</c:v>
-                </c:pt>
-                <c:pt idx="13">
-                  <c:v>142.281105990783</c:v>
-                </c:pt>
-                <c:pt idx="14">
-                  <c:v>88.133640552995402</c:v>
-                </c:pt>
-                <c:pt idx="15">
-                  <c:v>127.30414746543801</c:v>
-                </c:pt>
-                <c:pt idx="16">
-                  <c:v>189.51612903225799</c:v>
-                </c:pt>
-                <c:pt idx="17">
-                  <c:v>262.09677419354801</c:v>
-                </c:pt>
-                <c:pt idx="18">
-                  <c:v>433.75576036866403</c:v>
-                </c:pt>
-                <c:pt idx="19">
-                  <c:v>134.216589861751</c:v>
-                </c:pt>
-              </c:numCache>
-            </c:numRef>
-          </c:xVal>
-          <c:yVal>
-            <c:numRef>
-              <c:f>Sheet1!$B$1:$B$20</c:f>
-              <c:numCache>
-                <c:formatCode>General</c:formatCode>
-                <c:ptCount val="20"/>
-                <c:pt idx="0">
-                  <c:v>95.760233918128705</c:v>
-                </c:pt>
-                <c:pt idx="1">
-                  <c:v>161.549707602339</c:v>
-                </c:pt>
-                <c:pt idx="2">
-                  <c:v>211.25730994151999</c:v>
-                </c:pt>
-                <c:pt idx="3">
-                  <c:v>244.88304093567299</c:v>
-                </c:pt>
-                <c:pt idx="4">
-                  <c:v>293.12865497076001</c:v>
-                </c:pt>
-                <c:pt idx="5">
-                  <c:v>287.28070175438597</c:v>
-                </c:pt>
-                <c:pt idx="6">
-                  <c:v>315.05847953216397</c:v>
-                </c:pt>
-                <c:pt idx="7">
-                  <c:v>288.74269005847998</c:v>
-                </c:pt>
-                <c:pt idx="8">
-                  <c:v>342.83625730994203</c:v>
-                </c:pt>
-                <c:pt idx="9">
-                  <c:v>315.05847953216397</c:v>
-                </c:pt>
-                <c:pt idx="10">
-                  <c:v>325.29239766081901</c:v>
-                </c:pt>
-                <c:pt idx="11">
-                  <c:v>297.51461988304101</c:v>
-                </c:pt>
-                <c:pt idx="12">
-                  <c:v>342.83625730994203</c:v>
-                </c:pt>
-                <c:pt idx="13">
-                  <c:v>173.24561403508801</c:v>
-                </c:pt>
-                <c:pt idx="14">
-                  <c:v>218.56725146198801</c:v>
-                </c:pt>
-                <c:pt idx="15">
-                  <c:v>313.59649122807002</c:v>
-                </c:pt>
-                <c:pt idx="16">
-                  <c:v>336.98830409356702</c:v>
-                </c:pt>
-                <c:pt idx="17">
-                  <c:v>291.66666666666703</c:v>
-                </c:pt>
-                <c:pt idx="18">
-                  <c:v>309.21052631578999</c:v>
-                </c:pt>
-                <c:pt idx="19">
-                  <c:v>278.508771929825</c:v>
-                </c:pt>
-              </c:numCache>
-            </c:numRef>
-          </c:yVal>
-          <c:smooth val="0"/>
-          <c:extLst>
-            <c:ext xmlns:c16="http://schemas.microsoft.com/office/drawing/2014/chart" uri="{C3380CC4-5D6E-409C-BE32-E72D297353CC}">
-              <c16:uniqueId val="{00000000-5FB2-4261-8CBD-B081F3BD46B7}"/>
-            </c:ext>
-          </c:extLst>
-        </c:ser>
-        <c:dLbls>
-          <c:showLegendKey val="0"/>
-          <c:showVal val="0"/>
-          <c:showCatName val="0"/>
-          <c:showSerName val="0"/>
-          <c:showPercent val="0"/>
-          <c:showBubbleSize val="0"/>
-        </c:dLbls>
-        <c:axId val="87200128"/>
-        <c:axId val="87202048"/>
-      </c:scatterChart>
-      <c:valAx>
-        <c:axId val="87200128"/>
-        <c:scaling>
-          <c:orientation val="minMax"/>
-        </c:scaling>
-        <c:delete val="0"/>
-        <c:axPos val="b"/>
-        <c:numFmt formatCode="General" sourceLinked="1"/>
-        <c:majorTickMark val="out"/>
-        <c:minorTickMark val="none"/>
-        <c:tickLblPos val="none"/>
-        <c:crossAx val="87202048"/>
-        <c:crosses val="autoZero"/>
-        <c:crossBetween val="midCat"/>
-      </c:valAx>
-      <c:valAx>
-        <c:axId val="87202048"/>
-        <c:scaling>
-          <c:orientation val="minMax"/>
-          <c:max val="350"/>
-          <c:min val="0"/>
-        </c:scaling>
-        <c:delete val="0"/>
-        <c:axPos val="l"/>
-        <c:numFmt formatCode="General" sourceLinked="1"/>
-        <c:majorTickMark val="out"/>
-        <c:minorTickMark val="none"/>
-        <c:tickLblPos val="none"/>
-        <c:crossAx val="87200128"/>
-        <c:crosses val="autoZero"/>
-        <c:crossBetween val="midCat"/>
-      </c:valAx>
-    </c:plotArea>
-    <c:plotVisOnly val="1"/>
-    <c:dispBlanksAs val="gap"/>
-    <c:showDLblsOverMax val="0"/>
-  </c:chart>
-  <c:externalData r:id="rId1">
-    <c:autoUpdate val="0"/>
-  </c:externalData>
-</c:chartSpace>
-</file>
-
-<file path=ppt/charts/chart14.xml><?xml version="1.0" encoding="utf-8"?>
-<c:chartSpace xmlns:c="http://schemas.openxmlformats.org/drawingml/2006/chart" xmlns:a="http://schemas.openxmlformats.org/drawingml/2006/main" xmlns:r="http://schemas.openxmlformats.org/officeDocument/2006/relationships" xmlns:c16r2="http://schemas.microsoft.com/office/drawing/2015/06/chart">
-  <c:date1904 val="0"/>
-  <c:lang val="en-US"/>
-  <c:roundedCorners val="0"/>
-  <mc:AlternateContent xmlns:mc="http://schemas.openxmlformats.org/markup-compatibility/2006">
-    <mc:Choice xmlns:c14="http://schemas.microsoft.com/office/drawing/2007/8/2/chart" Requires="c14">
-      <c14:style val="102"/>
-    </mc:Choice>
-    <mc:Fallback>
-      <c:style val="2"/>
-    </mc:Fallback>
-  </mc:AlternateContent>
-  <c:chart>
-    <c:autoTitleDeleted val="0"/>
-    <c:plotArea>
-      <c:layout/>
-      <c:scatterChart>
-        <c:scatterStyle val="lineMarker"/>
-        <c:varyColors val="0"/>
-        <c:ser>
-          <c:idx val="0"/>
-          <c:order val="0"/>
-          <c:spPr>
-            <a:ln w="28575">
-              <a:noFill/>
-            </a:ln>
-          </c:spPr>
-          <c:marker>
-            <c:symbol val="x"/>
-            <c:size val="7"/>
-            <c:spPr>
-              <a:ln w="15875">
-                <a:solidFill>
-                  <a:srgbClr val="C00000"/>
-                </a:solidFill>
-              </a:ln>
-            </c:spPr>
-          </c:marker>
-          <c:xVal>
-            <c:numRef>
-              <c:f>Sheet1!$A$1:$A$20</c:f>
-              <c:numCache>
-                <c:formatCode>General</c:formatCode>
-                <c:ptCount val="20"/>
-                <c:pt idx="0">
-                  <c:v>59.331797235022997</c:v>
-                </c:pt>
-                <c:pt idx="1">
-                  <c:v>82.373271889400897</c:v>
-                </c:pt>
-                <c:pt idx="2">
-                  <c:v>112.327188940092</c:v>
-                </c:pt>
-                <c:pt idx="3">
-                  <c:v>152.64976958525301</c:v>
-                </c:pt>
-                <c:pt idx="4">
-                  <c:v>167.626728110599</c:v>
-                </c:pt>
-                <c:pt idx="5">
-                  <c:v>221.77419354838699</c:v>
-                </c:pt>
-                <c:pt idx="6">
-                  <c:v>228.68663594469999</c:v>
-                </c:pt>
-                <c:pt idx="7">
-                  <c:v>301.267281105991</c:v>
-                </c:pt>
-                <c:pt idx="8">
-                  <c:v>312.78801843318001</c:v>
-                </c:pt>
-                <c:pt idx="9">
-                  <c:v>343.89400921659001</c:v>
-                </c:pt>
-                <c:pt idx="10">
-                  <c:v>272.46543778801799</c:v>
-                </c:pt>
-                <c:pt idx="11">
-                  <c:v>394.58525345622098</c:v>
-                </c:pt>
-                <c:pt idx="12">
-                  <c:v>393.43317972350201</c:v>
-                </c:pt>
-                <c:pt idx="13">
-                  <c:v>142.281105990783</c:v>
-                </c:pt>
-                <c:pt idx="14">
-                  <c:v>88.133640552995402</c:v>
-                </c:pt>
-                <c:pt idx="15">
-                  <c:v>127.30414746543801</c:v>
-                </c:pt>
-                <c:pt idx="16">
-                  <c:v>189.51612903225799</c:v>
-                </c:pt>
-                <c:pt idx="17">
-                  <c:v>262.09677419354801</c:v>
-                </c:pt>
-                <c:pt idx="18">
-                  <c:v>433.75576036866403</c:v>
-                </c:pt>
-                <c:pt idx="19">
-                  <c:v>134.216589861751</c:v>
-                </c:pt>
-              </c:numCache>
-            </c:numRef>
-          </c:xVal>
-          <c:yVal>
-            <c:numRef>
-              <c:f>Sheet1!$B$1:$B$20</c:f>
-              <c:numCache>
-                <c:formatCode>General</c:formatCode>
-                <c:ptCount val="20"/>
-                <c:pt idx="0">
-                  <c:v>95.760233918128705</c:v>
-                </c:pt>
-                <c:pt idx="1">
-                  <c:v>161.549707602339</c:v>
-                </c:pt>
-                <c:pt idx="2">
-                  <c:v>211.25730994151999</c:v>
-                </c:pt>
-                <c:pt idx="3">
-                  <c:v>244.88304093567299</c:v>
-                </c:pt>
-                <c:pt idx="4">
-                  <c:v>293.12865497076001</c:v>
-                </c:pt>
-                <c:pt idx="5">
-                  <c:v>287.28070175438597</c:v>
-                </c:pt>
-                <c:pt idx="6">
-                  <c:v>315.05847953216397</c:v>
-                </c:pt>
-                <c:pt idx="7">
-                  <c:v>288.74269005847998</c:v>
-                </c:pt>
-                <c:pt idx="8">
-                  <c:v>342.83625730994203</c:v>
-                </c:pt>
-                <c:pt idx="9">
-                  <c:v>315.05847953216397</c:v>
-                </c:pt>
-                <c:pt idx="10">
-                  <c:v>325.29239766081901</c:v>
-                </c:pt>
-                <c:pt idx="11">
-                  <c:v>297.51461988304101</c:v>
-                </c:pt>
-                <c:pt idx="12">
-                  <c:v>342.83625730994203</c:v>
-                </c:pt>
-                <c:pt idx="13">
-                  <c:v>173.24561403508801</c:v>
-                </c:pt>
-                <c:pt idx="14">
-                  <c:v>218.56725146198801</c:v>
-                </c:pt>
-                <c:pt idx="15">
-                  <c:v>313.59649122807002</c:v>
-                </c:pt>
-                <c:pt idx="16">
-                  <c:v>336.98830409356702</c:v>
-                </c:pt>
-                <c:pt idx="17">
-                  <c:v>291.66666666666703</c:v>
-                </c:pt>
-                <c:pt idx="18">
-                  <c:v>309.21052631578999</c:v>
-                </c:pt>
-                <c:pt idx="19">
-                  <c:v>278.508771929825</c:v>
-                </c:pt>
-              </c:numCache>
-            </c:numRef>
-          </c:yVal>
-          <c:smooth val="0"/>
-          <c:extLst>
-            <c:ext xmlns:c16="http://schemas.microsoft.com/office/drawing/2014/chart" uri="{C3380CC4-5D6E-409C-BE32-E72D297353CC}">
-              <c16:uniqueId val="{00000000-37C2-4067-9D37-4656FBBB379A}"/>
-            </c:ext>
-          </c:extLst>
-        </c:ser>
-        <c:dLbls>
-          <c:showLegendKey val="0"/>
-          <c:showVal val="0"/>
-          <c:showCatName val="0"/>
-          <c:showSerName val="0"/>
-          <c:showPercent val="0"/>
-          <c:showBubbleSize val="0"/>
-        </c:dLbls>
-        <c:axId val="89499136"/>
-        <c:axId val="89501056"/>
-      </c:scatterChart>
-      <c:valAx>
-        <c:axId val="89499136"/>
-        <c:scaling>
-          <c:orientation val="minMax"/>
-        </c:scaling>
-        <c:delete val="0"/>
-        <c:axPos val="b"/>
-        <c:numFmt formatCode="General" sourceLinked="1"/>
-        <c:majorTickMark val="out"/>
-        <c:minorTickMark val="none"/>
-        <c:tickLblPos val="none"/>
-        <c:crossAx val="89501056"/>
-        <c:crosses val="autoZero"/>
-        <c:crossBetween val="midCat"/>
-      </c:valAx>
-      <c:valAx>
-        <c:axId val="89501056"/>
-        <c:scaling>
-          <c:orientation val="minMax"/>
-          <c:max val="350"/>
-          <c:min val="0"/>
-        </c:scaling>
-        <c:delete val="0"/>
-        <c:axPos val="l"/>
-        <c:numFmt formatCode="General" sourceLinked="1"/>
-        <c:majorTickMark val="out"/>
-        <c:minorTickMark val="none"/>
-        <c:tickLblPos val="none"/>
-        <c:crossAx val="89499136"/>
-        <c:crosses val="autoZero"/>
-        <c:crossBetween val="midCat"/>
-      </c:valAx>
-    </c:plotArea>
-    <c:plotVisOnly val="1"/>
-    <c:dispBlanksAs val="gap"/>
-    <c:showDLblsOverMax val="0"/>
-  </c:chart>
-  <c:externalData r:id="rId1">
-    <c:autoUpdate val="0"/>
-  </c:externalData>
-</c:chartSpace>
-</file>
-
 <file path=ppt/charts/chart2.xml><?xml version="1.0" encoding="utf-8"?>
 <c:chartSpace xmlns:c="http://schemas.openxmlformats.org/drawingml/2006/chart" xmlns:a="http://schemas.openxmlformats.org/drawingml/2006/main" xmlns:r="http://schemas.openxmlformats.org/officeDocument/2006/relationships" xmlns:c16r2="http://schemas.microsoft.com/office/drawing/2015/06/chart">
   <c:date1904 val="0"/>
@@ -5887,296 +5397,6 @@
   </inkml:definitions>
   <inkml:trace contextRef="#ctx0" brushRef="#br0">19587 8166 1985,'0'-14'801,"-14"14"961,14-15 64,0 15-417,0 0-224,0 0-128,0 0-128,0 0 32,0 0-257,0 0-223,0 0-417,0 0-64,0 0 288,14 15-32,1-1 225,0 16-193,0 0 97,0 0-97,0 0-32,15 0-128,-15 15 32,0-15-128,-1-15 64,1 14-128,0-14 32,1 0-64,-1 0-128,-15-1-480,13-14-449,-13 0-1090,0 0-960,0 0-3619</inkml:trace>
   <inkml:trace contextRef="#ctx0" brushRef="#br0" timeOffset="433.02">19632 8435 5701,'0'0'1153,"-15"0"160,15 0-416,0 0-128,0 0-161,-15 0-415,15 0-1,0-15 96,-15 15 225,15-14 127,0 14-223,0-15-193,0-15-128,0 15 0,0-15-96,0 0 0,0 0 0,0 0 64,-14 0-96,14 16 288,0-16 161,14 30-129,-14-15-192,0 15-96,15-15 32,-15 15-32,15 0 64,0 0-64,0-15 32,0 15-64,0 0 0,0 0-32,0 0-256,14 15-545,-14-15-705,0 15-672,1-15-2338</inkml:trace>
-</inkml:ink>
-</file>
-
-<file path=ppt/ink/ink12.xml><?xml version="1.0" encoding="utf-8"?>
-<inkml:ink xmlns:inkml="http://www.w3.org/2003/InkML">
-  <inkml:definitions>
-    <inkml:context xml:id="ctx0">
-      <inkml:inkSource xml:id="inkSrc0">
-        <inkml:traceFormat>
-          <inkml:channel name="X" type="integer" max="32767" units="in"/>
-          <inkml:channel name="Y" type="integer" max="25399" units="in"/>
-          <inkml:channel name="F" type="integer" max="32767" units="dev"/>
-        </inkml:traceFormat>
-        <inkml:channelProperties>
-          <inkml:channelProperty channel="X" name="resolution" value="4096.38672" units="1/in"/>
-          <inkml:channelProperty channel="Y" name="resolution" value="5080.81592" units="1/in"/>
-          <inkml:channelProperty channel="F" name="resolution" value="0" units="1/dev"/>
-        </inkml:channelProperties>
-      </inkml:inkSource>
-      <inkml:timestamp xml:id="ts0" timeString="2011-09-30T04:54:27.613"/>
-    </inkml:context>
-    <inkml:brush xml:id="br0">
-      <inkml:brushProperty name="width" value="0.05292" units="cm"/>
-      <inkml:brushProperty name="height" value="0.05292" units="cm"/>
-      <inkml:brushProperty name="color" value="#0000FF"/>
-    </inkml:brush>
-    <inkml:brush xml:id="br1">
-      <inkml:brushProperty name="width" value="0.05292" units="cm"/>
-      <inkml:brushProperty name="height" value="0.05292" units="cm"/>
-      <inkml:brushProperty name="color" value="#FF0000"/>
-    </inkml:brush>
-  </inkml:definitions>
-  <inkml:trace contextRef="#ctx0" brushRef="#br0">2733 2483 6085,'0'0'289,"0"0"-97,0 0-192,0 0 544,0 0 1090,0 0 31,0 0-1024,0 0 160,0 15 128,15-15-161,0 0-127,0 0-289,0 0-128,14 0-191,-14 0 31,16 15-32,-16-15 32,14 0-64,1 0 0,-15 0 32,14 0-32,1 0 32,-15 0-64,14 15 32,-14-15 0,16 0 32,-16 0-32,14 0 0,-14 15 0,15-15 0,-15 0 32,15 0 0,0 0-32,-16 0 32,16 0 0,-15 0 32,0 0-32,14 0 32,-14-15 64,0 15 128,1 0 257,12 0-129,3 0-320,-2 0 0,16 15-32,-15-15 0,0 0-64,14 0 64,-14 0 64,16 0-31,-18 0-1,18-15 0,-2 15 32,-14 0 96,14 0-96,-14 0-32,15 0-64,-15-15 0,-1 15 0,2 0 0,-3 0 0,18 0 0,-17 15-32,1-15 0,0 0 32,14 0 32,-14 0-64,15 0 96,-15 15-128,-1-15 32,2 0 64,13 0-96,-14 0 64,0 15 64,14-15-64,-14 0 0,14 0 0,1 0 0,-15 0 0,15 0 0,-15 0 0,14 0-32,-14 15-32,0-15 96,14 0-64,-13 0 64,13 0-32,1 15 0,-16-15-32,16 0 32,0 0 0,-1-15 0,1 15 0,-16 0 0,17 0 0,-2 0 0,-14 0-32,14 0 32,-14 0 0,15 0 0,-15 0-64,14 0 96,2 0 32,-2-15-64,1 15 0,-1 0 32,-14 0 32,14-15-32,-13 15-32,13 0 0,-14 0 0,15 0 32,-15-15-96,14 15 128,-14 0-64,14-15 64,2 15-128,-18-15 96,18 15-32,-17 0 32,1-15 0,15 15 64,-15 0-128,-1-15 32,16 15 32,-16 0-64,1 0 160,14 0-224,-13-15 96,-1 15 0,-1 0 0,16 0 0,-15 0-32,0 0 0,14 0 96,-14 0-192,1 0 192,-2 0 32,1 0-128,14 0-32,-14 0 128,-1 0-64,1 0-32,0 0 64,15 15-32,-15-15 128,-1 0-96,17 0-160,-17 0 320,1 0-192,14 0 0,-14 0-96,0 15 160,-1-15-32,2 0-32,13 0 0,-14 15 33,0-15 31,15 0 0,-1 0-32,-14 0 32,14 0-224,2 0 224,-18 0-64,18 0-64,-2 15 64,1-15 192,0 0-192,-1 0-96,1 0 96,-1 15 96,2-15-160,-2 0 192,0 0-128,1 0-64,0 0 160,14 0-160,-13 0 128,-3 0-64,17 0-32,-15 0 96,14 0-96,1-15 32,-15 15 64,15 0-128,-1 0 96,0-15-32,-14 15-32,14 0 96,1 0-32,-15-15-64,15 15 32,-16 0-64,16 0 128,0 0-96,-17-15 0,17 15 96,0 0-160,-15-15 160,14 15-96,-13 0 64,-3 0-128,1 0 96,2-14 64,-2 14-96,1 0 32,0-15-32,0 15 0,15 0-64,-16 0 64,1 0-32,-1 0-65,0-15 65,1 15-32,0 0 160,-15-15-32,14 15-128,2 0 96,-17 0 96,16 0-256,-16 0 224,16 0 32,-1 0-96,-13-14 0,13 14-32,1 0 32,-15 0 0,15 0-64,-1 0 32,0 0 128,-14 0-160,14-16 32,2 16 32,-16 0 32,14 0-32,-14 0-32,0 0 0,15 0-32,-16 0 128,2 0-96,-3 0 96,18 0-96,-17 0 64,16 16-64,-16-16 0,16 0 32,0 0 0,-15 14 32,14-14-96,-13 0 64,13 0 0,-14 15 0,14-15 0,-14 0 0,14 0 96,1 15-128,0-15 0,0 0 128,0 0-160,-1 0 32,1 0 64,14 0-32,0 0-32,2 0 32,-2 0 32,1 0-96,-1 0 64,0 0 64,2-15-64,13 15 0,-15 0 0,1 0 32,-1 0-32,2 0-64,-17 0 0,0 0-192,-14 0-609,-15 0-672,-15 0-1282,0 15-3139</inkml:trace>
-  <inkml:trace contextRef="#ctx0" brushRef="#br0" timeOffset="13412.76">7438 3080 5605,'0'0'1826,"0"0"-97,0 0-63,0 0 95,0 0-287,0 0-641,0 0-289,0 0-256,0 0-159,15 0 63,0 0 384,-1 0-31,16 0-257,1 0-160,-2 0-64,16 0-32,-15-15 0,15 15-32,-1 0 0,-14 0 0,14 0 96,-13-15-96,-3 15-96,-13 0-96,1 0-64,-1 0-257,-15 0-255,0 0 95,0 0 32,0 0-448,-15-15-448,-1 15-705,1 0-3396</inkml:trace>
-  <inkml:trace contextRef="#ctx0" brushRef="#br0" timeOffset="13802.78">7572 2960 8231,'0'-15'577,"0"15"-353,0 0 449,0 0 352,-15 0 0,15 0-897,-14 0-320,-1 0 95,-16 15 97,16-15 129,-14 15 639,14 0 1,0 0-417,0 0-127,1 0 31,14 15-128,0-15 32,0 0 257,29 0 95,-14 0-96,29 0-255,-14-15-129,1 14-129,-2 1-575,1-15-1410,0 0-3908</inkml:trace>
-  <inkml:trace contextRef="#ctx0" brushRef="#br0" timeOffset="19497.09">9300 3929 9288,'0'0'1249,"0"0"-1088,0 0 383,0 0 930,29 0-225,-14 15-256,29-15-225,2 0-159,-3 0-321,3-15-192,-2 15-32,-14 0 32,0 0-192,0 0-352,-15 0-417,-1-15-640,-14 15-513,0 0-609,0 0-2241</inkml:trace>
-  <inkml:trace contextRef="#ctx0" brushRef="#br0" timeOffset="19858.12">9537 3795 7559,'15'0'672,"-15"0"-576,0 0-32,-15 0 609,15 0 224,-14 14-449,-1 2-384,-16-16-64,3 14 32,-3 2 65,-13-2 383,14 1-128,15 0-95,-14 0 191,14 0 129,15 0-193,-15-15-96,15 15 65,15 0 223,0 15-31,14-15-225,1 0-96,-1-1-96,17 2-64,-18-2-128,18 1-512,-17 0-1282,-14-15-4100</inkml:trace>
-  <inkml:trace contextRef="#ctx0" brushRef="#br0" timeOffset="52613">8228 5509 1153,'0'15'96,"0"-15"-673,0 0 33,0 0 672,0 0 1505,0-15-351,0 15-802,0 0-192,0 0-160,0 0 257,0 0-481,0 0-993,0 0-1250</inkml:trace>
-  <inkml:trace contextRef="#ctx0" brushRef="#br0" timeOffset="52915.02">8228 5509 256,'-30'15'1377,"30"-15"545,0 0 64,0 0 32,0 0-513,-16 0-320,16 0-128,0 0 64,0 0 96,0 0-192,0 0-160,0 0 32,0 0-128,0 0-289,0 0-224,16 0 33,-16 0-33,30 0 0,-1 0-128,1 0-32,14 0-96,16 0 129,-15-15-129,30 15-32,-16 0 64,15 0-64,-15 15 32,2-15-97,-2 0 1,1 0 0,-16 0 32,1 0 0,-16-15-32,1 15-352,-15 0-577,-15 0-1185,0 0-5221</inkml:trace>
-  <inkml:trace contextRef="#ctx0" brushRef="#br0" timeOffset="62291.56">8108 10949 1825,'-15'0'2435,"15"0"-418,0 0 546,0 0-321,0 0-544,0 0-417,0 0-384,0 0-289,0 0-31,0 0-33,0 0-159,15 0-97,15 0-96,-14 0-96,28 0-32,-14 0-64,14 15 32,0-15-64,16 0 0,-15 0-224,-1 0-289,-14 0-544,1 0-1185,-18 0-2562</inkml:trace>
-  <inkml:trace contextRef="#ctx0" brushRef="#br0" timeOffset="63408.62">2496 5837 2786,'0'0'2178,"0"0"-2178,15-15 64,-2 15 737,3 0 736,-16 0-191,30 0-642,-15 0-159,14 0-33,1 0-63,14 15-161,1-15-128,0 0-160,14 0 64,1-15-64,-15 15-192,-16-15-2082,1 15-6693</inkml:trace>
-  <inkml:trace contextRef="#ctx0" brushRef="#br0" timeOffset="67793.87">4461 3377 544,'-15'0'737,"15"0"128,0 0 384,-16 0 256,16 0 161,-14 0-65,14 0-384,0 0-64,0 0-224,0 0-160,0 0-64,0 0-129,0 0-223,0 0-97,0 0-288,14 0 96,2 0 32,-1 0-32,0 0-64,14 0 32,1 0-32,14 0 32,1 0-32,14 0 32,-14 0 0,30 0-32,-15 0 0,30-14 0,-16 14-64,14-15 64,2 15-32,-16-16 0,0 16-96,1 0-288,-30 0 255,14 0 33,-14 0-32,0 0-64,-1 0-32,-13 0 224,-3 0 32,-12 0 0,-16 0-193,15 0-960,-15 0-1089,0 0-2018</inkml:trace>
-  <inkml:trace contextRef="#ctx0" brushRef="#br0" timeOffset="69343.95">8213 4242 10473,'0'15'481,"15"-15"-417,-2 0 641,3 0 640,14 0-160,14 0-576,1 0-289,15 0 32,15 0 225,-16 0-193,0 0-320,1 0-160,-1 15-545,-14-15-800,-15 0-641,-1-15-1313,-13 15-4228</inkml:trace>
-  <inkml:trace contextRef="#ctx0" brushRef="#br0" timeOffset="72048.12">5712 6581 3331,'0'0'864,"0"0"-287,0 0 96,-15 0-33,15 0-223,0 0-385,0 0 0,0 16 128,0-16 416,0 15-127,-15-15-225,15 14-128,-16-14-64,16 15 32,-15 0-64,15 15 192,0-15-31,-14 0 63,14 15-160,0-15-32,-15 15-32,15 0-32,0-1 64,0-14 0,-15 15-32,15 0 32,0 0-32,0-1 32,0 1 192,0 14 193,0-14-193,0 15 128,0-15-64,15 0-192,-15 0 65,15 0 63,-15 14-224,14-14 32,1 0-32,-15 0 96,16-15-64,-1 15 160,0-16-96,-2 1 225,3 0 95,-1 0-64,15 0-63,-16-15-129,1 0 96,15 0 160,-1-15-63,-14 0-33,15-15-192,-14 0-32,13-14-32,-14 14 32,0-15 32,0 16 33,-1-16 63,2 0 96,-16 0 0,15 0 1,-15-14-1,0 14 32,-15-14 33,-1-1-193,2 1-32,-16-1 32,15 15 353,-14 0-33,-2 15-191,1 1-33,1 13-64,-1 2-128,1-1-160,-1 15-96,15 0-288,-1-15-289,3 15-512,13 0-385,-15 0-64,15 0-512,0 0-2594</inkml:trace>
-  <inkml:trace contextRef="#ctx0" brushRef="#br0" timeOffset="73598.2">5712 6001 960,'-15'-15'3684,"15"15"-1250,-15-15-672,15 15-641,-16 0-320,16 0-193,0 0-384,0 0-95,-15 0-65,15 0-64,0 0-160,-14 0-33,14 15 1,-15-15 64,0 15 64,0 15 0,15-16 32,-15 16 32,0 0 0,0-1-32,0 1-64,0 15-257,15 0-351,-15-15-1,0 15 545,15 0 192,-14-1 0,14 1-64,-15-1 32,15 16 32,-15-1-64,15 1-192,-15 0-481,15 0 129,-16-1 287,3 15 225,-2-14 352,15-1 161,-15 16-33,-1 0 97,16-15-385,-15 14-128,15 0 0,0 1-96,0-1-160,0-14 31,15 15 289,-15-30-32,0 14 0,16 1 65,-1-1 31,-15 1 0,15-15 160,-2-1-32,3 16 97,-16-15-161,15 0-96,0 0-128,-15-1 64,15-14 256,-1-1 65,1 1 31,-15-15 96,30 0-159,-15 0-129,0-15-160,0 0-128,15 0-96,-15 0 160,14-15-32,2 0-1,-16 0 33,13 1 64,3-2 65,-1 2-33,-1-16-32,-14 15 128,15-15 32,-16 16-128,16-17-32,-15 2-64,1-1 64,13 0 32,-14 0 128,15-15 193,-16 15-33,2 0-224,-1-14-64,15 14 32,-16-14 32,1-1 65,0 0 191,0 1 192,0-1 1,0-15-193,-15 0-127,0 1-161,0-16-128,0 1 32,-15-16 32,15 1 0,-15 14 352,15 0 289,0 1-289,0 15 33,-15-1-161,15 1 0,-15-1 64,0 0-63,1 0-161,-1 1-96,0-16-193,0 16-127,-15-15-256,0 14 415,15-15 129,-14 30 353,13 15 95,1 1 1,-15 14-385,1 0 288,14 15 64,-15-15-352,1 15-256,-1 0-96,14-15-321,-12 15 705,13 0-608,15-15-706,-16 15-1792,16 0-2436</inkml:trace>
-  <inkml:trace contextRef="#ctx0" brushRef="#br0" timeOffset="75337.3">5473 5435 6598,'-15'0'128,"15"-15"-64,-15 15-64,15-15 448,0 0 834,0 15-257,0-15 0,0 0 32,0 0-545,0 15-448,0-15 0,0 15-64,-15 0 0,15 0-32,-16 0 0,3 0-32,-2 15 128,15 0-32,-15 0-64,-1 0 0,1 0 0,2 15-96,13-15-513,-16 14 97,1 1 320,15 16 159,-15-18 98,0 18-1,15-17 32,-14 16-32,14-1 64,0 1 0,-15 0-32,15 0-64,0 14 0,0-14 0,-15 0 32,15-1 32,0 1 192,0-1 0,0 16 65,0 0-65,-15-15-288,15 15 320,0-1 321,0 0-289,-15 1 0,15-1 97,-15 1-193,15 0 0,0 0-224,-15-1 32,15 1 64,-15-1-96,15 1 128,0 0-63,0-1-1,0 1 32,0 0 0,0-1 32,0 1-128,0-16 32,0 16-32,-15-1 64,15-14-128,0 15 64,0-15 64,0 0-64,0 15 0,-15-16 32,15 1-32,0 14 0,0-15 0,0 1 0,0 0 0,15 0 0,-15 0 32,0-1 32,15 1-32,-15 0 32,15-1-64,-15 1 0,15 0 0,0-1 0,-15 1 0,15 0 0,0-15 32,0 15-32,0 0 128,-1-16 33,16 16-33,-15-15 0,14 0-32,-14 15-32,16-31-32,-3 16 0,-12 0 32,14-15-32,-1-1 32,1 1 0,0 0-32,0 0 64,15 0-96,-16-15 0,2 0-32,12 15-32,-12-15 64,13-15 0,1 15 0,-16-15 0,16 0 0,-15 0 0,15 0 32,-16-14-32,17-1 32,-17 0-32,1 0 32,0 1 32,-1-1-32,1-15-32,1 0 0,-3 16 0,-12-31 0,14 15-32,-16 0 32,16-14-32,-15-1 0,0 16 32,0-16 0,0 15 64,0-14-32,-15-1 0,15 0 129,0 0 95,-15-14 0,14 15-96,-14-16 32,15 1-96,0-1 129,-15-15-257,15 1 32,0 15 0,-1-16 0,-14 1-64,0-1 64,0 1-64,0-1 64,0 1 128,0 15-224,-14-16 96,14 0 0,-30 1 0,15 0 64,-14 15-64,14-16 32,-15 15 160,0-15-160,0 16 0,-14-15 32,14 15-32,-1-1 64,2 15-32,-16 1 160,1-1 1,-1 16-33,16-16-32,-17 15-96,2 1-64,0-1 32,13 0-96,-13 15 32,-1 0-96,1 0 64,-2 15 64,3 1-96,12 14 0,-13 0-321,29 0-480,-15 0-352,15 14-705,0 1-1025,15-15-3619</inkml:trace>
-  <inkml:trace contextRef="#ctx0" brushRef="#br0" timeOffset="77270.39">5487 4779 6213,'-14'-30'3075,"-1"30"-1793,15-15-354,-15 15-799,15-15-33,-15 15 32,-1-15-96,16 15 32,-13 0 160,13-15 32,-15 15-64,0 0 97,15 0-289,-16 0 0,1 0 32,15 15-160,-13 0 128,13 0-32,-16 15 0,1-15 0,0 14 32,0 1 0,1 15 32,-1-15-64,0 0 64,0 14 32,0-13 32,0 13 64,0 1 64,-15-1 0,15 1-128,1 0 0,-1 14-96,0-14 33,0 15-33,-1 0 32,3-16 32,-2 16-32,-1-16 192,16 16-32,-15-1 0,-13-14-96,12 15 385,1 0-97,0 0-96,0-1-31,15 0-129,-15 15-64,1-14-32,14 15-32,-15-15 0,15 14 0,-15-14-32,0 14 64,0-14 0,0 14 32,15 1-32,-15 0 32,0-16-64,15 16 32,0-1-32,-15 0 0,15 1 0,0 15 0,0-16 32,0 1 0,-15-1-32,15 15 0,0-14-64,0 15 192,0-1-160,0-15 64,0 15 0,0-14-32,15 0 64,0-1 64,-15 1-32,15 0 1,0-1-33,0 1-32,0-1-32,0 1 64,15-1-32,-16 0-32,16-13 64,-15-2-32,16 0 0,-18 1 32,17 0 32,1-1 0,-18-13-128,18-2 128,-16 15-64,0-14 160,-1 14-63,16-14-194,-15 15 97,0-15-64,15-15 0,0 14 96,-1 1-64,-14-16 33,15 16 31,-1-15-96,2-16-33,-1 17 162,-17-17-129,3 1 64,14 0 0,-1 0-32,16 15-32,-15-15-65,15 0 65,-1 0 0,-13-15-288,12 0 608,3 0-288,-2 0 0,1 0 0,-16 0 0,17-15 0,-17 0 96,1 0-224,-1 0 64,17 0 32,-17 0-32,1-15 32,15-15 64,-16 16-64,17-1 64,-18 0 0,3-14-96,-2 14 64,-14-14 32,15 14-32,0-15 32,-15 0 32,15 0 225,-15 1-289,-1-1 96,1-14-96,15-1 32,-15 0-257,-1 1 482,1-16-225,0 1-32,1 14 64,-1-14-128,-2-1 32,2 1 0,1-1 96,-1 0-64,0-14 0,-1 15 0,1-1 0,0 0 64,0-14-32,0-1-96,-15 16 96,15-15-32,-15-1 64,15 15-96,-15-14 224,0-1-192,0 1 160,0 0-32,0-15 32,0 14-192,0 0 64,0 1-32,0-15-64,0 15 193,0-1-194,0 0 194,0-14-1,0 15 0,-15 0-32,0-1-64,0 0-64,15 1 64,-15 0 0,-15 14-64,16-14 0,-1 14 64,0 1-32,-16 0 64,3-1-64,-3 1 32,2 14 96,-16-15-224,16 15 96,-16 1 32,15-1-64,-15 1-32,16 14 128,-17 0-32,18 1 32,-18-1-32,2 1-32,-1-2 0,1 17-32,-2-1 128,2 0 128,0 15-63,-2 0 31,-13 1-32,15-1-160,-1 0 0,1 15-96,-2-16-128,-13 16-1,29 0 65,-15 0-224,15-14 0,1 14-225,14 0-704,0 14-1058,-1-14-1760</inkml:trace>
-  <inkml:trace contextRef="#ctx0" brushRef="#br0" timeOffset="79505.53">5235 4346 9929,'0'0'1089,"0"0"-513,-15 0-640,15 0-96,0 0 224,0 0-32,-15-15 96,15 15 129,-15 0-257,0 15-160,15-15 96,-15 15-1,0 0 33,0 0 64,0 0-32,1 0 0,-1 15 0,0 0 32,0 0-32,-1 14 0,16 1 33,-13 0 31,-2-1-64,-1 1 32,16 0-64,-15 14 64,0 1-32,2 0 128,-3 0-32,1-1-64,15 0 0,-15 16 0,0-16 192,15 1 64,-15 15-127,15-15-97,-14-1 0,14 16 0,-15-16 160,15 1-160,-15 14 0,15-14 0,-15 15 96,15-16-64,-15 15-64,0-14 32,0 14-32,0-14-32,15-1 0,-15 17 0,0-17 33,1 15-1,-1 1-32,-1-16 0,1 16 32,0 0 0,1-16-32,-1 15 32,0-14-32,0 15 0,0-16 64,1 1 160,14 15-96,-15-16 0,0 16 160,0-16 1,0 16-97,1-16-128,14 16-128,-15-16 192,0 2-64,15 13 0,-15-15-64,15 1 64,0 14 64,-16-14-32,16 15-96,0-15 32,0 14 0,0-14 0,-14 14 1,14 1 31,0-16-32,0 16 96,0-1 32,0 1 0,14-16-64,-14 16-96,16-1 0,-16-14 0,15 14 0,0-14 0,0 15 0,-1-16 0,1 15 96,0 1-64,0-16 32,14 2-32,1-2 32,0 15-96,-1-14 64,2-15 64,-2-1-96,1-14 0,-15 0-64,15 0 193,0 15-65,14-1 32,1 1 64,-14-1 96,12 2-128,1-17-64,-13 16 64,13-15-128,-14-1 32,0 1-64,15 0 96,-15 0-128,-1 0 64,17 0-128,-18-15 0,18 14 32,-17-13 64,16-2 32,-16 16 0,1-16 64,15 2-64,-15-1 96,0-15-96,15 14 0,-15 2-224,14-16 416,-14 0-224,14 0-96,-14 0 96,14-16 0,1 16 32,-15-14-32,0-1 32,15-1 0,-15 2 0,14-16 0,-14 16 0,-1-17-32,16 2 32,-16-1-96,17 0-32,-17 0-129,16-15 129,-15 15 32,0-14 64,14-1 0,-14 16 64,0-17 0,-1 2-32,2-1 0,-3 1 64,3-16 0,-1 0 96,-1-15 65,1 1 31,0 15-64,0-15-192,0 14-64,-15 0 288,14 0-192,-14 1 32,1-15-64,-1-1 32,-2 15 0,3-14 32,-1-1 1,0 1-65,0 0 0,-1-16-65,1 15 65,0-14-64,15 14 0,-16-15 96,1 2-32,0 13 64,0-14 1,-15 14-98,15 0 66,-15-14-66,0 15 130,15-15-194,-15 14 97,0-15 0,-15 0 33,15 16 31,0-15-64,-15-16 128,15 16-256,-15-1 224,15 16-96,-15-15 0,0-1-32,15 1 0,-14-1 0,14 1 0,-15 14-33,15-14 98,-15 0-66,15 14 98,-15-15-97,0 1 32,15 15 128,-14-1 0,-1 1 128,0-1-224,-16-14 0,18 15 96,-2 0-224,-16 13 96,2-13 96,14-1-224,-15 0 224,0 1-64,0-1-64,-15 1 96,16 0 32,-17-1-32,2 15 0,-15-14-32,0 14 65,-1 1-97,0 0-257,1-1 417,-16 15-160,16 15 193,-15-15-161,-1 15 128,1 15-32,-16-15-96,1 16-192,-1-1 320,16 0-192,-16 15 96,0 0-64,16 0-64,0 0-32,15 15-192,-1 0-737,16-1-769,-1 1-1281,16 0-3459</inkml:trace>
-  <inkml:trace contextRef="#ctx0" brushRef="#br0" timeOffset="80602.61">4520 3407 3395,'-15'0'736,"1"0"962,14 0-161,0 0 481,0 0 353,0 0-514,0 0-704,0 0-576,0 0-481,0 0-32,14 0 96,16 0-64,0 0-64,14 0 0,15 15 1,1-15-1,15 0 0,14 0-32,0 0 0,16 0-32,-16 0-97,30 0-287,-14 0 0,-2 0-161,-13 0 161,0-15 95,-16 15 33,-15 0 32,-14-15-96,-16 15-321,-29 0-160,-15 0-1857</inkml:trace>
-  <inkml:trace contextRef="#ctx0" brushRef="#br0" timeOffset="81432.65">8228 4287 3459,'-15'0'769,"15"0"640,0 0 128,-15 0 545,15 0-416,0 0-1026,15 0-95,0 0 352,14 0-64,16 0-321,-1 0-352,1 0-96,15 0 64,0 0-96,-1 0 0,15-15-64,-15 15 0,2 0-128,-17-15-608,-14 15-962,-16 0-3107</inkml:trace>
-  <inkml:trace contextRef="#ctx0" brushRef="#br1" timeOffset="107395.14">4818 9816 3971,'-15'0'2082,"15"0"-480,0 0 159,0 0-191,0 0 31,-15 0-319,15-15-97,0 15-160,0 0-64,0 0-97,0 0-191,0 0-224,15 0-289,-15 0 192,30-15-32,0 15-224,-1-15-32,16 0-64,-16 0 97,1 1-129,1 14 64,-2-15-97,-14 15-95,0 0-128,-15 0-353,0-15 65,0 15-353,-15 0-64,15 0 64,-15 15 225,-1-15 63,3 0-160,13 0-352,-15 0-609,15 0-1825,0-15-3139</inkml:trace>
-  <inkml:trace contextRef="#ctx0" brushRef="#br1" timeOffset="107646.15">5027 9623 7943,'0'0'865,"0"0"-385,0 0 705,0 15 737,13-15-609,3 0-832,-1 14-225,0-14 257,0 15 95,-1-15-352,1 15-159,-15-15-33,0 15 64,0 0-128,-15 0-64,1-1-193,-16 1 65,15 0-96,-1-15-257,16 0-447,-13 0-642,13 0-2274,13 0-3555</inkml:trace>
-  <inkml:trace contextRef="#ctx0" brushRef="#br1" timeOffset="108161.18">5235 9652 8648,'0'0'1473,"0"-14"-544,0 14 929,15 0-321,-1-15-800,1 0-289,15 15-159,-1-15 63,2 0-64,-1-1-256,-1 16-32,-14 0-96,0-14-416,0 14-353,-1 0-64,-14 0 0,15 0 96,-15 0-288,0 0-608,0 0-1186,0 0-3683</inkml:trace>
-  <inkml:trace contextRef="#ctx0" brushRef="#br1" timeOffset="108433.2">5487 9473 11146,'0'0'160,"0"0"545,15 0 1153,0 0-513,0 0-640,0 0-321,0 0-160,15 0 32,-15 0 129,-15 0-193,0 0-96,0 15 128,0-15 65,-30 15-257,15 0-64,-15 0-1,15 0-63,-15-1-32,16-14 0,14 16-384,0-1-353,0-15-128,14 0-448,16-15-2051</inkml:trace>
-  <inkml:trace contextRef="#ctx0" brushRef="#br1" timeOffset="108773.22">5712 9458 10826,'0'0'1665,"0"0"-896,0 0 769,0 0-33,13 0-736,3 0-577,14-15-96,-1 15-96,1-15-64,0 15-320,-1-14-770,1-1-799,0 15-802,-15-15-4964</inkml:trace>
-  <inkml:trace contextRef="#ctx0" brushRef="#br1" timeOffset="109039.23">5949 9339 6726,'0'0'1025,"-14"0"737,14 0 191,14 0-1152,1 0-384,0-14-353,0 14 0,0 0 64,15 0 448,-15 0 1,-15 0-257,15 14 161,-15-14 31,0 0-288,-15 15-128,0-15 33,-1 15-1,-13-15-32,14 15-256,-15-15-33,16 0 129,-2 0 96,1 0-64,15 0-1441,15 0-2146,1 0-6950</inkml:trace>
-  <inkml:trace contextRef="#ctx0" brushRef="#br1" timeOffset="109513.26">6054 9250 3811,'-15'0'352,"15"0"-1056,0 0 3042,0 0 1378,0 0-1987,0 0-544,0 0 193,-16 0-161,2-14-545,-1 14-63,-15 0-129,1 0-95,-2 0-225,-13-16-32,14 16-128,-14 0-96,14 0-192,15 0-481,-1 0-865,16 0-1793,0 0-2082</inkml:trace>
-  <inkml:trace contextRef="#ctx0" brushRef="#br1" timeOffset="109839.28">5845 9160 2914,'-30'0'3107,"1"16"-961,-1-16-96,-1 14-224,3-14-289,-3 16-544,16-16-352,1 14-33,14-14-191,0 16-65,14-16-128,1 14-31,1 1-129,14-15 0,-1 0-128,-14 15-193,15-15-287,-16 0-673,-14 0-1025,15-15-2915</inkml:trace>
-  <inkml:trace contextRef="#ctx0" brushRef="#br1" timeOffset="110064.29">5682 9131 2466,'-16'0'7687,"16"0"-7495,0 0 449,16 0 1377,-1 0-513,0 0-896,29-15-513,-14 0-64,-1 15-32,16-15-256,-16 0-1122,-14 15-1408,16-15-2916</inkml:trace>
-  <inkml:trace contextRef="#ctx0" brushRef="#br1" timeOffset="110344.31">5860 9041 5028,'0'0'96,"14"-15"929,1 15 353,0 0-257,0 0-481,1-15-351,-2 15-161,1 0-96,0 0-32,0 0 0,-15 15 0,0-15 128,-15 0 64,15 0-128,-15 15 352,0-15 257,1 15-289,-17-15 161,16 15 32,0-15-449,15 0-128,-14 15 96,14-15-96,0 0-192,0 0-1186,0 0-1312,14 0-4101</inkml:trace>
-  <inkml:trace contextRef="#ctx0" brushRef="#br1" timeOffset="110711.33">5949 8952 2274,'0'-15'4260,"-14"15"-3235,-2 0 800,-14 0 33,1 0-320,-16 15-802,1-15-159,14 15-257,1-15-320,-1 0-64,14 0 32,1 0-256,15 0-1057,15 0-353,1-15-32,-1 0-2081</inkml:trace>
-  <inkml:trace contextRef="#ctx0" brushRef="#br1" timeOffset="110993.34">5741 8862 7110,'-44'0'321,"13"0"-97,16 0 1057,-14 0 224,29 15-704,-15-15-641,15 16 0,0-2 481,15 1 160,0-15-417,-1 15-224,17 0-128,-16-15-64,13 15-224,-12-15-288,-1 0-577,0 0-897,0 0-3043</inkml:trace>
-  <inkml:trace contextRef="#ctx0" brushRef="#br1" timeOffset="111333.36">5725 8832 10473,'-13'0'641,"13"0"-641,0 0 833,0 0-193,13 0-383,18 0-193,-1 0 32,-1-14 96,-14 14 64,15-15-224,-1 15-320,-14-15-737,0 15-1666,1 0-3394</inkml:trace>
-  <inkml:trace contextRef="#ctx0" brushRef="#br1" timeOffset="111563.38">5874 8714 4548,'0'0'2883,"15"0"-2659,0 0 128,0 0 1186,1 0-257,-2 0-737,1 0-448,0 14-32,15-14 353,-16 15-65,2-15-224,-16 15-64,0-15 0,0 15 0,-16-15-160,-13 15-160,14-15 32,-15 15 128,16-15-417,-17 0-2145,16 0-4389</inkml:trace>
-  <inkml:trace contextRef="#ctx0" brushRef="#br1" timeOffset="111918.4">5919 8684 7815,'0'0'1569,"-15"0"-960,15 0 1505,-15 0-609,0 0-768,1 0-353,-16-15-31,0 15 31,1-15 129,-17 0-97,3 0-288,12 15-160,2-15-352,14 0-1,0 15-191,15 0-545,0 0-1121,15-15 800,0 15-672,0 0-1185</inkml:trace>
-  <inkml:trace contextRef="#ctx0" brushRef="#br1" timeOffset="112191.4">5725 8519 9769,'-28'0'640,"-3"0"-640,16 0 1025,1 16 737,-1-2-865,0-14-609,0 15-224,15 0 289,0-15 31,0 15-128,0-15-192,15 15-32,0-15-96,-15 15-224,15-15-193,-1 15-383,-14 0-322,15-15-95,-15 15-609,16-15-1409</inkml:trace>
-  <inkml:trace contextRef="#ctx0" brushRef="#br1" timeOffset="112436.43">5666 8564 2402,'16'0'3427,"-1"0"-1537,0 0 128,-2-15-96,3 15-609,14 0-929,-15-14-288,14 14-32,-14 0 0,0 0-256,0-16-1345,-1 16-2980</inkml:trace>
-  <inkml:trace contextRef="#ctx0" brushRef="#br1" timeOffset="112674.43">5845 8445 6149,'0'-15'-192,"15"15"-416,-1 0 608,1-15 736,0 15 513,16 0-736,-2 0-193,-14 0 481,0 0 704,0 0-480,-15 15-832,0-15 127,-15 15 96,0 0-416,-15-1-288,0 2-96,0-2 63,15 1-95,-14-15-1218,29 0-896,-15 0-2371</inkml:trace>
-  <inkml:trace contextRef="#ctx0" brushRef="#br1" timeOffset="112977.46">5904 8415 2754,'31'-15'673,"-17"15"512,-14 0 1345,0 0 513,0-14-1569,-14 14-770,-2 0 33,1 0 224,-15-16-160,-14 2-449,14 14-320,-14-15-32,0 15-32,14 0-417,-1 0-960,17 0 672,14-15 545,0 15-544,14 0-1,1 0-961,1 0-1953</inkml:trace>
-  <inkml:trace contextRef="#ctx0" brushRef="#br1" timeOffset="113345.48">5607 8370 4484,'30'-14'2370,"-16"-1"-640,-14 0-161,15 15 321,1-15-321,-16 0-351,0 15-226,0-15-255,0 15-513,0-14-224,0 14-480,0 0-385,0 0-384,0 14-128,15-14-737,-15 0-417,15 0 193,-15 0 288</inkml:trace>
-  <inkml:trace contextRef="#ctx0" brushRef="#br1" timeOffset="113713.5">5771 8236 1249,'-30'0'5957,"1"16"-4035,14-16-1409,-16 15-449,16-15 192,1 14 32,14-14-224,-15 15 32,15 0 449,0-15 31,15 15-255,-15 0-193,14 0-128,1-1-32,1 2-321,-16-2-95,15 1 0,-15-15-33,15 0-1441,-15 0-3106</inkml:trace>
-  <inkml:trace contextRef="#ctx0" brushRef="#br1" timeOffset="113929.51">5697 8252 10986,'0'0'1730,"0"0"-1154,0 0-256,15 0 161,14 0 576,1-16-385,-1 2-575,16 14-161,-16-15-705,1 15-1089,-15-15-1537,1 15-4613</inkml:trace>
-  <inkml:trace contextRef="#ctx0" brushRef="#br1" timeOffset="114160.52">5889 8117 5797,'15'-15'1858,"-15"0"-833,15 15 512,1-15-95,-2 15-482,1 0-863,0 0-97,-15 0-97,15 0 97,-15 15 65,-15-15-1,0 15 128,0 0-32,-15-15-32,0 15-64,15-15-96,1 15-384,-1-15-866,0 15-928,15-15-1089,15 0-224</inkml:trace>
-  <inkml:trace contextRef="#ctx0" brushRef="#br1" timeOffset="114809.56">5860 8057 7302,'-15'0'737,"15"15"-449,-15-15 641,0 15 449,0-15 511,1 0-479,-1 0-642,-15 0-511,14-15-65,3 15 0,-2-15 64,-16 0 65,16 1-193,1-2-96,14 2-64,-15-1-225,15 15-383,0 0-705,0 0-353,0 0-736,0 15-2275</inkml:trace>
-  <inkml:trace contextRef="#ctx0" brushRef="#br1" timeOffset="115076.58">5697 7953 3042,'-46'0'193,"32"0"287,-16 0 321,15 15 832,-15 0 1122,15-15-449,0 15-929,-15-1-608,15 2-288,15-2-257,-14 1-192,14-15-32,14 15-128,1 0-129,0-15-351,15 0-225,0 0-384,-15 0-1185,15 0-3236</inkml:trace>
-  <inkml:trace contextRef="#ctx0" brushRef="#br1" timeOffset="115307.59">5637 7938 8199,'-15'0'96,"30"0"193,-15 0 704,14 0-449,17-15-256,-16 15-127,13-14-33,3 14-32,-16-15-256,0 15-1634,-1-15-4004</inkml:trace>
-  <inkml:trace contextRef="#ctx0" brushRef="#br1" timeOffset="115538.6">5741 7849 6021,'0'0'128,"15"-15"833,0 15 288,0 0-512,14 0-64,-14-14-577,15 14-32,-16 14-256,-14 1-673,0 0-64,-14 0 288,-1 0 481,-15-15 160,1 15 192,-1-15-192,15 14-192,-14-14-512,14-14-1282,15 14-1185</inkml:trace>
-  <inkml:trace contextRef="#ctx0" brushRef="#br1" timeOffset="115812.62">5800 7820 2081,'-14'0'4421,"-1"0"-4293,0 0 192,-16-16-96,3 16 129,13 0 383,-16-14-223,17 14-257,-16-15-384,15 15-833,15 0-1762</inkml:trace>
-  <inkml:trace contextRef="#ctx0" brushRef="#br1" timeOffset="115999.63">5607 7745 1825,'0'0'5349,"0"0"-5060,0 0 479,0 0 417,15-16-1024,14 16-834,2-14-1153,-1 14 193,-17-15-449</inkml:trace>
-  <inkml:trace contextRef="#ctx0" brushRef="#br1" timeOffset="116822.68">5712 7580 10473,'0'0'449,"0"0"-1122,13 0-160,-13-15-4708</inkml:trace>
-  <inkml:trace contextRef="#ctx0" brushRef="#br1" timeOffset="116996.69">5830 7268 11306,'0'0'256,"0"0"-95,0 0-161,0 0-417,15-15-1409,-15 15-2273</inkml:trace>
-  <inkml:trace contextRef="#ctx0" brushRef="#br1" timeOffset="117153.7">5874 7118 2017,'0'-14'7175,"0"-2"-7207,15 2 32,-15 14 128,0-16-160,0 16-1825,-15 0-4902</inkml:trace>
-  <inkml:trace contextRef="#ctx0" brushRef="#br1" timeOffset="117925.74">5845 7014 2754,'-15'15'1858,"0"-15"-225,15 0-255,0 0-1218,-15 0-224,15 0-224,0 0 95,15 0 289,-15 0-128,0 0-192,15 0-96,-15 0 320,0 0 0,0 0 160,-15 0 64,15 0 225,-15 0-97,15 0-32,-14 15 193,14-15-353,0 0-192,0 0 0,0 0 32,0 0-32,14 14 128,-14-14 0,15 0 32,-15 0 192,15 0 65,-15-14 95,15 14 129,-15 0-33,-15 0-159,15-15-161,-15 15 96,15 0-191,-15 0-65,1 15 0,-1-15-96,15 14 32,0-14-160,0 16 32,15-2-1,-1-14 1,1 16 0,0-16 128,0 0 32,-15 0 32,15 0 225,-15 0 127,14-16 65,-14 16-33,0-14-160,-14-2 33,14 2-225,-15 14-96,0-15-160,0 15-385,0-15 33,15 15 95,-14 15 193,14 0 128,0-15-32,0 14 96,0 2 0,14-2 96,-14-14 64,15 16 129,-15-16 191,15 0 97,0 0-1,-15 0 1,15-16-161,-15 2-192,0-2 1,0 2-129,0-1-32,-15 0-32,15 15-160,-15-15-225,0 15-63,0 0 96,15 15-33,-14-15 1,14 15 288,0-15 0,0 15 0,14-1 0,1 2-1185,0-16-5286</inkml:trace>
-  <inkml:trace contextRef="#ctx0" brushRef="#br0" timeOffset="123601.06">1632 6701 512,'0'0'416,"0"0"225,0 0 416,0 0 352,0 15-448,0-15-224,0 15-353,0-15-63,0 15-129,0 0-32,0 15 0,0 0-160,0-15-96,0 14 128,0 1-64,0 0 64,-15 0-64,15 14 32,0-14-64,-16 15 128,16-15-64,0 14-64,0 1 128,0 15 32,0-16 0,0 1 224,0 15-95,0-16-161,0 1 128,16-15-64,-16 14 160,0 1-95,15-15-129,-15 15 0,15-15 32,-15 15-32,15-15-32,-15 0-64,14-1-32,-14-14-32,0 0-225,0 0-415,0 0-193,0-15 224,0 14 641,15-14 480,-15 0 321,0-14-192,15-1-1,-15 0 161,0 0-97,15 0 65,-15-14-96,0-1 63,15 0-191,-15-1-1,0 2 0,14-1-127,-14-15-97,0 0-96,0 1-128,15-1 96,-15 0 96,0 1-96,0-1-64,0 1 1,0-1-1,0-15 64,0 15 96,0 0 32,0 1-128,0-1 0,0 15-96,0 1 0,0-16 0,0 15 0,0 0 0,0 1-64,0-1-128,0 0-64,0 0 64,0 15-193,-15-15-95,15 15 256,0 0 159,0 15 162,-14 0 191,14-15 0,0 15-224,-15 0-224,15 0-865,0 0-2466</inkml:trace>
-  <inkml:trace contextRef="#ctx0" brushRef="#br0" timeOffset="124951.14">1632 6254 5925,'0'-15'1217,"0"15"-928,-15 0-161,15 0 480,0 0 193,0-15 0,0 15-257,0 0-95,0 0 31,0 0-128,0-15-416,0 15-160,-16 0 64,16 15 96,-14-15 128,14 15-64,-15 0 0,15-15 0,-15 15-32,15 0 0,-15 0-96,15-1-321,-15 2 33,15 14-96,-14-15 191,14 14 129,0 1 64,0-15 160,-16 15 64,16-1 192,0 16 129,0-16-225,0 2-160,-15-2-32,15 16 0,0-15-32,0 15-96,-15 0 128,15-15-96,0 15 32,0-1-32,0 1-129,0-1-31,0 0-352,0 2-97,0-2 288,15 1 385,-15 0 32,0-15 0,15 15-32,-15-1 64,0 1-32,0-15 97,16 14 31,-16 1 32,0-16-96,0 16 160,0 0-32,0 0 193,0-1 415,14-13-447,-14 13-97,0 1 224,0-15-319,0 14-65,15-14 128,-15 15-96,15-15-64,-15 14-32,15-14 32,-15 15-64,15-15 64,-1 0 96,-14-1 1,16 2-33,-16-2-32,15-14-64,0 0 0,-15 0 0,15 0-32,-15-1 0,14 2 0,-14-16-96,0 14-128,0-14-33,15 0 193,-15 0 224,0 15 225,15-15-33,-15 0-64,15 0-63,-15-15-97,15 15 32,-15 0 32,14-14-32,-14-2 96,15 2-31,-15-1 31,15-15 0,-15 15-160,15-14-96,-15-2 0,16-13-32,-1-1 0,-2 0 32,-13-15 0,15 16 0,1-16 64,-16 31-64,0-16 32,15 1-32,-15-1 32,0-1 32,15-13 64,-15 14 1,0-15 63,0 1-160,-15-15-32,15 14 0,0 1 32,0-1 96,-15 15 192,15 0-128,0 0-96,0 1 65,0-1-97,0 0-32,0-14-64,0-1 32,0-14 0,-16-1-353,16-15-447,-15 16-1,2 14 801,13 16 256,-15 14 160,15-14 33,-16 14 256,16-15-129,-15 15-192,15 0-95,-15 15-129,0-15-224,15 15-96,-14-15-193,-1 15-95,0 1-801,0-1-961,15 0-385,-15 15-1441</inkml:trace>
-  <inkml:trace contextRef="#ctx0" brushRef="#br0" timeOffset="126473.23">1617 5613 8936,'-16'-14'1313,"16"14"-544,-14-16 192,14 16-353,-15-14-95,15 14-129,-15 0-95,0 0-33,15 0-64,0 0-224,-15 0-64,15 0-32,-14 14-129,-2 2-159,1-2 128,-15 2 224,16-2 64,-1 16 32,0-15 0,0 15-64,0-16 0,1 16-64,-1 0-97,0 0 129,0 15 96,15-15-32,-15 0 32,1 14 161,14-14 127,-15 14-96,15 1-32,0-1-96,0 1-64,0 0-32,0 15-32,0-15 64,0 0-32,0 14-32,0-14 32,15 14 0,-15-15 65,0 16-33,0 0-32,0 0 64,-15 15 64,15-16 288,0 1-352,0 14 0,0-15-32,0 16-32,0-15-64,0 14-32,0-14 96,0-1-32,0 16 64,15-16-128,-15 16 192,0-15 0,0 0-128,0 15 64,14-16-32,1 0-32,-15 1 32,15-1 32,0-14-32,0 15-32,-15-15 96,14 0-32,-14-1-32,15 16 0,0-16 0,0 1 0,0 0-32,-15 0 32,14-1 32,-14-14 128,15 15 1,0-15-33,-15 14 0,15-14-96,-15 0-32,16 0 0,-2 0 0,-14-1 0,15-13 0,-15 13 0,15-14 0,0 15 0,-15-15 0,15-1 0,-1 1 0,-14 0-64,16 0 32,-1-15 32,0 15-64,0-15 32,-1 0-32,1-15 96,0 15-32,0-15 0,0 0 64,-1 0-128,1-14-161,0 14-31,0-15 96,16-15 64,-18 0 0,18-14-128,-1 14 128,-16 1 64,1-1 64,0 0 32,-15 0 32,15 0 64,-15-14 128,0 0 64,15-1-127,-15 1 127,15-16 128,-15 15-191,15-15-161,0 16-64,-15-16-32,15 1 0,0 15-32,-1-16 32,-14 0 0,15 0 64,-15 1 0,0 15-64,0-16 32,0 1-32,-15 14-32,15-15-32,0 15 64,-14-14-32,14-15 0,-15 14 0,0-14-32,0-1-64,0 0-64,-15 1 32,15 15 64,0 0 128,15 14 32,-15 0 192,15 0-192,-14 16 0,14-16-63,-15 16 31,15-15 64,0 13-96,-15-13-64,-1-1-160,1 15-65,2 1 129,-2 14-1537,-1 0 3362,-14 0-1665,1 0 256,-1 16 1,0-16-97,1 15-128,-1 15-32,14-15-96,-13 15-416,14 0-1218,15 0-800,0 0-481,0 0-1249</inkml:trace>
-  <inkml:trace contextRef="#ctx0" brushRef="#br0" timeOffset="128340.34">1497 5107 3010,'16'-15'1634,"-16"15"608,0 0 0,0-15-1057,0 0-320,0 15 0,-16-15 160,16 0 192,-15 1-256,15 14-481,-15 0-480,0-15-160,1 15-192,-1 15 96,0-1 31,0 1 33,0 0 64,1 0-32,-16 15 32,15-16 96,-14 16 32,14 0-32,-16 0-64,16 0 96,-14 15-32,14-16 32,15 16 0,-15 0 0,0 0-32,0-1 64,0 1-32,15-1 32,0 2 32,-15-2-32,15 15 0,-15-14 64,15 0-64,-15 15 32,15-1-32,-15 1 224,15-1 33,0-14-161,-14 14-64,14-14 0,0 15 0,0 0 0,14 0 128,-14-1 64,0 0 97,-14 1-289,14 14-32,0 1-32,0-15-32,0 14 32,0 1-32,0-16 64,14 15-32,-14-14 32,0 15 0,0 0 0,0-16 64,0 16 0,0-16-64,15 16-64,-15-1 128,0-14-288,0 15 96,15 14 96,-15-14-32,15-1 32,-15 0-32,15 16 32,-15-15 0,0 14-96,15-14-32,-15 13 128,15-13 0,-15 0 0,15 0 160,0-1 64,-15-15-96,15 2 64,0 13-32,-1-15-128,1 1-64,1 0-96,-1-16 64,14 2 32,-14-2 0,-15-14 32,15-1 64,0 1 64,-15 0-96,15-1-64,-1 1 0,1 0 0,0-15-32,0 15 64,-15-15-32,15-1 0,-1 17 96,-14-16-64,15 0 0,0 0 0,0-1-64,-15 1-96,16-15-32,-2 15 0,-14-15 128,15 0-33,0 0 1,0 0 32,0 0-64,-1 0 32,2 0-96,-16 0-96,15 0 160,-15 0 96,15-15 64,0 15-64,-1-15 32,1-14-65,0 14 33,-15 0 32,15-16-32,0 17 32,-1-1 0,-14 0 96,15 0 97,0 15-129,0-15 64,1 0-32,-1 0 96,-2 0 96,2-14-95,1-1-129,-1 15 320,0-15-160,-1 1-160,1 14 0,0-15 96,0 15 33,0-15-65,0 16-32,0-16 64,0 0-64,-15 0-64,15 0 96,0 0 193,-1-15-1,-14 1-128,15-1 0,0-15-160,0 1 0,-15-1-64,16 1-64,-3-1 192,2-15 0,0 16-288,-15-1 256,16-14-32,-16-1-64,15 16 64,-15-16-128,0 0 0,0 15 32,0-14 128,13 15-64,-13 0 32,0-1-320,0-15 512,0 15-288,16-15 160,-16 1-128,0 0 128,15-15-64,-15 14-64,-15 0 64,15 0-32,0 1 0,0 15 96,0-1-224,-16 1 577,16-1-321,0 0 96,-13-15 32,13 15-96,-15-14-32,-1 0-64,-14 0-128,17-16-128,-18 0-32,1 16 32,16 0 96,-16 0 64,15 28 128,0 2-96,0-1 160,0 0-64,0 0-64,0 16-32,0-16-32,-14 0 96,14-13-96,-1-3 0,1 17-96,15-1 32,-13 15-64,-2-15-225,-1 15 193,-14-15 352,1 15 193,-1 1-257,0-1-32,-14 15-64,13 0 128,2 0-96,-1 1-32,15-1 64,1 0-160,-2 0 64,16 0 96,0-14-64,0 14 0,-15 15-128,15-16-673,0 16-1345,0 0-1217,0 16-4965</inkml:trace>
-  <inkml:trace contextRef="#ctx0" brushRef="#br1" timeOffset="132160.54">1275 9160 6149,'0'16'2531,"0"-16"-1698,0 0 1793,0 0-96,-15 0-800,15 0-513,0 0-256,0 0-160,0 0-353,0 0-256,0 0-127,0 0 31,15 0 0,0 0-96,-1-16 0,1 16 32,15-14-96,-15 14 160,14-15-96,1 15-64,-15-15 160,-1 15-96,1 0 0,0-15 0,0 15-32,-15 0 0,16 0-32,-2 0-257,1 0 65,-15-15 128,15 15-224,0 0 127,0-15 193,-1 15-224,2 0 96,-16-15-32,15 15 64,-15 0 32,0 0-97,0 0-255,0 0-417,15 0-288,-15 0-737,0 0-1313,-15 0-2658</inkml:trace>
-  <inkml:trace contextRef="#ctx0" brushRef="#br1" timeOffset="132521.57">1617 9026 5861,'-16'0'2723,"16"0"-2659,0 0 1473,0 15 129,0-15-1058,0 0-351,0 0-129,0 0-32,16 0-417,-16 0-511,15 0 95,0 0 289,-15 0-1,15-15 97,-15 15 64,14 0-353,-14 0-352,0 0-256,0 0 512,-14 0 385,14 0 96,-15 0 320,0 0 608,15 0 770,-15 0 31,15 0-448,-16 0 128,16 0-160,-14 0 64,14 0-64,0 15-385,0-15-319,0 0-193,0 15-32,14-15-64,-14 15-160,16-15-353,-16 15-63,0-15-481,0 15-1410,0-15-1889</inkml:trace>
-  <inkml:trace contextRef="#ctx0" brushRef="#br1" timeOffset="132780.59">1736 8967 1665,'-15'15'12460,"15"-15"-12941,0 0 513,0 0 1250,0 0-642,15 0-416,-1-15-191,16 0-33,1 0-129,-3 0-1120,3-14-1473,-16 13-4165</inkml:trace>
-  <inkml:trace contextRef="#ctx0" brushRef="#br1" timeOffset="133033.6">1870 8862 11146,'0'-14'-160,"15"14"224,-15-16 1602,15 16-1154,-1-14-512,-14 14-224,15-15-481,0 15 545,-15 0 64,0 0-288,0 0 448,0 0 448,-15 15 161,0-15 480,1 14-64,-1-14-320,0 0-321,-1 16-352,16-16-96,-15 0-224,15 0-705,0 0-2466,-13 0-7752</inkml:trace>
-  <inkml:trace contextRef="#ctx0" brushRef="#br1" timeOffset="133386.62">1914 8788 8295,'0'0'1282,"0"0"-898,-14 0 1890,14 0-320,-15 0-737,0-15-128,15 15 32,-16 0-128,-12 0 32,28 0-384,-15 0-545,-1-15-32,1 15-96,-15 0-192,16-15-1,-16 15-127,15 0 384,-14-15-96,14 15 32,0 0-64,15 0-256,0 0-481,0 0 288,0 0-672,15 0-993,-15 0-1249,15 0-2115</inkml:trace>
-  <inkml:trace contextRef="#ctx0" brushRef="#br1" timeOffset="133610.64">1795 8669 7078,'-15'-15'705,"0"30"-833,0-15 1185,1 0 1601,-16 15-1088,0 0-834,1 0-351,14-15 512,0 14-129,-1 1-383,16-15-225,0 0-96,0 15-160,16-15-449,-1 0-319,15 15-482,-16-15-1312,1 0-3492</inkml:trace>
-  <inkml:trace contextRef="#ctx0" brushRef="#br1" timeOffset="133963.66">1542 8654 9673,'0'-15'672,"0"15"-447,0 0 2145,0-15-96,0 15-1089,0 0-833,0 0-352,0 0-192,0 0 0,0 0 128,0 0 64,15 0 96,0-15-96,0 15-96,-1 0-288,2-15-97,-1 15-384,0-15-256,0 15-672,-15-15-1507</inkml:trace>
-  <inkml:trace contextRef="#ctx0" brushRef="#br1" timeOffset="134230.67">1601 8490 14093,'0'-16'-128,"0"16"256,16-14 1634,-16 14-545,15 0-929,-15-15-224,15 15-128,0 0-64,-1 0-32,1 0-97,-15 15 65,15-1-32,-15-14 32,15 16 96,-15-2 128,0-14 32,0 15 160,0-15-64,0 0-160,0 16-320,0-16-961,0 0-1058,-15 0-2241</inkml:trace>
-  <inkml:trace contextRef="#ctx0" brushRef="#br1" timeOffset="134641.7">1839 8430 5092,'0'0'2691,"0"0"-2275,0 0 1634,0 0 385,0 0-1250,0 0-289,0 0 514,0 0-33,-13 0-672,13 0-449,0 0-64,-15-15 32,-1 15-63,-14 0-161,15-15-32,-14 15 128,-1 0-160,1-14 32,-1 14-129,-1 0 161,2 0 32,-1 0-96,15 0-32,1 0-416,14 0-321,0 0-96,14 0-993,1 0-512,-15 0-1314,15 0-1697</inkml:trace>
-  <inkml:trace contextRef="#ctx0" brushRef="#br1" timeOffset="135002.72">1632 8267 12139,'0'0'1441,"0"0"-832,0 0 1729,0 0-480,0 0-1282,-15 0-479,15 0-33,-16 0-128,16 0-97,-14 0-63,-1 14 224,0 1-96,-15 0 96,30 0-96,-14 0 160,14 0-32,0-1-32,0 2 0,0-2 64,14 1-128,-14 0 160,15 0-192,-15-15 192,15 15-576,-15-15-513,15 0-801,-15 0-2306</inkml:trace>
-  <inkml:trace contextRef="#ctx0" brushRef="#br1" timeOffset="135291.73">1587 8311 10473,'0'0'705,"0"0"-801,0 0 1025,0 0 256,0-15-416,14 15-193,2 0-287,-1-15-257,15 15-32,-16-14-32,1 14-225,0-15-223,0 15-385,0-16 32,-15 16-672,14-14-2147,-14 14-3585</inkml:trace>
-  <inkml:trace contextRef="#ctx0" brushRef="#br1" timeOffset="135521.75">1736 8147 11050,'-15'0'320,"15"0"-736,0 0 1473,0 0 544,0 0-1024,0 0-449,15 0-32,-1 0 0,1 0 64,0 0-160,0 0-96,1 0-96,-16 0-96,0 0-289,0 15-127,0-15 447,0 15 225,0-15 64,-16 15-160,16-15-737,-15 0-1633,0 0-4837</inkml:trace>
-  <inkml:trace contextRef="#ctx0" brushRef="#br1" timeOffset="135788.76">1854 8162 8936,'0'0'1025,"-15"0"-352,15 0 1409,0 0-1154,0 0-319,-13 0-161,13 0 225,-15 0 288,-1 0-352,-14 0-385,1 0-128,-1 0-96,0-15-160,1 15-353,-1 0-352,14 0-512,16-15-545,0 15 193,0 0-2820</inkml:trace>
-  <inkml:trace contextRef="#ctx0" brushRef="#br1" timeOffset="136048.78">1721 7968 7206,'0'-15'1954,"-15"15"-1537,0 0 255,0 0 1218,1 0-321,-1 15-1024,-15-15-513,14 15 32,16 0-32,-14-15 64,14 14 128,0-14 33,0 16-65,14-16-384,2 0-513,14 14-736,-15-14-1410,14 0-3139</inkml:trace>
-  <inkml:trace contextRef="#ctx0" brushRef="#br1" timeOffset="136430.79">1780 7894 4163,'-15'0'129,"0"0"-193,1 15 608,-1-15 545,0 0-737,0 0-448,0 0-993,1 0-480,14 0 416,0 14 32</inkml:trace>
-  <inkml:trace contextRef="#ctx0" brushRef="#br1" timeOffset="138196.9">1795 7894 8584,'0'0'1121,"-15"-15"-289,0 15 418,0-15-97,1 15-32,-16 0-352,0-15-577,1 15-128,-17 0-32,17 0-96,-16 0-32,15 0-641,15 15-384,0-15 288,30 15 641,0-15 160,15 0-160,0 0 0,14-15 160,2 15 32,-2 0 0,-14-15 0,-1 15 0,1 0-33,1 0 1,-16 0 32,-15 0 0,0 0 65,0 0 415,0 0 353,0 0-833,0 0 128,0 0 480,0 0-127,-15 0-257,-1-15-128,16 15 0,-30 0 64,15-14 65,-14 14-1,-1-16-192,-14 16-32,14 0 0,0 0 0,15 0-64,0 0-96,0 0-97,15 0 225,0 0 193,15 0-1,15 0-128,-16 0 32,17 0-32,13 0-32,-14-14 0,0 14-32,-1 0 64,1 0-32,-14 0 0,12 0-64,-13 0 64,-15 0 64,16 0 32,-16 0 192,-16-15-96,16 15-63,-15-15-1,15 15-128,-13 0 0,-2 0 64,-1-15-160,1 15 96,-15 0-129,16 0-223,-16 0 128,15 0 64,0 0-161,1 0-63,14 0 384,14 0-32,1 0-32,0 0 32,15 0 32,-16 0 0,16 0-32,1 0 0,-16-16 32,-15 16 0,13 0 0,-13 0 96,0 0-64,-13 0-32,13 0 160,-15 0 0,-1 0-128,1 0-32,0 0 64,0 0-96,1 0-32,14 0-128,-15 0 160,15 0-96,-15 0-192,15 0-97,0 0 193,0 0-96,15 0-33,-15 0-31,15 16 160,-15-16 32,14 0 64,1 0 96,-15-16 0,0 16 96,15 0 128,-15 0 64,0-14-256,-15 14 0,15 0 32,-15 0-32,1 0 96,-1 0 224,-15 0 97,1-15 63,14 15-384,-15 0 0,14 0 1,16 0-514,0 0 257,0-15 128,16 15-32,-1-15 32,15 15 0,-1-15 64,-14 15-64,15 0-32,-30 0-96,0 0 256,0 0-128,0 0 32,-15 15 32,0-15 0,0 15 0,-14-15 0,14 15-32,0-15 64,0 0-256,15 0 0,15 0 160,0-15-33,0 15-31,-1-15 96,16 15-32,-15-15 0,0 15 0,-1-15 0,-14 15 64,15 0 0,-15 0 32,0 0 32,0 0 129,0 0-129,0 0 0,-15 0-32,15 0-32,0 0 0,-14 0 0,14 0-32,-15-15 0,15 15 0,-15 0-64,15 0-32,0 0-192,0 0-1,0 0 129,0 0-32,0 0 32,0 0-32,0 0 192,0 0 96,0 0 64,0 0 128,0 0 32,0 0-159,0 0-97,0 0 0,0 0-64,0 0 32,0 0-128,-15-15 0,15 15-33,0 0-287,0 0-128,0 0-481,0-15-513,0 15-704,0 0-2338</inkml:trace>
-  <inkml:trace contextRef="#ctx0" brushRef="#br1" timeOffset="138384.91">1706 7550 5765,'0'15'-320,"0"-15"1056,0 0 1539,0 0-129,0 0-1506,0 0-512,0 0 96,0 0-384,0 0-1121,0 0-1217,0 0 352,0 0 288,0 0-384</inkml:trace>
-  <inkml:trace contextRef="#ctx0" brushRef="#br1" timeOffset="138486.91">1706 7550 416,'0'-14'2274,"-15"14"-1313,15 0-673,0 0-384,-15 14-192,15-14-833,0 0-64,0 15-63</inkml:trace>
-  <inkml:trace contextRef="#ctx0" brushRef="#br1" timeOffset="139135.94">1676 7253 1889,'-14'15'2371,"-1"0"-1987,0-1 257,15-14-417,0 16 128,0-16 257,0 14 95,15 1 385,-15-15 321,15 0-97,-1 0-608,1 0-449,0-15-96,-15 1 128,15-2 65,-15 16 63,0-14-192,-15-1-224,15 15 96,-15-15-192,0 15-32,1 0 0,-1 15 32,0-15 32,15 15 32,0-1 0,0 2-64,0-2 128,15 1 32,0-15-32,-1 15 224,1-15 289,0 0 255,-15 0-191,15-15-289,-15 15-128,15-15 33,-15 1-65,0 14-160,0-16-128,-15 16-129,15-14-63,-15 14-64,15 0 63,-15 0 161,15 14 96,-15-14-32,15 16 64,0-16-128,0 14-257,0-14-351,0 15-4261</inkml:trace>
-  <inkml:trace contextRef="#ctx0" brushRef="#br0" timeOffset="152290.71">10713 3274 11915,'0'0'1089,"-15"0"-833,15 0 160,15 0-127,-15 0 415,16 14 65,-1-14-288,14 0-193,16 0-64,0 0 0,-1 0 33,16 0-1,-16 0-64,0 0-128,2-14-96,-16 14-32,-1 0-256,1-16-321,-15 16-384,0-15-576,-15 15-353,15-14-865,-30-1-3107</inkml:trace>
-  <inkml:trace contextRef="#ctx0" brushRef="#br0" timeOffset="152520.72">11070 3169 2722,'-15'0'5990,"15"-15"-4741,0 15-673,0 0-351,15 0 992,1 0 0,-1 0-512,15 15-225,-1-15-96,1 15-127,15 0 159,-15-15-32,-1 15-223,-14 0-65,-15-1-64,0 1 32,-15 15 160,-14-15-64,-1 14 0,-15-13-64,0 13-32,1-14-224,-2 15-1153,18-15-2370</inkml:trace>
-  <inkml:trace contextRef="#ctx0" brushRef="#br0" timeOffset="156636.94">10803 4734 9320,'0'0'2050,"0"0"-993,0 0 801,0 0-449,0 0-320,15 0-256,0 0-96,0 0-64,15 0-161,-1 0-288,1 0-32,14 0 1,-14 0-97,14-15 32,2 15-128,-2 0 64,1-15-128,-15 15 32,0-15-160,0 15-97,-16 0-351,1-14-129,-15 14-128,0 0-224,-15 0-1089,15-15-705,-14 15-1345</inkml:trace>
-  <inkml:trace contextRef="#ctx0" brushRef="#br0" timeOffset="156860.97">11160 4600 9865,'-15'15'2819,"15"-15"-2243,0 0-352,0 0 545,15 0 288,15 14 0,-15-14-641,30 0-255,-15 0-1,14 16 32,-13-16 32,-3 15-32,-12-15-288,-16 15 160,0-1 64,0 16 33,-16-15-97,-12 15 32,-3-15 0,1 14-192,-14 1-1410,14 0-2978</inkml:trace>
-  <inkml:trace contextRef="#ctx0" brushRef="#br0" timeOffset="165141.44">14569 8356 3363,'-13'0'1986,"13"0"-129,0 0 97,0-15-288,0 15-449,-15 0-448,15 0 63,0 0-31,-16 0 64,16 0-256,-15 0-257,0 0-192,1 0-128,-1 0-32,0 0 32,-15 0-32,15 0 96,-15 0 96,0 0 161,1 0 95,-1 0-224,1 15-96,-1-15 65,-1 14-289,3 2 96,-3 13 32,1-14 32,16 15-96,-1 0 64,0-1 0,0 1-64,0 15 128,15-15-96,0 0-32,0 15 0,0-1 64,15 1 256,15-15-320,-1 14 64,16-13 32,-1-2-96,17 1 160,-2-15-96,0-15 96,1 15-160,14-30 160,-15 15-96,16-30-96,-15 15-32,-16-14-64,1-16 320,0 15-160,-15-15 257,-16 0 127,2 1 32,-16-16 289,-16 0 192,-13 15-257,-16 0-287,0 16 31,-14-1-128,14 1-160,-14 13-192,15 16-160,-2-14-513,17 14-576,-1 0-641,30 14-1569,0-14-3428</inkml:trace>
-  <inkml:trace contextRef="#ctx0" brushRef="#br0" timeOffset="166050.49">14391 8028 96,'0'0'1665,"0"-16"705,0 16-159,0 0-578,0-14-31,0 14-33,0 0-224,-15-15-160,0 15-192,0 0 0,1-15-128,-1 15-288,0-15-225,-15 15-160,16 0-32,-16 0-128,14 15 0,-14-15 0,1 15 65,-1 0-33,-14-1 0,14 2-32,-15-2-257,0 16 482,1 0-193,13 0-96,-13 15 0,0-15 96,-1 15-64,16-1 64,-1 1-64,0 0 0,0-1 0,15 16 160,0-15 32,15-1 0,-15 16 1,15-15-97,15 14-64,-15 1-32,30-1-96,-15 1-225,15 0 1,29-1 160,-14-14 192,29 15-128,-14-16 128,29-14-64,-14 15 96,15-15-64,-1-15 192,-1 14-288,2-29 192,15 15 0,-16-15-32,-1-15 96,-13-14-128,0-1-64,0 0 32,-31 0 32,15-14-96,-14-16 256,-16 0-352,2 0 320,-2-14-256,1-16 96,-15 1 161,-15 15 159,-15-1 609,-29 16 160,-2-2 32,-13 2 192,-15 14-608,0-14-417,-1 15-192,0-1-160,-14-15-64,30 30-321,0-15-351,-2 15-578,17 15-351,14 15-449,15 0-1282,15 0-5572</inkml:trace>
-  <inkml:trace contextRef="#ctx0" brushRef="#br0" timeOffset="167334.57">14332 7640 7783,'-15'-15'416,"15"15"545,-15-15-256,0 15-33,0-15 33,1 15 160,-1-15 192,-16 15 0,1 0-96,1 0-160,-1 0-481,1 0-224,-1 0-96,0 0 0,0 15 0,0-15-32,1 15 64,-1 0-64,-14 15 64,13-15-64,-13 15 64,-1-1-32,1 17 0,-1-17 0,0 16 64,15-15-64,-15 14 64,15-14 0,-14 15 64,14-1-64,15 1 161,-14 0 95,14 15-192,0-16 96,0 1 32,1 0-159,14 15-33,-15-16 0,0 16-32,-1-1-64,1-14 128,1 15-128,14 0 96,-15-16 32,15 16 32,-15-1 64,15 1 32,0-15-192,15 14-32,-15 1-64,15-15-160,-1 15 128,17-16 128,-1-14-64,-1 15 128,1-16-128,-1 16 256,1-16-128,14 1-288,1 15 545,0-15-417,0-1 160,15 2-64,14-1 128,0-15-224,1 14 128,-16-14-32,16 15 320,-1-15 193,0-1 255,1 1-575,-1 0-33,16 0-64,-1 0 32,1-15-64,-1 0 0,0 0-64,0-15-64,1 0 128,-16-15-64,15 1 32,1-1 1,-15-14 95,-16-16-64,0 0-192,-13 0 416,-18-14-160,3 15 32,-16-16 1,0 1-97,-15-1-96,14-15 32,-14 16 0,0-15-128,0-1-129,-14 1-63,-1-1 256,0 1-224,-16 14 256,3 1 0,-3 0 64,-13-1-32,-16 15 64,1-15-96,-16 16-64,0-1 64,1 16-513,-15-16 802,0 16-642,-1-1 610,-14 15-129,-1 0 0,2 0-192,-2 15 32,16 0-128,-1 15-385,16 0-800,15 15-481,14-15-1441,0 15-1762</inkml:trace>
-  <inkml:trace contextRef="#ctx0" brushRef="#br0" timeOffset="168993.66">14108 7044 3715,'-14'0'2787,"-1"0"63,15-15-800,-15 15-672,0 0-482,0 0-191,0 0-353,0 0-223,0 0-97,-15 0 32,16 0 224,-16 0 128,-1 15-95,-13-1 95,14-14-128,-14 16-63,0-2-193,-1 2 0,0 13 224,0-14 96,0 0-128,0 15-192,-14-15 129,15 15-193,-15-15 192,13 15-160,-13 0 96,14-1-128,0 1 64,1 0-64,-1 0 64,1-1-96,0 1 160,14 15-160,-1-16 160,2 16-64,14 0 0,-15-15 64,15 14-64,-15 2 96,15-1-160,0-1 256,0 1 321,1-1-353,-16 1-96,15 14-64,-1-14 32,3 15-64,-2-15 32,-1 15-32,1-16 64,0 15-64,15-14 64,-13 14 129,13 2-65,-16-2 0,16-14 64,0 15-160,0-1 64,0-14 0,0 14 0,16 1 96,-16-15-95,13 14-1,-13 1 0,15 0-96,-15-16 64,15 16-64,1-15 128,-1 14-64,-2-14 32,18 14 0,-16-14 96,0 14-128,14-13 129,1-2-97,0 16-192,0-16 128,14 1-32,-14 15 64,16-16-96,-2-14 64,-14 0-96,-1 0 32,16 0 32,-16 0-32,31 14-33,-15-14 130,15 14-33,-1-13-32,15-2 32,-15 0-64,16-13-161,0 14 354,0-15-161,-1 14-65,14-14-31,-13 0 128,15 0 0,-16-15-320,15 15 512,-14 0-224,14-15 96,1 0-160,0 15 64,-16-15 0,14 0-160,-13 0 32,14 0-96,-14-15 160,14 15-32,0-15 96,-14 0 32,15 15 64,-16-15-32,0-15 32,1 15-32,-1-14-160,-14-1 128,-1 0 32,15 1-128,-28-17 64,13 2 96,0-15-64,1-16 32,0 0 32,0-15-64,-16 16 0,-14 0-64,-15 0 32,0-1-160,-1 0 288,1 1 0,-15 0-416,0 0 576,0-2-256,0 2 33,0-16 31,-15 16 128,1 0-96,-1-16-64,0 16-64,-15-1 96,1-15-128,-2 16 64,2-1-128,-16-14 96,0 15 0,0-1-32,-14-15 0,0 16 0,0-15 32,-2 14 0,-13 0 128,-1 16-160,-13-16 32,-2 1 0,1 14 0,-16 1 32,1 14-128,0-15 32,-1 16-192,1-1 128,0 15-1,-1 0 33,2 0-192,-2 16-737,16-2-769,-14 16-2306,-2 0-9320</inkml:trace>
-  <inkml:trace contextRef="#ctx0" brushRef="#br1" timeOffset="173160.9">12976 9890 12395,'-13'-15'1089,"-2"1"-640,15-2 832,-15 16-865,-1-15-320,16 15-32,-15 0-128,15 15 64,-15-15-64,15 16 32,-14-2 32,14 1-96,0 0 64,0 0-128,0 0 64,0-15 64,0 15 64,14-15-64,1 0 64,0 0 32,1-15 32,-1 15 192,0-15-95,-15 0-33,0 15-96,0-15-32,0 0-32,-15 15-256,0 0 63,-1 0 129,1 0 64,0 0 0,1 15-32,14-15-32,-15 15 64,15 0-32,0-15 32,15 15 64,-1-15 0,1 0 32,16 0 0,-16-15 33,0 15 127,-2 0 0,-13-15-32,0 0-32,0 15-159,-13-15-66,-2 15-63,0 0-160,-1 0-64,16 0 192,-15 15 96,15-15-160,0 0-97,0 0-415,0 15-450,15-15-1024,1 0-2754</inkml:trace>
-  <inkml:trace contextRef="#ctx0" brushRef="#br1" timeOffset="174117.95">12902 9890 2626,'0'0'1537,"0"0"-191,0 0 255,0 0 385,0 0-256,0 0-481,0 0-224,0-15 96,0 15-288,0 0-193,0 0 1,15-14 0,-15 14-161,16 0-32,-1-16-95,0 1-65,14 1-32,1-1 33,14-15-193,-14 0 64,14 1 64,-14-1 64,0 15-63,0-14 63,0-1-160,-1 15 320,-13 0-448,-1-1 32,0 2-96,-15 14-32,0 0-128,0 0-128,0 0 63,0 0-319,0 0-97,0 0-448,0 0-705,0 0-832,-15 0-2467</inkml:trace>
-  <inkml:trace contextRef="#ctx0" brushRef="#br1" timeOffset="174377.97">13185 9533 1057,'-15'0'9480,"15"0"-8070,15-15-1,0 15 225,15 0-705,0 0-481,15-15-224,-1 15 161,1 0 191,-1 0-95,1 0-417,-31 15 0,1 0-160,-15 14-33,-15-13-95,1 14 192,-16 0 64,15-16-32,-14 16 0,14-15-64,0-15-32,15 15-673,0-15-1056,0 0-2051,0-15-6918</inkml:trace>
-  <inkml:trace contextRef="#ctx0" brushRef="#br1" timeOffset="174898">13558 9458 9577,'0'-15'2530,"0"15"-1633,0 0 1537,0 0-544,0 0-1185,-16 0-609,16 0-256,-15 0 224,15 15-257,-15 0 65,15 0-192,0 0 32,0-15 160,15 15-97,0-15 129,1 0 128,-2 0 32,16 0 64,-15-15 129,0 0-1,-15 0 32,0 0 161,0 15-193,-15-15-160,0 15 0,0 0-96,-14 0-64,13 0 96,1 15 0,15-15-160,-15 15-96,15 0 224,15-15-192,0 0 192,1 15-32,-2-15 32,1 0 128,-15 0-32,15 0 96,-15-15 64,0 15-352,-15-15 352,15 15-320,-15-15-480,1 15-449,14 0-897,-16 0-1025,16 0-2914</inkml:trace>
-  <inkml:trace contextRef="#ctx0" brushRef="#br1" timeOffset="175185.02">13527 9414 11242,'-15'-15'2627,"15"0"-1955,15 0 609,0 0 97,15 0-161,0-14-416,15 14-289,0-15 97,14 1 192,-14 13-321,-1-14-320,-13 16-32,-3-16-64,-12 15 64,-1 0-256,0 15 0,-15-15-96,0 15-545,0-15-64,0 15-95,-15 0-770,15 0-1665,-15 0-2883</inkml:trace>
-  <inkml:trace contextRef="#ctx0" brushRef="#br1" timeOffset="175431.03">13766 9071 10826,'0'0'1473,"0"-15"-832,0 15 928,30 0-512,-16-15-544,16 15-161,1 0 129,-3 0 223,3 0-63,-2 0-129,-14 15-352,0 0-31,-15 0-129,-15 0-97,0 15-31,1-15 96,-1-1 0,0 2 32,-1-16-64,1 14 96,2-14-512,13 0-609,0 0-1442,13 0-1793</inkml:trace>
-  <inkml:trace contextRef="#ctx0" brushRef="#br1" timeOffset="176138.07">13989 9041 9384,'-15'15'1698,"0"-15"-737,15 0 1633,0 0-960,0 0-929,0 0-449,0 0 64,15-15 32,0 15-127,0 0-161,0-15 192,-15 15 0,15-15 321,-15 15-321,0-15-160,-15 15 32,0 0-160,0 0-64,0 0-32,0 15 128,15-15-128,0 15-64,0-15 96,0 15 96,15-15-129,0 0 226,0 0-65,0 0-32,-15 0 128,0 0-32,0-15 192,0 15-64,0 0-224,0-15 257,-15 15-257,15 0 96,-15 0 64,15 0-320,0 0 128,-15 0-417,15 0-95,0 15 63,0-15 97,15 0 96,-15 0-65,0 15 161,0-15 352,-15 0-160,15 0 32,-15 0 32,1 0 321,14 0-193,-15 0 64,15 0-32,0 0-320,0 0 288,0 0-288,0-15 224,15 15 161,-1-15-129,16 15 160,0-15 0,0 1 161,0-1-193,-15-15 193,14 15-289,1-14-32,-14 13-64,-16 1-96,0 15 0,0 0-544,0 0-353,0 0-385,0 0-191,0 0-545,0 0-801,-16 15-2882</inkml:trace>
-  <inkml:trace contextRef="#ctx0" brushRef="#br1" timeOffset="176426.09">14079 8803 64,'-30'-15'11595,"30"15"-10603,0 0 130,0 0 543,0 0-832,15-15-577,15 15-160,-1 0 64,1 0 289,-1 0-1,1 0-159,1 0-97,-16 0-32,-1 15-160,-14 0 32,0 0-64,-14-1-96,-1 2 0,-16 13 32,16-13-33,0-2 129,2 1-128,13-15 32,0 0-576,-16 0-738,16 0-800,16 0-1473,-16 0-5638</inkml:trace>
-  <inkml:trace contextRef="#ctx0" brushRef="#br1" timeOffset="176860.11">14302 8773 5957,'-15'15'96,"15"-15"-288,0 0 1089,-15 15 672,15-15-159,0 0 223,15 0 1,-15 0-353,15-15-384,0 15-160,14-15-1,-14 0-255,0 0-65,0 0-352,-15 1-32,15 14-32,-15-15-32,0 15-416,0 0-737,15 0-225,-15 0-640,0 15-1505,15-15-2883</inkml:trace>
-  <inkml:trace contextRef="#ctx0" brushRef="#br1" timeOffset="177183.13">14346 8624 6277,'0'0'1666,"15"0"480,-15 0 128,0 0-480,15 0-449,0 15-352,0-15-288,0 0-289,0 0-320,0 0 0,0 0-96,14 15 0,-29-15 0,15 0-96,-15 15-64,0-15 128,0 0-64,-15 0 32,15 15 160,-14-15-64,-1 15-32,15 0-32,-15-15 32,15 14-96,0 1-513,0 0-896,15-15-769,-15 15-2082</inkml:trace>
-  <inkml:trace contextRef="#ctx0" brushRef="#br1" timeOffset="177732.16">14451 8669 4067,'0'-15'4773,"0"0"-3940,0 15 1056,0 0 418,0 0-1411,-15 15-607,15-15-193,-15 15-96,15 0 0,0 0 32,0 0-32,0-15 32,15 14-32,-15-14 224,15 0-32,0 0 0,0-14 33,-1-1-33,-14 15 128,15-15 65,-15 0 31,0 0-96,-15 0-96,15 0-127,-29 0-129,14 15-33,0 0-159,-15 0 64,15 15 0,0 0 96,15 15 32,15-15-64,0 0 64,0 0-32,15-1 32,0-14 64,-16 0 224,16 0 32,-14 0-64,-1-14 161,-15-1-225,0 0 32,-15 0 96,-1 0-95,-14 0-129,1 0-225,14 15-415,0 0-257,0 15-512,15-15-1057,0 15-2595</inkml:trace>
-  <inkml:trace contextRef="#ctx0" brushRef="#br1" timeOffset="181466.37">4714 9861 4163,'-15'14'481,"-1"-14"-705,16 0 320,0 0 416,0 0 353,16 0-609,-16 0-160,15-14-32,-15 14 353,0 0-65,14 0-31,-14 0-289,0 0-97,0 0-607,0 0 287,0 0 353,0 0-32,0 0-640,0 0-3460</inkml:trace>
-  <inkml:trace contextRef="#ctx0" brushRef="#br1" timeOffset="184531.55">4699 9861 32</inkml:trace>
-  <inkml:trace contextRef="#ctx0" brushRef="#br1" timeOffset="187437.72">4699 9861 1409,'-16'0'2947,"16"0"-929,0 0-513,0 0 161,-15 0-65,15 0-192,0 0-31,-15 0-161,15 0-224,0 0-192,0 0-225,0 0-256,0 0 33,0 0 63,0 0-64,15 0-159,0 0-1,-15-16 96,16 16-192,-1 0 128,-1-15-192,1 15 97,0-14-97,0 14 128,15-15-352,-15 0 544,15 0-608,-1 15 576,-14-15-384,15 0 128,1 15-96,-3 0 0,-13-14 64,16 14-64,-2 0 64,1 0 0,-1-15-96,1 15 64,15-15 128,-15 0-256,14 0 128,-14 15 0,14-15 0,2 1-32,-18-1 64,18 0-32,-17 0 0,1 0-32,15-1 32,-15 16-96,15-14 224,0-1-224,-2 0 0,3 0 32,-17 0 32,1 0 32,0 0-64,-1 0 128,-14 15-96,16-15-129,-17 15-63,16-14 160,-15-1-192,0 15 160,15-15-64,-15 15 224,0-15-192,0 0 256,-1 15-224,-14 0 128,0 0-32,0-15 32,0 15-96,0 0 0,-14 0-65,14 0-63,-15-14 96,15 14-32,-15 0 224,15-15-224,-15 0 96,-1 15 32,2-15 128,-1 15-192,-15-15 128,15 15-96,-15-15 96,0 15-96,1 0 0,-1-14 128,0 14-128,1 0 32,-1 0 32,1 0 96,-1-16-64,-1 16-64,2 0-32,14 0 0,0 0 0,0 0 64,0 0-64,15 0-64,0 0 32,15 0 32,-15 0 32,15 0 0,0 0-32,15 0 64,-1-14-32,2 14 0,-3-16-192,18 2 64,-17-2 64,16 2-32,-1-1 32,2 0 64,-17 0 0,1 15 0,-1-15 0,2 0 0,-16 15 0,-15-15 32,0 15 64,0 0-128,-15 0-96,-16 15 160,2-15-96,-1 0 64,1 0 0,13 0 32,-29 0 0,16 0-32,-1-15 0,-14 15 128,14-15-96,1 15-96,-1-15 160,-1 15-160,2-15 96,14 15 0,0-15-32,15 15 96,0 0-192,0 0 64,15 0-32,0 0 64,14 0 0,2-14 0,-1 14-96,14 0 96,-14 0 0,-1-15 0,1 15-32,-1-15 128,-14 15-128,0 0 0,-15 0 128,0 0-128,-15-15 64,0 15-96,-14 0 192,-16 0-288,16 0 224,-17 15-32,3-15-128,-2 0 192,15 0-96,15 0 0,0 0 96,15 0-64,0-15-160,15 15 64,15-15 64,14 15 128,2-15-192,13 1 64,-15-2-96,1 16 64,-1-15 64,-13 15 0,-2-14 64,-14 14 32,-15-16 64,0 16-32,-15 0-192,0 0-32,-15 0 96,-15 0-32,16 0 0,-30 0 0,14 0 32,1-14 32,-2 14-64,17-15 64,-1 15-96,30 0 64,0-15-192,0 15 32,30 0 64,-1-15 0,17 0 32,13 0 96,0 15-96,-14-15 96,14 1-32,-14-1-128,-15 15 192,-1-15-96,-13 0 32,-1 15 64,-30 0 32,-1-15-256,-13 15 128,-16-15-96,0 15 160,1 0-96,-16 0-32,16 0 128,0 0-128,14 0 96,-1 0-32,17 0-32,14 0-32,14-15 0,17 15 32,-1-15 32,14 0 32,0 0-32,1 0 32,-16 0-64,16 15-32,-29-14 64,-2 14 64,1-16 0,-30 16-128,1 0 64,-17 0-64,-13 16 0,14-16 64,-14 14 32,-1-14 64,16 0-224,-1 0 160,14 0-32,16 0 64,0 0-96,16-14 128,-1 14-224,13-16 96,18 16 32,-17-15-32,1 1-64,14-2 192,-29 16-128,15-14 64,-14-1 0,-2 0 0,-14 15 96,-14-15-192,-2 15 32,-14 0-32,-14-15 96,-1 15-64,1 0 64,0 0 0,-2 0-32,17-14-64,14 14 128,0 0-32,15-16-96,15 16 0,0-14 64,14-1-64,17 15 32,-17-15-65,16 0 162,-1 0-65,-14 0 32,14 1-64,-29-1 192,1-1-96,-16 2 160,-16-1-288,-14 15 32,1 0-64,-16 0-257,-14 15 578,15-15-321,-2 0 96,17 14-64,14-14 192,15 0-160,0 0-97,15-14 129,14 14-64,17-15 128,-2 0 65,15 0-161,-14-15 64,-16 15 0,17 0 96,-17 0-96,-14 0-32,0 0 96,-15 0-128,0 0 96,-30 15-128,1-14 32,-2-2 32,-13 16 0,14-14 32,-14 14-32,14 0 64,-1-15 32,18 15 0,-2-15-32,15 15 32,0 0-96,15-15-64,-2 0 64,3 15 96,14-15-192,-15 1 96,-1-1 0,1 15 32,-15-15 64,0 15-192,-15-15 64,1 15 0,-16-15-32,15 15 96,-14-15-64,-1 15 128,-1 0-160,17 0 128,14-14-64,0 14 128,0-16-256,14 2 64,1 14 64,16-15-32,-3 0-32,3-16 32,-1 17 32,-16-1 32,1 0 0,-15 15 0,0-15 0,0 15 0,0-15 0,-29 15-96,14-15 96,-15 15-96,14 0 128,-12 0-160,28 0-64,0 0-256,0 0-33,15 0 257,-2-15 96,18 15 32,-1-15 32,-16 0 32,16 0 0,-15 15 32,-15-15 64,0 15 0,0-15 0,-15 15-96,0 0 64,0-14 32,1 14 0,-1 0 64,0-15-31,15 15-33,0-15 160,0 0-192,15-15 0,-15 15-32,15-15-32,-1 16 128,1-16-32,0 0 128,-15 15 65,15-15-225,-15 16-32,-15-1-160,15 15-225,0-15-191,-15 15-65,15 0-127,0 0-321,15 0-129,-15 15-960,0-15-7110</inkml:trace>
-  <inkml:trace contextRef="#ctx0" brushRef="#br1" timeOffset="190733.9">16178 2990 14381,'-14'0'1345,"14"0"1,0 0-129,0-15-416,29 0-193,1-14 129,14 13-225,1-14-127,30-14-65,-16 14-160,16 1-64,-1-1-128,-15 0-64,-13 14-448,-2 2-674,-14 0-639,-30-1-1827,0 15-4227</inkml:trace>
-  <inkml:trace contextRef="#ctx0" brushRef="#br1" timeOffset="190991.92">16297 2663 12940,'0'0'448,"0"0"-320,0 0-64,0 0 32,0 15 161,0-1-97,-15 16-64,0 15 0,-14-1 96,-1 16 32,0 0 737,-14-16 256,28 1-256,1-15-480,1 0-385,28-15 32,1 0 96,31 0-64,13-15-384,0 0-897,15 0-2178,1-15-9513</inkml:trace>
-  <inkml:trace contextRef="#ctx0" brushRef="#br1" timeOffset="191586.95">18709 3587 13805,'45'-30'1569,"-45"15"-1633,0 15-64,0 0 160,-15 15 288,0 15 353,-16-1 352,-12 16-64,12 0 32,-13-1-289,-15 1-127,14 15-289,-15-16-192,16 1-288,-2-15-449,18 0-159,12-15-161,1 0-897,15-15-1825,0 0-1891</inkml:trace>
-  <inkml:trace contextRef="#ctx0" brushRef="#br1" timeOffset="191823.97">18203 3825 16207,'-15'14'-609,"15"-14"257,0 16 576,0-2 417,0 16 127,-15-15-319,15 15-257,-15 0 321,15 0 191,0 0-191,-14 0 31,14-16 65,14 1-161,1 0-95,15-1-321,14-14-161,2 0-287,-3-14-513,2 14-1473,0-15-3235</inkml:trace>
-  <inkml:trace contextRef="#ctx0" brushRef="#br0" timeOffset="196483.23">11607 5613 7943,'15'0'769,"-15"0"224,0 0 832,0 0-415,0 0-321,0 0-577,0 0-223,-15 0-1,0 16-192,-15-2 64,15 1-128,-29 0-32,14 0-96,0 0 0,1 0 96,14-15 0,-16 14 32,18 1-64,-2 0 32,15 0 128,15 0 64,-2 0 96,2 0 97,16 0-1,-2 0-192,16 0 65,-1-15-97,1 15-96,-15-15-64,0 0-288,-15 15-801,-15-15-1250,0 14-1857</inkml:trace>
-  <inkml:trace contextRef="#ctx0" brushRef="#br0" timeOffset="196679.24">11355 6001 12043,'28'15'961,"-12"0"-353,14-15-31,14 0 480,-14 0 0,-1 14-801,1-14-352,0 15-480,0-15-449,-15 15-321,-15-15-576,15 0-1921</inkml:trace>
-  <inkml:trace contextRef="#ctx0" brushRef="#br0" timeOffset="197320.28">11860 5807 10473,'0'0'1442,"0"0"-1282,15 0 1377,-15 15 65,29 0 160,1 0-449,1 15-737,13-1-191,0-13-225,2-2-128,-17 16 96,16-15-224,-16-15-128,1 15-353,-15-15-448,1 0-704,-3-15-2499</inkml:trace>
-  <inkml:trace contextRef="#ctx0" brushRef="#br0" timeOffset="197508.29">12173 5762 12267,'-15'15'1281,"15"0"-704,-15 15 832,0 0-64,-14 0-512,-1-1-544,0 17-257,15-17-32,-15 1-321,15-15-223,15-1-802,-14 1-1344,28 0-2723</inkml:trace>
-  <inkml:trace contextRef="#ctx0" brushRef="#br0" timeOffset="197746.31">12441 5957 9673,'0'0'2626,"0"14"-2113,-15 1 1473,15 0-129,0 15-576,0-16-544,0 16-609,0-15-32,15 15-320,-15-16-288,15-14-385,0 15-673,-15-15-2562</inkml:trace>
-  <inkml:trace contextRef="#ctx0" brushRef="#br0" timeOffset="198070.31">12828 5762 15438,'45'-15'609,"-45"15"-962,0 0 706,-15 0-1,-15 15 225,-15 15-65,0-15-128,16 15 65,-1-15 95,1 0-191,14 0-289,15 0 0,0-15 192,15 14 0,14 2 161,1-16-161,-1 14-128,1 2 32,15-16-256,-15 14-416,-15-14-802,0 0-1632,-1 15-8041</inkml:trace>
-  <inkml:trace contextRef="#ctx0" brushRef="#br0" timeOffset="198229.33">12694 6016 15694,'0'15'961,"15"-1"-704,-15-14 1120,29 15 96,-14-15-320,0 15-768,15-15-738,-15 15-832,15-15-705,-15 15-2690</inkml:trace>
-  <inkml:trace contextRef="#ctx0" brushRef="#br0" timeOffset="198792.37">13349 5703 10217,'-14'-15'1858,"14"15"-1794,0 0 1089,0 15 993,0 14-160,-15 1-577,15 15-448,0 0 0,15 0-288,-15-1-321,0 1-352,14 0 32,1-16-224,-15 1-673,15 0-544,-15-16-897,0-14-3460</inkml:trace>
-  <inkml:trace contextRef="#ctx0" brushRef="#br0" timeOffset="199463.4">10758 5732 12491,'-14'-14'801,"14"-1"-320,-15 15 800,-1 0-256,1 0-225,-13 15-511,12-1-225,-14 16-32,15 15 0,15 0 32,0-15 32,15 15 0,0-15-64,16-1 64,-3-14 193,3 0 255,13-15 225,1 0-193,0-30 225,-1 15-320,-14-29-33,-30 14-256,0 0 96,-15-15-63,-14 15-33,-1 0-192,-30 15-128,1 0-321,13 15-1152,-13 15-1250,15-15-5765</inkml:trace>
-  <inkml:trace contextRef="#ctx0" brushRef="#br0" timeOffset="200184.44">15300 5852 4163,'-30'-30'11051,"15"15"-10090,-15 0-545,0 15-320,15 0-128,-14 15-32,-2 15 128,16 0-32,15 14 64,-14 2-96,14-17 96,14 16 1,16-16-1,1 1 192,13-15 32,16-15 769,-15 0-96,-1 0-384,0-15-33,-14-15-127,-15 1-65,-15 14-96,-15-15-159,-15 1-33,-14-1-225,0 14-159,-16 2-160,15-1-449,15 15-576,1 0-1058,13 0-1280,16 0-3653</inkml:trace>
-  <inkml:trace contextRef="#ctx0" brushRef="#br0" timeOffset="200422.46">15910 5718 16271,'74'-15'1217,"-59"15"-672,-30 0 287,0 15-511,-29-15-97,-1 14 160,1 1-95,13 15 191,-13-15-64,29 0 65,0-15-161,15 15 129,15 0-65,0 0-192,29 0-32,2 0 0,-2 0-352,15 15-384,-29-30-738,0 14-768,-15 2-2338</inkml:trace>
-  <inkml:trace contextRef="#ctx0" brushRef="#br0" timeOffset="200566.47">15746 6001 15150,'-30'30'3171,"30"-30"-3171,0 14 737,30 1 416,14 0 128,2-15-993,-2 15-736,1-15-417,-1 15-576,1-15-1987,-15 0-10056</inkml:trace>
-  <inkml:trace contextRef="#ctx0" brushRef="#br0" timeOffset="200769.48">16252 5882 15726,'45'15'1634,"-16"-15"-673,-14 14 544,15 2-960,0 14 63,-15-16-351,15 1-289,-1 0-449,-13 0-576,-1-15-705,0 0-2241,-15 0-6183</inkml:trace>
-  <inkml:trace contextRef="#ctx0" brushRef="#br0" timeOffset="200948.49">16521 5777 15662,'-30'45'1794,"0"0"-1057,0-15 1345,15 14-545,-14 1-1088,13 0-289,16-1-160,0-14-385,0-1-383,0-14-1058,16 0-1569,-2-15-6439</inkml:trace>
-  <inkml:trace contextRef="#ctx0" brushRef="#br0" timeOffset="201302.51">16728 6016 17232,'16'-15'64,"-1"15"192,0 0 1153,-1 0-832,1 0-449,0 15-160,0-15-96,-15 15 64,0-1-32,-15 1 64,0 0-64,0 0 128,-14 0 0,29 0 32,-15-1-64,15 1 96,0-15-96,15 0 96,0 15-288,14-15-705,-14 0-448,15-15-1570,-15 15-5989</inkml:trace>
-  <inkml:trace contextRef="#ctx0" brushRef="#br0" timeOffset="201605.53">17310 5822 16047,'0'0'-1282,"-15"0"1058,0 0 481,-15 15 511,0 0-127,15 0-577,-15 0-32,15 0 0,15-15 64,0 14 256,0 16 33,15-14-1,15-2-64,-15 1 1,15 0-193,0-15-128,0 15-449,-16-15-832,1 0-2626</inkml:trace>
-  <inkml:trace contextRef="#ctx0" brushRef="#br0" timeOffset="201785.54">17146 6045 17808,'59'15'225,"-29"0"928,0 0 320,0 0-288,14 0-768,-13-1-417,-16-14-289,-2 15-383,3 0-1410,-16-15-2082,0 15-9353</inkml:trace>
-  <inkml:trace contextRef="#ctx0" brushRef="#br0" timeOffset="202059.55">17607 5658 15150,'0'15'961,"0"0"-577,15 15 801,-15 14 481,15 16 63,0 0-287,0 15-609,-15-16-353,15 0-320,-1 0-128,1-14-32,16 0-512,-31-15-705,15 0-513,-15-15-1121,13-15-5124</inkml:trace>
-</inkml:ink>
-</file>
-
-<file path=ppt/ink/ink13.xml><?xml version="1.0" encoding="utf-8"?>
-<inkml:ink xmlns:inkml="http://www.w3.org/2003/InkML">
-  <inkml:definitions>
-    <inkml:context xml:id="ctx0">
-      <inkml:inkSource xml:id="inkSrc0">
-        <inkml:traceFormat>
-          <inkml:channel name="X" type="integer" max="2560" units="cm"/>
-          <inkml:channel name="Y" type="integer" max="720" units="cm"/>
-        </inkml:traceFormat>
-        <inkml:channelProperties>
-          <inkml:channelProperty channel="X" name="resolution" value="56.63717" units="1/cm"/>
-          <inkml:channelProperty channel="Y" name="resolution" value="28.34646" units="1/cm"/>
-        </inkml:channelProperties>
-      </inkml:inkSource>
-      <inkml:timestamp xml:id="ts0" timeString="2011-09-30T05:22:30.556"/>
-    </inkml:context>
-    <inkml:brush xml:id="br0">
-      <inkml:brushProperty name="width" value="0.05292" units="cm"/>
-      <inkml:brushProperty name="height" value="0.05292" units="cm"/>
-      <inkml:brushProperty name="color" value="#0000FF"/>
-    </inkml:brush>
-  </inkml:definitions>
-  <inkml:trace contextRef="#ctx0" brushRef="#br0">23039 13315</inkml:trace>
-</inkml:ink>
-</file>
-
-<file path=ppt/ink/ink14.xml><?xml version="1.0" encoding="utf-8"?>
-<inkml:ink xmlns:inkml="http://www.w3.org/2003/InkML">
-  <inkml:definitions>
-    <inkml:context xml:id="ctx0">
-      <inkml:inkSource xml:id="inkSrc0">
-        <inkml:traceFormat>
-          <inkml:channel name="X" type="integer" max="32767" units="in"/>
-          <inkml:channel name="Y" type="integer" max="25399" units="in"/>
-          <inkml:channel name="F" type="integer" max="32767" units="dev"/>
-        </inkml:traceFormat>
-        <inkml:channelProperties>
-          <inkml:channelProperty channel="X" name="resolution" value="4096.38672" units="1/in"/>
-          <inkml:channelProperty channel="Y" name="resolution" value="5080.81592" units="1/in"/>
-          <inkml:channelProperty channel="F" name="resolution" value="0" units="1/dev"/>
-        </inkml:channelProperties>
-      </inkml:inkSource>
-      <inkml:timestamp xml:id="ts0" timeString="2011-09-30T05:25:38.199"/>
-    </inkml:context>
-    <inkml:brush xml:id="br0">
-      <inkml:brushProperty name="width" value="0.05292" units="cm"/>
-      <inkml:brushProperty name="height" value="0.05292" units="cm"/>
-      <inkml:brushProperty name="color" value="#0000FF"/>
-    </inkml:brush>
-    <inkml:brush xml:id="br1">
-      <inkml:brushProperty name="width" value="0.05292" units="cm"/>
-      <inkml:brushProperty name="height" value="0.05292" units="cm"/>
-      <inkml:brushProperty name="color" value="#00FF00"/>
-    </inkml:brush>
-  </inkml:definitions>
-  <inkml:trace contextRef="#ctx0" brushRef="#br0">12277 2871 12748,'-30'0'993,"30"0"192,0 0-385,0 0-95,0 0 32,15 0-257,0 0 193,0 15-321,15-15-64,-15 0-63,14 15 63,2-15 32,13 0-128,-14 0-31,14 0-33,-14-15-128,0 15 32,-1 0-32,-14-15-321,0 15-63,1-16-289,-2 16-736,1-14-32,-15 14-513,0 0-1473,-15-15-3620</inkml:trace>
-  <inkml:trace contextRef="#ctx0" brushRef="#br0" timeOffset="245.01">12545 2781 7559,'-15'0'2018,"0"-15"-673,15 15-737,15 0-383,-15 0 768,15 0-129,0 0-351,14 0-129,-14 0-31,15 15-1,0 0-32,0-15-128,-15 16-63,14-2-65,-13 1 64,-1-1-64,0 2-32,-15-1 96,0 15 0,-15-16 64,0 1-192,-15 15-64,-15-15-128,0 15-224,15 0-1698,-14 0-7047</inkml:trace>
-  <inkml:trace contextRef="#ctx0" brushRef="#br0" timeOffset="8336.44">3791 5435 2274,'0'0'2498,"0"0"-2018,0 0 321,0 0 1025,0 0 0,0 0-481,0 0-480,0 0-321,0 0-63,0 0-289,0-15-64,0 15 0,0 0 128,15 0 161,-15-15 95,0 15 129,0-15-129,0 15-127,14-15-97,-14 0-96,0 0-96,15 0-32,-15-15-32,15 15 0,-15-14 65,15 14-33,0-15 32,-15 15-32,15-14-32,0-2 0,-15 1 0,15 16 0,0-16 32,0 15 0,-1-15 64,1 1 0,-15-1 64,15 0-31,0 15-33,0-15-96,-1 0 224,1 1-96,0-2-96,0 2-64,-15 0 32,29-2 0,-14 1 0,1 1 0,14-1 0,-16 0 128,1-14-31,15 13-97,-15 2-32,0-1 64,15 0 32,-15 0-128,0 16 32,-1-17 96,16 1-192,-15 1 64,1-1 32,12 15 32,-13-15-256,16 1 256,-16 14 0,-2-15 512,3 15-448,14 1-96,-15-17 0,14 17 64,1-16-160,0-1 160,15 2-32,-16-1-64,1 0 64,1 15 0,-2-15-32,-14 15-32,15-14 64,-1 14-32,1-15 32,-1 15-32,1-14 0,0 13 32,0-14-32,0 16 32,0-16-32,0 15-32,0 0 0,-1 0 0,1 1 0,0-2 64,-1-13-32,16 14 0,-16 0-32,2 0 32,-2 0 32,16-15-32,-15 15 32,0 0-32,14 0 0,-14 0 0,16-15 32,-3 16-64,1-1 0,2-15 0,-17 15 32,16 0 0,-15 0 32,15 1-32,-16-1-32,16-1 32,-16 2 32,17-1-32,-2-14-32,-14 13 32,14 1 32,1 1-128,-15-1 160,15 0-128,-16 15 64,2-15 0,12 0-32,-12 0 32,13 0-64,-14 0 32,14 0 64,-14 15-64,15-15 128,-15 0-160,14 0-64,-13 0 160,13 1 0,-14-1-64,0 0 96,14 0-192,-14-1 160,14 16 0,2-14 64,-17-15-192,16 29 96,0-16 32,-1 1-64,-14 0 32,0 1 64,-1 14-32,-14-15 64,16 15-256,-3-15 128,3 15 128,-2-15-160,1 15 64,15-15 0,-15 15 0,0-15 96,14 1-224,-13 14 128,-3 0 0,3-15 64,-1 15-96,-1-15 32,16 15 96,-16-15-160,16 15 96,-15-15-64,15 15 64,-16-16-64,17 16-32,-17-14 160,16 14-32,-16 0-192,1 0 192,0-15-96,-1 15 64,2 0-32,13-15-96,1 15 192,-15-15 0,15 15-192,-16 0 96,16-15 64,-16 15-128,17-15 64,-18 15 0,18 0 160,-2 0-192,1-15 64,0 15 32,-1 0 32,-14 0-64,14-15-32,2 15 64,-2 0-64,1-14 33,-1 14 31,-14 0 128,30 0-160,-16 0 0,2 0 96,13 0 0,-15 0-32,1-16-96,-1 16 0,-14 0 192,0 0-288,0 16 128,0-16 32,-16 0-96,17 0 96,-1-16-32,-16 16 32,16 0 1,0 0-162,-1 0 129,-14-15-64,0 15 32,-15 0-64,0 0-64,0 0-416,-15-14-1122,0 14-3491</inkml:trace>
-  <inkml:trace contextRef="#ctx0" brushRef="#br0" timeOffset="14157.8">9850 2423 6918,'0'15'737,"0"-15"-961,15 0 768,-15 0-31,15 0-481,14 0 32,2 0-481,-1 0-223,-1 0-417,1-15-545,0 15-800</inkml:trace>
-  <inkml:trace contextRef="#ctx0" brushRef="#br0" timeOffset="14300.81">10357 2438 4964,'29'16'961,"-14"-16"-801,16 0-96,-3 0-256,-13 0-833,16 0-865,-2 0-832</inkml:trace>
-  <inkml:trace contextRef="#ctx0" brushRef="#br0" timeOffset="14460.82">10832 2468 2370,'31'0'576,"-16"15"706,0-15 159,14 0-961,-14 0-384,15 0-224,-16 0-1441,16 0-2051</inkml:trace>
-  <inkml:trace contextRef="#ctx0" brushRef="#br0" timeOffset="14597.83">11176 2528 1153,'30'15'256,"-16"-15"288,1 15 225,15-15 288,-15 0 609,-1 0-577,1 15-769,0-15-320,16 0-2050</inkml:trace>
-  <inkml:trace contextRef="#ctx0" brushRef="#br0" timeOffset="14763.84">11563 2663 8456,'29'14'32,"-14"1"128,0-15-32,0 0-128,14 15 32,-14-15-384,0 0-705,1 0-1282</inkml:trace>
-  <inkml:trace contextRef="#ctx0" brushRef="#br0" timeOffset="14899.84">11845 2855 3747,'30'16'192,"-30"-16"-192,15 0-768,0 0-1282</inkml:trace>
-  <inkml:trace contextRef="#ctx0" brushRef="#br0" timeOffset="15051.84">12025 2916 2914,'15'14'5445,"-15"1"-5284,13-15 543,-13 15 225,15-15-673,1 15-704,-16-15-641,15 15 160,-15 0-961,15 0-2082</inkml:trace>
-  <inkml:trace contextRef="#ctx0" brushRef="#br0" timeOffset="15187.84">12217 3110 1473,'15'14'3876,"0"1"-3812,-15-15 32,15 16-160,0-16-1410,-15 14-928</inkml:trace>
-  <inkml:trace contextRef="#ctx0" brushRef="#br0" timeOffset="15268.87">12366 3213 3555,'0'16'-288</inkml:trace>
-  <inkml:trace contextRef="#ctx0" brushRef="#br0" timeOffset="15405.88">12515 3422 6694,'30'0'-128,"-30"0"32,0 0-1442</inkml:trace>
-  <inkml:trace contextRef="#ctx0" brushRef="#br0" timeOffset="15563.89">12679 3557 8584,'15'30'288,"-15"-16"-64,15 1-448,-15 0-2339</inkml:trace>
-  <inkml:trace contextRef="#ctx0" brushRef="#br0" timeOffset="15708.89">12828 3750 12267,'15'30'160,"-15"-15"-128,0 0 32,0 0-864,0-1-5991</inkml:trace>
-  <inkml:trace contextRef="#ctx0" brushRef="#br1" timeOffset="29667.69">12232 4361 14093,'-30'0'672,"16"0"-383,14 0 1152,0 0-448,0 0-545,14 0 1,16 16 95,0-16-95,15 0-1,-1 0-95,-14 0-193,16 0-160,-17 0 96,16 0-384,-31 0-257,16 0-544,-15 0-1121,0-16-3844</inkml:trace>
-  <inkml:trace contextRef="#ctx0" brushRef="#br1" timeOffset="29897.71">12456 4227 8263,'0'15'7784,"0"0"-8361,30-15 737,-15 15 513,14-15 288,1 15 256,-1 0-224,1-15-224,-15 14-321,15 2-96,-15-2-191,-15 1 63,0 15 32,-29-15-160,-2 15-32,1 0-64,-14 0-640,14 0-1122,-14 0-1729,14-16-9514</inkml:trace>
-  <inkml:trace contextRef="#ctx0" brushRef="#br1" timeOffset="30794.76">18769 4764 15822,'-30'0'0,"30"0"97,0 0 1344,15 0-512,0 0-160,15 0-289,14 14-128,1-14-63,14 0-33,0 0-288,1 0-481,0 0-1184,-15 0-3012</inkml:trace>
-  <inkml:trace contextRef="#ctx0" brushRef="#br1" timeOffset="35502.03">3850 5315 9064,'-15'15'481,"15"-15"-417,0 0-193,0 0 258,0 0 896,0 0 192,0 0-609,15 0-95,-15-15 31,0 15-31,0 0 127,0 0 1,0-15-64,0 15-1,0-15-95,0 0-33,15 1-128,-15-17 97,15 17-225,-15-1-64,15-14 0,-15 13 0,15-13 32,-15-1 1,15 15-33,0-15 32,0 0 96,-1 1-96,1 14-96,-15-15 96,15 0 65,0 0-1,-15 0-32,15 1-32,-1-17-64,1 17 0,0-1 0,0 0-64,1 1 0,12-16 1,3 15-33,-16-14 0,14 13 32,1-13-32,0 14 64,0 0-32,-15 1 64,14-2-192,-14 1 160,15 1-96,1 14 0,-3-15 64,3 0 0,-3 1-289,3-1 578,13 0-289,-14 1 32,0-1-32,0 14 32,0-13-128,14-1 64,-13 15 0,-3-15 32,3 0-32,13 0 32,-14 15 0,0-15-96,-1 16 128,1-16-128,1 15 96,-2 0-32,1-14 0,15 13 0,-15-14 64,-1 16-64,1-16 0,14 0-64,-14 15 96,0-15-32,-1 16 32,2-16-32,-2 15-64,1-15 64,0 15 32,0 0-64,0-15 32,-1 15-32,1 0 64,0 1-96,-1-2 64,1 2 0,1-1-32,-2 0 0,1 0-32,-1 0 0,1 0 64,0 0 0,0 1-32,0-1-64,-1-1 32,1 2 160,-15 14-192,14-15 96,2 0 0,-1 1 0,-1-2 32,1 1-64,-1 1-1,1 14 33,0-15 0,0 15-32,-15-15 0,15 0 32,14 15 0,-13-15 0,-3 15 32,3-15-96,-1 0 64,-1 15 0,1-15 0,-1 15-32,1 0 32,15-15-32,-15 15 32,0-15 96,0 15-160,0-15 64,-1 15 32,16 0-64,-15-15 32,-1 15-32,1-15 64,-1 15-32,17 0 0,-17-14 0,1 14 0,15 0-32,-15-15 32,0 15 0,14 0 0,-14-15 0,-1 15 32,2 0-32,-3-15 0,18 15 0,-17 0 0,1-16 96,0 16-224,0 0 288,0 0-256,0-14 32,14 14 160,-13 0-160,-2-15 160,1 15-96,-15 0-32,14 0 96,1-14-64,-1 14 33,-14 0-66,15 0 66,0 0-33,0 0 0,0 0 64,-1-16 32,-13 16-64,14 0 128,-1 0-224,-14 0 128,15 0-64,-15 0 0,14 0 64,1 0 0,-15 0-32,14 0 32,2 0 0,-2 0-64,-14 0 96,15-15-96,-15 15 32,15 0-64,-15 0 32,15 0 96,-16 0-96,16 0 0,-15 0 64,14 0-64,1 0 32,-15 0-64,14-15 64,1 15 0,1 0-64,-2 0 32,1 0 0,0 0 32,0 0 0,-15 0-32,15 0 97,-1 0-97,1-14 0,-14 14 128,12 0-256,3-15 192,-3 15-96,3 0 64,-1 0-96,-16-15 96,16 15-32,0 0 0,0 0 32,0-15 0,-1 15 0,1-15 64,1 15-128,-3-15 32,3 15 96,-2-14 0,1 14 0,15-15-32,-16 15 64,1-15-32,0 15 32,0-15-32,0 0-160,0 15 161,0-16-1,-1 16-96,1-14-32,0 14 64,-1-15-32,1 15 96,-1-15-128,1 15 64,1-15 0,-2 15 0,1-15 0,-1 0-64,2 15 32,-1-15 96,-1 15-224,1-15 96,14 15 160,-14-14-256,1 14 160,13-16 32,-14 16-128,-1-15 32,1 15 128,0-14-192,0-1 160,14 0-128,-14 0 160,1 0-128,12 15 128,-12-15-160,13 1 64,-14-1-64,14 0 96,-14 0 0,0 1 32,15-2-64,-1 2 224,-13-2-320,13 2 192,1-16-320,-1 15 640,0-15-480,1 0 224,0 15-256,0-15 192,15 0-96,-16 1 64,1 14-64,-1-15 96,-14 15-160,-14 15 64,-3-14-352,-13 14-737,15-15-1409,-30-1-5158</inkml:trace>
-  <inkml:trace contextRef="#ctx0" brushRef="#br1" timeOffset="51148.92">13245 3720 1729,'16'0'1826,"-16"0"-32,0 0-289,0 0 321,0 0 160,0 0-65,0 0-447,0 0-289,0 0-288,-16 0-225,1 0-223,0 0-193,-14 0-64,-1 16 32,-15-16-63,0 0-33,1 0-32,-17 0-32,-13 0-96,0 0 32,15 0 0,-16 0 0,0 0 0,1 0 128,15 0 0,0 0-96,13 0-64,-13-16 64,14 16 0,0 0 32,16 0-32,-1 0-32,15 0 0,0 0-96,15 0 96,-14 0-96,-1 0 32,15 0 64,0 16-128,-15-16 192,15 0-224,0 14 128,0-14 0,0 15 128,-16-15-192,16 15 96,0-15 32,-15 15 0,15 0 32,0 0-32,0 14 64,0-14-128,-13 15 64,13 15-96,0-15 64,0 15-32,0 0 32,0 0 0,0 14 0,0-15 64,0 16-192,0 0 128,-15-1-32,15 16 96,0-15-32,-16-16 160,16 16 160,0-16-31,-15 1-33,15 0-160,0 0-32,15-16-64,1 1 0,-16-15 0,15 15-96,-2-15 96,2 0 32,16-15 32,-16 15 65,14 0 31,1-15 32,14 0-32,1 15-32,0-15-128,-1 0 0,17 14-32,-2-14 32,15 0 32,0 0 1,1 0-65,15 0 32,-1-14-32,-1 14-32,17 0 96,-15 0-32,15 0 0,-2 0-64,1 0 32,0 0 0,16 0 0,-2 0 0,2 0 32,-16 0-32,30 14 0,-15-14 0,15 0 0,-15 0 64,15 0-96,-15 15 0,1-15 32,13 0 32,-13 15-32,-1-15-32,-1 0 96,17 0-32,-16 0 32,14 0-128,2 0 64,-1 0 32,0 0-64,-15 0 0,15-15 64,0 15-32,-15 0-32,1 0 64,-2-15 0,1 15-96,1 0 64,-1-14-32,-1 14 0,-13-15 0,14 15 32,-30 0 32,16-15-32,-16 15-32,0 0 64,1-15-32,-1 15-32,0 0 32,-14 0 64,0 0-160,-31 0 128,1 0-96,-1 0 96,15 0 0,2 0-32,13 0 0,-14 0-96,-1 0 128,0 0 32,0 0-64,-13 0 0,-2 0-32,16 0 64,-15 0-32,-1 0 0,1 0-32,-16 0 0,2 0 96,12 0-64,-12 0 0,-16 0 0,0 0 32,-1 0-32,1 0 32,0 0 0,0-15-32,-15 15-96,15 0 0,0-15 31,0 15 33,0-15 96,-15 15-128,15-15 96,-15 15-32,0-15-32,0 0 129,0 0-130,-15 1 33,15-1-32,0-1 0,-15-13 129,15 14-162,0-15 33,0 0 32,0-14 0,-15 14-32,15-15 64,0 1-32,0-16 0,0 15 32,0-15-32,0 15 0,0-14-32,0 14-224,0 1 641,0-15-353,15 14 0,-15 0-128,0 0-1,0 15 97,0-15-64,15 0-64,-15 16 128,0-1-96,0 0 96,15 1-32,-15 13 0,0 2 0,0 14-64,-15-16 96,15 2-96,-15 14 32,-15 0 32,15-15-32,-15 15-32,-14 0 96,14 0 64,-14-15-96,-15 15 0,-2 0 0,-13 0 64,-1 0 32,0 0-64,-14 0-64,1 0 64,-2 0 64,-30 0-64,2 0 0,-16 0 0,-15 0-64,14 0 64,17 0-32,13 0 64,2 0-64,-2 0 0,-14 0 64,-1 0-64,-13 0 32,13 0 32,1 0-32,15 0-32,-14 0 64,-2-15 0,1 15-64,1 0 64,-2 0-32,16 0 0,-16-15 0,2 15 32,-2 0-96,-14 0 32,16 0 128,-2 0 0,1 15 32,0-15-128,0 0 32,-1 0 32,-14 15-64,16-15-32,-17 15 64,1-15 0,1 15 160,-1-15 0,-1 0-96,1 0 129,0 0-289,16 0 128,-17 14-128,1-14-129,16 16-159,-31-2-449,0 16-1120,-1 0-3525</inkml:trace>
-</inkml:ink>
-</file>
-
-<file path=ppt/ink/ink15.xml><?xml version="1.0" encoding="utf-8"?>
-<inkml:ink xmlns:inkml="http://www.w3.org/2003/InkML">
-  <inkml:definitions>
-    <inkml:context xml:id="ctx0">
-      <inkml:inkSource xml:id="inkSrc0">
-        <inkml:traceFormat>
-          <inkml:channel name="X" type="integer" max="32767" units="in"/>
-          <inkml:channel name="Y" type="integer" max="25399" units="in"/>
-          <inkml:channel name="F" type="integer" max="32767" units="dev"/>
-        </inkml:traceFormat>
-        <inkml:channelProperties>
-          <inkml:channelProperty channel="X" name="resolution" value="4096.38672" units="1/in"/>
-          <inkml:channelProperty channel="Y" name="resolution" value="5080.81592" units="1/in"/>
-          <inkml:channelProperty channel="F" name="resolution" value="0" units="1/dev"/>
-        </inkml:channelProperties>
-      </inkml:inkSource>
-      <inkml:timestamp xml:id="ts0" timeString="2011-09-30T05:29:53.984"/>
-    </inkml:context>
-    <inkml:brush xml:id="br0">
-      <inkml:brushProperty name="width" value="0.05292" units="cm"/>
-      <inkml:brushProperty name="height" value="0.05292" units="cm"/>
-      <inkml:brushProperty name="color" value="#0000FF"/>
-    </inkml:brush>
-    <inkml:brush xml:id="br1">
-      <inkml:brushProperty name="width" value="0.05292" units="cm"/>
-      <inkml:brushProperty name="height" value="0.05292" units="cm"/>
-      <inkml:brushProperty name="color" value="#FF00FF"/>
-    </inkml:brush>
-  </inkml:definitions>
-  <inkml:trace contextRef="#ctx0" brushRef="#br0">6118 8713 12139,'-45'15'288,"45"0"-224,0-15-64,0 0 321,0 0 736,15 0 96,0 15-385,14-15-255,1 0-129,16 0 1,13 0-97,1 0-128,-1 0-96,-14 0 0,14 0 0,-15 0-96,2-15 0,-2 15 0,-14 0-192,0 0-385,-15-15-480,-15 15-352,0-15-865,0 0-1826</inkml:trace>
-  <inkml:trace contextRef="#ctx0" brushRef="#br0" timeOffset="246.01">6505 8609 11210,'-15'15'1089,"15"-15"-1089,15 0 128,-1 15 353,1-15 512,31 14 96,-17 1-545,16-15-159,-15 30-65,15-15 0,-16 0 65,1 15-33,-15-15-128,-15 15-160,0 0 32,-15 0 96,-15-15-160,1 15 0,-16-1-32,0-14-256,-14 15-192,13-1-641,2 1-1378,-1 0-3042</inkml:trace>
-  <inkml:trace contextRef="#ctx0" brushRef="#br0" timeOffset="4510.25">8142 5956 2178,'0'0'2274,"0"0"-609,0 0-63,0 0-385,0 0-352,0 0-129,0 0 1,0 0 32,0 0 96,0 0 0,0 0 31,0 0-415,0-15-1,0 15-127,0 0 63,0-15-160,0 0-96,0 15 97,15-15-65,-15 1 0,0-2-32,0 2 96,16-16-95,-16 15-65,15-15 0,-15 0 0,14 1 32,1-1 32,-15 0-64,15 1-32,0-1 96,-15 0-128,15 0 65,0-15-1,0 15 0,0 0 0,0 0-32,0 1-32,-15-1 32,14-14 0,1 13 0,0 2 32,0 0-96,-15-2 32,15 1 0,-1 1 0,1-1-64,0 0 64,0 0 0,1 0 0,-3 0 0,2 1 0,1-2-128,-1 2 128,0 0 64,-1-2-192,1 2 128,0-1-64,0 15 32,0-15 0,0 1 96,0-1-160,0 0 128,0 0-160,0 0 96,0 0 0,-1 1 0,1-2 0,16 2-64,-16 0 192,-2-2-224,18 17 32,-16-16 224,14 0-224,-14 0 64,15 0 0,-15 1-32,14-1-160,-14 0 576,15 0-351,0 0 31,0 0-128,-1 0 64,1 0-65,1 1 130,-2 13-65,1-13 32,-1-1-64,16 15 32,-15-14 0,-1-1 96,1 0-128,15 1 64,-15-1-96,-1 0 32,17 15 32,-17-15 0,16 0 0,-16 15 0,16 0 0,-16-15 96,1 15 0,15-15-32,-15 15 0,0 1-96,0-1 128,0-15-96,0 15 0,-1 0 0,1 15 0,-1-14-128,-14-2 224,16 2-160,-3-1 64,3 0 0,13 0 0,-14 0 0,-15 15 0,15-15 32,0 15 32,0-15-160,-1 1 96,1-1 0,-1 15 0,2-16 0,12 2 0,-12-1 0,14 0 0,-1 15 0,-14-15 0,15 0 0,-1 0 0,-13 15 0,13-15 0,-14 0 0,0 15 0,-1-15 0,16 0 96,-16 15-160,17-15 96,-2 0-96,0 1 64,2-1 64,-2 0-128,1 15 64,14-15 32,-15 0-64,17 0 32,-17 15 0,16-15-32,-15 1 64,-1 14-32,0-15 0,2 15-32,-3-15 64,3 0-32,-2 15 0,1-16 0,-15 16 96,15-14-160,-16 14 96,2-15-64,-3 15 32,18-14-32,-17 14 32,1 0 0,14-16 0,-14 16-64,0 0 128,15-15-32,-15 15-64,15 0 96,-15-15-96,14 15 0,-14-14 64,14 14-32,-14-15-32,14 15 128,-13 0-192,13 0 64,1 0 32,-15 0 0,0-15 0,14 15 32,-14 0-32,-1 0-64,1 0 160,14 0-128,-14 0 32,1-15 0,-2 15 0,1 0 0,0 0 64,0-15-96,-15 15 32,15 0-64,-1 0 64,1 0 0,-1 0-128,2 0 160,-1 0 64,-1 0-96,1 0-32,-1 0 0,1 0 96,0 0 32,0 0-192,0 0 160,14 0 0,-13 0-320,-1 0 544,-1 0-288,16 0 64,-16 0-160,-14 0 160,15 0 64,-1 0-128,-14 0 64,0 0 0,1 0-96,-2 0 32,1 0-64,-15 0-544,0 0-1154,-15 15-1537,1-15-9994</inkml:trace>
-  <inkml:trace contextRef="#ctx0" brushRef="#br0" timeOffset="5397.3">13845 2752 7879,'0'0'4228,"0"0"-3619,0 0 255,0 0 770,30 0-545,0 0-513,0 0-319,15 0-129,-16 0-128,16 0 0,-16 15 32,1-15-192,-1 0-481,-14 15-928,0-15-1346,1 0-1858</inkml:trace>
-  <inkml:trace contextRef="#ctx0" brushRef="#br0" timeOffset="5931.33">14544 2811 9769,'16'15'1121,"-1"-15"-961,-15 0 96,15 0-256,-1 0-576,-14 0-1,15 15-800,0-15-2467</inkml:trace>
-  <inkml:trace contextRef="#ctx0" brushRef="#br0" timeOffset="6061.34">14798 2916 2978</inkml:trace>
-  <inkml:trace contextRef="#ctx0" brushRef="#br0" timeOffset="6269.35">14679 2931 7238,'60'0'-2114</inkml:trace>
-  <inkml:trace contextRef="#ctx0" brushRef="#br0" timeOffset="6443.36">15260 3035 14669,'15'15'545,"-1"-15"-994,1 0 482,15 0-1731,-15 0-2786</inkml:trace>
-  <inkml:trace contextRef="#ctx0" brushRef="#br0" timeOffset="6615.37">15647 3169 12043,'29'15'448,"-14"-15"-512,0 0-320,0 15-2179,1-15 321,-3 0 64</inkml:trace>
-  <inkml:trace contextRef="#ctx0" brushRef="#br0" timeOffset="6783.38">16019 3363 9416,'29'15'257,"-14"0"-161,0-15-801,16 0-2978</inkml:trace>
-  <inkml:trace contextRef="#ctx0" brushRef="#br0" timeOffset="6940.39">16347 3541 14862,'29'16'64,"-14"-16"352,1 14-416,-16-14-256,15 0-609,-15 0-3171</inkml:trace>
-  <inkml:trace contextRef="#ctx0" brushRef="#br0" timeOffset="7070.4">16689 3735 10345,'45'46'-512,"-45"-32"-161,14 1-128,-14 15-2530,0-30-1696</inkml:trace>
-  <inkml:trace contextRef="#ctx0" brushRef="#br0" timeOffset="7250.41">17046 4108 18065,'45'30'160,"-30"-15"-160,15 0-769,-15 0-2338,0 0 0,-15 0-801</inkml:trace>
-  <inkml:trace contextRef="#ctx0" brushRef="#br0" timeOffset="7402.42">17389 4451 16207,'15'45'288,"0"-30"-160,-1-1-352,-14 16-1538,15-15-1120,-15 0-1282</inkml:trace>
-  <inkml:trace contextRef="#ctx0" brushRef="#br0" timeOffset="7575.42">17553 4854 13676,'29'44'3524,"-14"-30"-3268,0 17-160,0-17-1345,1 1-1378,-16 0-1440</inkml:trace>
-  <inkml:trace contextRef="#ctx0" brushRef="#br0" timeOffset="7756.44">17850 5360 18289,'15'44'64,"0"-14"-96,0-15-256,0 0-737,0 1-64,0 13-1154,-15-14-3362</inkml:trace>
-  <inkml:trace contextRef="#ctx0" brushRef="#br0" timeOffset="7907.45">18074 5733 544,'15'44'17425,"0"-14"-16240,-15-15-705,14 15-448,1-16-320,-15 16-289,0-15-896,0 0-5894</inkml:trace>
-  <inkml:trace contextRef="#ctx0" brushRef="#br0" timeOffset="8051.46">18089 6254 23734,'0'60'1698,"0"-31"-2787,0 1-4293,-15 0-10056</inkml:trace>
-  <inkml:trace contextRef="#ctx0" brushRef="#br0" timeOffset="24303.39">6132 9816 6309,'-14'15'1474,"14"-15"-33,-15 0 257,15 0 96,0 0-129,0 0-736,0 0-96,0 0-193,15 0-191,-1 0-129,16 14-64,0-14 33,0 0-1,15 0-256,0 0 32,14 0-32,-14 0-32,14-14-192,-15 14 384,-14 0-320,15 0-96,-15-15-257,-15 15-127,0 0-97,-1 0-128,-14 0-1153,0 0-2082,0-15-3939</inkml:trace>
-  <inkml:trace contextRef="#ctx0" brushRef="#br0" timeOffset="24562.4">6490 9697 7975,'15'0'481,"-1"-15"-225,16 15 512,-15 15 674,15-15 95,-15 15-480,15 0-480,-15 0-129,-1-1-63,2 1 63,-1 1-32,0-2-63,-15 1-1,15 0 32,-15-1-95,0 2-33,0-1-128,-15 0-64,0 15-160,-16-16-384,2 16-1570,-1 0-4004</inkml:trace>
-  <inkml:trace contextRef="#ctx0" brushRef="#br0" timeOffset="29023.66">9021 10278 5605,'0'0'3747,"-15"0"-2369,15 0-161,0 0-929,0 0 417,0 0 192,0 0-225,15 15-127,0-15 31,15 0-31,0 0-225,-1 0-256,2 15-64,13-15-288,-14 0-641,-15 0-865,14 0-1120,-14 0-3268</inkml:trace>
-  <inkml:trace contextRef="#ctx0" brushRef="#br0" timeOffset="30501.74">10838 10353 4388,'-15'0'1793,"15"0"-63,-15 0 384,15 0-448,0 0 159,0 0-511,0 0-450,0 0-351,0 0-225,0 0 129,15 0-1,0 0-96,14 14-32,16-14 1,-1 0-97,16 0 64,14 15 129,2-15-65,-2 0-96,14 0-160,-13 0 96,-15 0-224,0 15 32,-1-15 32,-15 0-96,-14 0-192,1 0-161,-18 0-447,2 0-706,-15 0-1217,0 0-2145</inkml:trace>
-  <inkml:trace contextRef="#ctx0" brushRef="#br0" timeOffset="32686.86">13146 10412 5317,'0'0'1217,"0"0"448,0 0-95,0 0-193,0 0-480,0 0-353,0 0 161,0 0 96,0 0-225,14 0-63,-14 0-65,15-15 1,15 15-129,-14 0-128,12 0 0,3 0-96,-3 0-63,3 0 95,13 0-32,1 0-32,15 0-32,-1-15 0,2 15-32,13 0 64,-15 0-32,15 0-32,-14 0 0,15 0 32,-1 0 64,0 0-96,16 0 32,-1-15 0,1 15 32,13-14-64,-13 14 0,-1 0 224,-14-15-160,-1 15 65,-14 0-129,-1 0 96,1 0-96,-1 0 64,-14 15-32,-15-15-321,-15 0-447,-1 14-1314,-14-14-1954</inkml:trace>
-  <inkml:trace contextRef="#ctx0" brushRef="#br0" timeOffset="34396.96">17538 8072 12908,'15'-14'-385,"-15"14"353,0 0-32,15 14-96,-15 17 320,14-2 321,-14 16 127,15-1-63,-15 16 127,15 0-159,-15-1-33,0 16-159,15 0-193,-15-1 64,16 15-64,-16-14-32,0 15-64,13-31-32,2 15-64,0-29-64,1 0-64,-1-1 32,-2-14-225,3 0 1,-16-15-128,15 0-545,-15 0-833,-15-15-1922</inkml:trace>
-  <inkml:trace contextRef="#ctx0" brushRef="#br0" timeOffset="34721.98">17225 8952 11050,'-59'-15'96,"29"15"385,30-15 95,-16 15 33,16 0 384,16 0-33,-1 0 97,29 0-512,16 0-385,30 0-64,-2 0-32,17 0 32,28 0 129,31-14 127,16 14-128,-3-15 193,3 15-289,14 0 96,-31 0-128,15 0-64,-59 15-32,-14-15-352,-46 0-641,2 14-256,-17-14-2371,0 0-8646</inkml:trace>
-  <inkml:trace contextRef="#ctx0" brushRef="#br0" timeOffset="36049.06">17627 8922 2049,'16'0'-96,"-16"0"96,0 0 609,0 0 896,0 15 97,0-15-513,0 0-416,0 0-65,0 15-448,0-15-96,0 0 257,0 0 511,0 0 97,13 0-32,-13 0-288,0 0-321,0 0 32,0 0 161,0 0 159,0-15 1,0 15-225,0 0-255,0 0-97,0 0 0,0 0-32,0 0 96,15-15 32,-15 15-32,0 0 128,0 0 33,0-14 127,0 14 32,15-15-63,-15 15-33,0-15 32,16 15 33,-16-15-161,0 0 64,15 0-127,-15 0-65,13 0 32,-13 0-32,16 0-96,-1 0 0,-15 0 192,15 0-160,-15 0 161,15-15-129,-1 15 0,1 0-64,0 1 32,0-1 32,0 0 0,0 0-96,15 0 96,-15 0 32,0 1-64,14-1-32,-14-1-64,16 2 128,-16-1-96,14 0-64,1 1 160,-15-2-64,14 1-32,1 1 0,-1-2 32,16 2-64,-15-1 128,15 0-192,-16 0 128,17 0 0,-2 0-64,-14 15 64,14-15 33,17 0 63,-18 15 0,32-15-32,-15 0-96,14 15 64,-15-15-64,15 15 32,-13 0-32,-17-15 64,1 15-64,0 0 0,-15 0-128,14 0-64,0 0-257,-13 0-255,-16 0-321,0 0-545,-15 0-768,-15 0-3972</inkml:trace>
-  <inkml:trace contextRef="#ctx0" brushRef="#br1" timeOffset="44473.54">6981 9220 8295,'-14'-30'2339,"-1"15"383,0 15-1120,15 0-353,-16 0-224,16 0-417,-15 0-447,15 0-129,-13 30-32,13 0-64,-15 30 31,15-1-63,0 16 96,0-1-128,-16 0-32,16 1 96,-15-15 128,15-1 0,-15-14 256,15 0-31,0-15-97,0 0-32,0 14-64,0 0 0,0 1 0,15-15-96,-15 0 64,15 0 33,1 0-33,12-16 0,3 17-32,-1-16 0,14 14 0,1-14-32,0-15 0,14 15-32,0-15 0,16 15-32,-16-15 32,31 15-32,-16-15-33,16 0 129,14 0-32,-15 0 0,0-15 0,16 15 0,-1 0 0,-14 15 65,14-15-130,0 15 65,-1-15 97,2 15-194,15-15 194,-17 14-65,2-14-64,14 0 32,1 0 0,-2 0 0,2 0 0,-1-14 0,14 14 0,-13 0 0,14 0-32,-1 0 96,-13 0-96,14 0 64,0 0 0,-1 0-32,2-15-32,14 15 32,-16-15-32,2 0 64,-2 0 32,2 15-128,-1-15-289,-1 15 545,-13-15-352,14 15 160,-15-14-224,0 14 64,0 0 96,1-15-64,-2 15 160,1 0-64,-14 0-192,13 0 416,2-15-96,-1 15-96,-15 0 64,14 0-64,-13 0 64,0 0-64,14 0 0,-15 0 0,0 0 32,1 0-32,-1 0 0,-1 0 0,2 0 64,-15 0-160,13 0 96,-14-15 32,1 15 0,0 0-96,0-16 160,-16 16-160,0 0 64,0-14 96,-14-1-128,-1 15-64,-13-15 128,-17 0-32,1 0-64,-1 0 64,-14 0-32,0 0-160,-15 0-97,15-15 129,-15 15 0,0-14 0,-15-1 160,15 1 0,-15-16 0,0 0 64,1-15-32,-1 1 64,15 14-96,0 0-32,0 0 64,0-14-64,0 14-96,0 1 256,0 14-64,0-15-32,0 16 32,0 14 128,0-15-31,-15 15-1,0 0-128,-1 0-160,3 0-33,-2 15 97,0-15 32,-16 15 32,2-15 0,-16 15-32,0 0 160,1 0-63,-16 0 63,1 0-160,-1 0 96,-14 0-160,-16 0 64,0 15-65,-13-15-31,-1 0-64,-15 0 96,-1 0 32,-13 15 64,13-15 0,-29 0 32,0 0 0,-15 15 32,15-15-32,-14 15 64,0-15-96,-1 15 32,-1-15-32,2 15-32,-1 0 32,0-15 0,1 0 0,-1 15 128,16-15-256,-17 0 160,1 0 64,16 0-96,-17 0 0,17 0 64,-16-15 97,15 0-290,0 15 129,0-15-64,0 15 128,-14-15-64,13 15-32,-13 0 64,14-15-96,0 15 128,-15 0-64,15 0-32,0 0 193,1 0-290,-1 0 162,0 0-98,0 15 194,0-15-193,1 15 224,13 0-192,-13 0 64,13 0-64,16 0-545,-1 0-960,17-1-2499</inkml:trace>
-  <inkml:trace contextRef="#ctx0" brushRef="#br1" timeOffset="47827.73">8114 6001 3523,'0'0'1089,"0"0"-929,0 0 865,0 0 288,13 0-160,-13 0 129,0 0-97,0 0-64,15-15-192,-15 0-65,15 0-63,-15 0-192,16 0-289,-1-15-160,-15 16-128,14-16-32,1 14 64,0-13 32,0-1 97,0 0 31,0 16 96,-15-16-32,15 15 161,0-15-97,0 1-160,0 14 0,-1-15-63,1 0-33,0 0 64,0 0-96,0 0 0,14 0 0,-14 0 64,0 1 160,1 14-95,-3-15-33,2 1 0,1 14-96,-1-15 0,0 15 0,-1-14-64,1 13 96,0-13-64,0-1 64,0 0-96,0 15 32,0-15 64,0 0 1,0 0-97,0 15 32,0-15 128,-1 1-160,1 13 96,-15-13-64,15 0 64,1-2-64,-1 17-32,-2-15 0,2-2 32,1 1-64,-1 16 0,0-16 32,-1 15-32,1-15 160,0 15-192,0-15 96,0 0-64,14 15 0,-14-14 64,0-2-32,0 17 32,0-16-64,0 16 32,0-17 0,0 17 32,0-2 0,14-13-32,-14 14 64,1 0-128,-1-15 128,14 1-64,-14 14-224,0 0 608,0-15-352,-1 15-32,1 0 0,0 0 96,0 0-192,0 0 96,0-15 32,-1 15 0,1-15 0,0 15-32,0 0 0,1-15 0,-2 16-32,1-1 64,0-15-128,15 15 96,-16 0 0,2 1 0,14-16 0,-15 15-32,-1 0 32,16 0-64,-15 1 64,0-2-96,14 2 128,-14-2-192,15 2 128,-1-16 0,-14 15 32,16 0-64,-17 0 64,16 15-32,-15-15 128,15 0-256,0 0 128,0 0-64,-1 0 96,1 1 0,1-2 32,-3 1 0,-13 1-96,16-1 64,-2 0-32,1 0 32,-15 0-129,29 0 194,-14 15-65,0-14-97,0-2 194,14 2-97,-14-1 32,-1 0-32,2 0 32,-1 0-32,-1 15 0,-14-15-32,30 0 0,-16 1 32,1-1 0,15-1-33,-15 2 66,-1-1-1,2 15 0,-1-15-64,-16 0 32,16 0 0,-15 15-65,14-15 98,-14 0-33,15 15-33,-1-15 66,-14 0-33,15 15-33,0-15 66,0 0-66,-15 15 33,14-15-64,-13 15 32,-1-14 32,15 14-64,-15-15 96,-1 15-32,16-15-32,-15 0 32,0 15 0,14-15 0,-14 15-64,16-15 64,-3 15 0,3-15 32,-2 15-32,1-14 0,-15-1-32,15 15 96,-15-15-128,15 15 64,-15-15-32,-1 15 64,16-16-32,-15 16-64,1-14 64,12 14 0,-13-15-32,16 15 0,-3-14-32,3 14 64,-16-16-32,14 16 64,1-15-96,0 15 32,0-15 32,-15 15 32,15-14 0,-1 14 64,2-15-224,13 15 192,-14-15-128,-1 15 128,1-15-96,0 0 32,-1 15-32,1-15 64,0 15-32,-15-15-32,15 15 0,-1 0 96,2-15-64,-16 15-32,15-15 96,-1 15-128,-14-15 128,15 0-96,-1 15 64,1-15-96,-1 15 192,1-15-224,1 15 160,-2-14-96,-14 14 32,15-15 96,-15 15-96,15-15 64,0 15 32,-16-16-96,16 16 64,0-14-32,-1 14 97,-14-15 31,16 15-256,-18 0 64,2-15 32,16 15 0,-16-14 32,14 14-96,1 0 128,-15-16 0,15 16-128,0 0 64,0-15-32,-16 15 64,16-14-32,1 14 64,-3 0-128,-12-15 64,14 15 64,-17 0-128,3-15 64,14 15 64,-15 0-64,-1-15 128,16 15-256,-15 0 64,0-15 160,15 15-64,0 0-96,-1 0 32,1-15 32,1 15 64,-3-14-64,3 14-32,-1 0 64,-1 0-32,1 0 0,-15-15 96,14 15-256,1 0 224,-14 0 0,13 0-96,1 0 0,-1-15 64,2 15 32,-1 0-160,-1 0 160,16-15-64,-16 15-64,1 0 160,14 0-96,-13 0 32,13-15 32,1 15-64,-15 0 64,15-15-32,-16 15-64,16 0 64,-16 0 64,17-15-96,-18 15 0,3 0 0,13-15 64,1 15-64,0 0 0,0 0-32,-1 0 224,15-15-224,-13 15 32,13 0 0,0-14 64,-14 14-64,15-16-64,0 1 417,-17 15-738,3-15 802,-2 15-321,1-15-160,-1 15 32,-13-15 64,13 15-64,-14 0 96,15-14-192,-15 14-33,-15 0-95,14 0 64,-14 0-385,0 0-640,0 0-1730,-15 0-7943</inkml:trace>
-  <inkml:trace contextRef="#ctx0" brushRef="#br1" timeOffset="50044.86">13637 2394 5829,'15'0'1377,"-15"0"-512,15 0-96,0 0-225,-15-15 225,14 15-224,-14 0-321,15 0-160,0 0 0,-15 0 192,15 0 225,0 0-1,14 0-31,-14 0-161,16-14 32,-2 14 0,16-15-95,0 15-65,-1-15 0,1 15-64,14-15-64,-15 15 32,17-15-64,-2 15 32,1-15 32,-1 15-96,-14-15 128,14 15 225,-15-15 159,17 15 65,-17 0-193,1-15-96,15 15-128,-1-14-64,-15-2 32,17 16 161,-17-15-482,15 0 546,1 0-289,0 15 32,0-15-32,-1 1-32,0 14 32,-14-15 0,14 0 0,1 15 0,-15-15 32,0 0 64,-1 15 128,-29 0-160,15-15-31,-15 15-65,-15 0-32,14 0-385,-14 0-576,0 0-480,0 0-161,0 0-672,0 0-2274</inkml:trace>
-  <inkml:trace contextRef="#ctx0" brushRef="#br1" timeOffset="58711.35">19636 8519 11498,'0'0'929,"0"0"-1089,0 0 641,0 0 383,0 16-31,0-16-192,0 15-225,16-15-63,-16 14-1,15 1-128,0 0-64,-15 0 0,15-15 33,-1 0 63,1 0 64,-15 0-224,15-15-96,-15-15 96,0 1 32,0-1 65,-15 0-193,15 0 0,-15-15 0,15 16-64,-14-1 160,14 0 64,14 0 32,-14 15-32,15 0 96,0 15-31,15-15-33,-1 15 0,1 0 96,15 0-192,0 0 0,0 0-32,0 0-64,-1 0 0,0 0 0,1 0 0,-16 15-96,1-15-96,-14 0-64,-1 15 32,-15 0 32,0-15 31,-15 15 129,15 0 0,-16-15 32,16 15-64,0-15-224,0 15-96,0-15-481,16 0-1794,-1 15-4548</inkml:trace>
 </inkml:ink>
 </file>
 
@@ -7425,850 +6645,6 @@
 </p:notes>
 </file>
 
-<file path=ppt/notesSlides/notesSlide10.xml><?xml version="1.0" encoding="utf-8"?>
-<p:notes xmlns:a="http://schemas.openxmlformats.org/drawingml/2006/main" xmlns:r="http://schemas.openxmlformats.org/officeDocument/2006/relationships" xmlns:p="http://schemas.openxmlformats.org/presentationml/2006/main">
-  <p:cSld>
-    <p:spTree>
-      <p:nvGrpSpPr>
-        <p:cNvPr id="1" name=""/>
-        <p:cNvGrpSpPr/>
-        <p:nvPr/>
-      </p:nvGrpSpPr>
-      <p:grpSpPr>
-        <a:xfrm>
-          <a:off x="0" y="0"/>
-          <a:ext cx="0" cy="0"/>
-          <a:chOff x="0" y="0"/>
-          <a:chExt cx="0" cy="0"/>
-        </a:xfrm>
-      </p:grpSpPr>
-      <p:sp>
-        <p:nvSpPr>
-          <p:cNvPr id="2" name="Slide Image Placeholder 1"/>
-          <p:cNvSpPr>
-            <a:spLocks noGrp="1" noRot="1" noChangeAspect="1"/>
-          </p:cNvSpPr>
-          <p:nvPr>
-            <p:ph type="sldImg"/>
-          </p:nvPr>
-        </p:nvSpPr>
-        <p:spPr/>
-      </p:sp>
-      <p:sp>
-        <p:nvSpPr>
-          <p:cNvPr id="3" name="Notes Placeholder 2"/>
-          <p:cNvSpPr>
-            <a:spLocks noGrp="1"/>
-          </p:cNvSpPr>
-          <p:nvPr>
-            <p:ph type="body" idx="1"/>
-          </p:nvPr>
-        </p:nvSpPr>
-        <p:spPr/>
-        <p:txBody>
-          <a:bodyPr>
-            <a:normAutofit/>
-          </a:bodyPr>
-          <a:lstStyle/>
-          <a:p>
-            <a:endParaRPr lang="en-US"/>
-          </a:p>
-        </p:txBody>
-      </p:sp>
-      <p:sp>
-        <p:nvSpPr>
-          <p:cNvPr id="4" name="Slide Number Placeholder 3"/>
-          <p:cNvSpPr>
-            <a:spLocks noGrp="1"/>
-          </p:cNvSpPr>
-          <p:nvPr>
-            <p:ph type="sldNum" sz="quarter" idx="10"/>
-          </p:nvPr>
-        </p:nvSpPr>
-        <p:spPr/>
-        <p:txBody>
-          <a:bodyPr/>
-          <a:lstStyle/>
-          <a:p>
-            <a:fld id="{8FF38DAD-5F37-4EA5-A798-26ED1E453939}" type="slidenum">
-              <a:rPr lang="en-US" smtClean="0"/>
-              <a:pPr/>
-              <a:t>47</a:t>
-            </a:fld>
-            <a:endParaRPr lang="en-US"/>
-          </a:p>
-        </p:txBody>
-      </p:sp>
-    </p:spTree>
-  </p:cSld>
-  <p:clrMapOvr>
-    <a:masterClrMapping/>
-  </p:clrMapOvr>
-</p:notes>
-</file>
-
-<file path=ppt/notesSlides/notesSlide11.xml><?xml version="1.0" encoding="utf-8"?>
-<p:notes xmlns:a="http://schemas.openxmlformats.org/drawingml/2006/main" xmlns:r="http://schemas.openxmlformats.org/officeDocument/2006/relationships" xmlns:p="http://schemas.openxmlformats.org/presentationml/2006/main">
-  <p:cSld>
-    <p:spTree>
-      <p:nvGrpSpPr>
-        <p:cNvPr id="1" name=""/>
-        <p:cNvGrpSpPr/>
-        <p:nvPr/>
-      </p:nvGrpSpPr>
-      <p:grpSpPr>
-        <a:xfrm>
-          <a:off x="0" y="0"/>
-          <a:ext cx="0" cy="0"/>
-          <a:chOff x="0" y="0"/>
-          <a:chExt cx="0" cy="0"/>
-        </a:xfrm>
-      </p:grpSpPr>
-      <p:sp>
-        <p:nvSpPr>
-          <p:cNvPr id="2" name="Slide Image Placeholder 1"/>
-          <p:cNvSpPr>
-            <a:spLocks noGrp="1" noRot="1" noChangeAspect="1"/>
-          </p:cNvSpPr>
-          <p:nvPr>
-            <p:ph type="sldImg"/>
-          </p:nvPr>
-        </p:nvSpPr>
-        <p:spPr/>
-      </p:sp>
-      <p:sp>
-        <p:nvSpPr>
-          <p:cNvPr id="3" name="Notes Placeholder 2"/>
-          <p:cNvSpPr>
-            <a:spLocks noGrp="1"/>
-          </p:cNvSpPr>
-          <p:nvPr>
-            <p:ph type="body" idx="1"/>
-          </p:nvPr>
-        </p:nvSpPr>
-        <p:spPr/>
-        <p:txBody>
-          <a:bodyPr/>
-          <a:lstStyle/>
-          <a:p>
-            <a:endParaRPr lang="en-US" dirty="0"/>
-          </a:p>
-        </p:txBody>
-      </p:sp>
-      <p:sp>
-        <p:nvSpPr>
-          <p:cNvPr id="4" name="Slide Number Placeholder 3"/>
-          <p:cNvSpPr>
-            <a:spLocks noGrp="1"/>
-          </p:cNvSpPr>
-          <p:nvPr>
-            <p:ph type="sldNum" sz="quarter" idx="10"/>
-          </p:nvPr>
-        </p:nvSpPr>
-        <p:spPr/>
-        <p:txBody>
-          <a:bodyPr/>
-          <a:lstStyle/>
-          <a:p>
-            <a:fld id="{8FF38DAD-5F37-4EA5-A798-26ED1E453939}" type="slidenum">
-              <a:rPr lang="en-US" smtClean="0"/>
-              <a:pPr/>
-              <a:t>48</a:t>
-            </a:fld>
-            <a:endParaRPr lang="en-US"/>
-          </a:p>
-        </p:txBody>
-      </p:sp>
-    </p:spTree>
-    <p:extLst>
-      <p:ext uri="{BB962C8B-B14F-4D97-AF65-F5344CB8AC3E}">
-        <p14:creationId xmlns:p14="http://schemas.microsoft.com/office/powerpoint/2010/main" val="2575252699"/>
-      </p:ext>
-    </p:extLst>
-  </p:cSld>
-  <p:clrMapOvr>
-    <a:masterClrMapping/>
-  </p:clrMapOvr>
-</p:notes>
-</file>
-
-<file path=ppt/notesSlides/notesSlide12.xml><?xml version="1.0" encoding="utf-8"?>
-<p:notes xmlns:a="http://schemas.openxmlformats.org/drawingml/2006/main" xmlns:r="http://schemas.openxmlformats.org/officeDocument/2006/relationships" xmlns:p="http://schemas.openxmlformats.org/presentationml/2006/main">
-  <p:cSld>
-    <p:spTree>
-      <p:nvGrpSpPr>
-        <p:cNvPr id="1" name=""/>
-        <p:cNvGrpSpPr/>
-        <p:nvPr/>
-      </p:nvGrpSpPr>
-      <p:grpSpPr>
-        <a:xfrm>
-          <a:off x="0" y="0"/>
-          <a:ext cx="0" cy="0"/>
-          <a:chOff x="0" y="0"/>
-          <a:chExt cx="0" cy="0"/>
-        </a:xfrm>
-      </p:grpSpPr>
-      <p:sp>
-        <p:nvSpPr>
-          <p:cNvPr id="2" name="Slide Image Placeholder 1"/>
-          <p:cNvSpPr>
-            <a:spLocks noGrp="1" noRot="1" noChangeAspect="1"/>
-          </p:cNvSpPr>
-          <p:nvPr>
-            <p:ph type="sldImg"/>
-          </p:nvPr>
-        </p:nvSpPr>
-        <p:spPr/>
-      </p:sp>
-      <p:sp>
-        <p:nvSpPr>
-          <p:cNvPr id="3" name="Notes Placeholder 2"/>
-          <p:cNvSpPr>
-            <a:spLocks noGrp="1"/>
-          </p:cNvSpPr>
-          <p:nvPr>
-            <p:ph type="body" idx="1"/>
-          </p:nvPr>
-        </p:nvSpPr>
-        <p:spPr/>
-        <p:txBody>
-          <a:bodyPr/>
-          <a:lstStyle/>
-          <a:p>
-            <a:r>
-              <a:rPr lang="en-US" dirty="0"/>
-              <a:t>Pop-up Quiz</a:t>
-            </a:r>
-          </a:p>
-        </p:txBody>
-      </p:sp>
-      <p:sp>
-        <p:nvSpPr>
-          <p:cNvPr id="4" name="Slide Number Placeholder 3"/>
-          <p:cNvSpPr>
-            <a:spLocks noGrp="1"/>
-          </p:cNvSpPr>
-          <p:nvPr>
-            <p:ph type="sldNum" sz="quarter" idx="10"/>
-          </p:nvPr>
-        </p:nvSpPr>
-        <p:spPr/>
-        <p:txBody>
-          <a:bodyPr/>
-          <a:lstStyle/>
-          <a:p>
-            <a:fld id="{8FF38DAD-5F37-4EA5-A798-26ED1E453939}" type="slidenum">
-              <a:rPr lang="en-US" smtClean="0"/>
-              <a:pPr/>
-              <a:t>49</a:t>
-            </a:fld>
-            <a:endParaRPr lang="en-US"/>
-          </a:p>
-        </p:txBody>
-      </p:sp>
-    </p:spTree>
-    <p:extLst>
-      <p:ext uri="{BB962C8B-B14F-4D97-AF65-F5344CB8AC3E}">
-        <p14:creationId xmlns:p14="http://schemas.microsoft.com/office/powerpoint/2010/main" val="3920421143"/>
-      </p:ext>
-    </p:extLst>
-  </p:cSld>
-  <p:clrMapOvr>
-    <a:masterClrMapping/>
-  </p:clrMapOvr>
-</p:notes>
-</file>
-
-<file path=ppt/notesSlides/notesSlide13.xml><?xml version="1.0" encoding="utf-8"?>
-<p:notes xmlns:a="http://schemas.openxmlformats.org/drawingml/2006/main" xmlns:r="http://schemas.openxmlformats.org/officeDocument/2006/relationships" xmlns:p="http://schemas.openxmlformats.org/presentationml/2006/main">
-  <p:cSld>
-    <p:spTree>
-      <p:nvGrpSpPr>
-        <p:cNvPr id="1" name=""/>
-        <p:cNvGrpSpPr/>
-        <p:nvPr/>
-      </p:nvGrpSpPr>
-      <p:grpSpPr>
-        <a:xfrm>
-          <a:off x="0" y="0"/>
-          <a:ext cx="0" cy="0"/>
-          <a:chOff x="0" y="0"/>
-          <a:chExt cx="0" cy="0"/>
-        </a:xfrm>
-      </p:grpSpPr>
-      <p:sp>
-        <p:nvSpPr>
-          <p:cNvPr id="2" name="Slide Image Placeholder 1"/>
-          <p:cNvSpPr>
-            <a:spLocks noGrp="1" noRot="1" noChangeAspect="1"/>
-          </p:cNvSpPr>
-          <p:nvPr>
-            <p:ph type="sldImg"/>
-          </p:nvPr>
-        </p:nvSpPr>
-        <p:spPr/>
-      </p:sp>
-      <p:sp>
-        <p:nvSpPr>
-          <p:cNvPr id="3" name="Notes Placeholder 2"/>
-          <p:cNvSpPr>
-            <a:spLocks noGrp="1"/>
-          </p:cNvSpPr>
-          <p:nvPr>
-            <p:ph type="body" idx="1"/>
-          </p:nvPr>
-        </p:nvSpPr>
-        <p:spPr/>
-        <p:txBody>
-          <a:bodyPr/>
-          <a:lstStyle/>
-          <a:p>
-            <a:endParaRPr lang="en-US" dirty="0"/>
-          </a:p>
-        </p:txBody>
-      </p:sp>
-      <p:sp>
-        <p:nvSpPr>
-          <p:cNvPr id="4" name="Slide Number Placeholder 3"/>
-          <p:cNvSpPr>
-            <a:spLocks noGrp="1"/>
-          </p:cNvSpPr>
-          <p:nvPr>
-            <p:ph type="sldNum" sz="quarter" idx="10"/>
-          </p:nvPr>
-        </p:nvSpPr>
-        <p:spPr/>
-        <p:txBody>
-          <a:bodyPr/>
-          <a:lstStyle/>
-          <a:p>
-            <a:fld id="{8FF38DAD-5F37-4EA5-A798-26ED1E453939}" type="slidenum">
-              <a:rPr lang="en-US" smtClean="0"/>
-              <a:pPr/>
-              <a:t>50</a:t>
-            </a:fld>
-            <a:endParaRPr lang="en-US"/>
-          </a:p>
-        </p:txBody>
-      </p:sp>
-    </p:spTree>
-    <p:extLst>
-      <p:ext uri="{BB962C8B-B14F-4D97-AF65-F5344CB8AC3E}">
-        <p14:creationId xmlns:p14="http://schemas.microsoft.com/office/powerpoint/2010/main" val="2575252699"/>
-      </p:ext>
-    </p:extLst>
-  </p:cSld>
-  <p:clrMapOvr>
-    <a:masterClrMapping/>
-  </p:clrMapOvr>
-</p:notes>
-</file>
-
-<file path=ppt/notesSlides/notesSlide14.xml><?xml version="1.0" encoding="utf-8"?>
-<p:notes xmlns:a="http://schemas.openxmlformats.org/drawingml/2006/main" xmlns:r="http://schemas.openxmlformats.org/officeDocument/2006/relationships" xmlns:p="http://schemas.openxmlformats.org/presentationml/2006/main">
-  <p:cSld>
-    <p:spTree>
-      <p:nvGrpSpPr>
-        <p:cNvPr id="1" name=""/>
-        <p:cNvGrpSpPr/>
-        <p:nvPr/>
-      </p:nvGrpSpPr>
-      <p:grpSpPr>
-        <a:xfrm>
-          <a:off x="0" y="0"/>
-          <a:ext cx="0" cy="0"/>
-          <a:chOff x="0" y="0"/>
-          <a:chExt cx="0" cy="0"/>
-        </a:xfrm>
-      </p:grpSpPr>
-      <p:sp>
-        <p:nvSpPr>
-          <p:cNvPr id="2" name="Slide Image Placeholder 1"/>
-          <p:cNvSpPr>
-            <a:spLocks noGrp="1" noRot="1" noChangeAspect="1"/>
-          </p:cNvSpPr>
-          <p:nvPr>
-            <p:ph type="sldImg"/>
-          </p:nvPr>
-        </p:nvSpPr>
-        <p:spPr/>
-      </p:sp>
-      <p:sp>
-        <p:nvSpPr>
-          <p:cNvPr id="3" name="Notes Placeholder 2"/>
-          <p:cNvSpPr>
-            <a:spLocks noGrp="1"/>
-          </p:cNvSpPr>
-          <p:nvPr>
-            <p:ph type="body" idx="1"/>
-          </p:nvPr>
-        </p:nvSpPr>
-        <p:spPr/>
-        <p:txBody>
-          <a:bodyPr/>
-          <a:lstStyle/>
-          <a:p>
-            <a:endParaRPr lang="en-US" dirty="0"/>
-          </a:p>
-        </p:txBody>
-      </p:sp>
-      <p:sp>
-        <p:nvSpPr>
-          <p:cNvPr id="4" name="Slide Number Placeholder 3"/>
-          <p:cNvSpPr>
-            <a:spLocks noGrp="1"/>
-          </p:cNvSpPr>
-          <p:nvPr>
-            <p:ph type="sldNum" sz="quarter" idx="10"/>
-          </p:nvPr>
-        </p:nvSpPr>
-        <p:spPr/>
-        <p:txBody>
-          <a:bodyPr/>
-          <a:lstStyle/>
-          <a:p>
-            <a:fld id="{8FF38DAD-5F37-4EA5-A798-26ED1E453939}" type="slidenum">
-              <a:rPr lang="en-US" smtClean="0"/>
-              <a:pPr/>
-              <a:t>51</a:t>
-            </a:fld>
-            <a:endParaRPr lang="en-US"/>
-          </a:p>
-        </p:txBody>
-      </p:sp>
-    </p:spTree>
-    <p:extLst>
-      <p:ext uri="{BB962C8B-B14F-4D97-AF65-F5344CB8AC3E}">
-        <p14:creationId xmlns:p14="http://schemas.microsoft.com/office/powerpoint/2010/main" val="2575252699"/>
-      </p:ext>
-    </p:extLst>
-  </p:cSld>
-  <p:clrMapOvr>
-    <a:masterClrMapping/>
-  </p:clrMapOvr>
-</p:notes>
-</file>
-
-<file path=ppt/notesSlides/notesSlide15.xml><?xml version="1.0" encoding="utf-8"?>
-<p:notes xmlns:a="http://schemas.openxmlformats.org/drawingml/2006/main" xmlns:r="http://schemas.openxmlformats.org/officeDocument/2006/relationships" xmlns:p="http://schemas.openxmlformats.org/presentationml/2006/main">
-  <p:cSld>
-    <p:spTree>
-      <p:nvGrpSpPr>
-        <p:cNvPr id="1" name=""/>
-        <p:cNvGrpSpPr/>
-        <p:nvPr/>
-      </p:nvGrpSpPr>
-      <p:grpSpPr>
-        <a:xfrm>
-          <a:off x="0" y="0"/>
-          <a:ext cx="0" cy="0"/>
-          <a:chOff x="0" y="0"/>
-          <a:chExt cx="0" cy="0"/>
-        </a:xfrm>
-      </p:grpSpPr>
-      <p:sp>
-        <p:nvSpPr>
-          <p:cNvPr id="2" name="Slide Image Placeholder 1"/>
-          <p:cNvSpPr>
-            <a:spLocks noGrp="1" noRot="1" noChangeAspect="1"/>
-          </p:cNvSpPr>
-          <p:nvPr>
-            <p:ph type="sldImg"/>
-          </p:nvPr>
-        </p:nvSpPr>
-        <p:spPr/>
-      </p:sp>
-      <p:sp>
-        <p:nvSpPr>
-          <p:cNvPr id="3" name="Notes Placeholder 2"/>
-          <p:cNvSpPr>
-            <a:spLocks noGrp="1"/>
-          </p:cNvSpPr>
-          <p:nvPr>
-            <p:ph type="body" idx="1"/>
-          </p:nvPr>
-        </p:nvSpPr>
-        <p:spPr/>
-        <p:txBody>
-          <a:bodyPr>
-            <a:normAutofit/>
-          </a:bodyPr>
-          <a:lstStyle/>
-          <a:p>
-            <a:endParaRPr lang="en-US"/>
-          </a:p>
-        </p:txBody>
-      </p:sp>
-      <p:sp>
-        <p:nvSpPr>
-          <p:cNvPr id="4" name="Slide Number Placeholder 3"/>
-          <p:cNvSpPr>
-            <a:spLocks noGrp="1"/>
-          </p:cNvSpPr>
-          <p:nvPr>
-            <p:ph type="sldNum" sz="quarter" idx="10"/>
-          </p:nvPr>
-        </p:nvSpPr>
-        <p:spPr/>
-        <p:txBody>
-          <a:bodyPr/>
-          <a:lstStyle/>
-          <a:p>
-            <a:fld id="{8FF38DAD-5F37-4EA5-A798-26ED1E453939}" type="slidenum">
-              <a:rPr lang="en-US" smtClean="0"/>
-              <a:pPr/>
-              <a:t>52</a:t>
-            </a:fld>
-            <a:endParaRPr lang="en-US"/>
-          </a:p>
-        </p:txBody>
-      </p:sp>
-    </p:spTree>
-  </p:cSld>
-  <p:clrMapOvr>
-    <a:masterClrMapping/>
-  </p:clrMapOvr>
-</p:notes>
-</file>
-
-<file path=ppt/notesSlides/notesSlide16.xml><?xml version="1.0" encoding="utf-8"?>
-<p:notes xmlns:a="http://schemas.openxmlformats.org/drawingml/2006/main" xmlns:r="http://schemas.openxmlformats.org/officeDocument/2006/relationships" xmlns:p="http://schemas.openxmlformats.org/presentationml/2006/main">
-  <p:cSld>
-    <p:spTree>
-      <p:nvGrpSpPr>
-        <p:cNvPr id="1" name=""/>
-        <p:cNvGrpSpPr/>
-        <p:nvPr/>
-      </p:nvGrpSpPr>
-      <p:grpSpPr>
-        <a:xfrm>
-          <a:off x="0" y="0"/>
-          <a:ext cx="0" cy="0"/>
-          <a:chOff x="0" y="0"/>
-          <a:chExt cx="0" cy="0"/>
-        </a:xfrm>
-      </p:grpSpPr>
-      <p:sp>
-        <p:nvSpPr>
-          <p:cNvPr id="2" name="Slide Image Placeholder 1"/>
-          <p:cNvSpPr>
-            <a:spLocks noGrp="1" noRot="1" noChangeAspect="1"/>
-          </p:cNvSpPr>
-          <p:nvPr>
-            <p:ph type="sldImg"/>
-          </p:nvPr>
-        </p:nvSpPr>
-        <p:spPr/>
-      </p:sp>
-      <p:sp>
-        <p:nvSpPr>
-          <p:cNvPr id="3" name="Notes Placeholder 2"/>
-          <p:cNvSpPr>
-            <a:spLocks noGrp="1"/>
-          </p:cNvSpPr>
-          <p:nvPr>
-            <p:ph type="body" idx="1"/>
-          </p:nvPr>
-        </p:nvSpPr>
-        <p:spPr/>
-        <p:txBody>
-          <a:bodyPr/>
-          <a:lstStyle/>
-          <a:p>
-            <a:endParaRPr lang="en-US" dirty="0"/>
-          </a:p>
-        </p:txBody>
-      </p:sp>
-      <p:sp>
-        <p:nvSpPr>
-          <p:cNvPr id="4" name="Slide Number Placeholder 3"/>
-          <p:cNvSpPr>
-            <a:spLocks noGrp="1"/>
-          </p:cNvSpPr>
-          <p:nvPr>
-            <p:ph type="sldNum" sz="quarter" idx="10"/>
-          </p:nvPr>
-        </p:nvSpPr>
-        <p:spPr/>
-        <p:txBody>
-          <a:bodyPr/>
-          <a:lstStyle/>
-          <a:p>
-            <a:fld id="{8FF38DAD-5F37-4EA5-A798-26ED1E453939}" type="slidenum">
-              <a:rPr lang="en-US" smtClean="0"/>
-              <a:pPr/>
-              <a:t>53</a:t>
-            </a:fld>
-            <a:endParaRPr lang="en-US"/>
-          </a:p>
-        </p:txBody>
-      </p:sp>
-    </p:spTree>
-    <p:extLst>
-      <p:ext uri="{BB962C8B-B14F-4D97-AF65-F5344CB8AC3E}">
-        <p14:creationId xmlns:p14="http://schemas.microsoft.com/office/powerpoint/2010/main" val="2575252699"/>
-      </p:ext>
-    </p:extLst>
-  </p:cSld>
-  <p:clrMapOvr>
-    <a:masterClrMapping/>
-  </p:clrMapOvr>
-</p:notes>
-</file>
-
-<file path=ppt/notesSlides/notesSlide17.xml><?xml version="1.0" encoding="utf-8"?>
-<p:notes xmlns:a="http://schemas.openxmlformats.org/drawingml/2006/main" xmlns:r="http://schemas.openxmlformats.org/officeDocument/2006/relationships" xmlns:p="http://schemas.openxmlformats.org/presentationml/2006/main">
-  <p:cSld>
-    <p:spTree>
-      <p:nvGrpSpPr>
-        <p:cNvPr id="1" name=""/>
-        <p:cNvGrpSpPr/>
-        <p:nvPr/>
-      </p:nvGrpSpPr>
-      <p:grpSpPr>
-        <a:xfrm>
-          <a:off x="0" y="0"/>
-          <a:ext cx="0" cy="0"/>
-          <a:chOff x="0" y="0"/>
-          <a:chExt cx="0" cy="0"/>
-        </a:xfrm>
-      </p:grpSpPr>
-      <p:sp>
-        <p:nvSpPr>
-          <p:cNvPr id="2" name="Slide Image Placeholder 1"/>
-          <p:cNvSpPr>
-            <a:spLocks noGrp="1" noRot="1" noChangeAspect="1"/>
-          </p:cNvSpPr>
-          <p:nvPr>
-            <p:ph type="sldImg"/>
-          </p:nvPr>
-        </p:nvSpPr>
-        <p:spPr/>
-      </p:sp>
-      <p:sp>
-        <p:nvSpPr>
-          <p:cNvPr id="3" name="Notes Placeholder 2"/>
-          <p:cNvSpPr>
-            <a:spLocks noGrp="1"/>
-          </p:cNvSpPr>
-          <p:nvPr>
-            <p:ph type="body" idx="1"/>
-          </p:nvPr>
-        </p:nvSpPr>
-        <p:spPr/>
-        <p:txBody>
-          <a:bodyPr/>
-          <a:lstStyle/>
-          <a:p>
-            <a:endParaRPr lang="en-US" dirty="0"/>
-          </a:p>
-        </p:txBody>
-      </p:sp>
-      <p:sp>
-        <p:nvSpPr>
-          <p:cNvPr id="4" name="Slide Number Placeholder 3"/>
-          <p:cNvSpPr>
-            <a:spLocks noGrp="1"/>
-          </p:cNvSpPr>
-          <p:nvPr>
-            <p:ph type="sldNum" sz="quarter" idx="10"/>
-          </p:nvPr>
-        </p:nvSpPr>
-        <p:spPr/>
-        <p:txBody>
-          <a:bodyPr/>
-          <a:lstStyle/>
-          <a:p>
-            <a:fld id="{8FF38DAD-5F37-4EA5-A798-26ED1E453939}" type="slidenum">
-              <a:rPr lang="en-US" smtClean="0"/>
-              <a:pPr/>
-              <a:t>54</a:t>
-            </a:fld>
-            <a:endParaRPr lang="en-US"/>
-          </a:p>
-        </p:txBody>
-      </p:sp>
-    </p:spTree>
-    <p:extLst>
-      <p:ext uri="{BB962C8B-B14F-4D97-AF65-F5344CB8AC3E}">
-        <p14:creationId xmlns:p14="http://schemas.microsoft.com/office/powerpoint/2010/main" val="2575252699"/>
-      </p:ext>
-    </p:extLst>
-  </p:cSld>
-  <p:clrMapOvr>
-    <a:masterClrMapping/>
-  </p:clrMapOvr>
-</p:notes>
-</file>
-
-<file path=ppt/notesSlides/notesSlide18.xml><?xml version="1.0" encoding="utf-8"?>
-<p:notes xmlns:a="http://schemas.openxmlformats.org/drawingml/2006/main" xmlns:r="http://schemas.openxmlformats.org/officeDocument/2006/relationships" xmlns:p="http://schemas.openxmlformats.org/presentationml/2006/main">
-  <p:cSld>
-    <p:spTree>
-      <p:nvGrpSpPr>
-        <p:cNvPr id="1" name=""/>
-        <p:cNvGrpSpPr/>
-        <p:nvPr/>
-      </p:nvGrpSpPr>
-      <p:grpSpPr>
-        <a:xfrm>
-          <a:off x="0" y="0"/>
-          <a:ext cx="0" cy="0"/>
-          <a:chOff x="0" y="0"/>
-          <a:chExt cx="0" cy="0"/>
-        </a:xfrm>
-      </p:grpSpPr>
-      <p:sp>
-        <p:nvSpPr>
-          <p:cNvPr id="2" name="Slide Image Placeholder 1"/>
-          <p:cNvSpPr>
-            <a:spLocks noGrp="1" noRot="1" noChangeAspect="1"/>
-          </p:cNvSpPr>
-          <p:nvPr>
-            <p:ph type="sldImg"/>
-          </p:nvPr>
-        </p:nvSpPr>
-        <p:spPr/>
-      </p:sp>
-      <p:sp>
-        <p:nvSpPr>
-          <p:cNvPr id="3" name="Notes Placeholder 2"/>
-          <p:cNvSpPr>
-            <a:spLocks noGrp="1"/>
-          </p:cNvSpPr>
-          <p:nvPr>
-            <p:ph type="body" idx="1"/>
-          </p:nvPr>
-        </p:nvSpPr>
-        <p:spPr/>
-        <p:txBody>
-          <a:bodyPr>
-            <a:normAutofit/>
-          </a:bodyPr>
-          <a:lstStyle/>
-          <a:p>
-            <a:endParaRPr lang="en-US"/>
-          </a:p>
-        </p:txBody>
-      </p:sp>
-      <p:sp>
-        <p:nvSpPr>
-          <p:cNvPr id="4" name="Slide Number Placeholder 3"/>
-          <p:cNvSpPr>
-            <a:spLocks noGrp="1"/>
-          </p:cNvSpPr>
-          <p:nvPr>
-            <p:ph type="sldNum" sz="quarter" idx="10"/>
-          </p:nvPr>
-        </p:nvSpPr>
-        <p:spPr/>
-        <p:txBody>
-          <a:bodyPr/>
-          <a:lstStyle/>
-          <a:p>
-            <a:fld id="{8FF38DAD-5F37-4EA5-A798-26ED1E453939}" type="slidenum">
-              <a:rPr lang="en-US" smtClean="0"/>
-              <a:pPr/>
-              <a:t>55</a:t>
-            </a:fld>
-            <a:endParaRPr lang="en-US"/>
-          </a:p>
-        </p:txBody>
-      </p:sp>
-    </p:spTree>
-  </p:cSld>
-  <p:clrMapOvr>
-    <a:masterClrMapping/>
-  </p:clrMapOvr>
-</p:notes>
-</file>
-
-<file path=ppt/notesSlides/notesSlide19.xml><?xml version="1.0" encoding="utf-8"?>
-<p:notes xmlns:a="http://schemas.openxmlformats.org/drawingml/2006/main" xmlns:r="http://schemas.openxmlformats.org/officeDocument/2006/relationships" xmlns:p="http://schemas.openxmlformats.org/presentationml/2006/main">
-  <p:cSld>
-    <p:spTree>
-      <p:nvGrpSpPr>
-        <p:cNvPr id="1" name=""/>
-        <p:cNvGrpSpPr/>
-        <p:nvPr/>
-      </p:nvGrpSpPr>
-      <p:grpSpPr>
-        <a:xfrm>
-          <a:off x="0" y="0"/>
-          <a:ext cx="0" cy="0"/>
-          <a:chOff x="0" y="0"/>
-          <a:chExt cx="0" cy="0"/>
-        </a:xfrm>
-      </p:grpSpPr>
-      <p:sp>
-        <p:nvSpPr>
-          <p:cNvPr id="2" name="Slide Image Placeholder 1"/>
-          <p:cNvSpPr>
-            <a:spLocks noGrp="1" noRot="1" noChangeAspect="1"/>
-          </p:cNvSpPr>
-          <p:nvPr>
-            <p:ph type="sldImg"/>
-          </p:nvPr>
-        </p:nvSpPr>
-        <p:spPr/>
-      </p:sp>
-      <p:sp>
-        <p:nvSpPr>
-          <p:cNvPr id="3" name="Notes Placeholder 2"/>
-          <p:cNvSpPr>
-            <a:spLocks noGrp="1"/>
-          </p:cNvSpPr>
-          <p:nvPr>
-            <p:ph type="body" idx="1"/>
-          </p:nvPr>
-        </p:nvSpPr>
-        <p:spPr/>
-        <p:txBody>
-          <a:bodyPr/>
-          <a:lstStyle/>
-          <a:p>
-            <a:endParaRPr lang="en-US" dirty="0"/>
-          </a:p>
-        </p:txBody>
-      </p:sp>
-      <p:sp>
-        <p:nvSpPr>
-          <p:cNvPr id="4" name="Slide Number Placeholder 3"/>
-          <p:cNvSpPr>
-            <a:spLocks noGrp="1"/>
-          </p:cNvSpPr>
-          <p:nvPr>
-            <p:ph type="sldNum" sz="quarter" idx="10"/>
-          </p:nvPr>
-        </p:nvSpPr>
-        <p:spPr/>
-        <p:txBody>
-          <a:bodyPr/>
-          <a:lstStyle/>
-          <a:p>
-            <a:fld id="{8FF38DAD-5F37-4EA5-A798-26ED1E453939}" type="slidenum">
-              <a:rPr lang="en-US" smtClean="0"/>
-              <a:pPr/>
-              <a:t>56</a:t>
-            </a:fld>
-            <a:endParaRPr lang="en-US"/>
-          </a:p>
-        </p:txBody>
-      </p:sp>
-    </p:spTree>
-    <p:extLst>
-      <p:ext uri="{BB962C8B-B14F-4D97-AF65-F5344CB8AC3E}">
-        <p14:creationId xmlns:p14="http://schemas.microsoft.com/office/powerpoint/2010/main" val="2575252699"/>
-      </p:ext>
-    </p:extLst>
-  </p:cSld>
-  <p:clrMapOvr>
-    <a:masterClrMapping/>
-  </p:clrMapOvr>
-</p:notes>
-</file>
-
 <file path=ppt/notesSlides/notesSlide2.xml><?xml version="1.0" encoding="utf-8"?>
 <p:notes xmlns:a="http://schemas.openxmlformats.org/drawingml/2006/main" xmlns:r="http://schemas.openxmlformats.org/officeDocument/2006/relationships" xmlns:p="http://schemas.openxmlformats.org/presentationml/2006/main">
   <p:cSld>
@@ -8349,343 +6725,6 @@
         </p:txBody>
       </p:sp>
     </p:spTree>
-  </p:cSld>
-  <p:clrMapOvr>
-    <a:masterClrMapping/>
-  </p:clrMapOvr>
-</p:notes>
-</file>
-
-<file path=ppt/notesSlides/notesSlide20.xml><?xml version="1.0" encoding="utf-8"?>
-<p:notes xmlns:a="http://schemas.openxmlformats.org/drawingml/2006/main" xmlns:r="http://schemas.openxmlformats.org/officeDocument/2006/relationships" xmlns:p="http://schemas.openxmlformats.org/presentationml/2006/main">
-  <p:cSld>
-    <p:spTree>
-      <p:nvGrpSpPr>
-        <p:cNvPr id="1" name=""/>
-        <p:cNvGrpSpPr/>
-        <p:nvPr/>
-      </p:nvGrpSpPr>
-      <p:grpSpPr>
-        <a:xfrm>
-          <a:off x="0" y="0"/>
-          <a:ext cx="0" cy="0"/>
-          <a:chOff x="0" y="0"/>
-          <a:chExt cx="0" cy="0"/>
-        </a:xfrm>
-      </p:grpSpPr>
-      <p:sp>
-        <p:nvSpPr>
-          <p:cNvPr id="2" name="Slide Image Placeholder 1"/>
-          <p:cNvSpPr>
-            <a:spLocks noGrp="1" noRot="1" noChangeAspect="1"/>
-          </p:cNvSpPr>
-          <p:nvPr>
-            <p:ph type="sldImg"/>
-          </p:nvPr>
-        </p:nvSpPr>
-        <p:spPr/>
-      </p:sp>
-      <p:sp>
-        <p:nvSpPr>
-          <p:cNvPr id="3" name="Notes Placeholder 2"/>
-          <p:cNvSpPr>
-            <a:spLocks noGrp="1"/>
-          </p:cNvSpPr>
-          <p:nvPr>
-            <p:ph type="body" idx="1"/>
-          </p:nvPr>
-        </p:nvSpPr>
-        <p:spPr/>
-        <p:txBody>
-          <a:bodyPr/>
-          <a:lstStyle/>
-          <a:p>
-            <a:endParaRPr lang="en-US" dirty="0"/>
-          </a:p>
-        </p:txBody>
-      </p:sp>
-      <p:sp>
-        <p:nvSpPr>
-          <p:cNvPr id="4" name="Slide Number Placeholder 3"/>
-          <p:cNvSpPr>
-            <a:spLocks noGrp="1"/>
-          </p:cNvSpPr>
-          <p:nvPr>
-            <p:ph type="sldNum" sz="quarter" idx="10"/>
-          </p:nvPr>
-        </p:nvSpPr>
-        <p:spPr/>
-        <p:txBody>
-          <a:bodyPr/>
-          <a:lstStyle/>
-          <a:p>
-            <a:fld id="{8FF38DAD-5F37-4EA5-A798-26ED1E453939}" type="slidenum">
-              <a:rPr lang="en-US" smtClean="0"/>
-              <a:pPr/>
-              <a:t>57</a:t>
-            </a:fld>
-            <a:endParaRPr lang="en-US"/>
-          </a:p>
-        </p:txBody>
-      </p:sp>
-    </p:spTree>
-    <p:extLst>
-      <p:ext uri="{BB962C8B-B14F-4D97-AF65-F5344CB8AC3E}">
-        <p14:creationId xmlns:p14="http://schemas.microsoft.com/office/powerpoint/2010/main" val="2575252699"/>
-      </p:ext>
-    </p:extLst>
-  </p:cSld>
-  <p:clrMapOvr>
-    <a:masterClrMapping/>
-  </p:clrMapOvr>
-</p:notes>
-</file>
-
-<file path=ppt/notesSlides/notesSlide21.xml><?xml version="1.0" encoding="utf-8"?>
-<p:notes xmlns:a="http://schemas.openxmlformats.org/drawingml/2006/main" xmlns:r="http://schemas.openxmlformats.org/officeDocument/2006/relationships" xmlns:p="http://schemas.openxmlformats.org/presentationml/2006/main">
-  <p:cSld>
-    <p:spTree>
-      <p:nvGrpSpPr>
-        <p:cNvPr id="1" name=""/>
-        <p:cNvGrpSpPr/>
-        <p:nvPr/>
-      </p:nvGrpSpPr>
-      <p:grpSpPr>
-        <a:xfrm>
-          <a:off x="0" y="0"/>
-          <a:ext cx="0" cy="0"/>
-          <a:chOff x="0" y="0"/>
-          <a:chExt cx="0" cy="0"/>
-        </a:xfrm>
-      </p:grpSpPr>
-      <p:sp>
-        <p:nvSpPr>
-          <p:cNvPr id="2" name="Slide Image Placeholder 1"/>
-          <p:cNvSpPr>
-            <a:spLocks noGrp="1" noRot="1" noChangeAspect="1"/>
-          </p:cNvSpPr>
-          <p:nvPr>
-            <p:ph type="sldImg"/>
-          </p:nvPr>
-        </p:nvSpPr>
-        <p:spPr/>
-      </p:sp>
-      <p:sp>
-        <p:nvSpPr>
-          <p:cNvPr id="3" name="Notes Placeholder 2"/>
-          <p:cNvSpPr>
-            <a:spLocks noGrp="1"/>
-          </p:cNvSpPr>
-          <p:nvPr>
-            <p:ph type="body" idx="1"/>
-          </p:nvPr>
-        </p:nvSpPr>
-        <p:spPr/>
-        <p:txBody>
-          <a:bodyPr>
-            <a:normAutofit/>
-          </a:bodyPr>
-          <a:lstStyle/>
-          <a:p>
-            <a:endParaRPr lang="en-US"/>
-          </a:p>
-        </p:txBody>
-      </p:sp>
-      <p:sp>
-        <p:nvSpPr>
-          <p:cNvPr id="4" name="Slide Number Placeholder 3"/>
-          <p:cNvSpPr>
-            <a:spLocks noGrp="1"/>
-          </p:cNvSpPr>
-          <p:nvPr>
-            <p:ph type="sldNum" sz="quarter" idx="10"/>
-          </p:nvPr>
-        </p:nvSpPr>
-        <p:spPr/>
-        <p:txBody>
-          <a:bodyPr/>
-          <a:lstStyle/>
-          <a:p>
-            <a:fld id="{8FF38DAD-5F37-4EA5-A798-26ED1E453939}" type="slidenum">
-              <a:rPr lang="en-US" smtClean="0"/>
-              <a:pPr/>
-              <a:t>58</a:t>
-            </a:fld>
-            <a:endParaRPr lang="en-US"/>
-          </a:p>
-        </p:txBody>
-      </p:sp>
-    </p:spTree>
-  </p:cSld>
-  <p:clrMapOvr>
-    <a:masterClrMapping/>
-  </p:clrMapOvr>
-</p:notes>
-</file>
-
-<file path=ppt/notesSlides/notesSlide22.xml><?xml version="1.0" encoding="utf-8"?>
-<p:notes xmlns:a="http://schemas.openxmlformats.org/drawingml/2006/main" xmlns:r="http://schemas.openxmlformats.org/officeDocument/2006/relationships" xmlns:p="http://schemas.openxmlformats.org/presentationml/2006/main">
-  <p:cSld>
-    <p:spTree>
-      <p:nvGrpSpPr>
-        <p:cNvPr id="1" name=""/>
-        <p:cNvGrpSpPr/>
-        <p:nvPr/>
-      </p:nvGrpSpPr>
-      <p:grpSpPr>
-        <a:xfrm>
-          <a:off x="0" y="0"/>
-          <a:ext cx="0" cy="0"/>
-          <a:chOff x="0" y="0"/>
-          <a:chExt cx="0" cy="0"/>
-        </a:xfrm>
-      </p:grpSpPr>
-      <p:sp>
-        <p:nvSpPr>
-          <p:cNvPr id="2" name="Slide Image Placeholder 1"/>
-          <p:cNvSpPr>
-            <a:spLocks noGrp="1" noRot="1" noChangeAspect="1"/>
-          </p:cNvSpPr>
-          <p:nvPr>
-            <p:ph type="sldImg"/>
-          </p:nvPr>
-        </p:nvSpPr>
-        <p:spPr/>
-      </p:sp>
-      <p:sp>
-        <p:nvSpPr>
-          <p:cNvPr id="3" name="Notes Placeholder 2"/>
-          <p:cNvSpPr>
-            <a:spLocks noGrp="1"/>
-          </p:cNvSpPr>
-          <p:nvPr>
-            <p:ph type="body" idx="1"/>
-          </p:nvPr>
-        </p:nvSpPr>
-        <p:spPr/>
-        <p:txBody>
-          <a:bodyPr/>
-          <a:lstStyle/>
-          <a:p>
-            <a:endParaRPr lang="en-US" dirty="0"/>
-          </a:p>
-        </p:txBody>
-      </p:sp>
-      <p:sp>
-        <p:nvSpPr>
-          <p:cNvPr id="4" name="Slide Number Placeholder 3"/>
-          <p:cNvSpPr>
-            <a:spLocks noGrp="1"/>
-          </p:cNvSpPr>
-          <p:nvPr>
-            <p:ph type="sldNum" sz="quarter" idx="10"/>
-          </p:nvPr>
-        </p:nvSpPr>
-        <p:spPr/>
-        <p:txBody>
-          <a:bodyPr/>
-          <a:lstStyle/>
-          <a:p>
-            <a:fld id="{8FF38DAD-5F37-4EA5-A798-26ED1E453939}" type="slidenum">
-              <a:rPr lang="en-US" smtClean="0"/>
-              <a:pPr/>
-              <a:t>59</a:t>
-            </a:fld>
-            <a:endParaRPr lang="en-US"/>
-          </a:p>
-        </p:txBody>
-      </p:sp>
-    </p:spTree>
-    <p:extLst>
-      <p:ext uri="{BB962C8B-B14F-4D97-AF65-F5344CB8AC3E}">
-        <p14:creationId xmlns:p14="http://schemas.microsoft.com/office/powerpoint/2010/main" val="2575252699"/>
-      </p:ext>
-    </p:extLst>
-  </p:cSld>
-  <p:clrMapOvr>
-    <a:masterClrMapping/>
-  </p:clrMapOvr>
-</p:notes>
-</file>
-
-<file path=ppt/notesSlides/notesSlide23.xml><?xml version="1.0" encoding="utf-8"?>
-<p:notes xmlns:a="http://schemas.openxmlformats.org/drawingml/2006/main" xmlns:r="http://schemas.openxmlformats.org/officeDocument/2006/relationships" xmlns:p="http://schemas.openxmlformats.org/presentationml/2006/main">
-  <p:cSld>
-    <p:spTree>
-      <p:nvGrpSpPr>
-        <p:cNvPr id="1" name=""/>
-        <p:cNvGrpSpPr/>
-        <p:nvPr/>
-      </p:nvGrpSpPr>
-      <p:grpSpPr>
-        <a:xfrm>
-          <a:off x="0" y="0"/>
-          <a:ext cx="0" cy="0"/>
-          <a:chOff x="0" y="0"/>
-          <a:chExt cx="0" cy="0"/>
-        </a:xfrm>
-      </p:grpSpPr>
-      <p:sp>
-        <p:nvSpPr>
-          <p:cNvPr id="2" name="Slide Image Placeholder 1"/>
-          <p:cNvSpPr>
-            <a:spLocks noGrp="1" noRot="1" noChangeAspect="1"/>
-          </p:cNvSpPr>
-          <p:nvPr>
-            <p:ph type="sldImg"/>
-          </p:nvPr>
-        </p:nvSpPr>
-        <p:spPr/>
-      </p:sp>
-      <p:sp>
-        <p:nvSpPr>
-          <p:cNvPr id="3" name="Notes Placeholder 2"/>
-          <p:cNvSpPr>
-            <a:spLocks noGrp="1"/>
-          </p:cNvSpPr>
-          <p:nvPr>
-            <p:ph type="body" idx="1"/>
-          </p:nvPr>
-        </p:nvSpPr>
-        <p:spPr/>
-        <p:txBody>
-          <a:bodyPr/>
-          <a:lstStyle/>
-          <a:p>
-            <a:endParaRPr lang="en-US" dirty="0"/>
-          </a:p>
-        </p:txBody>
-      </p:sp>
-      <p:sp>
-        <p:nvSpPr>
-          <p:cNvPr id="4" name="Slide Number Placeholder 3"/>
-          <p:cNvSpPr>
-            <a:spLocks noGrp="1"/>
-          </p:cNvSpPr>
-          <p:nvPr>
-            <p:ph type="sldNum" sz="quarter" idx="10"/>
-          </p:nvPr>
-        </p:nvSpPr>
-        <p:spPr/>
-        <p:txBody>
-          <a:bodyPr/>
-          <a:lstStyle/>
-          <a:p>
-            <a:fld id="{8FF38DAD-5F37-4EA5-A798-26ED1E453939}" type="slidenum">
-              <a:rPr lang="en-US" smtClean="0"/>
-              <a:pPr/>
-              <a:t>60</a:t>
-            </a:fld>
-            <a:endParaRPr lang="en-US"/>
-          </a:p>
-        </p:txBody>
-      </p:sp>
-    </p:spTree>
-    <p:extLst>
-      <p:ext uri="{BB962C8B-B14F-4D97-AF65-F5344CB8AC3E}">
-        <p14:creationId xmlns:p14="http://schemas.microsoft.com/office/powerpoint/2010/main" val="2575252699"/>
-      </p:ext>
-    </p:extLst>
   </p:cSld>
   <p:clrMapOvr>
     <a:masterClrMapping/>
@@ -32870,166 +30909,6 @@
   <p:clrMapOvr>
     <a:masterClrMapping/>
   </p:clrMapOvr>
-  <p:timing>
-    <p:tnLst>
-      <p:par>
-        <p:cTn id="1" dur="indefinite" restart="never" nodeType="tmRoot">
-          <p:childTnLst>
-            <p:seq concurrent="1" nextAc="seek">
-              <p:cTn id="2" dur="indefinite" nodeType="mainSeq">
-                <p:childTnLst>
-                  <p:par>
-                    <p:cTn id="3" fill="hold">
-                      <p:stCondLst>
-                        <p:cond delay="indefinite"/>
-                      </p:stCondLst>
-                      <p:childTnLst>
-                        <p:par>
-                          <p:cTn id="4" fill="hold">
-                            <p:stCondLst>
-                              <p:cond delay="0"/>
-                            </p:stCondLst>
-                            <p:childTnLst>
-                              <p:par>
-                                <p:cTn id="5" presetID="1" presetClass="entr" presetSubtype="0" fill="hold" grpId="0" nodeType="clickEffect">
-                                  <p:stCondLst>
-                                    <p:cond delay="0"/>
-                                  </p:stCondLst>
-                                  <p:childTnLst>
-                                    <p:set>
-                                      <p:cBhvr>
-                                        <p:cTn id="6" dur="1" fill="hold">
-                                          <p:stCondLst>
-                                            <p:cond delay="0"/>
-                                          </p:stCondLst>
-                                        </p:cTn>
-                                        <p:tgtEl>
-                                          <p:spTgt spid="13"/>
-                                        </p:tgtEl>
-                                        <p:attrNameLst>
-                                          <p:attrName>style.visibility</p:attrName>
-                                        </p:attrNameLst>
-                                      </p:cBhvr>
-                                      <p:to>
-                                        <p:strVal val="visible"/>
-                                      </p:to>
-                                    </p:set>
-                                  </p:childTnLst>
-                                </p:cTn>
-                              </p:par>
-                              <p:par>
-                                <p:cTn id="7" presetID="1" presetClass="entr" presetSubtype="0" fill="hold" nodeType="withEffect">
-                                  <p:stCondLst>
-                                    <p:cond delay="0"/>
-                                  </p:stCondLst>
-                                  <p:childTnLst>
-                                    <p:set>
-                                      <p:cBhvr>
-                                        <p:cTn id="8" dur="1" fill="hold">
-                                          <p:stCondLst>
-                                            <p:cond delay="0"/>
-                                          </p:stCondLst>
-                                        </p:cTn>
-                                        <p:tgtEl>
-                                          <p:spTgt spid="14"/>
-                                        </p:tgtEl>
-                                        <p:attrNameLst>
-                                          <p:attrName>style.visibility</p:attrName>
-                                        </p:attrNameLst>
-                                      </p:cBhvr>
-                                      <p:to>
-                                        <p:strVal val="visible"/>
-                                      </p:to>
-                                    </p:set>
-                                  </p:childTnLst>
-                                </p:cTn>
-                              </p:par>
-                              <p:par>
-                                <p:cTn id="9" presetID="1" presetClass="entr" presetSubtype="0" fill="hold" nodeType="withEffect">
-                                  <p:stCondLst>
-                                    <p:cond delay="0"/>
-                                  </p:stCondLst>
-                                  <p:childTnLst>
-                                    <p:set>
-                                      <p:cBhvr>
-                                        <p:cTn id="10" dur="1" fill="hold">
-                                          <p:stCondLst>
-                                            <p:cond delay="0"/>
-                                          </p:stCondLst>
-                                        </p:cTn>
-                                        <p:tgtEl>
-                                          <p:spTgt spid="15"/>
-                                        </p:tgtEl>
-                                        <p:attrNameLst>
-                                          <p:attrName>style.visibility</p:attrName>
-                                        </p:attrNameLst>
-                                      </p:cBhvr>
-                                      <p:to>
-                                        <p:strVal val="visible"/>
-                                      </p:to>
-                                    </p:set>
-                                  </p:childTnLst>
-                                </p:cTn>
-                              </p:par>
-                              <p:par>
-                                <p:cTn id="11" presetID="1" presetClass="entr" presetSubtype="0" fill="hold" grpId="0" nodeType="withEffect">
-                                  <p:stCondLst>
-                                    <p:cond delay="0"/>
-                                  </p:stCondLst>
-                                  <p:childTnLst>
-                                    <p:set>
-                                      <p:cBhvr>
-                                        <p:cTn id="12" dur="1" fill="hold">
-                                          <p:stCondLst>
-                                            <p:cond delay="0"/>
-                                          </p:stCondLst>
-                                        </p:cTn>
-                                        <p:tgtEl>
-                                          <p:spTgt spid="16"/>
-                                        </p:tgtEl>
-                                        <p:attrNameLst>
-                                          <p:attrName>style.visibility</p:attrName>
-                                        </p:attrNameLst>
-                                      </p:cBhvr>
-                                      <p:to>
-                                        <p:strVal val="visible"/>
-                                      </p:to>
-                                    </p:set>
-                                  </p:childTnLst>
-                                </p:cTn>
-                              </p:par>
-                            </p:childTnLst>
-                          </p:cTn>
-                        </p:par>
-                      </p:childTnLst>
-                    </p:cTn>
-                  </p:par>
-                </p:childTnLst>
-              </p:cTn>
-              <p:prevCondLst>
-                <p:cond evt="onPrev" delay="0">
-                  <p:tgtEl>
-                    <p:sldTgt/>
-                  </p:tgtEl>
-                </p:cond>
-              </p:prevCondLst>
-              <p:nextCondLst>
-                <p:cond evt="onNext" delay="0">
-                  <p:tgtEl>
-                    <p:sldTgt/>
-                  </p:tgtEl>
-                </p:cond>
-              </p:nextCondLst>
-            </p:seq>
-          </p:childTnLst>
-        </p:cTn>
-      </p:par>
-    </p:tnLst>
-    <p:bldLst>
-      <p:bldP spid="13" grpId="0"/>
-      <p:bldP spid="16" grpId="0" animBg="1"/>
-    </p:bldLst>
-  </p:timing>
 </p:sld>
 </file>
 
@@ -36673,3085 +34552,91 @@
       </p:grpSpPr>
       <p:sp>
         <p:nvSpPr>
-          <p:cNvPr id="5" name="Title 1"/>
-          <p:cNvSpPr txBox="1">
-            <a:spLocks/>
-          </p:cNvSpPr>
+          <p:cNvPr id="2" name="TextBox 1">
+            <a:extLst>
+              <a:ext uri="{FF2B5EF4-FFF2-40B4-BE49-F238E27FC236}">
+                <a16:creationId xmlns:a16="http://schemas.microsoft.com/office/drawing/2014/main" id="{0AA22AC2-74DD-1083-71C1-DADF66C297D2}"/>
+              </a:ext>
+            </a:extLst>
+          </p:cNvPr>
+          <p:cNvSpPr txBox="1"/>
           <p:nvPr/>
         </p:nvSpPr>
         <p:spPr>
           <a:xfrm>
-            <a:off x="1714500" y="1143000"/>
-            <a:ext cx="5086350" cy="1071563"/>
+            <a:off x="609600" y="1428750"/>
+            <a:ext cx="5486400" cy="1754326"/>
           </a:xfrm>
           <a:prstGeom prst="rect">
             <a:avLst/>
           </a:prstGeom>
+          <a:noFill/>
         </p:spPr>
         <p:txBody>
-          <a:bodyPr vert="horz" lIns="68580" tIns="34290" rIns="68580" bIns="34290" rtlCol="0" anchor="ctr">
-            <a:noAutofit/>
+          <a:bodyPr wrap="square" rtlCol="0">
+            <a:spAutoFit/>
           </a:bodyPr>
-          <a:lstStyle>
-            <a:lvl1pPr algn="ctr" defTabSz="914400" rtl="0" eaLnBrk="1" latinLnBrk="0" hangingPunct="1">
-              <a:spcBef>
-                <a:spcPct val="0"/>
-              </a:spcBef>
-              <a:buNone/>
-              <a:defRPr sz="4400" kern="1200">
-                <a:solidFill>
-                  <a:schemeClr val="tx1"/>
-                </a:solidFill>
-                <a:latin typeface="+mj-lt"/>
-                <a:ea typeface="+mj-ea"/>
-                <a:cs typeface="+mj-cs"/>
-              </a:defRPr>
-            </a:lvl1pPr>
-          </a:lstStyle>
-          <a:p>
-            <a:pPr algn="l"/>
-            <a:r>
-              <a:rPr lang="en-US" sz="2700" dirty="0" err="1">
-                <a:solidFill>
-                  <a:schemeClr val="tx1">
-                    <a:lumMod val="75000"/>
-                    <a:lumOff val="25000"/>
-                  </a:schemeClr>
-                </a:solidFill>
+          <a:lstStyle/>
+          <a:p>
+            <a:r>
+              <a:rPr lang="tr-TR" dirty="0"/>
+              <a:t>Slaytların </a:t>
+            </a:r>
+            <a:r>
+              <a:rPr lang="tr-TR" dirty="0" err="1"/>
+              <a:t>orjinalleri</a:t>
+            </a:r>
+            <a:r>
+              <a:rPr lang="tr-TR" dirty="0"/>
+              <a:t> için:</a:t>
+            </a:r>
+          </a:p>
+          <a:p>
+            <a:r>
+              <a:rPr lang="tr-TR" dirty="0">
+                <a:hlinkClick r:id="rId2"/>
               </a:rPr>
-              <a:t>Çok</a:t>
-            </a:r>
-            <a:r>
-              <a:rPr lang="en-US" sz="2700" dirty="0">
-                <a:solidFill>
-                  <a:schemeClr val="tx1">
-                    <a:lumMod val="75000"/>
-                    <a:lumOff val="25000"/>
-                  </a:schemeClr>
-                </a:solidFill>
+              <a:t>https://github.com/vkosuri/CourseraMachineLearning</a:t>
+            </a:r>
+            <a:endParaRPr lang="tr-TR" dirty="0"/>
+          </a:p>
+          <a:p>
+            <a:endParaRPr lang="tr-TR" dirty="0"/>
+          </a:p>
+          <a:p>
+            <a:r>
+              <a:rPr lang="tr-TR" dirty="0" err="1"/>
+              <a:t>Adrew</a:t>
+            </a:r>
+            <a:r>
+              <a:rPr lang="tr-TR" dirty="0"/>
+              <a:t> Ng’nin Video Dersler için:</a:t>
+            </a:r>
+          </a:p>
+          <a:p>
+            <a:r>
+              <a:rPr lang="tr-TR" dirty="0">
+                <a:hlinkClick r:id="rId3"/>
               </a:rPr>
+              <a:t>https://www.youtube.com/playlist?list=PL2qEL_7r0QISbIq8G5ywDv8go0EVr5bky</a:t>
+            </a:r>
+            <a:r>
+              <a:rPr lang="tr-TR" dirty="0"/>
               <a:t> </a:t>
             </a:r>
-            <a:r>
-              <a:rPr lang="en-US" sz="2700" dirty="0" err="1">
-                <a:solidFill>
-                  <a:schemeClr val="tx1">
-                    <a:lumMod val="75000"/>
-                    <a:lumOff val="25000"/>
-                  </a:schemeClr>
-                </a:solidFill>
-              </a:rPr>
-              <a:t>değişkenli</a:t>
-            </a:r>
-            <a:r>
-              <a:rPr lang="en-US" sz="2700" dirty="0">
-                <a:solidFill>
-                  <a:schemeClr val="tx1">
-                    <a:lumMod val="75000"/>
-                    <a:lumOff val="25000"/>
-                  </a:schemeClr>
-                </a:solidFill>
-              </a:rPr>
-              <a:t> </a:t>
-            </a:r>
-            <a:r>
-              <a:rPr lang="tr-TR" sz="2700" dirty="0">
-                <a:solidFill>
-                  <a:schemeClr val="tx1">
-                    <a:lumMod val="75000"/>
-                    <a:lumOff val="25000"/>
-                  </a:schemeClr>
-                </a:solidFill>
-              </a:rPr>
-              <a:t>lineer</a:t>
-            </a:r>
-            <a:r>
-              <a:rPr lang="en-US" sz="2700" dirty="0">
-                <a:solidFill>
-                  <a:schemeClr val="tx1">
-                    <a:lumMod val="75000"/>
-                    <a:lumOff val="25000"/>
-                  </a:schemeClr>
-                </a:solidFill>
-              </a:rPr>
-              <a:t> </a:t>
-            </a:r>
-            <a:r>
-              <a:rPr lang="en-US" sz="2700" dirty="0" err="1">
-                <a:solidFill>
-                  <a:schemeClr val="tx1">
-                    <a:lumMod val="75000"/>
-                    <a:lumOff val="25000"/>
-                  </a:schemeClr>
-                </a:solidFill>
-              </a:rPr>
-              <a:t>Regresyon</a:t>
-            </a:r>
-            <a:endParaRPr lang="en-US" sz="2700" dirty="0">
-              <a:solidFill>
-                <a:schemeClr val="tx1">
-                  <a:lumMod val="75000"/>
-                  <a:lumOff val="25000"/>
-                </a:schemeClr>
-              </a:solidFill>
-            </a:endParaRPr>
           </a:p>
         </p:txBody>
       </p:sp>
     </p:spTree>
     <p:extLst>
       <p:ext uri="{BB962C8B-B14F-4D97-AF65-F5344CB8AC3E}">
-        <p14:creationId xmlns:p14="http://schemas.microsoft.com/office/powerpoint/2010/main" val="889662837"/>
+        <p14:creationId xmlns:p14="http://schemas.microsoft.com/office/powerpoint/2010/main" val="4128277047"/>
       </p:ext>
     </p:extLst>
   </p:cSld>
   <p:clrMapOvr>
     <a:masterClrMapping/>
   </p:clrMapOvr>
-</p:sld>
-</file>
-
-<file path=ppt/slides/slide48.xml><?xml version="1.0" encoding="utf-8"?>
-<p:sld xmlns:a="http://schemas.openxmlformats.org/drawingml/2006/main" xmlns:r="http://schemas.openxmlformats.org/officeDocument/2006/relationships" xmlns:p="http://schemas.openxmlformats.org/presentationml/2006/main">
-  <p:cSld>
-    <p:spTree>
-      <p:nvGrpSpPr>
-        <p:cNvPr id="1" name=""/>
-        <p:cNvGrpSpPr/>
-        <p:nvPr/>
-      </p:nvGrpSpPr>
-      <p:grpSpPr>
-        <a:xfrm>
-          <a:off x="0" y="0"/>
-          <a:ext cx="0" cy="0"/>
-          <a:chOff x="0" y="0"/>
-          <a:chExt cx="0" cy="0"/>
-        </a:xfrm>
-      </p:grpSpPr>
-      <p:graphicFrame>
-        <p:nvGraphicFramePr>
-          <p:cNvPr id="7" name="Table 6"/>
-          <p:cNvGraphicFramePr>
-            <a:graphicFrameLocks noGrp="1"/>
-          </p:cNvGraphicFramePr>
-          <p:nvPr/>
-        </p:nvGraphicFramePr>
-        <p:xfrm>
-          <a:off x="2524836" y="1487022"/>
-          <a:ext cx="2047164" cy="1833393"/>
-        </p:xfrm>
-        <a:graphic>
-          <a:graphicData uri="http://schemas.openxmlformats.org/drawingml/2006/table">
-            <a:tbl>
-              <a:tblPr>
-                <a:tableStyleId>{2D5ABB26-0587-4C30-8999-92F81FD0307C}</a:tableStyleId>
-              </a:tblPr>
-              <a:tblGrid>
-                <a:gridCol w="1023582">
-                  <a:extLst>
-                    <a:ext uri="{9D8B030D-6E8A-4147-A177-3AD203B41FA5}">
-                      <a16:colId xmlns:a16="http://schemas.microsoft.com/office/drawing/2014/main" val="20000"/>
-                    </a:ext>
-                  </a:extLst>
-                </a:gridCol>
-                <a:gridCol w="1023582">
-                  <a:extLst>
-                    <a:ext uri="{9D8B030D-6E8A-4147-A177-3AD203B41FA5}">
-                      <a16:colId xmlns:a16="http://schemas.microsoft.com/office/drawing/2014/main" val="20001"/>
-                    </a:ext>
-                  </a:extLst>
-                </a:gridCol>
-              </a:tblGrid>
-              <a:tr h="661818">
-                <a:tc>
-                  <a:txBody>
-                    <a:bodyPr/>
-                    <a:lstStyle/>
-                    <a:p>
-                      <a:pPr algn="ctr" fontAlgn="b"/>
-                      <a:r>
-                        <a:rPr lang="tr-TR" sz="1400" b="1" u="none" strike="noStrike" dirty="0">
-                          <a:effectLst/>
-                          <a:latin typeface="+mj-lt"/>
-                        </a:rPr>
-                        <a:t>Boyut</a:t>
-                      </a:r>
-                      <a:r>
-                        <a:rPr lang="en-US" sz="1400" b="1" u="none" strike="noStrike" baseline="0" dirty="0">
-                          <a:effectLst/>
-                          <a:latin typeface="+mj-lt"/>
-                        </a:rPr>
-                        <a:t> (</a:t>
-                      </a:r>
-                      <a:r>
-                        <a:rPr lang="en-US" sz="1400" b="1" u="none" strike="noStrike" dirty="0">
-                          <a:effectLst/>
-                          <a:latin typeface="+mj-lt"/>
-                        </a:rPr>
-                        <a:t>feet</a:t>
-                      </a:r>
-                      <a:r>
-                        <a:rPr lang="en-US" sz="1400" b="1" u="none" strike="noStrike" baseline="30000" dirty="0">
-                          <a:effectLst/>
-                          <a:latin typeface="+mj-lt"/>
-                        </a:rPr>
-                        <a:t>2</a:t>
-                      </a:r>
-                      <a:r>
-                        <a:rPr lang="en-US" sz="1400" b="1" u="none" strike="noStrike" baseline="0" dirty="0">
-                          <a:effectLst/>
-                          <a:latin typeface="+mj-lt"/>
-                        </a:rPr>
-                        <a:t>)</a:t>
-                      </a:r>
-                    </a:p>
-                    <a:p>
-                      <a:pPr algn="ctr" fontAlgn="b"/>
-                      <a:endParaRPr lang="en-US" sz="1400" b="1" u="none" strike="noStrike" baseline="0" dirty="0">
-                        <a:effectLst/>
-                        <a:latin typeface="+mj-lt"/>
-                      </a:endParaRPr>
-                    </a:p>
-                    <a:p>
-                      <a:pPr algn="ctr" fontAlgn="b"/>
-                      <a:endParaRPr lang="en-US" sz="1500" b="1" i="0" u="none" strike="noStrike" dirty="0">
-                        <a:solidFill>
-                          <a:srgbClr val="000000"/>
-                        </a:solidFill>
-                        <a:effectLst/>
-                        <a:latin typeface="+mj-lt"/>
-                      </a:endParaRPr>
-                    </a:p>
-                  </a:txBody>
-                  <a:tcPr marL="5715" marR="5715" marT="5715" marB="0" anchor="b">
-                    <a:lnR w="12700" cap="flat" cmpd="sng" algn="ctr">
-                      <a:solidFill>
-                        <a:schemeClr val="tx1"/>
-                      </a:solidFill>
-                      <a:prstDash val="solid"/>
-                      <a:round/>
-                      <a:headEnd type="none" w="med" len="med"/>
-                      <a:tailEnd type="none" w="med" len="med"/>
-                    </a:lnR>
-                    <a:lnB w="12700" cap="flat" cmpd="sng" algn="ctr">
-                      <a:solidFill>
-                        <a:schemeClr val="tx1"/>
-                      </a:solidFill>
-                      <a:prstDash val="solid"/>
-                      <a:round/>
-                      <a:headEnd type="none" w="med" len="med"/>
-                      <a:tailEnd type="none" w="med" len="med"/>
-                    </a:lnB>
-                    <a:solidFill>
-                      <a:schemeClr val="bg1"/>
-                    </a:solidFill>
-                  </a:tcPr>
-                </a:tc>
-                <a:tc>
-                  <a:txBody>
-                    <a:bodyPr/>
-                    <a:lstStyle/>
-                    <a:p>
-                      <a:pPr algn="ctr" fontAlgn="b"/>
-                      <a:r>
-                        <a:rPr lang="tr-TR" sz="1400" b="1" i="0" u="none" strike="noStrike" dirty="0">
-                          <a:solidFill>
-                            <a:srgbClr val="000000"/>
-                          </a:solidFill>
-                          <a:effectLst/>
-                          <a:latin typeface="+mj-lt"/>
-                        </a:rPr>
-                        <a:t>Fiyat</a:t>
-                      </a:r>
-                      <a:r>
-                        <a:rPr lang="en-US" sz="1400" b="1" i="0" u="none" strike="noStrike" dirty="0">
-                          <a:solidFill>
-                            <a:srgbClr val="000000"/>
-                          </a:solidFill>
-                          <a:effectLst/>
-                          <a:latin typeface="+mj-lt"/>
-                        </a:rPr>
-                        <a:t> ($1000)</a:t>
-                      </a:r>
-                    </a:p>
-                    <a:p>
-                      <a:pPr algn="ctr" fontAlgn="b"/>
-                      <a:endParaRPr lang="en-US" sz="1400" b="1" i="0" u="none" strike="noStrike" dirty="0">
-                        <a:solidFill>
-                          <a:srgbClr val="000000"/>
-                        </a:solidFill>
-                        <a:effectLst/>
-                        <a:latin typeface="+mj-lt"/>
-                      </a:endParaRPr>
-                    </a:p>
-                    <a:p>
-                      <a:pPr algn="ctr" fontAlgn="b"/>
-                      <a:endParaRPr lang="en-US" sz="1500" b="1" i="0" u="none" strike="noStrike" dirty="0">
-                        <a:solidFill>
-                          <a:srgbClr val="000000"/>
-                        </a:solidFill>
-                        <a:effectLst/>
-                        <a:latin typeface="+mj-lt"/>
-                      </a:endParaRPr>
-                    </a:p>
-                  </a:txBody>
-                  <a:tcPr marL="5715" marR="5715" marT="5715" marB="0" anchor="b">
-                    <a:lnL w="12700" cap="flat" cmpd="sng" algn="ctr">
-                      <a:solidFill>
-                        <a:schemeClr val="tx1"/>
-                      </a:solidFill>
-                      <a:prstDash val="solid"/>
-                      <a:round/>
-                      <a:headEnd type="none" w="med" len="med"/>
-                      <a:tailEnd type="none" w="med" len="med"/>
-                    </a:lnL>
-                    <a:lnB w="12700" cap="flat" cmpd="sng" algn="ctr">
-                      <a:solidFill>
-                        <a:schemeClr val="tx1"/>
-                      </a:solidFill>
-                      <a:prstDash val="solid"/>
-                      <a:round/>
-                      <a:headEnd type="none" w="med" len="med"/>
-                      <a:tailEnd type="none" w="med" len="med"/>
-                    </a:lnB>
-                    <a:solidFill>
-                      <a:schemeClr val="bg1"/>
-                    </a:solidFill>
-                  </a:tcPr>
-                </a:tc>
-                <a:extLst>
-                  <a:ext uri="{0D108BD9-81ED-4DB2-BD59-A6C34878D82A}">
-                    <a16:rowId xmlns:a16="http://schemas.microsoft.com/office/drawing/2014/main" val="10000"/>
-                  </a:ext>
-                </a:extLst>
-              </a:tr>
-              <a:tr h="234315">
-                <a:tc>
-                  <a:txBody>
-                    <a:bodyPr/>
-                    <a:lstStyle/>
-                    <a:p>
-                      <a:pPr algn="ctr" fontAlgn="b"/>
-                      <a:r>
-                        <a:rPr lang="en-US" sz="1500" u="none" strike="noStrike">
-                          <a:effectLst/>
-                          <a:latin typeface="+mj-lt"/>
-                        </a:rPr>
-                        <a:t>2104</a:t>
-                      </a:r>
-                      <a:endParaRPr lang="en-US" sz="1500" b="0" i="0" u="none" strike="noStrike" dirty="0">
-                        <a:solidFill>
-                          <a:srgbClr val="000000"/>
-                        </a:solidFill>
-                        <a:effectLst/>
-                        <a:latin typeface="+mj-lt"/>
-                      </a:endParaRPr>
-                    </a:p>
-                  </a:txBody>
-                  <a:tcPr marL="5715" marR="5715" marT="5715" marB="0" anchor="b">
-                    <a:lnR w="12700" cap="flat" cmpd="sng" algn="ctr">
-                      <a:solidFill>
-                        <a:schemeClr val="tx1"/>
-                      </a:solidFill>
-                      <a:prstDash val="solid"/>
-                      <a:round/>
-                      <a:headEnd type="none" w="med" len="med"/>
-                      <a:tailEnd type="none" w="med" len="med"/>
-                    </a:lnR>
-                    <a:lnT w="12700" cap="flat" cmpd="sng" algn="ctr">
-                      <a:solidFill>
-                        <a:schemeClr val="tx1"/>
-                      </a:solidFill>
-                      <a:prstDash val="solid"/>
-                      <a:round/>
-                      <a:headEnd type="none" w="med" len="med"/>
-                      <a:tailEnd type="none" w="med" len="med"/>
-                    </a:lnT>
-                    <a:solidFill>
-                      <a:schemeClr val="bg1"/>
-                    </a:solidFill>
-                  </a:tcPr>
-                </a:tc>
-                <a:tc>
-                  <a:txBody>
-                    <a:bodyPr/>
-                    <a:lstStyle/>
-                    <a:p>
-                      <a:pPr algn="ctr" fontAlgn="b"/>
-                      <a:r>
-                        <a:rPr lang="en-US" sz="1500" b="0" i="0" u="none" strike="noStrike" dirty="0">
-                          <a:solidFill>
-                            <a:srgbClr val="000000"/>
-                          </a:solidFill>
-                          <a:effectLst/>
-                          <a:latin typeface="+mj-lt"/>
-                        </a:rPr>
-                        <a:t>460</a:t>
-                      </a:r>
-                    </a:p>
-                  </a:txBody>
-                  <a:tcPr marL="5715" marR="5715" marT="5715" marB="0" anchor="b">
-                    <a:lnL w="12700" cap="flat" cmpd="sng" algn="ctr">
-                      <a:solidFill>
-                        <a:schemeClr val="tx1"/>
-                      </a:solidFill>
-                      <a:prstDash val="solid"/>
-                      <a:round/>
-                      <a:headEnd type="none" w="med" len="med"/>
-                      <a:tailEnd type="none" w="med" len="med"/>
-                    </a:lnL>
-                    <a:lnT w="12700" cap="flat" cmpd="sng" algn="ctr">
-                      <a:solidFill>
-                        <a:schemeClr val="tx1"/>
-                      </a:solidFill>
-                      <a:prstDash val="solid"/>
-                      <a:round/>
-                      <a:headEnd type="none" w="med" len="med"/>
-                      <a:tailEnd type="none" w="med" len="med"/>
-                    </a:lnT>
-                    <a:solidFill>
-                      <a:schemeClr val="bg1"/>
-                    </a:solidFill>
-                  </a:tcPr>
-                </a:tc>
-                <a:extLst>
-                  <a:ext uri="{0D108BD9-81ED-4DB2-BD59-A6C34878D82A}">
-                    <a16:rowId xmlns:a16="http://schemas.microsoft.com/office/drawing/2014/main" val="10001"/>
-                  </a:ext>
-                </a:extLst>
-              </a:tr>
-              <a:tr h="234315">
-                <a:tc>
-                  <a:txBody>
-                    <a:bodyPr/>
-                    <a:lstStyle/>
-                    <a:p>
-                      <a:pPr algn="ctr" fontAlgn="b"/>
-                      <a:r>
-                        <a:rPr lang="en-US" sz="1500" u="none" strike="noStrike" dirty="0">
-                          <a:effectLst/>
-                          <a:latin typeface="+mj-lt"/>
-                        </a:rPr>
-                        <a:t>1416</a:t>
-                      </a:r>
-                      <a:endParaRPr lang="en-US" sz="1500" b="0" i="0" u="none" strike="noStrike" dirty="0">
-                        <a:solidFill>
-                          <a:srgbClr val="000000"/>
-                        </a:solidFill>
-                        <a:effectLst/>
-                        <a:latin typeface="+mj-lt"/>
-                      </a:endParaRPr>
-                    </a:p>
-                  </a:txBody>
-                  <a:tcPr marL="5715" marR="5715" marT="5715" marB="0" anchor="b">
-                    <a:lnR w="12700" cap="flat" cmpd="sng" algn="ctr">
-                      <a:solidFill>
-                        <a:schemeClr val="tx1"/>
-                      </a:solidFill>
-                      <a:prstDash val="solid"/>
-                      <a:round/>
-                      <a:headEnd type="none" w="med" len="med"/>
-                      <a:tailEnd type="none" w="med" len="med"/>
-                    </a:lnR>
-                    <a:solidFill>
-                      <a:schemeClr val="bg1"/>
-                    </a:solidFill>
-                  </a:tcPr>
-                </a:tc>
-                <a:tc>
-                  <a:txBody>
-                    <a:bodyPr/>
-                    <a:lstStyle/>
-                    <a:p>
-                      <a:pPr algn="ctr" fontAlgn="b"/>
-                      <a:r>
-                        <a:rPr lang="en-US" sz="1500" b="0" i="0" u="none" strike="noStrike" dirty="0">
-                          <a:solidFill>
-                            <a:srgbClr val="000000"/>
-                          </a:solidFill>
-                          <a:effectLst/>
-                          <a:latin typeface="+mj-lt"/>
-                        </a:rPr>
-                        <a:t>232</a:t>
-                      </a:r>
-                    </a:p>
-                  </a:txBody>
-                  <a:tcPr marL="5715" marR="5715" marT="5715" marB="0" anchor="b">
-                    <a:lnL w="12700" cap="flat" cmpd="sng" algn="ctr">
-                      <a:solidFill>
-                        <a:schemeClr val="tx1"/>
-                      </a:solidFill>
-                      <a:prstDash val="solid"/>
-                      <a:round/>
-                      <a:headEnd type="none" w="med" len="med"/>
-                      <a:tailEnd type="none" w="med" len="med"/>
-                    </a:lnL>
-                    <a:solidFill>
-                      <a:schemeClr val="bg1"/>
-                    </a:solidFill>
-                  </a:tcPr>
-                </a:tc>
-                <a:extLst>
-                  <a:ext uri="{0D108BD9-81ED-4DB2-BD59-A6C34878D82A}">
-                    <a16:rowId xmlns:a16="http://schemas.microsoft.com/office/drawing/2014/main" val="10002"/>
-                  </a:ext>
-                </a:extLst>
-              </a:tr>
-              <a:tr h="234315">
-                <a:tc>
-                  <a:txBody>
-                    <a:bodyPr/>
-                    <a:lstStyle/>
-                    <a:p>
-                      <a:pPr algn="ctr" fontAlgn="b"/>
-                      <a:r>
-                        <a:rPr lang="en-US" sz="1500" b="0" i="0" u="none" strike="noStrike" dirty="0">
-                          <a:solidFill>
-                            <a:srgbClr val="000000"/>
-                          </a:solidFill>
-                          <a:effectLst/>
-                          <a:latin typeface="+mj-lt"/>
-                        </a:rPr>
-                        <a:t>1534</a:t>
-                      </a:r>
-                    </a:p>
-                  </a:txBody>
-                  <a:tcPr marL="5715" marR="5715" marT="5715" marB="0" anchor="b">
-                    <a:lnR w="12700" cap="flat" cmpd="sng" algn="ctr">
-                      <a:solidFill>
-                        <a:schemeClr val="tx1"/>
-                      </a:solidFill>
-                      <a:prstDash val="solid"/>
-                      <a:round/>
-                      <a:headEnd type="none" w="med" len="med"/>
-                      <a:tailEnd type="none" w="med" len="med"/>
-                    </a:lnR>
-                    <a:solidFill>
-                      <a:schemeClr val="bg1"/>
-                    </a:solidFill>
-                  </a:tcPr>
-                </a:tc>
-                <a:tc>
-                  <a:txBody>
-                    <a:bodyPr/>
-                    <a:lstStyle/>
-                    <a:p>
-                      <a:pPr algn="ctr" fontAlgn="b"/>
-                      <a:r>
-                        <a:rPr lang="en-US" sz="1500" b="0" i="0" u="none" strike="noStrike" dirty="0">
-                          <a:solidFill>
-                            <a:srgbClr val="000000"/>
-                          </a:solidFill>
-                          <a:effectLst/>
-                          <a:latin typeface="+mj-lt"/>
-                        </a:rPr>
-                        <a:t>315</a:t>
-                      </a:r>
-                    </a:p>
-                  </a:txBody>
-                  <a:tcPr marL="5715" marR="5715" marT="5715" marB="0" anchor="b">
-                    <a:lnL w="12700" cap="flat" cmpd="sng" algn="ctr">
-                      <a:solidFill>
-                        <a:schemeClr val="tx1"/>
-                      </a:solidFill>
-                      <a:prstDash val="solid"/>
-                      <a:round/>
-                      <a:headEnd type="none" w="med" len="med"/>
-                      <a:tailEnd type="none" w="med" len="med"/>
-                    </a:lnL>
-                    <a:solidFill>
-                      <a:schemeClr val="bg1"/>
-                    </a:solidFill>
-                  </a:tcPr>
-                </a:tc>
-                <a:extLst>
-                  <a:ext uri="{0D108BD9-81ED-4DB2-BD59-A6C34878D82A}">
-                    <a16:rowId xmlns:a16="http://schemas.microsoft.com/office/drawing/2014/main" val="10003"/>
-                  </a:ext>
-                </a:extLst>
-              </a:tr>
-              <a:tr h="234315">
-                <a:tc>
-                  <a:txBody>
-                    <a:bodyPr/>
-                    <a:lstStyle/>
-                    <a:p>
-                      <a:pPr algn="ctr" fontAlgn="b"/>
-                      <a:r>
-                        <a:rPr lang="en-US" sz="1500" b="0" i="0" u="none" strike="noStrike" dirty="0">
-                          <a:solidFill>
-                            <a:srgbClr val="000000"/>
-                          </a:solidFill>
-                          <a:effectLst/>
-                          <a:latin typeface="+mj-lt"/>
-                        </a:rPr>
-                        <a:t>852</a:t>
-                      </a:r>
-                    </a:p>
-                  </a:txBody>
-                  <a:tcPr marL="5715" marR="5715" marT="5715" marB="0" anchor="b">
-                    <a:lnR w="12700" cap="flat" cmpd="sng" algn="ctr">
-                      <a:solidFill>
-                        <a:schemeClr val="tx1"/>
-                      </a:solidFill>
-                      <a:prstDash val="solid"/>
-                      <a:round/>
-                      <a:headEnd type="none" w="med" len="med"/>
-                      <a:tailEnd type="none" w="med" len="med"/>
-                    </a:lnR>
-                    <a:solidFill>
-                      <a:schemeClr val="bg1"/>
-                    </a:solidFill>
-                  </a:tcPr>
-                </a:tc>
-                <a:tc>
-                  <a:txBody>
-                    <a:bodyPr/>
-                    <a:lstStyle/>
-                    <a:p>
-                      <a:pPr algn="ctr" fontAlgn="b"/>
-                      <a:r>
-                        <a:rPr lang="en-US" sz="1500" b="0" i="0" u="none" strike="noStrike" dirty="0">
-                          <a:solidFill>
-                            <a:srgbClr val="000000"/>
-                          </a:solidFill>
-                          <a:effectLst/>
-                          <a:latin typeface="+mj-lt"/>
-                        </a:rPr>
-                        <a:t>178</a:t>
-                      </a:r>
-                    </a:p>
-                  </a:txBody>
-                  <a:tcPr marL="5715" marR="5715" marT="5715" marB="0" anchor="b">
-                    <a:lnL w="12700" cap="flat" cmpd="sng" algn="ctr">
-                      <a:solidFill>
-                        <a:schemeClr val="tx1"/>
-                      </a:solidFill>
-                      <a:prstDash val="solid"/>
-                      <a:round/>
-                      <a:headEnd type="none" w="med" len="med"/>
-                      <a:tailEnd type="none" w="med" len="med"/>
-                    </a:lnL>
-                    <a:solidFill>
-                      <a:schemeClr val="bg1"/>
-                    </a:solidFill>
-                  </a:tcPr>
-                </a:tc>
-                <a:extLst>
-                  <a:ext uri="{0D108BD9-81ED-4DB2-BD59-A6C34878D82A}">
-                    <a16:rowId xmlns:a16="http://schemas.microsoft.com/office/drawing/2014/main" val="10004"/>
-                  </a:ext>
-                </a:extLst>
-              </a:tr>
-              <a:tr h="234315">
-                <a:tc>
-                  <a:txBody>
-                    <a:bodyPr/>
-                    <a:lstStyle/>
-                    <a:p>
-                      <a:pPr algn="ctr" fontAlgn="b"/>
-                      <a:r>
-                        <a:rPr lang="en-US" sz="1500" b="0" i="0" u="none" strike="noStrike" dirty="0">
-                          <a:solidFill>
-                            <a:srgbClr val="000000"/>
-                          </a:solidFill>
-                          <a:effectLst/>
-                          <a:latin typeface="+mj-lt"/>
-                        </a:rPr>
-                        <a:t>…</a:t>
-                      </a:r>
-                    </a:p>
-                  </a:txBody>
-                  <a:tcPr marL="5715" marR="5715" marT="5715" marB="0" anchor="b">
-                    <a:lnR w="12700" cap="flat" cmpd="sng" algn="ctr">
-                      <a:solidFill>
-                        <a:schemeClr val="tx1"/>
-                      </a:solidFill>
-                      <a:prstDash val="solid"/>
-                      <a:round/>
-                      <a:headEnd type="none" w="med" len="med"/>
-                      <a:tailEnd type="none" w="med" len="med"/>
-                    </a:lnR>
-                    <a:solidFill>
-                      <a:schemeClr val="bg1"/>
-                    </a:solidFill>
-                  </a:tcPr>
-                </a:tc>
-                <a:tc>
-                  <a:txBody>
-                    <a:bodyPr/>
-                    <a:lstStyle/>
-                    <a:p>
-                      <a:pPr algn="ctr" fontAlgn="b"/>
-                      <a:r>
-                        <a:rPr lang="en-US" sz="1500" b="0" i="0" u="none" strike="noStrike" dirty="0">
-                          <a:solidFill>
-                            <a:srgbClr val="000000"/>
-                          </a:solidFill>
-                          <a:effectLst/>
-                          <a:latin typeface="+mj-lt"/>
-                        </a:rPr>
-                        <a:t>…</a:t>
-                      </a:r>
-                    </a:p>
-                  </a:txBody>
-                  <a:tcPr marL="5715" marR="5715" marT="5715" marB="0" anchor="b">
-                    <a:lnL w="12700" cap="flat" cmpd="sng" algn="ctr">
-                      <a:solidFill>
-                        <a:schemeClr val="tx1"/>
-                      </a:solidFill>
-                      <a:prstDash val="solid"/>
-                      <a:round/>
-                      <a:headEnd type="none" w="med" len="med"/>
-                      <a:tailEnd type="none" w="med" len="med"/>
-                    </a:lnL>
-                    <a:solidFill>
-                      <a:schemeClr val="bg1"/>
-                    </a:solidFill>
-                  </a:tcPr>
-                </a:tc>
-                <a:extLst>
-                  <a:ext uri="{0D108BD9-81ED-4DB2-BD59-A6C34878D82A}">
-                    <a16:rowId xmlns:a16="http://schemas.microsoft.com/office/drawing/2014/main" val="10005"/>
-                  </a:ext>
-                </a:extLst>
-              </a:tr>
-            </a:tbl>
-          </a:graphicData>
-        </a:graphic>
-      </p:graphicFrame>
-      <p:pic>
-        <p:nvPicPr>
-          <p:cNvPr id="2" name="Picture 1"/>
-          <p:cNvPicPr>
-            <a:picLocks noChangeAspect="1"/>
-          </p:cNvPicPr>
-          <p:nvPr>
-            <p:custDataLst>
-              <p:tags r:id="rId1"/>
-            </p:custDataLst>
-          </p:nvPr>
-        </p:nvPicPr>
-        <p:blipFill>
-          <a:blip r:embed="rId6" cstate="print">
-            <a:extLst>
-              <a:ext uri="{28A0092B-C50C-407E-A947-70E740481C1C}">
-                <a14:useLocalDpi xmlns:a14="http://schemas.microsoft.com/office/drawing/2010/main" val="0"/>
-              </a:ext>
-            </a:extLst>
-          </a:blip>
-          <a:stretch>
-            <a:fillRect/>
-          </a:stretch>
-        </p:blipFill>
-        <p:spPr>
-          <a:xfrm>
-            <a:off x="2981236" y="1997393"/>
-            <a:ext cx="114872" cy="102870"/>
-          </a:xfrm>
-          <a:prstGeom prst="rect">
-            <a:avLst/>
-          </a:prstGeom>
-        </p:spPr>
-      </p:pic>
-      <p:pic>
-        <p:nvPicPr>
-          <p:cNvPr id="4" name="Picture 3"/>
-          <p:cNvPicPr>
-            <a:picLocks noChangeAspect="1"/>
-          </p:cNvPicPr>
-          <p:nvPr>
-            <p:custDataLst>
-              <p:tags r:id="rId2"/>
-            </p:custDataLst>
-          </p:nvPr>
-        </p:nvPicPr>
-        <p:blipFill>
-          <a:blip r:embed="rId7" cstate="print">
-            <a:extLst>
-              <a:ext uri="{28A0092B-C50C-407E-A947-70E740481C1C}">
-                <a14:useLocalDpi xmlns:a14="http://schemas.microsoft.com/office/drawing/2010/main" val="0"/>
-              </a:ext>
-            </a:extLst>
-          </a:blip>
-          <a:stretch>
-            <a:fillRect/>
-          </a:stretch>
-        </p:blipFill>
-        <p:spPr>
-          <a:xfrm>
-            <a:off x="4013937" y="1982248"/>
-            <a:ext cx="108014" cy="147447"/>
-          </a:xfrm>
-          <a:prstGeom prst="rect">
-            <a:avLst/>
-          </a:prstGeom>
-        </p:spPr>
-      </p:pic>
-      <p:pic>
-        <p:nvPicPr>
-          <p:cNvPr id="3" name="Picture 2"/>
-          <p:cNvPicPr>
-            <a:picLocks noChangeAspect="1"/>
-          </p:cNvPicPr>
-          <p:nvPr>
-            <p:custDataLst>
-              <p:tags r:id="rId3"/>
-            </p:custDataLst>
-          </p:nvPr>
-        </p:nvPicPr>
-        <p:blipFill>
-          <a:blip r:embed="rId8" cstate="print">
-            <a:extLst>
-              <a:ext uri="{28A0092B-C50C-407E-A947-70E740481C1C}">
-                <a14:useLocalDpi xmlns:a14="http://schemas.microsoft.com/office/drawing/2010/main" val="0"/>
-              </a:ext>
-            </a:extLst>
-          </a:blip>
-          <a:stretch>
-            <a:fillRect/>
-          </a:stretch>
-        </p:blipFill>
-        <p:spPr>
-          <a:xfrm>
-            <a:off x="2400300" y="3536485"/>
-            <a:ext cx="2201418" cy="306324"/>
-          </a:xfrm>
-          <a:prstGeom prst="rect">
-            <a:avLst/>
-          </a:prstGeom>
-        </p:spPr>
-      </p:pic>
-      <p:sp>
-        <p:nvSpPr>
-          <p:cNvPr id="8" name="TextBox 7"/>
-          <p:cNvSpPr txBox="1"/>
-          <p:nvPr/>
-        </p:nvSpPr>
-        <p:spPr>
-          <a:xfrm>
-            <a:off x="228600" y="857250"/>
-            <a:ext cx="5829300" cy="369332"/>
-          </a:xfrm>
-          <a:prstGeom prst="rect">
-            <a:avLst/>
-          </a:prstGeom>
-          <a:noFill/>
-        </p:spPr>
-        <p:txBody>
-          <a:bodyPr wrap="square" rtlCol="0">
-            <a:spAutoFit/>
-          </a:bodyPr>
-          <a:lstStyle/>
-          <a:p>
-            <a:r>
-              <a:rPr lang="tr-TR" b="1" dirty="0"/>
-              <a:t>Tek</a:t>
-            </a:r>
-            <a:r>
-              <a:rPr lang="en-US" b="1" dirty="0"/>
-              <a:t> </a:t>
-            </a:r>
-            <a:r>
-              <a:rPr lang="en-US" b="1" dirty="0" err="1"/>
-              <a:t>öz</a:t>
-            </a:r>
-            <a:r>
-              <a:rPr lang="tr-TR" b="1" dirty="0"/>
-              <a:t>nitelik</a:t>
-            </a:r>
-            <a:r>
-              <a:rPr lang="en-US" b="1" dirty="0"/>
-              <a:t> (</a:t>
-            </a:r>
-            <a:r>
-              <a:rPr lang="en-US" b="1" dirty="0" err="1"/>
-              <a:t>değişkenler</a:t>
-            </a:r>
-            <a:r>
-              <a:rPr lang="en-US" b="1" dirty="0"/>
-              <a:t>).</a:t>
-            </a:r>
-          </a:p>
-        </p:txBody>
-      </p:sp>
-    </p:spTree>
-    <p:extLst>
-      <p:ext uri="{BB962C8B-B14F-4D97-AF65-F5344CB8AC3E}">
-        <p14:creationId xmlns:p14="http://schemas.microsoft.com/office/powerpoint/2010/main" val="3616449091"/>
-      </p:ext>
-    </p:extLst>
-  </p:cSld>
-  <p:clrMapOvr>
-    <a:masterClrMapping/>
-  </p:clrMapOvr>
-</p:sld>
-</file>
-
-<file path=ppt/slides/slide49.xml><?xml version="1.0" encoding="utf-8"?>
-<p:sld xmlns:a="http://schemas.openxmlformats.org/drawingml/2006/main" xmlns:r="http://schemas.openxmlformats.org/officeDocument/2006/relationships" xmlns:p="http://schemas.openxmlformats.org/presentationml/2006/main">
-  <p:cSld>
-    <p:spTree>
-      <p:nvGrpSpPr>
-        <p:cNvPr id="1" name=""/>
-        <p:cNvGrpSpPr/>
-        <p:nvPr/>
-      </p:nvGrpSpPr>
-      <p:grpSpPr>
-        <a:xfrm>
-          <a:off x="0" y="0"/>
-          <a:ext cx="0" cy="0"/>
-          <a:chOff x="0" y="0"/>
-          <a:chExt cx="0" cy="0"/>
-        </a:xfrm>
-      </p:grpSpPr>
-      <p:graphicFrame>
-        <p:nvGraphicFramePr>
-          <p:cNvPr id="2" name="Table 1"/>
-          <p:cNvGraphicFramePr>
-            <a:graphicFrameLocks noGrp="1"/>
-          </p:cNvGraphicFramePr>
-          <p:nvPr/>
-        </p:nvGraphicFramePr>
-        <p:xfrm>
-          <a:off x="477673" y="1293978"/>
-          <a:ext cx="4800599" cy="1741170"/>
-        </p:xfrm>
-        <a:graphic>
-          <a:graphicData uri="http://schemas.openxmlformats.org/drawingml/2006/table">
-            <a:tbl>
-              <a:tblPr>
-                <a:tableStyleId>{2D5ABB26-0587-4C30-8999-92F81FD0307C}</a:tableStyleId>
-              </a:tblPr>
-              <a:tblGrid>
-                <a:gridCol w="857249">
-                  <a:extLst>
-                    <a:ext uri="{9D8B030D-6E8A-4147-A177-3AD203B41FA5}">
-                      <a16:colId xmlns:a16="http://schemas.microsoft.com/office/drawing/2014/main" val="20000"/>
-                    </a:ext>
-                  </a:extLst>
-                </a:gridCol>
-                <a:gridCol w="857250">
-                  <a:extLst>
-                    <a:ext uri="{9D8B030D-6E8A-4147-A177-3AD203B41FA5}">
-                      <a16:colId xmlns:a16="http://schemas.microsoft.com/office/drawing/2014/main" val="20001"/>
-                    </a:ext>
-                  </a:extLst>
-                </a:gridCol>
-                <a:gridCol w="857250">
-                  <a:extLst>
-                    <a:ext uri="{9D8B030D-6E8A-4147-A177-3AD203B41FA5}">
-                      <a16:colId xmlns:a16="http://schemas.microsoft.com/office/drawing/2014/main" val="20002"/>
-                    </a:ext>
-                  </a:extLst>
-                </a:gridCol>
-                <a:gridCol w="1085850">
-                  <a:extLst>
-                    <a:ext uri="{9D8B030D-6E8A-4147-A177-3AD203B41FA5}">
-                      <a16:colId xmlns:a16="http://schemas.microsoft.com/office/drawing/2014/main" val="20003"/>
-                    </a:ext>
-                  </a:extLst>
-                </a:gridCol>
-                <a:gridCol w="1143000">
-                  <a:extLst>
-                    <a:ext uri="{9D8B030D-6E8A-4147-A177-3AD203B41FA5}">
-                      <a16:colId xmlns:a16="http://schemas.microsoft.com/office/drawing/2014/main" val="20004"/>
-                    </a:ext>
-                  </a:extLst>
-                </a:gridCol>
-              </a:tblGrid>
-              <a:tr h="622935">
-                <a:tc>
-                  <a:txBody>
-                    <a:bodyPr/>
-                    <a:lstStyle/>
-                    <a:p>
-                      <a:pPr algn="ctr" fontAlgn="b"/>
-                      <a:r>
-                        <a:rPr lang="tr-TR" sz="1400" b="1" u="none" strike="noStrike" dirty="0">
-                          <a:effectLst/>
-                          <a:latin typeface="+mj-lt"/>
-                        </a:rPr>
-                        <a:t>Boyut</a:t>
-                      </a:r>
-                      <a:r>
-                        <a:rPr lang="en-US" sz="1400" b="1" u="none" strike="noStrike" baseline="0" dirty="0">
-                          <a:effectLst/>
-                          <a:latin typeface="+mj-lt"/>
-                        </a:rPr>
-                        <a:t> (</a:t>
-                      </a:r>
-                      <a:r>
-                        <a:rPr lang="en-US" sz="1400" b="1" u="none" strike="noStrike" dirty="0">
-                          <a:effectLst/>
-                          <a:latin typeface="+mj-lt"/>
-                        </a:rPr>
-                        <a:t>feet</a:t>
-                      </a:r>
-                      <a:r>
-                        <a:rPr lang="en-US" sz="1400" b="1" u="none" strike="noStrike" baseline="30000" dirty="0">
-                          <a:effectLst/>
-                          <a:latin typeface="+mj-lt"/>
-                        </a:rPr>
-                        <a:t>2</a:t>
-                      </a:r>
-                      <a:r>
-                        <a:rPr lang="en-US" sz="1400" b="1" u="none" strike="noStrike" baseline="0" dirty="0">
-                          <a:effectLst/>
-                          <a:latin typeface="+mj-lt"/>
-                        </a:rPr>
-                        <a:t>)</a:t>
-                      </a:r>
-                    </a:p>
-                    <a:p>
-                      <a:pPr algn="ctr" fontAlgn="b"/>
-                      <a:endParaRPr lang="en-US" sz="1400" b="1" u="none" strike="noStrike" baseline="0" dirty="0">
-                        <a:effectLst/>
-                        <a:latin typeface="+mj-lt"/>
-                      </a:endParaRPr>
-                    </a:p>
-                  </a:txBody>
-                  <a:tcPr marL="5715" marR="5715" marT="5715" marB="0" anchor="ctr">
-                    <a:lnR w="12700" cap="flat" cmpd="sng" algn="ctr">
-                      <a:solidFill>
-                        <a:schemeClr val="tx1"/>
-                      </a:solidFill>
-                      <a:prstDash val="solid"/>
-                      <a:round/>
-                      <a:headEnd type="none" w="med" len="med"/>
-                      <a:tailEnd type="none" w="med" len="med"/>
-                    </a:lnR>
-                    <a:lnB w="12700" cap="flat" cmpd="sng" algn="ctr">
-                      <a:solidFill>
-                        <a:schemeClr val="tx1"/>
-                      </a:solidFill>
-                      <a:prstDash val="solid"/>
-                      <a:round/>
-                      <a:headEnd type="none" w="med" len="med"/>
-                      <a:tailEnd type="none" w="med" len="med"/>
-                    </a:lnB>
-                    <a:solidFill>
-                      <a:schemeClr val="bg1"/>
-                    </a:solidFill>
-                  </a:tcPr>
-                </a:tc>
-                <a:tc>
-                  <a:txBody>
-                    <a:bodyPr/>
-                    <a:lstStyle/>
-                    <a:p>
-                      <a:pPr algn="ctr" fontAlgn="b"/>
-                      <a:r>
-                        <a:rPr lang="en-US" sz="1400" b="1" i="0" u="none" strike="noStrike" dirty="0" err="1">
-                          <a:solidFill>
-                            <a:srgbClr val="000000"/>
-                          </a:solidFill>
-                          <a:effectLst/>
-                          <a:latin typeface="+mj-lt"/>
-                        </a:rPr>
-                        <a:t>Yatak</a:t>
-                      </a:r>
-                      <a:r>
-                        <a:rPr lang="en-US" sz="1400" b="1" i="0" u="none" strike="noStrike" dirty="0">
-                          <a:solidFill>
-                            <a:srgbClr val="000000"/>
-                          </a:solidFill>
-                          <a:effectLst/>
-                          <a:latin typeface="+mj-lt"/>
-                        </a:rPr>
-                        <a:t> </a:t>
-                      </a:r>
-                      <a:r>
-                        <a:rPr lang="en-US" sz="1400" b="1" i="0" u="none" strike="noStrike" dirty="0" err="1">
-                          <a:solidFill>
-                            <a:srgbClr val="000000"/>
-                          </a:solidFill>
-                          <a:effectLst/>
-                          <a:latin typeface="+mj-lt"/>
-                        </a:rPr>
-                        <a:t>odası</a:t>
-                      </a:r>
-                      <a:r>
-                        <a:rPr lang="en-US" sz="1400" b="1" i="0" u="none" strike="noStrike" dirty="0">
-                          <a:solidFill>
-                            <a:srgbClr val="000000"/>
-                          </a:solidFill>
-                          <a:effectLst/>
-                          <a:latin typeface="+mj-lt"/>
-                        </a:rPr>
-                        <a:t> </a:t>
-                      </a:r>
-                      <a:r>
-                        <a:rPr lang="en-US" sz="1400" b="1" i="0" u="none" strike="noStrike" dirty="0" err="1">
-                          <a:solidFill>
-                            <a:srgbClr val="000000"/>
-                          </a:solidFill>
-                          <a:effectLst/>
-                          <a:latin typeface="+mj-lt"/>
-                        </a:rPr>
-                        <a:t>sayısı</a:t>
-                      </a:r>
-                      <a:endParaRPr lang="en-US" sz="1400" b="1" i="0" u="none" strike="noStrike" dirty="0">
-                        <a:solidFill>
-                          <a:srgbClr val="000000"/>
-                        </a:solidFill>
-                        <a:effectLst/>
-                        <a:latin typeface="+mj-lt"/>
-                      </a:endParaRPr>
-                    </a:p>
-                  </a:txBody>
-                  <a:tcPr marL="5715" marR="5715" marT="5715" marB="0" anchor="ctr">
-                    <a:lnL w="12700" cap="flat" cmpd="sng" algn="ctr">
-                      <a:solidFill>
-                        <a:schemeClr val="tx1"/>
-                      </a:solidFill>
-                      <a:prstDash val="solid"/>
-                      <a:round/>
-                      <a:headEnd type="none" w="med" len="med"/>
-                      <a:tailEnd type="none" w="med" len="med"/>
-                    </a:lnL>
-                    <a:lnR w="12700" cap="flat" cmpd="sng" algn="ctr">
-                      <a:solidFill>
-                        <a:schemeClr val="tx1"/>
-                      </a:solidFill>
-                      <a:prstDash val="solid"/>
-                      <a:round/>
-                      <a:headEnd type="none" w="med" len="med"/>
-                      <a:tailEnd type="none" w="med" len="med"/>
-                    </a:lnR>
-                    <a:lnB w="12700" cap="flat" cmpd="sng" algn="ctr">
-                      <a:solidFill>
-                        <a:schemeClr val="tx1"/>
-                      </a:solidFill>
-                      <a:prstDash val="solid"/>
-                      <a:round/>
-                      <a:headEnd type="none" w="med" len="med"/>
-                      <a:tailEnd type="none" w="med" len="med"/>
-                    </a:lnB>
-                    <a:solidFill>
-                      <a:schemeClr val="bg1"/>
-                    </a:solidFill>
-                  </a:tcPr>
-                </a:tc>
-                <a:tc>
-                  <a:txBody>
-                    <a:bodyPr/>
-                    <a:lstStyle/>
-                    <a:p>
-                      <a:pPr algn="ctr" fontAlgn="b"/>
-                      <a:r>
-                        <a:rPr lang="en-US" sz="1400" b="1" i="0" u="none" strike="noStrike" dirty="0">
-                          <a:solidFill>
-                            <a:srgbClr val="000000"/>
-                          </a:solidFill>
-                          <a:effectLst/>
-                          <a:latin typeface="+mj-lt"/>
-                        </a:rPr>
-                        <a:t>Kat </a:t>
-                      </a:r>
-                      <a:r>
-                        <a:rPr lang="en-US" sz="1400" b="1" i="0" u="none" strike="noStrike" dirty="0" err="1">
-                          <a:solidFill>
-                            <a:srgbClr val="000000"/>
-                          </a:solidFill>
-                          <a:effectLst/>
-                          <a:latin typeface="+mj-lt"/>
-                        </a:rPr>
-                        <a:t>sayısı</a:t>
-                      </a:r>
-                      <a:endParaRPr lang="en-US" sz="1400" b="1" i="0" u="none" strike="noStrike" dirty="0">
-                        <a:solidFill>
-                          <a:srgbClr val="000000"/>
-                        </a:solidFill>
-                        <a:effectLst/>
-                        <a:latin typeface="+mj-lt"/>
-                      </a:endParaRPr>
-                    </a:p>
-                  </a:txBody>
-                  <a:tcPr marL="5715" marR="5715" marT="5715" marB="0" anchor="ctr">
-                    <a:lnL w="12700" cap="flat" cmpd="sng" algn="ctr">
-                      <a:solidFill>
-                        <a:schemeClr val="tx1"/>
-                      </a:solidFill>
-                      <a:prstDash val="solid"/>
-                      <a:round/>
-                      <a:headEnd type="none" w="med" len="med"/>
-                      <a:tailEnd type="none" w="med" len="med"/>
-                    </a:lnL>
-                    <a:lnR w="12700" cap="flat" cmpd="sng" algn="ctr">
-                      <a:solidFill>
-                        <a:schemeClr val="tx1"/>
-                      </a:solidFill>
-                      <a:prstDash val="solid"/>
-                      <a:round/>
-                      <a:headEnd type="none" w="med" len="med"/>
-                      <a:tailEnd type="none" w="med" len="med"/>
-                    </a:lnR>
-                    <a:lnB w="12700" cap="flat" cmpd="sng" algn="ctr">
-                      <a:solidFill>
-                        <a:schemeClr val="tx1"/>
-                      </a:solidFill>
-                      <a:prstDash val="solid"/>
-                      <a:round/>
-                      <a:headEnd type="none" w="med" len="med"/>
-                      <a:tailEnd type="none" w="med" len="med"/>
-                    </a:lnB>
-                    <a:solidFill>
-                      <a:schemeClr val="bg1"/>
-                    </a:solidFill>
-                  </a:tcPr>
-                </a:tc>
-                <a:tc>
-                  <a:txBody>
-                    <a:bodyPr/>
-                    <a:lstStyle/>
-                    <a:p>
-                      <a:pPr algn="ctr" fontAlgn="b"/>
-                      <a:r>
-                        <a:rPr lang="en-US" sz="1400" b="1" i="0" u="none" strike="noStrike" dirty="0" err="1">
-                          <a:solidFill>
-                            <a:srgbClr val="000000"/>
-                          </a:solidFill>
-                          <a:effectLst/>
-                          <a:latin typeface="+mj-lt"/>
-                        </a:rPr>
-                        <a:t>Evin</a:t>
-                      </a:r>
-                      <a:r>
-                        <a:rPr lang="en-US" sz="1400" b="1" i="0" u="none" strike="noStrike" dirty="0">
-                          <a:solidFill>
-                            <a:srgbClr val="000000"/>
-                          </a:solidFill>
-                          <a:effectLst/>
-                          <a:latin typeface="+mj-lt"/>
-                        </a:rPr>
-                        <a:t> </a:t>
-                      </a:r>
-                      <a:r>
-                        <a:rPr lang="en-US" sz="1400" b="1" i="0" u="none" strike="noStrike" dirty="0" err="1">
-                          <a:solidFill>
-                            <a:srgbClr val="000000"/>
-                          </a:solidFill>
-                          <a:effectLst/>
-                          <a:latin typeface="+mj-lt"/>
-                        </a:rPr>
-                        <a:t>yaşı</a:t>
-                      </a:r>
-                      <a:r>
-                        <a:rPr lang="en-US" sz="1400" b="1" i="0" u="none" strike="noStrike" dirty="0">
-                          <a:solidFill>
-                            <a:srgbClr val="000000"/>
-                          </a:solidFill>
-                          <a:effectLst/>
-                          <a:latin typeface="+mj-lt"/>
-                        </a:rPr>
-                        <a:t> (</a:t>
-                      </a:r>
-                      <a:r>
-                        <a:rPr lang="en-US" sz="1400" b="1" i="0" u="none" strike="noStrike" dirty="0" err="1">
-                          <a:solidFill>
-                            <a:srgbClr val="000000"/>
-                          </a:solidFill>
-                          <a:effectLst/>
-                          <a:latin typeface="+mj-lt"/>
-                        </a:rPr>
-                        <a:t>yıl</a:t>
-                      </a:r>
-                      <a:r>
-                        <a:rPr lang="en-US" sz="1400" b="1" i="0" u="none" strike="noStrike" dirty="0">
-                          <a:solidFill>
-                            <a:srgbClr val="000000"/>
-                          </a:solidFill>
-                          <a:effectLst/>
-                          <a:latin typeface="+mj-lt"/>
-                        </a:rPr>
-                        <a:t>)</a:t>
-                      </a:r>
-                      <a:endParaRPr lang="en-US" sz="1400" b="1" i="0" u="none" strike="noStrike" baseline="0" dirty="0">
-                        <a:solidFill>
-                          <a:srgbClr val="000000"/>
-                        </a:solidFill>
-                        <a:effectLst/>
-                        <a:latin typeface="+mj-lt"/>
-                      </a:endParaRPr>
-                    </a:p>
-                  </a:txBody>
-                  <a:tcPr marL="5715" marR="5715" marT="5715" marB="0" anchor="ctr">
-                    <a:lnL w="12700" cap="flat" cmpd="sng" algn="ctr">
-                      <a:solidFill>
-                        <a:schemeClr val="tx1"/>
-                      </a:solidFill>
-                      <a:prstDash val="solid"/>
-                      <a:round/>
-                      <a:headEnd type="none" w="med" len="med"/>
-                      <a:tailEnd type="none" w="med" len="med"/>
-                    </a:lnL>
-                    <a:lnR w="12700" cap="flat" cmpd="sng" algn="ctr">
-                      <a:solidFill>
-                        <a:schemeClr val="tx1"/>
-                      </a:solidFill>
-                      <a:prstDash val="solid"/>
-                      <a:round/>
-                      <a:headEnd type="none" w="med" len="med"/>
-                      <a:tailEnd type="none" w="med" len="med"/>
-                    </a:lnR>
-                    <a:lnB w="12700" cap="flat" cmpd="sng" algn="ctr">
-                      <a:solidFill>
-                        <a:schemeClr val="tx1"/>
-                      </a:solidFill>
-                      <a:prstDash val="solid"/>
-                      <a:round/>
-                      <a:headEnd type="none" w="med" len="med"/>
-                      <a:tailEnd type="none" w="med" len="med"/>
-                    </a:lnB>
-                    <a:solidFill>
-                      <a:schemeClr val="bg1"/>
-                    </a:solidFill>
-                  </a:tcPr>
-                </a:tc>
-                <a:tc>
-                  <a:txBody>
-                    <a:bodyPr/>
-                    <a:lstStyle/>
-                    <a:p>
-                      <a:pPr algn="ctr" fontAlgn="b"/>
-                      <a:r>
-                        <a:rPr lang="tr-TR" sz="1400" b="1" i="0" u="none" strike="noStrike" dirty="0">
-                          <a:solidFill>
-                            <a:srgbClr val="000000"/>
-                          </a:solidFill>
-                          <a:effectLst/>
-                          <a:latin typeface="+mj-lt"/>
-                        </a:rPr>
-                        <a:t>Fiyat</a:t>
-                      </a:r>
-                      <a:r>
-                        <a:rPr lang="en-US" sz="1400" b="1" i="0" u="none" strike="noStrike" dirty="0">
-                          <a:solidFill>
-                            <a:srgbClr val="000000"/>
-                          </a:solidFill>
-                          <a:effectLst/>
-                          <a:latin typeface="+mj-lt"/>
-                        </a:rPr>
-                        <a:t> ($1000)</a:t>
-                      </a:r>
-                    </a:p>
-                    <a:p>
-                      <a:pPr algn="ctr" fontAlgn="b"/>
-                      <a:endParaRPr lang="en-US" sz="1400" b="1" i="0" u="none" strike="noStrike" dirty="0">
-                        <a:solidFill>
-                          <a:srgbClr val="000000"/>
-                        </a:solidFill>
-                        <a:effectLst/>
-                        <a:latin typeface="+mj-lt"/>
-                      </a:endParaRPr>
-                    </a:p>
-                  </a:txBody>
-                  <a:tcPr marL="5715" marR="5715" marT="5715" marB="0" anchor="ctr">
-                    <a:lnL w="12700" cap="flat" cmpd="sng" algn="ctr">
-                      <a:solidFill>
-                        <a:schemeClr val="tx1"/>
-                      </a:solidFill>
-                      <a:prstDash val="solid"/>
-                      <a:round/>
-                      <a:headEnd type="none" w="med" len="med"/>
-                      <a:tailEnd type="none" w="med" len="med"/>
-                    </a:lnL>
-                    <a:lnB w="12700" cap="flat" cmpd="sng" algn="ctr">
-                      <a:solidFill>
-                        <a:schemeClr val="tx1"/>
-                      </a:solidFill>
-                      <a:prstDash val="solid"/>
-                      <a:round/>
-                      <a:headEnd type="none" w="med" len="med"/>
-                      <a:tailEnd type="none" w="med" len="med"/>
-                    </a:lnB>
-                    <a:solidFill>
-                      <a:schemeClr val="bg1"/>
-                    </a:solidFill>
-                  </a:tcPr>
-                </a:tc>
-                <a:extLst>
-                  <a:ext uri="{0D108BD9-81ED-4DB2-BD59-A6C34878D82A}">
-                    <a16:rowId xmlns:a16="http://schemas.microsoft.com/office/drawing/2014/main" val="10000"/>
-                  </a:ext>
-                </a:extLst>
-              </a:tr>
-              <a:tr h="211455">
-                <a:tc>
-                  <a:txBody>
-                    <a:bodyPr/>
-                    <a:lstStyle/>
-                    <a:p>
-                      <a:pPr algn="ctr" fontAlgn="b"/>
-                      <a:r>
-                        <a:rPr lang="en-US" sz="1400" u="none" strike="noStrike" dirty="0">
-                          <a:effectLst/>
-                          <a:latin typeface="+mj-lt"/>
-                        </a:rPr>
-                        <a:t>2104</a:t>
-                      </a:r>
-                      <a:endParaRPr lang="en-US" sz="1400" b="0" i="0" u="none" strike="noStrike" dirty="0">
-                        <a:solidFill>
-                          <a:srgbClr val="000000"/>
-                        </a:solidFill>
-                        <a:effectLst/>
-                        <a:latin typeface="+mj-lt"/>
-                      </a:endParaRPr>
-                    </a:p>
-                  </a:txBody>
-                  <a:tcPr marL="5715" marR="5715" marT="5715" marB="0" anchor="b">
-                    <a:lnR w="12700" cap="flat" cmpd="sng" algn="ctr">
-                      <a:solidFill>
-                        <a:schemeClr val="tx1"/>
-                      </a:solidFill>
-                      <a:prstDash val="solid"/>
-                      <a:round/>
-                      <a:headEnd type="none" w="med" len="med"/>
-                      <a:tailEnd type="none" w="med" len="med"/>
-                    </a:lnR>
-                    <a:lnT w="12700" cap="flat" cmpd="sng" algn="ctr">
-                      <a:solidFill>
-                        <a:schemeClr val="tx1"/>
-                      </a:solidFill>
-                      <a:prstDash val="solid"/>
-                      <a:round/>
-                      <a:headEnd type="none" w="med" len="med"/>
-                      <a:tailEnd type="none" w="med" len="med"/>
-                    </a:lnT>
-                    <a:solidFill>
-                      <a:schemeClr val="bg1"/>
-                    </a:solidFill>
-                  </a:tcPr>
-                </a:tc>
-                <a:tc>
-                  <a:txBody>
-                    <a:bodyPr/>
-                    <a:lstStyle/>
-                    <a:p>
-                      <a:pPr algn="ctr" fontAlgn="b"/>
-                      <a:r>
-                        <a:rPr lang="en-US" sz="1400" b="0" i="0" u="none" strike="noStrike" dirty="0">
-                          <a:solidFill>
-                            <a:schemeClr val="tx1"/>
-                          </a:solidFill>
-                          <a:effectLst/>
-                          <a:latin typeface="+mj-lt"/>
-                        </a:rPr>
-                        <a:t>5</a:t>
-                      </a:r>
-                      <a:endParaRPr lang="en-US" sz="1400" b="0" i="0" u="none" strike="noStrike" dirty="0">
-                        <a:solidFill>
-                          <a:srgbClr val="000000"/>
-                        </a:solidFill>
-                        <a:effectLst/>
-                        <a:latin typeface="+mj-lt"/>
-                      </a:endParaRPr>
-                    </a:p>
-                  </a:txBody>
-                  <a:tcPr marL="5715" marR="5715" marT="5715" marB="0" anchor="b">
-                    <a:lnL w="12700" cap="flat" cmpd="sng" algn="ctr">
-                      <a:solidFill>
-                        <a:schemeClr val="tx1"/>
-                      </a:solidFill>
-                      <a:prstDash val="solid"/>
-                      <a:round/>
-                      <a:headEnd type="none" w="med" len="med"/>
-                      <a:tailEnd type="none" w="med" len="med"/>
-                    </a:lnL>
-                    <a:lnR w="12700" cap="flat" cmpd="sng" algn="ctr">
-                      <a:solidFill>
-                        <a:schemeClr val="tx1"/>
-                      </a:solidFill>
-                      <a:prstDash val="solid"/>
-                      <a:round/>
-                      <a:headEnd type="none" w="med" len="med"/>
-                      <a:tailEnd type="none" w="med" len="med"/>
-                    </a:lnR>
-                    <a:lnT w="12700" cap="flat" cmpd="sng" algn="ctr">
-                      <a:solidFill>
-                        <a:schemeClr val="tx1"/>
-                      </a:solidFill>
-                      <a:prstDash val="solid"/>
-                      <a:round/>
-                      <a:headEnd type="none" w="med" len="med"/>
-                      <a:tailEnd type="none" w="med" len="med"/>
-                    </a:lnT>
-                    <a:solidFill>
-                      <a:schemeClr val="bg1"/>
-                    </a:solidFill>
-                  </a:tcPr>
-                </a:tc>
-                <a:tc>
-                  <a:txBody>
-                    <a:bodyPr/>
-                    <a:lstStyle/>
-                    <a:p>
-                      <a:pPr algn="ctr" fontAlgn="b"/>
-                      <a:r>
-                        <a:rPr lang="en-US" sz="1400" b="0" i="0" u="none" strike="noStrike" dirty="0">
-                          <a:solidFill>
-                            <a:srgbClr val="000000"/>
-                          </a:solidFill>
-                          <a:effectLst/>
-                          <a:latin typeface="+mj-lt"/>
-                        </a:rPr>
-                        <a:t>1</a:t>
-                      </a:r>
-                    </a:p>
-                  </a:txBody>
-                  <a:tcPr marL="5715" marR="5715" marT="5715" marB="0" anchor="b">
-                    <a:lnL w="12700" cap="flat" cmpd="sng" algn="ctr">
-                      <a:solidFill>
-                        <a:schemeClr val="tx1"/>
-                      </a:solidFill>
-                      <a:prstDash val="solid"/>
-                      <a:round/>
-                      <a:headEnd type="none" w="med" len="med"/>
-                      <a:tailEnd type="none" w="med" len="med"/>
-                    </a:lnL>
-                    <a:lnR w="12700" cap="flat" cmpd="sng" algn="ctr">
-                      <a:solidFill>
-                        <a:schemeClr val="tx1"/>
-                      </a:solidFill>
-                      <a:prstDash val="solid"/>
-                      <a:round/>
-                      <a:headEnd type="none" w="med" len="med"/>
-                      <a:tailEnd type="none" w="med" len="med"/>
-                    </a:lnR>
-                    <a:lnT w="12700" cap="flat" cmpd="sng" algn="ctr">
-                      <a:solidFill>
-                        <a:schemeClr val="tx1"/>
-                      </a:solidFill>
-                      <a:prstDash val="solid"/>
-                      <a:round/>
-                      <a:headEnd type="none" w="med" len="med"/>
-                      <a:tailEnd type="none" w="med" len="med"/>
-                    </a:lnT>
-                    <a:solidFill>
-                      <a:schemeClr val="bg1"/>
-                    </a:solidFill>
-                  </a:tcPr>
-                </a:tc>
-                <a:tc>
-                  <a:txBody>
-                    <a:bodyPr/>
-                    <a:lstStyle/>
-                    <a:p>
-                      <a:pPr algn="ctr" fontAlgn="b"/>
-                      <a:r>
-                        <a:rPr lang="en-US" sz="1400" b="0" i="0" u="none" strike="noStrike" dirty="0">
-                          <a:solidFill>
-                            <a:schemeClr val="tx1"/>
-                          </a:solidFill>
-                          <a:effectLst/>
-                          <a:latin typeface="+mj-lt"/>
-                        </a:rPr>
-                        <a:t>45</a:t>
-                      </a:r>
-                      <a:endParaRPr lang="en-US" sz="1400" b="0" i="0" u="none" strike="noStrike" dirty="0">
-                        <a:solidFill>
-                          <a:srgbClr val="000000"/>
-                        </a:solidFill>
-                        <a:effectLst/>
-                        <a:latin typeface="+mj-lt"/>
-                      </a:endParaRPr>
-                    </a:p>
-                  </a:txBody>
-                  <a:tcPr marL="5715" marR="5715" marT="5715" marB="0" anchor="b">
-                    <a:lnL w="12700" cap="flat" cmpd="sng" algn="ctr">
-                      <a:solidFill>
-                        <a:schemeClr val="tx1"/>
-                      </a:solidFill>
-                      <a:prstDash val="solid"/>
-                      <a:round/>
-                      <a:headEnd type="none" w="med" len="med"/>
-                      <a:tailEnd type="none" w="med" len="med"/>
-                    </a:lnL>
-                    <a:lnR w="12700" cap="flat" cmpd="sng" algn="ctr">
-                      <a:solidFill>
-                        <a:schemeClr val="tx1"/>
-                      </a:solidFill>
-                      <a:prstDash val="solid"/>
-                      <a:round/>
-                      <a:headEnd type="none" w="med" len="med"/>
-                      <a:tailEnd type="none" w="med" len="med"/>
-                    </a:lnR>
-                    <a:lnT w="12700" cap="flat" cmpd="sng" algn="ctr">
-                      <a:solidFill>
-                        <a:schemeClr val="tx1"/>
-                      </a:solidFill>
-                      <a:prstDash val="solid"/>
-                      <a:round/>
-                      <a:headEnd type="none" w="med" len="med"/>
-                      <a:tailEnd type="none" w="med" len="med"/>
-                    </a:lnT>
-                    <a:solidFill>
-                      <a:schemeClr val="bg1"/>
-                    </a:solidFill>
-                  </a:tcPr>
-                </a:tc>
-                <a:tc>
-                  <a:txBody>
-                    <a:bodyPr/>
-                    <a:lstStyle/>
-                    <a:p>
-                      <a:pPr algn="ctr" fontAlgn="b"/>
-                      <a:r>
-                        <a:rPr lang="en-US" sz="1400" b="0" i="0" u="none" strike="noStrike" dirty="0">
-                          <a:solidFill>
-                            <a:srgbClr val="000000"/>
-                          </a:solidFill>
-                          <a:effectLst/>
-                          <a:latin typeface="+mj-lt"/>
-                        </a:rPr>
-                        <a:t>460</a:t>
-                      </a:r>
-                    </a:p>
-                  </a:txBody>
-                  <a:tcPr marL="5715" marR="5715" marT="5715" marB="0" anchor="b">
-                    <a:lnL w="12700" cap="flat" cmpd="sng" algn="ctr">
-                      <a:solidFill>
-                        <a:schemeClr val="tx1"/>
-                      </a:solidFill>
-                      <a:prstDash val="solid"/>
-                      <a:round/>
-                      <a:headEnd type="none" w="med" len="med"/>
-                      <a:tailEnd type="none" w="med" len="med"/>
-                    </a:lnL>
-                    <a:lnT w="12700" cap="flat" cmpd="sng" algn="ctr">
-                      <a:solidFill>
-                        <a:schemeClr val="tx1"/>
-                      </a:solidFill>
-                      <a:prstDash val="solid"/>
-                      <a:round/>
-                      <a:headEnd type="none" w="med" len="med"/>
-                      <a:tailEnd type="none" w="med" len="med"/>
-                    </a:lnT>
-                    <a:solidFill>
-                      <a:schemeClr val="bg1"/>
-                    </a:solidFill>
-                  </a:tcPr>
-                </a:tc>
-                <a:extLst>
-                  <a:ext uri="{0D108BD9-81ED-4DB2-BD59-A6C34878D82A}">
-                    <a16:rowId xmlns:a16="http://schemas.microsoft.com/office/drawing/2014/main" val="10001"/>
-                  </a:ext>
-                </a:extLst>
-              </a:tr>
-              <a:tr h="211455">
-                <a:tc>
-                  <a:txBody>
-                    <a:bodyPr/>
-                    <a:lstStyle/>
-                    <a:p>
-                      <a:pPr algn="ctr" fontAlgn="b"/>
-                      <a:r>
-                        <a:rPr lang="en-US" sz="1400" u="none" strike="noStrike" dirty="0">
-                          <a:effectLst/>
-                          <a:latin typeface="+mj-lt"/>
-                        </a:rPr>
-                        <a:t>1416</a:t>
-                      </a:r>
-                      <a:endParaRPr lang="en-US" sz="1400" b="0" i="0" u="none" strike="noStrike" dirty="0">
-                        <a:solidFill>
-                          <a:srgbClr val="000000"/>
-                        </a:solidFill>
-                        <a:effectLst/>
-                        <a:latin typeface="+mj-lt"/>
-                      </a:endParaRPr>
-                    </a:p>
-                  </a:txBody>
-                  <a:tcPr marL="5715" marR="5715" marT="5715" marB="0" anchor="b">
-                    <a:lnR w="12700" cap="flat" cmpd="sng" algn="ctr">
-                      <a:solidFill>
-                        <a:schemeClr val="tx1"/>
-                      </a:solidFill>
-                      <a:prstDash val="solid"/>
-                      <a:round/>
-                      <a:headEnd type="none" w="med" len="med"/>
-                      <a:tailEnd type="none" w="med" len="med"/>
-                    </a:lnR>
-                    <a:solidFill>
-                      <a:schemeClr val="bg1"/>
-                    </a:solidFill>
-                  </a:tcPr>
-                </a:tc>
-                <a:tc>
-                  <a:txBody>
-                    <a:bodyPr/>
-                    <a:lstStyle/>
-                    <a:p>
-                      <a:pPr algn="ctr" fontAlgn="b"/>
-                      <a:r>
-                        <a:rPr lang="en-US" sz="1400" b="0" i="0" u="none" strike="noStrike" dirty="0">
-                          <a:solidFill>
-                            <a:schemeClr val="tx1"/>
-                          </a:solidFill>
-                          <a:effectLst/>
-                          <a:latin typeface="+mj-lt"/>
-                        </a:rPr>
-                        <a:t>3</a:t>
-                      </a:r>
-                      <a:endParaRPr lang="en-US" sz="1400" b="0" i="0" u="none" strike="noStrike" dirty="0">
-                        <a:solidFill>
-                          <a:srgbClr val="000000"/>
-                        </a:solidFill>
-                        <a:effectLst/>
-                        <a:latin typeface="+mj-lt"/>
-                      </a:endParaRPr>
-                    </a:p>
-                  </a:txBody>
-                  <a:tcPr marL="5715" marR="5715" marT="5715" marB="0" anchor="b">
-                    <a:lnL w="12700" cap="flat" cmpd="sng" algn="ctr">
-                      <a:solidFill>
-                        <a:schemeClr val="tx1"/>
-                      </a:solidFill>
-                      <a:prstDash val="solid"/>
-                      <a:round/>
-                      <a:headEnd type="none" w="med" len="med"/>
-                      <a:tailEnd type="none" w="med" len="med"/>
-                    </a:lnL>
-                    <a:lnR w="12700" cap="flat" cmpd="sng" algn="ctr">
-                      <a:solidFill>
-                        <a:schemeClr val="tx1"/>
-                      </a:solidFill>
-                      <a:prstDash val="solid"/>
-                      <a:round/>
-                      <a:headEnd type="none" w="med" len="med"/>
-                      <a:tailEnd type="none" w="med" len="med"/>
-                    </a:lnR>
-                    <a:solidFill>
-                      <a:schemeClr val="bg1"/>
-                    </a:solidFill>
-                  </a:tcPr>
-                </a:tc>
-                <a:tc>
-                  <a:txBody>
-                    <a:bodyPr/>
-                    <a:lstStyle/>
-                    <a:p>
-                      <a:pPr algn="ctr" fontAlgn="b"/>
-                      <a:r>
-                        <a:rPr lang="en-US" sz="1400" b="0" i="0" u="none" strike="noStrike" dirty="0">
-                          <a:solidFill>
-                            <a:srgbClr val="000000"/>
-                          </a:solidFill>
-                          <a:effectLst/>
-                          <a:latin typeface="+mj-lt"/>
-                        </a:rPr>
-                        <a:t>2</a:t>
-                      </a:r>
-                    </a:p>
-                  </a:txBody>
-                  <a:tcPr marL="5715" marR="5715" marT="5715" marB="0" anchor="b">
-                    <a:lnL w="12700" cap="flat" cmpd="sng" algn="ctr">
-                      <a:solidFill>
-                        <a:schemeClr val="tx1"/>
-                      </a:solidFill>
-                      <a:prstDash val="solid"/>
-                      <a:round/>
-                      <a:headEnd type="none" w="med" len="med"/>
-                      <a:tailEnd type="none" w="med" len="med"/>
-                    </a:lnL>
-                    <a:lnR w="12700" cap="flat" cmpd="sng" algn="ctr">
-                      <a:solidFill>
-                        <a:schemeClr val="tx1"/>
-                      </a:solidFill>
-                      <a:prstDash val="solid"/>
-                      <a:round/>
-                      <a:headEnd type="none" w="med" len="med"/>
-                      <a:tailEnd type="none" w="med" len="med"/>
-                    </a:lnR>
-                    <a:solidFill>
-                      <a:schemeClr val="bg1"/>
-                    </a:solidFill>
-                  </a:tcPr>
-                </a:tc>
-                <a:tc>
-                  <a:txBody>
-                    <a:bodyPr/>
-                    <a:lstStyle/>
-                    <a:p>
-                      <a:pPr algn="ctr" fontAlgn="b"/>
-                      <a:r>
-                        <a:rPr lang="en-US" sz="1400" b="0" i="0" u="none" strike="noStrike" dirty="0">
-                          <a:solidFill>
-                            <a:schemeClr val="tx1"/>
-                          </a:solidFill>
-                          <a:effectLst/>
-                          <a:latin typeface="+mj-lt"/>
-                        </a:rPr>
-                        <a:t>40</a:t>
-                      </a:r>
-                      <a:endParaRPr lang="en-US" sz="1400" b="0" i="0" u="none" strike="noStrike" dirty="0">
-                        <a:solidFill>
-                          <a:srgbClr val="000000"/>
-                        </a:solidFill>
-                        <a:effectLst/>
-                        <a:latin typeface="+mj-lt"/>
-                      </a:endParaRPr>
-                    </a:p>
-                  </a:txBody>
-                  <a:tcPr marL="5715" marR="5715" marT="5715" marB="0" anchor="b">
-                    <a:lnL w="12700" cap="flat" cmpd="sng" algn="ctr">
-                      <a:solidFill>
-                        <a:schemeClr val="tx1"/>
-                      </a:solidFill>
-                      <a:prstDash val="solid"/>
-                      <a:round/>
-                      <a:headEnd type="none" w="med" len="med"/>
-                      <a:tailEnd type="none" w="med" len="med"/>
-                    </a:lnL>
-                    <a:lnR w="12700" cap="flat" cmpd="sng" algn="ctr">
-                      <a:solidFill>
-                        <a:schemeClr val="tx1"/>
-                      </a:solidFill>
-                      <a:prstDash val="solid"/>
-                      <a:round/>
-                      <a:headEnd type="none" w="med" len="med"/>
-                      <a:tailEnd type="none" w="med" len="med"/>
-                    </a:lnR>
-                    <a:solidFill>
-                      <a:schemeClr val="bg1"/>
-                    </a:solidFill>
-                  </a:tcPr>
-                </a:tc>
-                <a:tc>
-                  <a:txBody>
-                    <a:bodyPr/>
-                    <a:lstStyle/>
-                    <a:p>
-                      <a:pPr algn="ctr" fontAlgn="b"/>
-                      <a:r>
-                        <a:rPr lang="en-US" sz="1400" b="0" i="0" u="none" strike="noStrike" dirty="0">
-                          <a:solidFill>
-                            <a:srgbClr val="000000"/>
-                          </a:solidFill>
-                          <a:effectLst/>
-                          <a:latin typeface="+mj-lt"/>
-                        </a:rPr>
-                        <a:t>232</a:t>
-                      </a:r>
-                    </a:p>
-                  </a:txBody>
-                  <a:tcPr marL="5715" marR="5715" marT="5715" marB="0" anchor="b">
-                    <a:lnL w="12700" cap="flat" cmpd="sng" algn="ctr">
-                      <a:solidFill>
-                        <a:schemeClr val="tx1"/>
-                      </a:solidFill>
-                      <a:prstDash val="solid"/>
-                      <a:round/>
-                      <a:headEnd type="none" w="med" len="med"/>
-                      <a:tailEnd type="none" w="med" len="med"/>
-                    </a:lnL>
-                    <a:solidFill>
-                      <a:schemeClr val="bg1"/>
-                    </a:solidFill>
-                  </a:tcPr>
-                </a:tc>
-                <a:extLst>
-                  <a:ext uri="{0D108BD9-81ED-4DB2-BD59-A6C34878D82A}">
-                    <a16:rowId xmlns:a16="http://schemas.microsoft.com/office/drawing/2014/main" val="10002"/>
-                  </a:ext>
-                </a:extLst>
-              </a:tr>
-              <a:tr h="211455">
-                <a:tc>
-                  <a:txBody>
-                    <a:bodyPr/>
-                    <a:lstStyle/>
-                    <a:p>
-                      <a:pPr algn="ctr" fontAlgn="b"/>
-                      <a:r>
-                        <a:rPr lang="en-US" sz="1400" b="0" i="0" u="none" strike="noStrike" dirty="0">
-                          <a:solidFill>
-                            <a:srgbClr val="000000"/>
-                          </a:solidFill>
-                          <a:effectLst/>
-                          <a:latin typeface="+mj-lt"/>
-                        </a:rPr>
-                        <a:t>1534</a:t>
-                      </a:r>
-                    </a:p>
-                  </a:txBody>
-                  <a:tcPr marL="5715" marR="5715" marT="5715" marB="0" anchor="b">
-                    <a:lnR w="12700" cap="flat" cmpd="sng" algn="ctr">
-                      <a:solidFill>
-                        <a:schemeClr val="tx1"/>
-                      </a:solidFill>
-                      <a:prstDash val="solid"/>
-                      <a:round/>
-                      <a:headEnd type="none" w="med" len="med"/>
-                      <a:tailEnd type="none" w="med" len="med"/>
-                    </a:lnR>
-                    <a:solidFill>
-                      <a:schemeClr val="bg1"/>
-                    </a:solidFill>
-                  </a:tcPr>
-                </a:tc>
-                <a:tc>
-                  <a:txBody>
-                    <a:bodyPr/>
-                    <a:lstStyle/>
-                    <a:p>
-                      <a:pPr algn="ctr" fontAlgn="b"/>
-                      <a:r>
-                        <a:rPr lang="en-US" sz="1400" u="none" strike="noStrike" dirty="0">
-                          <a:effectLst/>
-                          <a:latin typeface="+mj-lt"/>
-                        </a:rPr>
-                        <a:t>3</a:t>
-                      </a:r>
-                      <a:endParaRPr lang="en-US" sz="1400" b="0" i="0" u="none" strike="noStrike" dirty="0">
-                        <a:solidFill>
-                          <a:srgbClr val="000000"/>
-                        </a:solidFill>
-                        <a:effectLst/>
-                        <a:latin typeface="+mj-lt"/>
-                      </a:endParaRPr>
-                    </a:p>
-                  </a:txBody>
-                  <a:tcPr marL="5715" marR="5715" marT="5715" marB="0" anchor="b">
-                    <a:lnL w="12700" cap="flat" cmpd="sng" algn="ctr">
-                      <a:solidFill>
-                        <a:schemeClr val="tx1"/>
-                      </a:solidFill>
-                      <a:prstDash val="solid"/>
-                      <a:round/>
-                      <a:headEnd type="none" w="med" len="med"/>
-                      <a:tailEnd type="none" w="med" len="med"/>
-                    </a:lnL>
-                    <a:lnR w="12700" cap="flat" cmpd="sng" algn="ctr">
-                      <a:solidFill>
-                        <a:schemeClr val="tx1"/>
-                      </a:solidFill>
-                      <a:prstDash val="solid"/>
-                      <a:round/>
-                      <a:headEnd type="none" w="med" len="med"/>
-                      <a:tailEnd type="none" w="med" len="med"/>
-                    </a:lnR>
-                    <a:solidFill>
-                      <a:schemeClr val="bg1"/>
-                    </a:solidFill>
-                  </a:tcPr>
-                </a:tc>
-                <a:tc>
-                  <a:txBody>
-                    <a:bodyPr/>
-                    <a:lstStyle/>
-                    <a:p>
-                      <a:pPr algn="ctr" fontAlgn="b"/>
-                      <a:r>
-                        <a:rPr lang="en-US" sz="1400" b="0" i="0" u="none" strike="noStrike" dirty="0">
-                          <a:solidFill>
-                            <a:srgbClr val="000000"/>
-                          </a:solidFill>
-                          <a:effectLst/>
-                          <a:latin typeface="+mj-lt"/>
-                        </a:rPr>
-                        <a:t>2</a:t>
-                      </a:r>
-                    </a:p>
-                  </a:txBody>
-                  <a:tcPr marL="5715" marR="5715" marT="5715" marB="0" anchor="b">
-                    <a:lnL w="12700" cap="flat" cmpd="sng" algn="ctr">
-                      <a:solidFill>
-                        <a:schemeClr val="tx1"/>
-                      </a:solidFill>
-                      <a:prstDash val="solid"/>
-                      <a:round/>
-                      <a:headEnd type="none" w="med" len="med"/>
-                      <a:tailEnd type="none" w="med" len="med"/>
-                    </a:lnL>
-                    <a:lnR w="12700" cap="flat" cmpd="sng" algn="ctr">
-                      <a:solidFill>
-                        <a:schemeClr val="tx1"/>
-                      </a:solidFill>
-                      <a:prstDash val="solid"/>
-                      <a:round/>
-                      <a:headEnd type="none" w="med" len="med"/>
-                      <a:tailEnd type="none" w="med" len="med"/>
-                    </a:lnR>
-                    <a:solidFill>
-                      <a:schemeClr val="bg1"/>
-                    </a:solidFill>
-                  </a:tcPr>
-                </a:tc>
-                <a:tc>
-                  <a:txBody>
-                    <a:bodyPr/>
-                    <a:lstStyle/>
-                    <a:p>
-                      <a:pPr algn="ctr" fontAlgn="b"/>
-                      <a:r>
-                        <a:rPr lang="en-US" sz="1400" u="none" strike="noStrike" dirty="0">
-                          <a:effectLst/>
-                          <a:latin typeface="+mj-lt"/>
-                        </a:rPr>
-                        <a:t>30</a:t>
-                      </a:r>
-                      <a:endParaRPr lang="en-US" sz="1400" b="0" i="0" u="none" strike="noStrike" dirty="0">
-                        <a:solidFill>
-                          <a:srgbClr val="000000"/>
-                        </a:solidFill>
-                        <a:effectLst/>
-                        <a:latin typeface="+mj-lt"/>
-                      </a:endParaRPr>
-                    </a:p>
-                  </a:txBody>
-                  <a:tcPr marL="5715" marR="5715" marT="5715" marB="0" anchor="b">
-                    <a:lnL w="12700" cap="flat" cmpd="sng" algn="ctr">
-                      <a:solidFill>
-                        <a:schemeClr val="tx1"/>
-                      </a:solidFill>
-                      <a:prstDash val="solid"/>
-                      <a:round/>
-                      <a:headEnd type="none" w="med" len="med"/>
-                      <a:tailEnd type="none" w="med" len="med"/>
-                    </a:lnL>
-                    <a:lnR w="12700" cap="flat" cmpd="sng" algn="ctr">
-                      <a:solidFill>
-                        <a:schemeClr val="tx1"/>
-                      </a:solidFill>
-                      <a:prstDash val="solid"/>
-                      <a:round/>
-                      <a:headEnd type="none" w="med" len="med"/>
-                      <a:tailEnd type="none" w="med" len="med"/>
-                    </a:lnR>
-                    <a:solidFill>
-                      <a:schemeClr val="bg1"/>
-                    </a:solidFill>
-                  </a:tcPr>
-                </a:tc>
-                <a:tc>
-                  <a:txBody>
-                    <a:bodyPr/>
-                    <a:lstStyle/>
-                    <a:p>
-                      <a:pPr algn="ctr" fontAlgn="b"/>
-                      <a:r>
-                        <a:rPr lang="en-US" sz="1400" b="0" i="0" u="none" strike="noStrike" dirty="0">
-                          <a:solidFill>
-                            <a:srgbClr val="000000"/>
-                          </a:solidFill>
-                          <a:effectLst/>
-                          <a:latin typeface="+mj-lt"/>
-                        </a:rPr>
-                        <a:t>315</a:t>
-                      </a:r>
-                    </a:p>
-                  </a:txBody>
-                  <a:tcPr marL="5715" marR="5715" marT="5715" marB="0" anchor="b">
-                    <a:lnL w="12700" cap="flat" cmpd="sng" algn="ctr">
-                      <a:solidFill>
-                        <a:schemeClr val="tx1"/>
-                      </a:solidFill>
-                      <a:prstDash val="solid"/>
-                      <a:round/>
-                      <a:headEnd type="none" w="med" len="med"/>
-                      <a:tailEnd type="none" w="med" len="med"/>
-                    </a:lnL>
-                    <a:solidFill>
-                      <a:schemeClr val="bg1"/>
-                    </a:solidFill>
-                  </a:tcPr>
-                </a:tc>
-                <a:extLst>
-                  <a:ext uri="{0D108BD9-81ED-4DB2-BD59-A6C34878D82A}">
-                    <a16:rowId xmlns:a16="http://schemas.microsoft.com/office/drawing/2014/main" val="10003"/>
-                  </a:ext>
-                </a:extLst>
-              </a:tr>
-              <a:tr h="211455">
-                <a:tc>
-                  <a:txBody>
-                    <a:bodyPr/>
-                    <a:lstStyle/>
-                    <a:p>
-                      <a:pPr algn="ctr" fontAlgn="b"/>
-                      <a:r>
-                        <a:rPr lang="en-US" sz="1400" b="0" i="0" u="none" strike="noStrike" dirty="0">
-                          <a:solidFill>
-                            <a:srgbClr val="000000"/>
-                          </a:solidFill>
-                          <a:effectLst/>
-                          <a:latin typeface="+mj-lt"/>
-                        </a:rPr>
-                        <a:t>852</a:t>
-                      </a:r>
-                    </a:p>
-                  </a:txBody>
-                  <a:tcPr marL="5715" marR="5715" marT="5715" marB="0" anchor="b">
-                    <a:lnR w="12700" cap="flat" cmpd="sng" algn="ctr">
-                      <a:solidFill>
-                        <a:schemeClr val="tx1"/>
-                      </a:solidFill>
-                      <a:prstDash val="solid"/>
-                      <a:round/>
-                      <a:headEnd type="none" w="med" len="med"/>
-                      <a:tailEnd type="none" w="med" len="med"/>
-                    </a:lnR>
-                    <a:solidFill>
-                      <a:schemeClr val="bg1"/>
-                    </a:solidFill>
-                  </a:tcPr>
-                </a:tc>
-                <a:tc>
-                  <a:txBody>
-                    <a:bodyPr/>
-                    <a:lstStyle/>
-                    <a:p>
-                      <a:pPr algn="ctr" fontAlgn="b"/>
-                      <a:r>
-                        <a:rPr lang="en-US" sz="1400" b="0" i="0" u="none" strike="noStrike" dirty="0">
-                          <a:solidFill>
-                            <a:srgbClr val="000000"/>
-                          </a:solidFill>
-                          <a:effectLst/>
-                          <a:latin typeface="+mj-lt"/>
-                        </a:rPr>
-                        <a:t>2</a:t>
-                      </a:r>
-                    </a:p>
-                  </a:txBody>
-                  <a:tcPr marL="5715" marR="5715" marT="5715" marB="0" anchor="b">
-                    <a:lnL w="12700" cap="flat" cmpd="sng" algn="ctr">
-                      <a:solidFill>
-                        <a:schemeClr val="tx1"/>
-                      </a:solidFill>
-                      <a:prstDash val="solid"/>
-                      <a:round/>
-                      <a:headEnd type="none" w="med" len="med"/>
-                      <a:tailEnd type="none" w="med" len="med"/>
-                    </a:lnL>
-                    <a:lnR w="12700" cap="flat" cmpd="sng" algn="ctr">
-                      <a:solidFill>
-                        <a:schemeClr val="tx1"/>
-                      </a:solidFill>
-                      <a:prstDash val="solid"/>
-                      <a:round/>
-                      <a:headEnd type="none" w="med" len="med"/>
-                      <a:tailEnd type="none" w="med" len="med"/>
-                    </a:lnR>
-                    <a:solidFill>
-                      <a:schemeClr val="bg1"/>
-                    </a:solidFill>
-                  </a:tcPr>
-                </a:tc>
-                <a:tc>
-                  <a:txBody>
-                    <a:bodyPr/>
-                    <a:lstStyle/>
-                    <a:p>
-                      <a:pPr algn="ctr" fontAlgn="b"/>
-                      <a:r>
-                        <a:rPr lang="en-US" sz="1400" b="0" i="0" u="none" strike="noStrike" dirty="0">
-                          <a:solidFill>
-                            <a:srgbClr val="000000"/>
-                          </a:solidFill>
-                          <a:effectLst/>
-                          <a:latin typeface="+mj-lt"/>
-                        </a:rPr>
-                        <a:t>1</a:t>
-                      </a:r>
-                    </a:p>
-                  </a:txBody>
-                  <a:tcPr marL="5715" marR="5715" marT="5715" marB="0" anchor="b">
-                    <a:lnL w="12700" cap="flat" cmpd="sng" algn="ctr">
-                      <a:solidFill>
-                        <a:schemeClr val="tx1"/>
-                      </a:solidFill>
-                      <a:prstDash val="solid"/>
-                      <a:round/>
-                      <a:headEnd type="none" w="med" len="med"/>
-                      <a:tailEnd type="none" w="med" len="med"/>
-                    </a:lnL>
-                    <a:lnR w="12700" cap="flat" cmpd="sng" algn="ctr">
-                      <a:solidFill>
-                        <a:schemeClr val="tx1"/>
-                      </a:solidFill>
-                      <a:prstDash val="solid"/>
-                      <a:round/>
-                      <a:headEnd type="none" w="med" len="med"/>
-                      <a:tailEnd type="none" w="med" len="med"/>
-                    </a:lnR>
-                    <a:solidFill>
-                      <a:schemeClr val="bg1"/>
-                    </a:solidFill>
-                  </a:tcPr>
-                </a:tc>
-                <a:tc>
-                  <a:txBody>
-                    <a:bodyPr/>
-                    <a:lstStyle/>
-                    <a:p>
-                      <a:pPr algn="ctr" fontAlgn="b"/>
-                      <a:r>
-                        <a:rPr lang="en-US" sz="1400" b="0" i="0" u="none" strike="noStrike" dirty="0">
-                          <a:solidFill>
-                            <a:srgbClr val="000000"/>
-                          </a:solidFill>
-                          <a:effectLst/>
-                          <a:latin typeface="+mj-lt"/>
-                        </a:rPr>
-                        <a:t>36</a:t>
-                      </a:r>
-                    </a:p>
-                  </a:txBody>
-                  <a:tcPr marL="5715" marR="5715" marT="5715" marB="0" anchor="b">
-                    <a:lnL w="12700" cap="flat" cmpd="sng" algn="ctr">
-                      <a:solidFill>
-                        <a:schemeClr val="tx1"/>
-                      </a:solidFill>
-                      <a:prstDash val="solid"/>
-                      <a:round/>
-                      <a:headEnd type="none" w="med" len="med"/>
-                      <a:tailEnd type="none" w="med" len="med"/>
-                    </a:lnL>
-                    <a:lnR w="12700" cap="flat" cmpd="sng" algn="ctr">
-                      <a:solidFill>
-                        <a:schemeClr val="tx1"/>
-                      </a:solidFill>
-                      <a:prstDash val="solid"/>
-                      <a:round/>
-                      <a:headEnd type="none" w="med" len="med"/>
-                      <a:tailEnd type="none" w="med" len="med"/>
-                    </a:lnR>
-                    <a:solidFill>
-                      <a:schemeClr val="bg1"/>
-                    </a:solidFill>
-                  </a:tcPr>
-                </a:tc>
-                <a:tc>
-                  <a:txBody>
-                    <a:bodyPr/>
-                    <a:lstStyle/>
-                    <a:p>
-                      <a:pPr algn="ctr" fontAlgn="b"/>
-                      <a:r>
-                        <a:rPr lang="en-US" sz="1400" b="0" i="0" u="none" strike="noStrike" dirty="0">
-                          <a:solidFill>
-                            <a:srgbClr val="000000"/>
-                          </a:solidFill>
-                          <a:effectLst/>
-                          <a:latin typeface="+mj-lt"/>
-                        </a:rPr>
-                        <a:t>178</a:t>
-                      </a:r>
-                    </a:p>
-                  </a:txBody>
-                  <a:tcPr marL="5715" marR="5715" marT="5715" marB="0" anchor="b">
-                    <a:lnL w="12700" cap="flat" cmpd="sng" algn="ctr">
-                      <a:solidFill>
-                        <a:schemeClr val="tx1"/>
-                      </a:solidFill>
-                      <a:prstDash val="solid"/>
-                      <a:round/>
-                      <a:headEnd type="none" w="med" len="med"/>
-                      <a:tailEnd type="none" w="med" len="med"/>
-                    </a:lnL>
-                    <a:solidFill>
-                      <a:schemeClr val="bg1"/>
-                    </a:solidFill>
-                  </a:tcPr>
-                </a:tc>
-                <a:extLst>
-                  <a:ext uri="{0D108BD9-81ED-4DB2-BD59-A6C34878D82A}">
-                    <a16:rowId xmlns:a16="http://schemas.microsoft.com/office/drawing/2014/main" val="10004"/>
-                  </a:ext>
-                </a:extLst>
-              </a:tr>
-              <a:tr h="211455">
-                <a:tc>
-                  <a:txBody>
-                    <a:bodyPr/>
-                    <a:lstStyle/>
-                    <a:p>
-                      <a:pPr algn="ctr" fontAlgn="b"/>
-                      <a:r>
-                        <a:rPr lang="en-US" sz="1400" b="0" i="0" u="none" strike="noStrike" dirty="0">
-                          <a:solidFill>
-                            <a:srgbClr val="000000"/>
-                          </a:solidFill>
-                          <a:effectLst/>
-                          <a:latin typeface="+mj-lt"/>
-                        </a:rPr>
-                        <a:t>…</a:t>
-                      </a:r>
-                    </a:p>
-                  </a:txBody>
-                  <a:tcPr marL="5715" marR="5715" marT="5715" marB="0" anchor="b">
-                    <a:lnR w="12700" cap="flat" cmpd="sng" algn="ctr">
-                      <a:solidFill>
-                        <a:schemeClr val="tx1"/>
-                      </a:solidFill>
-                      <a:prstDash val="solid"/>
-                      <a:round/>
-                      <a:headEnd type="none" w="med" len="med"/>
-                      <a:tailEnd type="none" w="med" len="med"/>
-                    </a:lnR>
-                    <a:solidFill>
-                      <a:schemeClr val="bg1"/>
-                    </a:solidFill>
-                  </a:tcPr>
-                </a:tc>
-                <a:tc>
-                  <a:txBody>
-                    <a:bodyPr/>
-                    <a:lstStyle/>
-                    <a:p>
-                      <a:pPr algn="ctr" fontAlgn="b"/>
-                      <a:r>
-                        <a:rPr lang="en-US" sz="1400" b="0" i="0" u="none" strike="noStrike" dirty="0">
-                          <a:solidFill>
-                            <a:srgbClr val="000000"/>
-                          </a:solidFill>
-                          <a:effectLst/>
-                          <a:latin typeface="+mj-lt"/>
-                        </a:rPr>
-                        <a:t>…</a:t>
-                      </a:r>
-                    </a:p>
-                  </a:txBody>
-                  <a:tcPr marL="5715" marR="5715" marT="5715" marB="0" anchor="b">
-                    <a:lnL w="12700" cap="flat" cmpd="sng" algn="ctr">
-                      <a:solidFill>
-                        <a:schemeClr val="tx1"/>
-                      </a:solidFill>
-                      <a:prstDash val="solid"/>
-                      <a:round/>
-                      <a:headEnd type="none" w="med" len="med"/>
-                      <a:tailEnd type="none" w="med" len="med"/>
-                    </a:lnL>
-                    <a:lnR w="12700" cap="flat" cmpd="sng" algn="ctr">
-                      <a:solidFill>
-                        <a:schemeClr val="tx1"/>
-                      </a:solidFill>
-                      <a:prstDash val="solid"/>
-                      <a:round/>
-                      <a:headEnd type="none" w="med" len="med"/>
-                      <a:tailEnd type="none" w="med" len="med"/>
-                    </a:lnR>
-                    <a:solidFill>
-                      <a:schemeClr val="bg1"/>
-                    </a:solidFill>
-                  </a:tcPr>
-                </a:tc>
-                <a:tc>
-                  <a:txBody>
-                    <a:bodyPr/>
-                    <a:lstStyle/>
-                    <a:p>
-                      <a:pPr algn="ctr" fontAlgn="b"/>
-                      <a:r>
-                        <a:rPr lang="en-US" sz="1400" b="0" i="0" u="none" strike="noStrike" dirty="0">
-                          <a:solidFill>
-                            <a:srgbClr val="000000"/>
-                          </a:solidFill>
-                          <a:effectLst/>
-                          <a:latin typeface="+mj-lt"/>
-                        </a:rPr>
-                        <a:t>…</a:t>
-                      </a:r>
-                    </a:p>
-                  </a:txBody>
-                  <a:tcPr marL="5715" marR="5715" marT="5715" marB="0" anchor="b">
-                    <a:lnL w="12700" cap="flat" cmpd="sng" algn="ctr">
-                      <a:solidFill>
-                        <a:schemeClr val="tx1"/>
-                      </a:solidFill>
-                      <a:prstDash val="solid"/>
-                      <a:round/>
-                      <a:headEnd type="none" w="med" len="med"/>
-                      <a:tailEnd type="none" w="med" len="med"/>
-                    </a:lnL>
-                    <a:lnR w="12700" cap="flat" cmpd="sng" algn="ctr">
-                      <a:solidFill>
-                        <a:schemeClr val="tx1"/>
-                      </a:solidFill>
-                      <a:prstDash val="solid"/>
-                      <a:round/>
-                      <a:headEnd type="none" w="med" len="med"/>
-                      <a:tailEnd type="none" w="med" len="med"/>
-                    </a:lnR>
-                    <a:solidFill>
-                      <a:schemeClr val="bg1"/>
-                    </a:solidFill>
-                  </a:tcPr>
-                </a:tc>
-                <a:tc>
-                  <a:txBody>
-                    <a:bodyPr/>
-                    <a:lstStyle/>
-                    <a:p>
-                      <a:pPr algn="ctr" fontAlgn="b"/>
-                      <a:r>
-                        <a:rPr lang="en-US" sz="1400" b="0" i="0" u="none" strike="noStrike" dirty="0">
-                          <a:solidFill>
-                            <a:srgbClr val="000000"/>
-                          </a:solidFill>
-                          <a:effectLst/>
-                          <a:latin typeface="+mj-lt"/>
-                        </a:rPr>
-                        <a:t>…</a:t>
-                      </a:r>
-                    </a:p>
-                  </a:txBody>
-                  <a:tcPr marL="5715" marR="5715" marT="5715" marB="0" anchor="b">
-                    <a:lnL w="12700" cap="flat" cmpd="sng" algn="ctr">
-                      <a:solidFill>
-                        <a:schemeClr val="tx1"/>
-                      </a:solidFill>
-                      <a:prstDash val="solid"/>
-                      <a:round/>
-                      <a:headEnd type="none" w="med" len="med"/>
-                      <a:tailEnd type="none" w="med" len="med"/>
-                    </a:lnL>
-                    <a:lnR w="12700" cap="flat" cmpd="sng" algn="ctr">
-                      <a:solidFill>
-                        <a:schemeClr val="tx1"/>
-                      </a:solidFill>
-                      <a:prstDash val="solid"/>
-                      <a:round/>
-                      <a:headEnd type="none" w="med" len="med"/>
-                      <a:tailEnd type="none" w="med" len="med"/>
-                    </a:lnR>
-                    <a:solidFill>
-                      <a:schemeClr val="bg1"/>
-                    </a:solidFill>
-                  </a:tcPr>
-                </a:tc>
-                <a:tc>
-                  <a:txBody>
-                    <a:bodyPr/>
-                    <a:lstStyle/>
-                    <a:p>
-                      <a:pPr algn="ctr" fontAlgn="b"/>
-                      <a:r>
-                        <a:rPr lang="en-US" sz="1400" b="0" i="0" u="none" strike="noStrike" dirty="0">
-                          <a:solidFill>
-                            <a:srgbClr val="000000"/>
-                          </a:solidFill>
-                          <a:effectLst/>
-                          <a:latin typeface="+mj-lt"/>
-                        </a:rPr>
-                        <a:t>…</a:t>
-                      </a:r>
-                    </a:p>
-                  </a:txBody>
-                  <a:tcPr marL="5715" marR="5715" marT="5715" marB="0" anchor="b">
-                    <a:lnL w="12700" cap="flat" cmpd="sng" algn="ctr">
-                      <a:solidFill>
-                        <a:schemeClr val="tx1"/>
-                      </a:solidFill>
-                      <a:prstDash val="solid"/>
-                      <a:round/>
-                      <a:headEnd type="none" w="med" len="med"/>
-                      <a:tailEnd type="none" w="med" len="med"/>
-                    </a:lnL>
-                    <a:solidFill>
-                      <a:schemeClr val="bg1"/>
-                    </a:solidFill>
-                  </a:tcPr>
-                </a:tc>
-                <a:extLst>
-                  <a:ext uri="{0D108BD9-81ED-4DB2-BD59-A6C34878D82A}">
-                    <a16:rowId xmlns:a16="http://schemas.microsoft.com/office/drawing/2014/main" val="10005"/>
-                  </a:ext>
-                </a:extLst>
-              </a:tr>
-            </a:tbl>
-          </a:graphicData>
-        </a:graphic>
-      </p:graphicFrame>
-      <p:sp>
-        <p:nvSpPr>
-          <p:cNvPr id="3" name="TextBox 2"/>
-          <p:cNvSpPr txBox="1"/>
-          <p:nvPr/>
-        </p:nvSpPr>
-        <p:spPr>
-          <a:xfrm>
-            <a:off x="228600" y="857250"/>
-            <a:ext cx="5829300" cy="369332"/>
-          </a:xfrm>
-          <a:prstGeom prst="rect">
-            <a:avLst/>
-          </a:prstGeom>
-          <a:noFill/>
-        </p:spPr>
-        <p:txBody>
-          <a:bodyPr wrap="square" rtlCol="0">
-            <a:spAutoFit/>
-          </a:bodyPr>
-          <a:lstStyle/>
-          <a:p>
-            <a:r>
-              <a:rPr lang="en-US" b="1" dirty="0" err="1"/>
-              <a:t>Çoklu</a:t>
-            </a:r>
-            <a:r>
-              <a:rPr lang="en-US" b="1" dirty="0"/>
-              <a:t> </a:t>
-            </a:r>
-            <a:r>
-              <a:rPr lang="en-US" b="1" dirty="0" err="1"/>
-              <a:t>öz</a:t>
-            </a:r>
-            <a:r>
-              <a:rPr lang="tr-TR" b="1" dirty="0"/>
-              <a:t>nitelikler</a:t>
-            </a:r>
-            <a:r>
-              <a:rPr lang="en-US" b="1" dirty="0"/>
-              <a:t> (</a:t>
-            </a:r>
-            <a:r>
-              <a:rPr lang="en-US" b="1" dirty="0" err="1"/>
-              <a:t>değişkenler</a:t>
-            </a:r>
-            <a:r>
-              <a:rPr lang="en-US" b="1" dirty="0"/>
-              <a:t>).</a:t>
-            </a:r>
-          </a:p>
-        </p:txBody>
-      </p:sp>
-      <p:sp>
-        <p:nvSpPr>
-          <p:cNvPr id="4" name="TextBox 3"/>
-          <p:cNvSpPr txBox="1"/>
-          <p:nvPr/>
-        </p:nvSpPr>
-        <p:spPr>
-          <a:xfrm>
-            <a:off x="247365" y="3035101"/>
-            <a:ext cx="5067585" cy="1156727"/>
-          </a:xfrm>
-          <a:prstGeom prst="rect">
-            <a:avLst/>
-          </a:prstGeom>
-          <a:noFill/>
-        </p:spPr>
-        <p:txBody>
-          <a:bodyPr wrap="square" rtlCol="0">
-            <a:spAutoFit/>
-          </a:bodyPr>
-          <a:lstStyle/>
-          <a:p>
-            <a:pPr>
-              <a:spcAft>
-                <a:spcPts val="300"/>
-              </a:spcAft>
-            </a:pPr>
-            <a:r>
-              <a:rPr lang="en-US" sz="1500" dirty="0"/>
-              <a:t>Notation:</a:t>
-            </a:r>
-          </a:p>
-          <a:p>
-            <a:pPr lvl="2">
-              <a:spcAft>
-                <a:spcPts val="300"/>
-              </a:spcAft>
-            </a:pPr>
-            <a:r>
-              <a:rPr lang="en-US" sz="1500" dirty="0"/>
-              <a:t>= </a:t>
-            </a:r>
-            <a:r>
-              <a:rPr lang="en-US" sz="1500" dirty="0" err="1"/>
-              <a:t>özellik</a:t>
-            </a:r>
-            <a:r>
-              <a:rPr lang="en-US" sz="1500" dirty="0"/>
-              <a:t> </a:t>
-            </a:r>
-            <a:r>
-              <a:rPr lang="en-US" sz="1500" dirty="0" err="1"/>
-              <a:t>sayısı</a:t>
-            </a:r>
-            <a:endParaRPr lang="en-US" sz="1500" dirty="0"/>
-          </a:p>
-          <a:p>
-            <a:pPr lvl="2">
-              <a:spcAft>
-                <a:spcPts val="525"/>
-              </a:spcAft>
-            </a:pPr>
-            <a:r>
-              <a:rPr lang="en-US" sz="1500" dirty="0"/>
-              <a:t>= input (features) of        training example.</a:t>
-            </a:r>
-          </a:p>
-          <a:p>
-            <a:pPr lvl="2">
-              <a:spcAft>
-                <a:spcPts val="525"/>
-              </a:spcAft>
-            </a:pPr>
-            <a:r>
-              <a:rPr lang="en-US" sz="1500" dirty="0"/>
-              <a:t>= value of feature    in        training example.</a:t>
-            </a:r>
-          </a:p>
-        </p:txBody>
-      </p:sp>
-      <p:pic>
-        <p:nvPicPr>
-          <p:cNvPr id="15" name="Picture 14"/>
-          <p:cNvPicPr>
-            <a:picLocks noChangeAspect="1"/>
-          </p:cNvPicPr>
-          <p:nvPr>
-            <p:custDataLst>
-              <p:tags r:id="rId1"/>
-            </p:custDataLst>
-          </p:nvPr>
-        </p:nvPicPr>
-        <p:blipFill>
-          <a:blip r:embed="rId9" cstate="print">
-            <a:extLst>
-              <a:ext uri="{28A0092B-C50C-407E-A947-70E740481C1C}">
-                <a14:useLocalDpi xmlns:a14="http://schemas.microsoft.com/office/drawing/2010/main" val="0"/>
-              </a:ext>
-            </a:extLst>
-          </a:blip>
-          <a:stretch>
-            <a:fillRect/>
-          </a:stretch>
-        </p:blipFill>
-        <p:spPr>
-          <a:xfrm>
-            <a:off x="756398" y="3422026"/>
-            <a:ext cx="104299" cy="85725"/>
-          </a:xfrm>
-          <a:prstGeom prst="rect">
-            <a:avLst/>
-          </a:prstGeom>
-        </p:spPr>
-      </p:pic>
-      <p:pic>
-        <p:nvPicPr>
-          <p:cNvPr id="16" name="Picture 15"/>
-          <p:cNvPicPr>
-            <a:picLocks noChangeAspect="1"/>
-          </p:cNvPicPr>
-          <p:nvPr>
-            <p:custDataLst>
-              <p:tags r:id="rId2"/>
-            </p:custDataLst>
-          </p:nvPr>
-        </p:nvPicPr>
-        <p:blipFill>
-          <a:blip r:embed="rId10" cstate="print">
-            <a:extLst>
-              <a:ext uri="{28A0092B-C50C-407E-A947-70E740481C1C}">
-                <a14:useLocalDpi xmlns:a14="http://schemas.microsoft.com/office/drawing/2010/main" val="0"/>
-              </a:ext>
-            </a:extLst>
-          </a:blip>
-          <a:stretch>
-            <a:fillRect/>
-          </a:stretch>
-        </p:blipFill>
-        <p:spPr>
-          <a:xfrm>
-            <a:off x="684657" y="3607764"/>
-            <a:ext cx="262890" cy="172879"/>
-          </a:xfrm>
-          <a:prstGeom prst="rect">
-            <a:avLst/>
-          </a:prstGeom>
-        </p:spPr>
-      </p:pic>
-      <p:pic>
-        <p:nvPicPr>
-          <p:cNvPr id="19" name="Picture 18"/>
-          <p:cNvPicPr>
-            <a:picLocks noChangeAspect="1"/>
-          </p:cNvPicPr>
-          <p:nvPr>
-            <p:custDataLst>
-              <p:tags r:id="rId3"/>
-            </p:custDataLst>
-          </p:nvPr>
-        </p:nvPicPr>
-        <p:blipFill>
-          <a:blip r:embed="rId11" cstate="print">
-            <a:extLst>
-              <a:ext uri="{28A0092B-C50C-407E-A947-70E740481C1C}">
-                <a14:useLocalDpi xmlns:a14="http://schemas.microsoft.com/office/drawing/2010/main" val="0"/>
-              </a:ext>
-            </a:extLst>
-          </a:blip>
-          <a:stretch>
-            <a:fillRect/>
-          </a:stretch>
-        </p:blipFill>
-        <p:spPr>
-          <a:xfrm>
-            <a:off x="684657" y="3877884"/>
-            <a:ext cx="262890" cy="281464"/>
-          </a:xfrm>
-          <a:prstGeom prst="rect">
-            <a:avLst/>
-          </a:prstGeom>
-        </p:spPr>
-      </p:pic>
-      <p:pic>
-        <p:nvPicPr>
-          <p:cNvPr id="18" name="Picture 17"/>
-          <p:cNvPicPr>
-            <a:picLocks noChangeAspect="1"/>
-          </p:cNvPicPr>
-          <p:nvPr>
-            <p:custDataLst>
-              <p:tags r:id="rId4"/>
-            </p:custDataLst>
-          </p:nvPr>
-        </p:nvPicPr>
-        <p:blipFill>
-          <a:blip r:embed="rId12" cstate="print">
-            <a:extLst>
-              <a:ext uri="{28A0092B-C50C-407E-A947-70E740481C1C}">
-                <a14:useLocalDpi xmlns:a14="http://schemas.microsoft.com/office/drawing/2010/main" val="0"/>
-              </a:ext>
-            </a:extLst>
-          </a:blip>
-          <a:stretch>
-            <a:fillRect/>
-          </a:stretch>
-        </p:blipFill>
-        <p:spPr>
-          <a:xfrm>
-            <a:off x="2846546" y="3607763"/>
-            <a:ext cx="201454" cy="162878"/>
-          </a:xfrm>
-          <a:prstGeom prst="rect">
-            <a:avLst/>
-          </a:prstGeom>
-        </p:spPr>
-      </p:pic>
-      <p:pic>
-        <p:nvPicPr>
-          <p:cNvPr id="21" name="Picture 20"/>
-          <p:cNvPicPr>
-            <a:picLocks noChangeAspect="1"/>
-          </p:cNvPicPr>
-          <p:nvPr>
-            <p:custDataLst>
-              <p:tags r:id="rId5"/>
-            </p:custDataLst>
-          </p:nvPr>
-        </p:nvPicPr>
-        <p:blipFill>
-          <a:blip r:embed="rId12" cstate="print">
-            <a:extLst>
-              <a:ext uri="{28A0092B-C50C-407E-A947-70E740481C1C}">
-                <a14:useLocalDpi xmlns:a14="http://schemas.microsoft.com/office/drawing/2010/main" val="0"/>
-              </a:ext>
-            </a:extLst>
-          </a:blip>
-          <a:stretch>
-            <a:fillRect/>
-          </a:stretch>
-        </p:blipFill>
-        <p:spPr>
-          <a:xfrm>
-            <a:off x="2998946" y="3920888"/>
-            <a:ext cx="201454" cy="162878"/>
-          </a:xfrm>
-          <a:prstGeom prst="rect">
-            <a:avLst/>
-          </a:prstGeom>
-        </p:spPr>
-      </p:pic>
-      <p:pic>
-        <p:nvPicPr>
-          <p:cNvPr id="20" name="Picture 19"/>
-          <p:cNvPicPr>
-            <a:picLocks noChangeAspect="1"/>
-          </p:cNvPicPr>
-          <p:nvPr>
-            <p:custDataLst>
-              <p:tags r:id="rId6"/>
-            </p:custDataLst>
-          </p:nvPr>
-        </p:nvPicPr>
-        <p:blipFill>
-          <a:blip r:embed="rId13" cstate="print">
-            <a:extLst>
-              <a:ext uri="{28A0092B-C50C-407E-A947-70E740481C1C}">
-                <a14:useLocalDpi xmlns:a14="http://schemas.microsoft.com/office/drawing/2010/main" val="0"/>
-              </a:ext>
-            </a:extLst>
-          </a:blip>
-          <a:stretch>
-            <a:fillRect/>
-          </a:stretch>
-        </p:blipFill>
-        <p:spPr>
-          <a:xfrm>
-            <a:off x="2664619" y="3949321"/>
-            <a:ext cx="78581" cy="164306"/>
-          </a:xfrm>
-          <a:prstGeom prst="rect">
-            <a:avLst/>
-          </a:prstGeom>
-        </p:spPr>
-      </p:pic>
-    </p:spTree>
-    <p:extLst>
-      <p:ext uri="{BB962C8B-B14F-4D97-AF65-F5344CB8AC3E}">
-        <p14:creationId xmlns:p14="http://schemas.microsoft.com/office/powerpoint/2010/main" val="2017934368"/>
-      </p:ext>
-    </p:extLst>
-  </p:cSld>
-  <p:clrMapOvr>
-    <a:masterClrMapping/>
-  </p:clrMapOvr>
-  <p:timing>
-    <p:tnLst>
-      <p:par>
-        <p:cTn id="1" dur="indefinite" restart="never" nodeType="tmRoot">
-          <p:childTnLst>
-            <p:seq concurrent="1" nextAc="seek">
-              <p:cTn id="2" dur="indefinite" nodeType="mainSeq">
-                <p:childTnLst>
-                  <p:par>
-                    <p:cTn id="3" fill="hold">
-                      <p:stCondLst>
-                        <p:cond delay="indefinite"/>
-                      </p:stCondLst>
-                      <p:childTnLst>
-                        <p:par>
-                          <p:cTn id="4" fill="hold">
-                            <p:stCondLst>
-                              <p:cond delay="0"/>
-                            </p:stCondLst>
-                            <p:childTnLst>
-                              <p:par>
-                                <p:cTn id="5" presetID="1" presetClass="entr" presetSubtype="0" fill="hold" grpId="0" nodeType="clickEffect">
-                                  <p:stCondLst>
-                                    <p:cond delay="0"/>
-                                  </p:stCondLst>
-                                  <p:childTnLst>
-                                    <p:set>
-                                      <p:cBhvr>
-                                        <p:cTn id="6" dur="1" fill="hold">
-                                          <p:stCondLst>
-                                            <p:cond delay="0"/>
-                                          </p:stCondLst>
-                                        </p:cTn>
-                                        <p:tgtEl>
-                                          <p:spTgt spid="4"/>
-                                        </p:tgtEl>
-                                        <p:attrNameLst>
-                                          <p:attrName>style.visibility</p:attrName>
-                                        </p:attrNameLst>
-                                      </p:cBhvr>
-                                      <p:to>
-                                        <p:strVal val="visible"/>
-                                      </p:to>
-                                    </p:set>
-                                  </p:childTnLst>
-                                </p:cTn>
-                              </p:par>
-                              <p:par>
-                                <p:cTn id="7" presetID="1" presetClass="entr" presetSubtype="0" fill="hold" nodeType="withEffect">
-                                  <p:stCondLst>
-                                    <p:cond delay="0"/>
-                                  </p:stCondLst>
-                                  <p:childTnLst>
-                                    <p:set>
-                                      <p:cBhvr>
-                                        <p:cTn id="8" dur="1" fill="hold">
-                                          <p:stCondLst>
-                                            <p:cond delay="0"/>
-                                          </p:stCondLst>
-                                        </p:cTn>
-                                        <p:tgtEl>
-                                          <p:spTgt spid="15"/>
-                                        </p:tgtEl>
-                                        <p:attrNameLst>
-                                          <p:attrName>style.visibility</p:attrName>
-                                        </p:attrNameLst>
-                                      </p:cBhvr>
-                                      <p:to>
-                                        <p:strVal val="visible"/>
-                                      </p:to>
-                                    </p:set>
-                                  </p:childTnLst>
-                                </p:cTn>
-                              </p:par>
-                              <p:par>
-                                <p:cTn id="9" presetID="1" presetClass="entr" presetSubtype="0" fill="hold" nodeType="withEffect">
-                                  <p:stCondLst>
-                                    <p:cond delay="0"/>
-                                  </p:stCondLst>
-                                  <p:childTnLst>
-                                    <p:set>
-                                      <p:cBhvr>
-                                        <p:cTn id="10" dur="1" fill="hold">
-                                          <p:stCondLst>
-                                            <p:cond delay="0"/>
-                                          </p:stCondLst>
-                                        </p:cTn>
-                                        <p:tgtEl>
-                                          <p:spTgt spid="16"/>
-                                        </p:tgtEl>
-                                        <p:attrNameLst>
-                                          <p:attrName>style.visibility</p:attrName>
-                                        </p:attrNameLst>
-                                      </p:cBhvr>
-                                      <p:to>
-                                        <p:strVal val="visible"/>
-                                      </p:to>
-                                    </p:set>
-                                  </p:childTnLst>
-                                </p:cTn>
-                              </p:par>
-                              <p:par>
-                                <p:cTn id="11" presetID="1" presetClass="entr" presetSubtype="0" fill="hold" nodeType="withEffect">
-                                  <p:stCondLst>
-                                    <p:cond delay="0"/>
-                                  </p:stCondLst>
-                                  <p:childTnLst>
-                                    <p:set>
-                                      <p:cBhvr>
-                                        <p:cTn id="12" dur="1" fill="hold">
-                                          <p:stCondLst>
-                                            <p:cond delay="0"/>
-                                          </p:stCondLst>
-                                        </p:cTn>
-                                        <p:tgtEl>
-                                          <p:spTgt spid="19"/>
-                                        </p:tgtEl>
-                                        <p:attrNameLst>
-                                          <p:attrName>style.visibility</p:attrName>
-                                        </p:attrNameLst>
-                                      </p:cBhvr>
-                                      <p:to>
-                                        <p:strVal val="visible"/>
-                                      </p:to>
-                                    </p:set>
-                                  </p:childTnLst>
-                                </p:cTn>
-                              </p:par>
-                              <p:par>
-                                <p:cTn id="13" presetID="1" presetClass="entr" presetSubtype="0" fill="hold" nodeType="withEffect">
-                                  <p:stCondLst>
-                                    <p:cond delay="0"/>
-                                  </p:stCondLst>
-                                  <p:childTnLst>
-                                    <p:set>
-                                      <p:cBhvr>
-                                        <p:cTn id="14" dur="1" fill="hold">
-                                          <p:stCondLst>
-                                            <p:cond delay="0"/>
-                                          </p:stCondLst>
-                                        </p:cTn>
-                                        <p:tgtEl>
-                                          <p:spTgt spid="18"/>
-                                        </p:tgtEl>
-                                        <p:attrNameLst>
-                                          <p:attrName>style.visibility</p:attrName>
-                                        </p:attrNameLst>
-                                      </p:cBhvr>
-                                      <p:to>
-                                        <p:strVal val="visible"/>
-                                      </p:to>
-                                    </p:set>
-                                  </p:childTnLst>
-                                </p:cTn>
-                              </p:par>
-                              <p:par>
-                                <p:cTn id="15" presetID="1" presetClass="entr" presetSubtype="0" fill="hold" nodeType="withEffect">
-                                  <p:stCondLst>
-                                    <p:cond delay="0"/>
-                                  </p:stCondLst>
-                                  <p:childTnLst>
-                                    <p:set>
-                                      <p:cBhvr>
-                                        <p:cTn id="16" dur="1" fill="hold">
-                                          <p:stCondLst>
-                                            <p:cond delay="0"/>
-                                          </p:stCondLst>
-                                        </p:cTn>
-                                        <p:tgtEl>
-                                          <p:spTgt spid="21"/>
-                                        </p:tgtEl>
-                                        <p:attrNameLst>
-                                          <p:attrName>style.visibility</p:attrName>
-                                        </p:attrNameLst>
-                                      </p:cBhvr>
-                                      <p:to>
-                                        <p:strVal val="visible"/>
-                                      </p:to>
-                                    </p:set>
-                                  </p:childTnLst>
-                                </p:cTn>
-                              </p:par>
-                              <p:par>
-                                <p:cTn id="17" presetID="1" presetClass="entr" presetSubtype="0" fill="hold" nodeType="withEffect">
-                                  <p:stCondLst>
-                                    <p:cond delay="0"/>
-                                  </p:stCondLst>
-                                  <p:childTnLst>
-                                    <p:set>
-                                      <p:cBhvr>
-                                        <p:cTn id="18" dur="1" fill="hold">
-                                          <p:stCondLst>
-                                            <p:cond delay="0"/>
-                                          </p:stCondLst>
-                                        </p:cTn>
-                                        <p:tgtEl>
-                                          <p:spTgt spid="20"/>
-                                        </p:tgtEl>
-                                        <p:attrNameLst>
-                                          <p:attrName>style.visibility</p:attrName>
-                                        </p:attrNameLst>
-                                      </p:cBhvr>
-                                      <p:to>
-                                        <p:strVal val="visible"/>
-                                      </p:to>
-                                    </p:set>
-                                  </p:childTnLst>
-                                </p:cTn>
-                              </p:par>
-                            </p:childTnLst>
-                          </p:cTn>
-                        </p:par>
-                      </p:childTnLst>
-                    </p:cTn>
-                  </p:par>
-                </p:childTnLst>
-              </p:cTn>
-              <p:prevCondLst>
-                <p:cond evt="onPrev" delay="0">
-                  <p:tgtEl>
-                    <p:sldTgt/>
-                  </p:tgtEl>
-                </p:cond>
-              </p:prevCondLst>
-              <p:nextCondLst>
-                <p:cond evt="onNext" delay="0">
-                  <p:tgtEl>
-                    <p:sldTgt/>
-                  </p:tgtEl>
-                </p:cond>
-              </p:nextCondLst>
-            </p:seq>
-          </p:childTnLst>
-        </p:cTn>
-      </p:par>
-    </p:tnLst>
-    <p:bldLst>
-      <p:bldP spid="4" grpId="0"/>
-    </p:bldLst>
-  </p:timing>
 </p:sld>
 </file>
 
@@ -39867,3550 +34752,6 @@
     <p:extLst>
       <p:ext uri="{BB962C8B-B14F-4D97-AF65-F5344CB8AC3E}">
         <p14:creationId xmlns:p14="http://schemas.microsoft.com/office/powerpoint/2010/main" val="3603959356"/>
-      </p:ext>
-    </p:extLst>
-  </p:cSld>
-  <p:clrMapOvr>
-    <a:masterClrMapping/>
-  </p:clrMapOvr>
-</p:sld>
-</file>
-
-<file path=ppt/slides/slide50.xml><?xml version="1.0" encoding="utf-8"?>
-<p:sld xmlns:a="http://schemas.openxmlformats.org/drawingml/2006/main" xmlns:r="http://schemas.openxmlformats.org/officeDocument/2006/relationships" xmlns:p="http://schemas.openxmlformats.org/presentationml/2006/main">
-  <p:cSld>
-    <p:spTree>
-      <p:nvGrpSpPr>
-        <p:cNvPr id="1" name=""/>
-        <p:cNvGrpSpPr/>
-        <p:nvPr/>
-      </p:nvGrpSpPr>
-      <p:grpSpPr>
-        <a:xfrm>
-          <a:off x="0" y="0"/>
-          <a:ext cx="0" cy="0"/>
-          <a:chOff x="0" y="0"/>
-          <a:chExt cx="0" cy="0"/>
-        </a:xfrm>
-      </p:grpSpPr>
-      <p:sp>
-        <p:nvSpPr>
-          <p:cNvPr id="8" name="TextBox 7"/>
-          <p:cNvSpPr txBox="1"/>
-          <p:nvPr/>
-        </p:nvSpPr>
-        <p:spPr>
-          <a:xfrm>
-            <a:off x="228600" y="857250"/>
-            <a:ext cx="5829300" cy="369332"/>
-          </a:xfrm>
-          <a:prstGeom prst="rect">
-            <a:avLst/>
-          </a:prstGeom>
-          <a:noFill/>
-        </p:spPr>
-        <p:txBody>
-          <a:bodyPr wrap="square" rtlCol="0">
-            <a:spAutoFit/>
-          </a:bodyPr>
-          <a:lstStyle/>
-          <a:p>
-            <a:r>
-              <a:rPr lang="en-US" dirty="0"/>
-              <a:t>H</a:t>
-            </a:r>
-            <a:r>
-              <a:rPr lang="tr-TR" dirty="0"/>
-              <a:t>ipotez</a:t>
-            </a:r>
-            <a:r>
-              <a:rPr lang="en-US" dirty="0"/>
-              <a:t>:</a:t>
-            </a:r>
-          </a:p>
-        </p:txBody>
-      </p:sp>
-      <p:sp>
-        <p:nvSpPr>
-          <p:cNvPr id="6" name="TextBox 5"/>
-          <p:cNvSpPr txBox="1"/>
-          <p:nvPr/>
-        </p:nvSpPr>
-        <p:spPr>
-          <a:xfrm>
-            <a:off x="257175" y="1203499"/>
-            <a:ext cx="5829300" cy="369332"/>
-          </a:xfrm>
-          <a:prstGeom prst="rect">
-            <a:avLst/>
-          </a:prstGeom>
-          <a:noFill/>
-        </p:spPr>
-        <p:txBody>
-          <a:bodyPr wrap="square" rtlCol="0">
-            <a:spAutoFit/>
-          </a:bodyPr>
-          <a:lstStyle/>
-          <a:p>
-            <a:r>
-              <a:rPr lang="en-US" dirty="0"/>
-              <a:t>	</a:t>
-            </a:r>
-            <a:r>
-              <a:rPr lang="tr-TR" dirty="0"/>
-              <a:t>Önceki</a:t>
-            </a:r>
-            <a:r>
-              <a:rPr lang="en-US" dirty="0"/>
-              <a:t>:</a:t>
-            </a:r>
-          </a:p>
-        </p:txBody>
-      </p:sp>
-      <p:pic>
-        <p:nvPicPr>
-          <p:cNvPr id="2" name="Picture 1"/>
-          <p:cNvPicPr>
-            <a:picLocks noChangeAspect="1"/>
-          </p:cNvPicPr>
-          <p:nvPr>
-            <p:custDataLst>
-              <p:tags r:id="rId1"/>
-            </p:custDataLst>
-          </p:nvPr>
-        </p:nvPicPr>
-        <p:blipFill>
-          <a:blip r:embed="rId4" cstate="print">
-            <a:extLst>
-              <a:ext uri="{28A0092B-C50C-407E-A947-70E740481C1C}">
-                <a14:useLocalDpi xmlns:a14="http://schemas.microsoft.com/office/drawing/2010/main" val="0"/>
-              </a:ext>
-            </a:extLst>
-          </a:blip>
-          <a:stretch>
-            <a:fillRect/>
-          </a:stretch>
-        </p:blipFill>
-        <p:spPr>
-          <a:xfrm>
-            <a:off x="2286000" y="1242606"/>
-            <a:ext cx="1926241" cy="268034"/>
-          </a:xfrm>
-          <a:prstGeom prst="rect">
-            <a:avLst/>
-          </a:prstGeom>
-        </p:spPr>
-      </p:pic>
-    </p:spTree>
-    <p:extLst>
-      <p:ext uri="{BB962C8B-B14F-4D97-AF65-F5344CB8AC3E}">
-        <p14:creationId xmlns:p14="http://schemas.microsoft.com/office/powerpoint/2010/main" val="3474082709"/>
-      </p:ext>
-    </p:extLst>
-  </p:cSld>
-  <p:clrMapOvr>
-    <a:masterClrMapping/>
-  </p:clrMapOvr>
-</p:sld>
-</file>
-
-<file path=ppt/slides/slide51.xml><?xml version="1.0" encoding="utf-8"?>
-<p:sld xmlns:a="http://schemas.openxmlformats.org/drawingml/2006/main" xmlns:r="http://schemas.openxmlformats.org/officeDocument/2006/relationships" xmlns:p="http://schemas.openxmlformats.org/presentationml/2006/main">
-  <p:cSld>
-    <p:spTree>
-      <p:nvGrpSpPr>
-        <p:cNvPr id="1" name=""/>
-        <p:cNvGrpSpPr/>
-        <p:nvPr/>
-      </p:nvGrpSpPr>
-      <p:grpSpPr>
-        <a:xfrm>
-          <a:off x="0" y="0"/>
-          <a:ext cx="0" cy="0"/>
-          <a:chOff x="0" y="0"/>
-          <a:chExt cx="0" cy="0"/>
-        </a:xfrm>
-      </p:grpSpPr>
-      <p:pic>
-        <p:nvPicPr>
-          <p:cNvPr id="3" name="Picture 2"/>
-          <p:cNvPicPr>
-            <a:picLocks noChangeAspect="1"/>
-          </p:cNvPicPr>
-          <p:nvPr>
-            <p:custDataLst>
-              <p:tags r:id="rId1"/>
-            </p:custDataLst>
-          </p:nvPr>
-        </p:nvPicPr>
-        <p:blipFill>
-          <a:blip r:embed="rId5" cstate="print">
-            <a:extLst>
-              <a:ext uri="{28A0092B-C50C-407E-A947-70E740481C1C}">
-                <a14:useLocalDpi xmlns:a14="http://schemas.microsoft.com/office/drawing/2010/main" val="0"/>
-              </a:ext>
-            </a:extLst>
-          </a:blip>
-          <a:stretch>
-            <a:fillRect/>
-          </a:stretch>
-        </p:blipFill>
-        <p:spPr>
-          <a:xfrm>
-            <a:off x="421482" y="945502"/>
-            <a:ext cx="4402550" cy="268034"/>
-          </a:xfrm>
-          <a:prstGeom prst="rect">
-            <a:avLst/>
-          </a:prstGeom>
-        </p:spPr>
-      </p:pic>
-      <p:pic>
-        <p:nvPicPr>
-          <p:cNvPr id="4" name="Picture 3"/>
-          <p:cNvPicPr>
-            <a:picLocks noChangeAspect="1"/>
-          </p:cNvPicPr>
-          <p:nvPr>
-            <p:custDataLst>
-              <p:tags r:id="rId2"/>
-            </p:custDataLst>
-          </p:nvPr>
-        </p:nvPicPr>
-        <p:blipFill>
-          <a:blip r:embed="rId6" cstate="print">
-            <a:extLst>
-              <a:ext uri="{28A0092B-C50C-407E-A947-70E740481C1C}">
-                <a14:useLocalDpi xmlns:a14="http://schemas.microsoft.com/office/drawing/2010/main" val="0"/>
-              </a:ext>
-            </a:extLst>
-          </a:blip>
-          <a:stretch>
-            <a:fillRect/>
-          </a:stretch>
-        </p:blipFill>
-        <p:spPr>
-          <a:xfrm>
-            <a:off x="3771900" y="1382802"/>
-            <a:ext cx="732092" cy="222028"/>
-          </a:xfrm>
-          <a:prstGeom prst="rect">
-            <a:avLst/>
-          </a:prstGeom>
-        </p:spPr>
-      </p:pic>
-      <p:sp>
-        <p:nvSpPr>
-          <p:cNvPr id="10" name="TextBox 9"/>
-          <p:cNvSpPr txBox="1"/>
-          <p:nvPr/>
-        </p:nvSpPr>
-        <p:spPr>
-          <a:xfrm>
-            <a:off x="314325" y="3943350"/>
-            <a:ext cx="5829300" cy="369332"/>
-          </a:xfrm>
-          <a:prstGeom prst="rect">
-            <a:avLst/>
-          </a:prstGeom>
-          <a:noFill/>
-        </p:spPr>
-        <p:txBody>
-          <a:bodyPr wrap="square" rtlCol="0">
-            <a:spAutoFit/>
-          </a:bodyPr>
-          <a:lstStyle/>
-          <a:p>
-            <a:r>
-              <a:rPr lang="en-US" dirty="0" err="1"/>
-              <a:t>Çok</a:t>
-            </a:r>
-            <a:r>
-              <a:rPr lang="en-US" dirty="0"/>
-              <a:t> </a:t>
-            </a:r>
-            <a:r>
-              <a:rPr lang="en-US" dirty="0" err="1"/>
-              <a:t>değişkenli</a:t>
-            </a:r>
-            <a:r>
-              <a:rPr lang="en-US" dirty="0"/>
-              <a:t> </a:t>
-            </a:r>
-            <a:r>
-              <a:rPr lang="en-US" dirty="0" err="1"/>
-              <a:t>doğrusal</a:t>
-            </a:r>
-            <a:r>
-              <a:rPr lang="en-US" dirty="0"/>
-              <a:t> </a:t>
-            </a:r>
-            <a:r>
-              <a:rPr lang="en-US" dirty="0" err="1"/>
-              <a:t>regresyon</a:t>
-            </a:r>
-            <a:r>
-              <a:rPr lang="en-US" dirty="0"/>
-              <a:t>.</a:t>
-            </a:r>
-          </a:p>
-        </p:txBody>
-      </p:sp>
-    </p:spTree>
-    <p:extLst>
-      <p:ext uri="{BB962C8B-B14F-4D97-AF65-F5344CB8AC3E}">
-        <p14:creationId xmlns:p14="http://schemas.microsoft.com/office/powerpoint/2010/main" val="1192551027"/>
-      </p:ext>
-    </p:extLst>
-  </p:cSld>
-  <p:clrMapOvr>
-    <a:masterClrMapping/>
-  </p:clrMapOvr>
-</p:sld>
-</file>
-
-<file path=ppt/slides/slide52.xml><?xml version="1.0" encoding="utf-8"?>
-<p:sld xmlns:a="http://schemas.openxmlformats.org/drawingml/2006/main" xmlns:r="http://schemas.openxmlformats.org/officeDocument/2006/relationships" xmlns:p="http://schemas.openxmlformats.org/presentationml/2006/main">
-  <p:cSld>
-    <p:spTree>
-      <p:nvGrpSpPr>
-        <p:cNvPr id="1" name=""/>
-        <p:cNvGrpSpPr/>
-        <p:nvPr/>
-      </p:nvGrpSpPr>
-      <p:grpSpPr>
-        <a:xfrm>
-          <a:off x="0" y="0"/>
-          <a:ext cx="0" cy="0"/>
-          <a:chOff x="0" y="0"/>
-          <a:chExt cx="0" cy="0"/>
-        </a:xfrm>
-      </p:grpSpPr>
-      <p:sp>
-        <p:nvSpPr>
-          <p:cNvPr id="14" name="Title 1"/>
-          <p:cNvSpPr>
-            <a:spLocks noGrp="1"/>
-          </p:cNvSpPr>
-          <p:nvPr>
-            <p:ph type="ctrTitle" idx="4294967295"/>
-          </p:nvPr>
-        </p:nvSpPr>
-        <p:spPr>
-          <a:xfrm>
-            <a:off x="114300" y="2114550"/>
-            <a:ext cx="6400800" cy="1485900"/>
-          </a:xfrm>
-        </p:spPr>
-        <p:txBody>
-          <a:bodyPr>
-            <a:noAutofit/>
-          </a:bodyPr>
-          <a:lstStyle/>
-          <a:p>
-            <a:pPr algn="l"/>
-            <a:r>
-              <a:rPr lang="tr-TR" sz="3000" dirty="0">
-                <a:solidFill>
-                  <a:schemeClr val="tx1">
-                    <a:lumMod val="75000"/>
-                    <a:lumOff val="25000"/>
-                  </a:schemeClr>
-                </a:solidFill>
-              </a:rPr>
-              <a:t>Çok değişkenler için </a:t>
-            </a:r>
-            <a:r>
-              <a:rPr lang="en-US" sz="3000" dirty="0">
-                <a:solidFill>
-                  <a:schemeClr val="tx1">
-                    <a:lumMod val="75000"/>
-                    <a:lumOff val="25000"/>
-                  </a:schemeClr>
-                </a:solidFill>
-              </a:rPr>
-              <a:t>Grad</a:t>
-            </a:r>
-            <a:r>
-              <a:rPr lang="tr-TR" sz="3000" dirty="0">
-                <a:solidFill>
-                  <a:schemeClr val="tx1">
-                    <a:lumMod val="75000"/>
-                    <a:lumOff val="25000"/>
-                  </a:schemeClr>
-                </a:solidFill>
-              </a:rPr>
-              <a:t>yan inişi</a:t>
-            </a:r>
-            <a:endParaRPr lang="en-US" sz="3000" dirty="0">
-              <a:solidFill>
-                <a:schemeClr val="tx1">
-                  <a:lumMod val="75000"/>
-                  <a:lumOff val="25000"/>
-                </a:schemeClr>
-              </a:solidFill>
-            </a:endParaRPr>
-          </a:p>
-        </p:txBody>
-      </p:sp>
-    </p:spTree>
-    <p:extLst>
-      <p:ext uri="{BB962C8B-B14F-4D97-AF65-F5344CB8AC3E}">
-        <p14:creationId xmlns:p14="http://schemas.microsoft.com/office/powerpoint/2010/main" val="1329536261"/>
-      </p:ext>
-    </p:extLst>
-  </p:cSld>
-  <p:clrMapOvr>
-    <a:masterClrMapping/>
-  </p:clrMapOvr>
-</p:sld>
-</file>
-
-<file path=ppt/slides/slide53.xml><?xml version="1.0" encoding="utf-8"?>
-<p:sld xmlns:a="http://schemas.openxmlformats.org/drawingml/2006/main" xmlns:r="http://schemas.openxmlformats.org/officeDocument/2006/relationships" xmlns:p="http://schemas.openxmlformats.org/presentationml/2006/main">
-  <p:cSld>
-    <p:spTree>
-      <p:nvGrpSpPr>
-        <p:cNvPr id="1" name=""/>
-        <p:cNvGrpSpPr/>
-        <p:nvPr/>
-      </p:nvGrpSpPr>
-      <p:grpSpPr>
-        <a:xfrm>
-          <a:off x="0" y="0"/>
-          <a:ext cx="0" cy="0"/>
-          <a:chOff x="0" y="0"/>
-          <a:chExt cx="0" cy="0"/>
-        </a:xfrm>
-      </p:grpSpPr>
-      <p:pic>
-        <p:nvPicPr>
-          <p:cNvPr id="2" name="Picture 1"/>
-          <p:cNvPicPr>
-            <a:picLocks noChangeAspect="1"/>
-          </p:cNvPicPr>
-          <p:nvPr>
-            <p:custDataLst>
-              <p:tags r:id="rId1"/>
-            </p:custDataLst>
-          </p:nvPr>
-        </p:nvPicPr>
-        <p:blipFill>
-          <a:blip r:embed="rId10" cstate="print">
-            <a:extLst>
-              <a:ext uri="{28A0092B-C50C-407E-A947-70E740481C1C}">
-                <a14:useLocalDpi xmlns:a14="http://schemas.microsoft.com/office/drawing/2010/main" val="0"/>
-              </a:ext>
-            </a:extLst>
-          </a:blip>
-          <a:stretch>
-            <a:fillRect/>
-          </a:stretch>
-        </p:blipFill>
-        <p:spPr>
-          <a:xfrm>
-            <a:off x="1671637" y="964080"/>
-            <a:ext cx="4696016" cy="246888"/>
-          </a:xfrm>
-          <a:prstGeom prst="rect">
-            <a:avLst/>
-          </a:prstGeom>
-        </p:spPr>
-      </p:pic>
-      <p:sp>
-        <p:nvSpPr>
-          <p:cNvPr id="8" name="TextBox 7"/>
-          <p:cNvSpPr txBox="1"/>
-          <p:nvPr/>
-        </p:nvSpPr>
-        <p:spPr>
-          <a:xfrm>
-            <a:off x="285750" y="914400"/>
-            <a:ext cx="1400175" cy="369332"/>
-          </a:xfrm>
-          <a:prstGeom prst="rect">
-            <a:avLst/>
-          </a:prstGeom>
-          <a:noFill/>
-        </p:spPr>
-        <p:txBody>
-          <a:bodyPr wrap="square" rtlCol="0">
-            <a:spAutoFit/>
-          </a:bodyPr>
-          <a:lstStyle/>
-          <a:p>
-            <a:r>
-              <a:rPr lang="en-US" dirty="0"/>
-              <a:t>Hypothesis:</a:t>
-            </a:r>
-          </a:p>
-        </p:txBody>
-      </p:sp>
-      <p:sp>
-        <p:nvSpPr>
-          <p:cNvPr id="11" name="TextBox 10"/>
-          <p:cNvSpPr txBox="1"/>
-          <p:nvPr/>
-        </p:nvSpPr>
-        <p:spPr>
-          <a:xfrm>
-            <a:off x="285750" y="1711151"/>
-            <a:ext cx="2000250" cy="369332"/>
-          </a:xfrm>
-          <a:prstGeom prst="rect">
-            <a:avLst/>
-          </a:prstGeom>
-          <a:noFill/>
-        </p:spPr>
-        <p:txBody>
-          <a:bodyPr wrap="square" rtlCol="0">
-            <a:spAutoFit/>
-          </a:bodyPr>
-          <a:lstStyle/>
-          <a:p>
-            <a:r>
-              <a:rPr lang="en-US" dirty="0"/>
-              <a:t>Cost function:</a:t>
-            </a:r>
-          </a:p>
-        </p:txBody>
-      </p:sp>
-      <p:sp>
-        <p:nvSpPr>
-          <p:cNvPr id="15" name="TextBox 14"/>
-          <p:cNvSpPr txBox="1"/>
-          <p:nvPr/>
-        </p:nvSpPr>
-        <p:spPr>
-          <a:xfrm>
-            <a:off x="285750" y="1322486"/>
-            <a:ext cx="1400175" cy="369332"/>
-          </a:xfrm>
-          <a:prstGeom prst="rect">
-            <a:avLst/>
-          </a:prstGeom>
-          <a:noFill/>
-        </p:spPr>
-        <p:txBody>
-          <a:bodyPr wrap="square" rtlCol="0">
-            <a:spAutoFit/>
-          </a:bodyPr>
-          <a:lstStyle/>
-          <a:p>
-            <a:r>
-              <a:rPr lang="en-US" dirty="0"/>
-              <a:t>Parameters:</a:t>
-            </a:r>
-          </a:p>
-        </p:txBody>
-      </p:sp>
-      <p:pic>
-        <p:nvPicPr>
-          <p:cNvPr id="9" name="Picture 8"/>
-          <p:cNvPicPr>
-            <a:picLocks noChangeAspect="1"/>
-          </p:cNvPicPr>
-          <p:nvPr>
-            <p:custDataLst>
-              <p:tags r:id="rId2"/>
-            </p:custDataLst>
-          </p:nvPr>
-        </p:nvPicPr>
-        <p:blipFill>
-          <a:blip r:embed="rId11" cstate="print">
-            <a:extLst>
-              <a:ext uri="{28A0092B-C50C-407E-A947-70E740481C1C}">
-                <a14:useLocalDpi xmlns:a14="http://schemas.microsoft.com/office/drawing/2010/main" val="0"/>
-              </a:ext>
-            </a:extLst>
-          </a:blip>
-          <a:stretch>
-            <a:fillRect/>
-          </a:stretch>
-        </p:blipFill>
-        <p:spPr>
-          <a:xfrm>
-            <a:off x="1555051" y="1391883"/>
-            <a:ext cx="1229297" cy="207455"/>
-          </a:xfrm>
-          <a:prstGeom prst="rect">
-            <a:avLst/>
-          </a:prstGeom>
-        </p:spPr>
-      </p:pic>
-      <p:pic>
-        <p:nvPicPr>
-          <p:cNvPr id="24" name="Picture 23"/>
-          <p:cNvPicPr>
-            <a:picLocks noChangeAspect="1"/>
-          </p:cNvPicPr>
-          <p:nvPr>
-            <p:custDataLst>
-              <p:tags r:id="rId3"/>
-            </p:custDataLst>
-          </p:nvPr>
-        </p:nvPicPr>
-        <p:blipFill>
-          <a:blip r:embed="rId12" cstate="print">
-            <a:extLst>
-              <a:ext uri="{28A0092B-C50C-407E-A947-70E740481C1C}">
-                <a14:useLocalDpi xmlns:a14="http://schemas.microsoft.com/office/drawing/2010/main" val="0"/>
-              </a:ext>
-            </a:extLst>
-          </a:blip>
-          <a:stretch>
-            <a:fillRect/>
-          </a:stretch>
-        </p:blipFill>
-        <p:spPr>
-          <a:xfrm>
-            <a:off x="857250" y="1909667"/>
-            <a:ext cx="4241673" cy="624078"/>
-          </a:xfrm>
-          <a:prstGeom prst="rect">
-            <a:avLst/>
-          </a:prstGeom>
-        </p:spPr>
-      </p:pic>
-      <p:grpSp>
-        <p:nvGrpSpPr>
-          <p:cNvPr id="5" name="Group 4"/>
-          <p:cNvGrpSpPr/>
-          <p:nvPr/>
-        </p:nvGrpSpPr>
-        <p:grpSpPr>
-          <a:xfrm>
-            <a:off x="285750" y="2857500"/>
-            <a:ext cx="6343650" cy="1359009"/>
-            <a:chOff x="381000" y="2952750"/>
-            <a:chExt cx="8458200" cy="1812013"/>
-          </a:xfrm>
-        </p:grpSpPr>
-        <p:pic>
-          <p:nvPicPr>
-            <p:cNvPr id="27" name="Picture 26"/>
-            <p:cNvPicPr>
-              <a:picLocks noChangeAspect="1"/>
-            </p:cNvPicPr>
-            <p:nvPr>
-              <p:custDataLst>
-                <p:tags r:id="rId4"/>
-              </p:custDataLst>
-            </p:nvPr>
-          </p:nvPicPr>
-          <p:blipFill>
-            <a:blip r:embed="rId13" cstate="print">
-              <a:extLst>
-                <a:ext uri="{28A0092B-C50C-407E-A947-70E740481C1C}">
-                  <a14:useLocalDpi xmlns:a14="http://schemas.microsoft.com/office/drawing/2010/main" val="0"/>
-                </a:ext>
-              </a:extLst>
-            </a:blip>
-            <a:stretch>
-              <a:fillRect/>
-            </a:stretch>
-          </p:blipFill>
-          <p:spPr>
-            <a:xfrm>
-              <a:off x="7048500" y="4423440"/>
-              <a:ext cx="1293495" cy="220980"/>
-            </a:xfrm>
-            <a:prstGeom prst="rect">
-              <a:avLst/>
-            </a:prstGeom>
-          </p:spPr>
-        </p:pic>
-        <p:pic>
-          <p:nvPicPr>
-            <p:cNvPr id="29" name="Picture 28"/>
-            <p:cNvPicPr>
-              <a:picLocks noChangeAspect="1"/>
-            </p:cNvPicPr>
-            <p:nvPr>
-              <p:custDataLst>
-                <p:tags r:id="rId5"/>
-              </p:custDataLst>
-            </p:nvPr>
-          </p:nvPicPr>
-          <p:blipFill>
-            <a:blip r:embed="rId14" cstate="print">
-              <a:extLst>
-                <a:ext uri="{28A0092B-C50C-407E-A947-70E740481C1C}">
-                  <a14:useLocalDpi xmlns:a14="http://schemas.microsoft.com/office/drawing/2010/main" val="0"/>
-                </a:ext>
-              </a:extLst>
-            </a:blip>
-            <a:stretch>
-              <a:fillRect/>
-            </a:stretch>
-          </p:blipFill>
-          <p:spPr>
-            <a:xfrm>
-              <a:off x="1989963" y="3447007"/>
-              <a:ext cx="109728" cy="304038"/>
-            </a:xfrm>
-            <a:prstGeom prst="rect">
-              <a:avLst/>
-            </a:prstGeom>
-          </p:spPr>
-        </p:pic>
-        <p:grpSp>
-          <p:nvGrpSpPr>
-            <p:cNvPr id="3" name="Group 2"/>
-            <p:cNvGrpSpPr/>
-            <p:nvPr/>
-          </p:nvGrpSpPr>
-          <p:grpSpPr>
-            <a:xfrm>
-              <a:off x="381000" y="2952750"/>
-              <a:ext cx="8458200" cy="1812013"/>
-              <a:chOff x="381000" y="2952750"/>
-              <a:chExt cx="8458200" cy="1812013"/>
-            </a:xfrm>
-          </p:grpSpPr>
-          <p:sp>
-            <p:nvSpPr>
-              <p:cNvPr id="10" name="TextBox 9"/>
-              <p:cNvSpPr txBox="1"/>
-              <p:nvPr/>
-            </p:nvSpPr>
-            <p:spPr>
-              <a:xfrm>
-                <a:off x="3505200" y="4333876"/>
-                <a:ext cx="5334000" cy="430887"/>
-              </a:xfrm>
-              <a:prstGeom prst="rect">
-                <a:avLst/>
-              </a:prstGeom>
-              <a:noFill/>
-            </p:spPr>
-            <p:txBody>
-              <a:bodyPr wrap="square" rtlCol="0">
-                <a:spAutoFit/>
-              </a:bodyPr>
-              <a:lstStyle/>
-              <a:p>
-                <a:r>
-                  <a:rPr lang="en-US" sz="1500" dirty="0"/>
-                  <a:t>(simultaneously update for every                        )</a:t>
-                </a:r>
-              </a:p>
-            </p:txBody>
-          </p:sp>
-          <p:sp>
-            <p:nvSpPr>
-              <p:cNvPr id="13" name="TextBox 12"/>
-              <p:cNvSpPr txBox="1"/>
-              <p:nvPr/>
-            </p:nvSpPr>
-            <p:spPr>
-              <a:xfrm>
-                <a:off x="1028700" y="3390840"/>
-                <a:ext cx="961263" cy="738664"/>
-              </a:xfrm>
-              <a:prstGeom prst="rect">
-                <a:avLst/>
-              </a:prstGeom>
-              <a:noFill/>
-            </p:spPr>
-            <p:txBody>
-              <a:bodyPr wrap="square" rtlCol="0">
-                <a:spAutoFit/>
-              </a:bodyPr>
-              <a:lstStyle/>
-              <a:p>
-                <a:r>
-                  <a:rPr lang="en-US" sz="1500" dirty="0"/>
-                  <a:t>Repeat</a:t>
-                </a:r>
-                <a:endParaRPr lang="en-US" dirty="0"/>
-              </a:p>
-            </p:txBody>
-          </p:sp>
-          <p:sp>
-            <p:nvSpPr>
-              <p:cNvPr id="12" name="TextBox 11"/>
-              <p:cNvSpPr txBox="1"/>
-              <p:nvPr/>
-            </p:nvSpPr>
-            <p:spPr>
-              <a:xfrm>
-                <a:off x="381000" y="2952750"/>
-                <a:ext cx="2667000" cy="492443"/>
-              </a:xfrm>
-              <a:prstGeom prst="rect">
-                <a:avLst/>
-              </a:prstGeom>
-              <a:noFill/>
-            </p:spPr>
-            <p:txBody>
-              <a:bodyPr wrap="square" rtlCol="0">
-                <a:spAutoFit/>
-              </a:bodyPr>
-              <a:lstStyle/>
-              <a:p>
-                <a:r>
-                  <a:rPr lang="en-US" dirty="0"/>
-                  <a:t>Gradient descent:</a:t>
-                </a:r>
-              </a:p>
-            </p:txBody>
-          </p:sp>
-          <p:pic>
-            <p:nvPicPr>
-              <p:cNvPr id="31" name="Picture 30"/>
-              <p:cNvPicPr>
-                <a:picLocks noChangeAspect="1"/>
-              </p:cNvPicPr>
-              <p:nvPr>
-                <p:custDataLst>
-                  <p:tags r:id="rId6"/>
-                </p:custDataLst>
-              </p:nvPr>
-            </p:nvPicPr>
-            <p:blipFill>
-              <a:blip r:embed="rId15" cstate="print">
-                <a:extLst>
-                  <a:ext uri="{28A0092B-C50C-407E-A947-70E740481C1C}">
-                    <a14:useLocalDpi xmlns:a14="http://schemas.microsoft.com/office/drawing/2010/main" val="0"/>
-                  </a:ext>
-                </a:extLst>
-              </a:blip>
-              <a:stretch>
-                <a:fillRect/>
-              </a:stretch>
-            </p:blipFill>
-            <p:spPr>
-              <a:xfrm>
-                <a:off x="1447800" y="4379695"/>
-                <a:ext cx="109728" cy="304038"/>
-              </a:xfrm>
-              <a:prstGeom prst="rect">
-                <a:avLst/>
-              </a:prstGeom>
-            </p:spPr>
-          </p:pic>
-          <p:pic>
-            <p:nvPicPr>
-              <p:cNvPr id="4" name="Picture 3"/>
-              <p:cNvPicPr>
-                <a:picLocks noChangeAspect="1"/>
-              </p:cNvPicPr>
-              <p:nvPr>
-                <p:custDataLst>
-                  <p:tags r:id="rId7"/>
-                </p:custDataLst>
-              </p:nvPr>
-            </p:nvPicPr>
-            <p:blipFill>
-              <a:blip r:embed="rId16" cstate="print">
-                <a:extLst>
-                  <a:ext uri="{28A0092B-C50C-407E-A947-70E740481C1C}">
-                    <a14:useLocalDpi xmlns:a14="http://schemas.microsoft.com/office/drawing/2010/main" val="0"/>
-                  </a:ext>
-                </a:extLst>
-              </a:blip>
-              <a:stretch>
-                <a:fillRect/>
-              </a:stretch>
-            </p:blipFill>
-            <p:spPr>
-              <a:xfrm>
-                <a:off x="1519047" y="3854463"/>
-                <a:ext cx="3698748" cy="436626"/>
-              </a:xfrm>
-              <a:prstGeom prst="rect">
-                <a:avLst/>
-              </a:prstGeom>
-            </p:spPr>
-          </p:pic>
-        </p:grpSp>
-      </p:grpSp>
-    </p:spTree>
-    <p:extLst>
-      <p:ext uri="{BB962C8B-B14F-4D97-AF65-F5344CB8AC3E}">
-        <p14:creationId xmlns:p14="http://schemas.microsoft.com/office/powerpoint/2010/main" val="3626534456"/>
-      </p:ext>
-    </p:extLst>
-  </p:cSld>
-  <p:clrMapOvr>
-    <a:masterClrMapping/>
-  </p:clrMapOvr>
-</p:sld>
-</file>
-
-<file path=ppt/slides/slide54.xml><?xml version="1.0" encoding="utf-8"?>
-<p:sld xmlns:a="http://schemas.openxmlformats.org/drawingml/2006/main" xmlns:r="http://schemas.openxmlformats.org/officeDocument/2006/relationships" xmlns:p="http://schemas.openxmlformats.org/presentationml/2006/main">
-  <p:cSld>
-    <p:spTree>
-      <p:nvGrpSpPr>
-        <p:cNvPr id="1" name=""/>
-        <p:cNvGrpSpPr/>
-        <p:nvPr/>
-      </p:nvGrpSpPr>
-      <p:grpSpPr>
-        <a:xfrm>
-          <a:off x="0" y="0"/>
-          <a:ext cx="0" cy="0"/>
-          <a:chOff x="0" y="0"/>
-          <a:chExt cx="0" cy="0"/>
-        </a:xfrm>
-      </p:grpSpPr>
-      <p:sp>
-        <p:nvSpPr>
-          <p:cNvPr id="10" name="TextBox 9"/>
-          <p:cNvSpPr txBox="1"/>
-          <p:nvPr/>
-        </p:nvSpPr>
-        <p:spPr>
-          <a:xfrm>
-            <a:off x="1404461" y="3328285"/>
-            <a:ext cx="2737486" cy="276999"/>
-          </a:xfrm>
-          <a:prstGeom prst="rect">
-            <a:avLst/>
-          </a:prstGeom>
-          <a:noFill/>
-        </p:spPr>
-        <p:txBody>
-          <a:bodyPr wrap="square" rtlCol="0">
-            <a:spAutoFit/>
-          </a:bodyPr>
-          <a:lstStyle/>
-          <a:p>
-            <a:r>
-              <a:rPr lang="en-US" sz="1200" dirty="0"/>
-              <a:t>(simultaneously update             )</a:t>
-            </a:r>
-          </a:p>
-        </p:txBody>
-      </p:sp>
-      <p:sp>
-        <p:nvSpPr>
-          <p:cNvPr id="8" name="TextBox 7"/>
-          <p:cNvSpPr txBox="1"/>
-          <p:nvPr/>
-        </p:nvSpPr>
-        <p:spPr>
-          <a:xfrm>
-            <a:off x="228600" y="798425"/>
-            <a:ext cx="2692337" cy="369332"/>
-          </a:xfrm>
-          <a:prstGeom prst="rect">
-            <a:avLst/>
-          </a:prstGeom>
-          <a:noFill/>
-        </p:spPr>
-        <p:txBody>
-          <a:bodyPr wrap="square" rtlCol="0">
-            <a:spAutoFit/>
-          </a:bodyPr>
-          <a:lstStyle/>
-          <a:p>
-            <a:r>
-              <a:rPr lang="en-US" b="1" dirty="0"/>
-              <a:t>Gradient Descent</a:t>
-            </a:r>
-          </a:p>
-        </p:txBody>
-      </p:sp>
-      <p:sp>
-        <p:nvSpPr>
-          <p:cNvPr id="13" name="TextBox 12"/>
-          <p:cNvSpPr txBox="1"/>
-          <p:nvPr/>
-        </p:nvSpPr>
-        <p:spPr>
-          <a:xfrm>
-            <a:off x="342900" y="1506594"/>
-            <a:ext cx="2000250" cy="323165"/>
-          </a:xfrm>
-          <a:prstGeom prst="rect">
-            <a:avLst/>
-          </a:prstGeom>
-          <a:noFill/>
-        </p:spPr>
-        <p:txBody>
-          <a:bodyPr wrap="square" rtlCol="0">
-            <a:spAutoFit/>
-          </a:bodyPr>
-          <a:lstStyle/>
-          <a:p>
-            <a:r>
-              <a:rPr lang="en-US" sz="1500" dirty="0"/>
-              <a:t>Repeat</a:t>
-            </a:r>
-            <a:endParaRPr lang="en-US" dirty="0"/>
-          </a:p>
-        </p:txBody>
-      </p:sp>
-      <p:sp>
-        <p:nvSpPr>
-          <p:cNvPr id="15" name="TextBox 14"/>
-          <p:cNvSpPr txBox="1"/>
-          <p:nvPr/>
-        </p:nvSpPr>
-        <p:spPr>
-          <a:xfrm>
-            <a:off x="342900" y="1206511"/>
-            <a:ext cx="2686050" cy="323165"/>
-          </a:xfrm>
-          <a:prstGeom prst="rect">
-            <a:avLst/>
-          </a:prstGeom>
-          <a:noFill/>
-        </p:spPr>
-        <p:txBody>
-          <a:bodyPr wrap="square" rtlCol="0">
-            <a:spAutoFit/>
-          </a:bodyPr>
-          <a:lstStyle/>
-          <a:p>
-            <a:r>
-              <a:rPr lang="en-US" sz="1500" dirty="0"/>
-              <a:t>Previously (n=1):</a:t>
-            </a:r>
-          </a:p>
-        </p:txBody>
-      </p:sp>
-      <p:pic>
-        <p:nvPicPr>
-          <p:cNvPr id="5" name="Picture 4"/>
-          <p:cNvPicPr>
-            <a:picLocks noChangeAspect="1"/>
-          </p:cNvPicPr>
-          <p:nvPr>
-            <p:custDataLst>
-              <p:tags r:id="rId1"/>
-            </p:custDataLst>
-          </p:nvPr>
-        </p:nvPicPr>
-        <p:blipFill>
-          <a:blip r:embed="rId19" cstate="print">
-            <a:extLst>
-              <a:ext uri="{28A0092B-C50C-407E-A947-70E740481C1C}">
-                <a14:useLocalDpi xmlns:a14="http://schemas.microsoft.com/office/drawing/2010/main" val="0"/>
-              </a:ext>
-            </a:extLst>
-          </a:blip>
-          <a:stretch>
-            <a:fillRect/>
-          </a:stretch>
-        </p:blipFill>
-        <p:spPr>
-          <a:xfrm>
-            <a:off x="685803" y="1793081"/>
-            <a:ext cx="2516458" cy="468059"/>
-          </a:xfrm>
-          <a:prstGeom prst="rect">
-            <a:avLst/>
-          </a:prstGeom>
-        </p:spPr>
-      </p:pic>
-      <p:pic>
-        <p:nvPicPr>
-          <p:cNvPr id="3" name="Picture 2"/>
-          <p:cNvPicPr>
-            <a:picLocks noChangeAspect="1"/>
-          </p:cNvPicPr>
-          <p:nvPr>
-            <p:custDataLst>
-              <p:tags r:id="rId2"/>
-            </p:custDataLst>
-          </p:nvPr>
-        </p:nvPicPr>
-        <p:blipFill>
-          <a:blip r:embed="rId20" cstate="print">
-            <a:extLst>
-              <a:ext uri="{28A0092B-C50C-407E-A947-70E740481C1C}">
-                <a14:useLocalDpi xmlns:a14="http://schemas.microsoft.com/office/drawing/2010/main" val="0"/>
-              </a:ext>
-            </a:extLst>
-          </a:blip>
-          <a:stretch>
-            <a:fillRect/>
-          </a:stretch>
-        </p:blipFill>
-        <p:spPr>
-          <a:xfrm>
-            <a:off x="2991640" y="3387940"/>
-            <a:ext cx="362617" cy="155591"/>
-          </a:xfrm>
-          <a:prstGeom prst="rect">
-            <a:avLst/>
-          </a:prstGeom>
-        </p:spPr>
-      </p:pic>
-      <p:pic>
-        <p:nvPicPr>
-          <p:cNvPr id="29" name="Picture 28"/>
-          <p:cNvPicPr>
-            <a:picLocks noChangeAspect="1"/>
-          </p:cNvPicPr>
-          <p:nvPr>
-            <p:custDataLst>
-              <p:tags r:id="rId3"/>
-            </p:custDataLst>
-          </p:nvPr>
-        </p:nvPicPr>
-        <p:blipFill>
-          <a:blip r:embed="rId21" cstate="print">
-            <a:extLst>
-              <a:ext uri="{28A0092B-C50C-407E-A947-70E740481C1C}">
-                <a14:useLocalDpi xmlns:a14="http://schemas.microsoft.com/office/drawing/2010/main" val="0"/>
-              </a:ext>
-            </a:extLst>
-          </a:blip>
-          <a:stretch>
-            <a:fillRect/>
-          </a:stretch>
-        </p:blipFill>
-        <p:spPr>
-          <a:xfrm>
-            <a:off x="1063847" y="1548718"/>
-            <a:ext cx="82296" cy="228029"/>
-          </a:xfrm>
-          <a:prstGeom prst="rect">
-            <a:avLst/>
-          </a:prstGeom>
-        </p:spPr>
-      </p:pic>
-      <p:pic>
-        <p:nvPicPr>
-          <p:cNvPr id="31" name="Picture 30"/>
-          <p:cNvPicPr>
-            <a:picLocks noChangeAspect="1"/>
-          </p:cNvPicPr>
-          <p:nvPr>
-            <p:custDataLst>
-              <p:tags r:id="rId4"/>
-            </p:custDataLst>
-          </p:nvPr>
-        </p:nvPicPr>
-        <p:blipFill>
-          <a:blip r:embed="rId22" cstate="print">
-            <a:extLst>
-              <a:ext uri="{28A0092B-C50C-407E-A947-70E740481C1C}">
-                <a14:useLocalDpi xmlns:a14="http://schemas.microsoft.com/office/drawing/2010/main" val="0"/>
-              </a:ext>
-            </a:extLst>
-          </a:blip>
-          <a:stretch>
-            <a:fillRect/>
-          </a:stretch>
-        </p:blipFill>
-        <p:spPr>
-          <a:xfrm>
-            <a:off x="481490" y="3714750"/>
-            <a:ext cx="82296" cy="228029"/>
-          </a:xfrm>
-          <a:prstGeom prst="rect">
-            <a:avLst/>
-          </a:prstGeom>
-        </p:spPr>
-      </p:pic>
-      <p:pic>
-        <p:nvPicPr>
-          <p:cNvPr id="9" name="Picture 8"/>
-          <p:cNvPicPr>
-            <a:picLocks noChangeAspect="1"/>
-          </p:cNvPicPr>
-          <p:nvPr>
-            <p:custDataLst>
-              <p:tags r:id="rId5"/>
-            </p:custDataLst>
-          </p:nvPr>
-        </p:nvPicPr>
-        <p:blipFill>
-          <a:blip r:embed="rId23" cstate="print">
-            <a:extLst>
-              <a:ext uri="{28A0092B-C50C-407E-A947-70E740481C1C}">
-                <a14:useLocalDpi xmlns:a14="http://schemas.microsoft.com/office/drawing/2010/main" val="0"/>
-              </a:ext>
-            </a:extLst>
-          </a:blip>
-          <a:stretch>
-            <a:fillRect/>
-          </a:stretch>
-        </p:blipFill>
-        <p:spPr>
-          <a:xfrm>
-            <a:off x="691516" y="2789491"/>
-            <a:ext cx="2773633" cy="468059"/>
-          </a:xfrm>
-          <a:prstGeom prst="rect">
-            <a:avLst/>
-          </a:prstGeom>
-        </p:spPr>
-      </p:pic>
-      <p:pic>
-        <p:nvPicPr>
-          <p:cNvPr id="2" name="Picture 1"/>
-          <p:cNvPicPr>
-            <a:picLocks noChangeAspect="1"/>
-          </p:cNvPicPr>
-          <p:nvPr>
-            <p:custDataLst>
-              <p:tags r:id="rId6"/>
-            </p:custDataLst>
-          </p:nvPr>
-        </p:nvPicPr>
-        <p:blipFill>
-          <a:blip r:embed="rId24" cstate="print">
-            <a:extLst>
-              <a:ext uri="{28A0092B-C50C-407E-A947-70E740481C1C}">
-                <a14:useLocalDpi xmlns:a14="http://schemas.microsoft.com/office/drawing/2010/main" val="0"/>
-              </a:ext>
-            </a:extLst>
-          </a:blip>
-          <a:stretch>
-            <a:fillRect/>
-          </a:stretch>
-        </p:blipFill>
-        <p:spPr>
-          <a:xfrm>
-            <a:off x="2088689" y="2455878"/>
-            <a:ext cx="545211" cy="230172"/>
-          </a:xfrm>
-          <a:prstGeom prst="rect">
-            <a:avLst/>
-          </a:prstGeom>
-        </p:spPr>
-      </p:pic>
-      <p:sp>
-        <p:nvSpPr>
-          <p:cNvPr id="16" name="Right Brace 15"/>
-          <p:cNvSpPr/>
-          <p:nvPr/>
-        </p:nvSpPr>
-        <p:spPr>
-          <a:xfrm rot="5400000">
-            <a:off x="2350866" y="1606129"/>
-            <a:ext cx="100727" cy="1544909"/>
-          </a:xfrm>
-          <a:prstGeom prst="rightBrace">
-            <a:avLst>
-              <a:gd name="adj1" fmla="val 47916"/>
-              <a:gd name="adj2" fmla="val 50000"/>
-            </a:avLst>
-          </a:prstGeom>
-        </p:spPr>
-        <p:style>
-          <a:lnRef idx="1">
-            <a:schemeClr val="dk1"/>
-          </a:lnRef>
-          <a:fillRef idx="0">
-            <a:schemeClr val="dk1"/>
-          </a:fillRef>
-          <a:effectRef idx="0">
-            <a:schemeClr val="dk1"/>
-          </a:effectRef>
-          <a:fontRef idx="minor">
-            <a:schemeClr val="tx1"/>
-          </a:fontRef>
-        </p:style>
-        <p:txBody>
-          <a:bodyPr rtlCol="0" anchor="ctr"/>
-          <a:lstStyle/>
-          <a:p>
-            <a:pPr algn="ctr"/>
-            <a:endParaRPr lang="en-US" sz="1350"/>
-          </a:p>
-        </p:txBody>
-      </p:sp>
-      <p:cxnSp>
-        <p:nvCxnSpPr>
-          <p:cNvPr id="19" name="Straight Connector 18"/>
-          <p:cNvCxnSpPr/>
-          <p:nvPr/>
-        </p:nvCxnSpPr>
-        <p:spPr>
-          <a:xfrm>
-            <a:off x="3514725" y="742950"/>
-            <a:ext cx="0" cy="3657600"/>
-          </a:xfrm>
-          <a:prstGeom prst="line">
-            <a:avLst/>
-          </a:prstGeom>
-        </p:spPr>
-        <p:style>
-          <a:lnRef idx="1">
-            <a:schemeClr val="dk1"/>
-          </a:lnRef>
-          <a:fillRef idx="0">
-            <a:schemeClr val="dk1"/>
-          </a:fillRef>
-          <a:effectRef idx="0">
-            <a:schemeClr val="dk1"/>
-          </a:effectRef>
-          <a:fontRef idx="minor">
-            <a:schemeClr val="tx1"/>
-          </a:fontRef>
-        </p:style>
-      </p:cxnSp>
-      <p:sp>
-        <p:nvSpPr>
-          <p:cNvPr id="26" name="TextBox 25"/>
-          <p:cNvSpPr txBox="1"/>
-          <p:nvPr/>
-        </p:nvSpPr>
-        <p:spPr>
-          <a:xfrm>
-            <a:off x="3629025" y="685800"/>
-            <a:ext cx="2686050" cy="323165"/>
-          </a:xfrm>
-          <a:prstGeom prst="rect">
-            <a:avLst/>
-          </a:prstGeom>
-          <a:noFill/>
-        </p:spPr>
-        <p:txBody>
-          <a:bodyPr wrap="square" rtlCol="0">
-            <a:spAutoFit/>
-          </a:bodyPr>
-          <a:lstStyle/>
-          <a:p>
-            <a:r>
-              <a:rPr lang="en-US" sz="1500" dirty="0"/>
-              <a:t>New algorithm               :</a:t>
-            </a:r>
-          </a:p>
-        </p:txBody>
-      </p:sp>
-      <p:pic>
-        <p:nvPicPr>
-          <p:cNvPr id="20" name="Picture 19"/>
-          <p:cNvPicPr>
-            <a:picLocks noChangeAspect="1"/>
-          </p:cNvPicPr>
-          <p:nvPr>
-            <p:custDataLst>
-              <p:tags r:id="rId7"/>
-            </p:custDataLst>
-          </p:nvPr>
-        </p:nvPicPr>
-        <p:blipFill>
-          <a:blip r:embed="rId25" cstate="print">
-            <a:extLst>
-              <a:ext uri="{28A0092B-C50C-407E-A947-70E740481C1C}">
-                <a14:useLocalDpi xmlns:a14="http://schemas.microsoft.com/office/drawing/2010/main" val="0"/>
-              </a:ext>
-            </a:extLst>
-          </a:blip>
-          <a:stretch>
-            <a:fillRect/>
-          </a:stretch>
-        </p:blipFill>
-        <p:spPr>
-          <a:xfrm>
-            <a:off x="4972050" y="749688"/>
-            <a:ext cx="515636" cy="172307"/>
-          </a:xfrm>
-          <a:prstGeom prst="rect">
-            <a:avLst/>
-          </a:prstGeom>
-        </p:spPr>
-      </p:pic>
-      <p:sp>
-        <p:nvSpPr>
-          <p:cNvPr id="30" name="TextBox 29"/>
-          <p:cNvSpPr txBox="1"/>
-          <p:nvPr/>
-        </p:nvSpPr>
-        <p:spPr>
-          <a:xfrm>
-            <a:off x="3621881" y="971550"/>
-            <a:ext cx="2000250" cy="323165"/>
-          </a:xfrm>
-          <a:prstGeom prst="rect">
-            <a:avLst/>
-          </a:prstGeom>
-          <a:noFill/>
-        </p:spPr>
-        <p:txBody>
-          <a:bodyPr wrap="square" rtlCol="0">
-            <a:spAutoFit/>
-          </a:bodyPr>
-          <a:lstStyle/>
-          <a:p>
-            <a:r>
-              <a:rPr lang="en-US" sz="1500" dirty="0"/>
-              <a:t>Repeat</a:t>
-            </a:r>
-            <a:endParaRPr lang="en-US" dirty="0"/>
-          </a:p>
-        </p:txBody>
-      </p:sp>
-      <p:pic>
-        <p:nvPicPr>
-          <p:cNvPr id="32" name="Picture 31"/>
-          <p:cNvPicPr>
-            <a:picLocks noChangeAspect="1"/>
-          </p:cNvPicPr>
-          <p:nvPr>
-            <p:custDataLst>
-              <p:tags r:id="rId8"/>
-            </p:custDataLst>
-          </p:nvPr>
-        </p:nvPicPr>
-        <p:blipFill>
-          <a:blip r:embed="rId21" cstate="print">
-            <a:extLst>
-              <a:ext uri="{28A0092B-C50C-407E-A947-70E740481C1C}">
-                <a14:useLocalDpi xmlns:a14="http://schemas.microsoft.com/office/drawing/2010/main" val="0"/>
-              </a:ext>
-            </a:extLst>
-          </a:blip>
-          <a:stretch>
-            <a:fillRect/>
-          </a:stretch>
-        </p:blipFill>
-        <p:spPr>
-          <a:xfrm>
-            <a:off x="4342829" y="1013675"/>
-            <a:ext cx="82296" cy="228029"/>
-          </a:xfrm>
-          <a:prstGeom prst="rect">
-            <a:avLst/>
-          </a:prstGeom>
-        </p:spPr>
-      </p:pic>
-      <p:pic>
-        <p:nvPicPr>
-          <p:cNvPr id="34" name="Picture 33"/>
-          <p:cNvPicPr>
-            <a:picLocks noChangeAspect="1"/>
-          </p:cNvPicPr>
-          <p:nvPr>
-            <p:custDataLst>
-              <p:tags r:id="rId9"/>
-            </p:custDataLst>
-          </p:nvPr>
-        </p:nvPicPr>
-        <p:blipFill>
-          <a:blip r:embed="rId22" cstate="print">
-            <a:extLst>
-              <a:ext uri="{28A0092B-C50C-407E-A947-70E740481C1C}">
-                <a14:useLocalDpi xmlns:a14="http://schemas.microsoft.com/office/drawing/2010/main" val="0"/>
-              </a:ext>
-            </a:extLst>
-          </a:blip>
-          <a:stretch>
-            <a:fillRect/>
-          </a:stretch>
-        </p:blipFill>
-        <p:spPr>
-          <a:xfrm>
-            <a:off x="3824765" y="2286000"/>
-            <a:ext cx="82296" cy="228029"/>
-          </a:xfrm>
-          <a:prstGeom prst="rect">
-            <a:avLst/>
-          </a:prstGeom>
-        </p:spPr>
-      </p:pic>
-      <p:pic>
-        <p:nvPicPr>
-          <p:cNvPr id="23" name="Picture 22"/>
-          <p:cNvPicPr>
-            <a:picLocks noChangeAspect="1"/>
-          </p:cNvPicPr>
-          <p:nvPr>
-            <p:custDataLst>
-              <p:tags r:id="rId10"/>
-            </p:custDataLst>
-          </p:nvPr>
-        </p:nvPicPr>
-        <p:blipFill>
-          <a:blip r:embed="rId26" cstate="print">
-            <a:extLst>
-              <a:ext uri="{28A0092B-C50C-407E-A947-70E740481C1C}">
-                <a14:useLocalDpi xmlns:a14="http://schemas.microsoft.com/office/drawing/2010/main" val="0"/>
-              </a:ext>
-            </a:extLst>
-          </a:blip>
-          <a:stretch>
-            <a:fillRect/>
-          </a:stretch>
-        </p:blipFill>
-        <p:spPr>
-          <a:xfrm>
-            <a:off x="3914776" y="1399600"/>
-            <a:ext cx="2764631" cy="468059"/>
-          </a:xfrm>
-          <a:prstGeom prst="rect">
-            <a:avLst/>
-          </a:prstGeom>
-        </p:spPr>
-      </p:pic>
-      <p:sp>
-        <p:nvSpPr>
-          <p:cNvPr id="36" name="TextBox 35"/>
-          <p:cNvSpPr txBox="1"/>
-          <p:nvPr/>
-        </p:nvSpPr>
-        <p:spPr>
-          <a:xfrm>
-            <a:off x="4693731" y="1904569"/>
-            <a:ext cx="2061685" cy="646331"/>
-          </a:xfrm>
-          <a:prstGeom prst="rect">
-            <a:avLst/>
-          </a:prstGeom>
-          <a:noFill/>
-        </p:spPr>
-        <p:txBody>
-          <a:bodyPr wrap="square" rtlCol="0">
-            <a:spAutoFit/>
-          </a:bodyPr>
-          <a:lstStyle/>
-          <a:p>
-            <a:r>
-              <a:rPr lang="en-US" sz="1200" dirty="0"/>
-              <a:t>(simultaneously update        for      </a:t>
-            </a:r>
-          </a:p>
-          <a:p>
-            <a:r>
-              <a:rPr lang="en-US" sz="1200" dirty="0"/>
-              <a:t>                        )</a:t>
-            </a:r>
-          </a:p>
-        </p:txBody>
-      </p:sp>
-      <p:pic>
-        <p:nvPicPr>
-          <p:cNvPr id="6" name="Picture 5"/>
-          <p:cNvPicPr>
-            <a:picLocks noChangeAspect="1"/>
-          </p:cNvPicPr>
-          <p:nvPr>
-            <p:custDataLst>
-              <p:tags r:id="rId11"/>
-            </p:custDataLst>
-          </p:nvPr>
-        </p:nvPicPr>
-        <p:blipFill>
-          <a:blip r:embed="rId27" cstate="print">
-            <a:extLst>
-              <a:ext uri="{28A0092B-C50C-407E-A947-70E740481C1C}">
-                <a14:useLocalDpi xmlns:a14="http://schemas.microsoft.com/office/drawing/2010/main" val="0"/>
-              </a:ext>
-            </a:extLst>
-          </a:blip>
-          <a:stretch>
-            <a:fillRect/>
-          </a:stretch>
-        </p:blipFill>
-        <p:spPr>
-          <a:xfrm>
-            <a:off x="6286500" y="1960862"/>
-            <a:ext cx="126016" cy="172307"/>
-          </a:xfrm>
-          <a:prstGeom prst="rect">
-            <a:avLst/>
-          </a:prstGeom>
-        </p:spPr>
-      </p:pic>
-      <p:pic>
-        <p:nvPicPr>
-          <p:cNvPr id="11" name="Picture 10"/>
-          <p:cNvPicPr>
-            <a:picLocks noChangeAspect="1"/>
-          </p:cNvPicPr>
-          <p:nvPr>
-            <p:custDataLst>
-              <p:tags r:id="rId12"/>
-            </p:custDataLst>
-          </p:nvPr>
-        </p:nvPicPr>
-        <p:blipFill>
-          <a:blip r:embed="rId28" cstate="print">
-            <a:extLst>
-              <a:ext uri="{28A0092B-C50C-407E-A947-70E740481C1C}">
-                <a14:useLocalDpi xmlns:a14="http://schemas.microsoft.com/office/drawing/2010/main" val="0"/>
-              </a:ext>
-            </a:extLst>
-          </a:blip>
-          <a:stretch>
-            <a:fillRect/>
-          </a:stretch>
-        </p:blipFill>
-        <p:spPr>
-          <a:xfrm>
-            <a:off x="4800740" y="2185565"/>
-            <a:ext cx="776097" cy="132588"/>
-          </a:xfrm>
-          <a:prstGeom prst="rect">
-            <a:avLst/>
-          </a:prstGeom>
-        </p:spPr>
-      </p:pic>
-      <p:cxnSp>
-        <p:nvCxnSpPr>
-          <p:cNvPr id="40" name="Straight Connector 39"/>
-          <p:cNvCxnSpPr/>
-          <p:nvPr/>
-        </p:nvCxnSpPr>
-        <p:spPr>
-          <a:xfrm flipH="1">
-            <a:off x="3657600" y="2622930"/>
-            <a:ext cx="2971800" cy="0"/>
-          </a:xfrm>
-          <a:prstGeom prst="line">
-            <a:avLst/>
-          </a:prstGeom>
-        </p:spPr>
-        <p:style>
-          <a:lnRef idx="1">
-            <a:schemeClr val="dk1"/>
-          </a:lnRef>
-          <a:fillRef idx="0">
-            <a:schemeClr val="dk1"/>
-          </a:fillRef>
-          <a:effectRef idx="0">
-            <a:schemeClr val="dk1"/>
-          </a:effectRef>
-          <a:fontRef idx="minor">
-            <a:schemeClr val="tx1"/>
-          </a:fontRef>
-        </p:style>
-      </p:cxnSp>
-      <p:pic>
-        <p:nvPicPr>
-          <p:cNvPr id="12" name="Picture 11"/>
-          <p:cNvPicPr>
-            <a:picLocks noChangeAspect="1"/>
-          </p:cNvPicPr>
-          <p:nvPr>
-            <p:custDataLst>
-              <p:tags r:id="rId13"/>
-            </p:custDataLst>
-          </p:nvPr>
-        </p:nvPicPr>
-        <p:blipFill>
-          <a:blip r:embed="rId29" cstate="print">
-            <a:extLst>
-              <a:ext uri="{28A0092B-C50C-407E-A947-70E740481C1C}">
-                <a14:useLocalDpi xmlns:a14="http://schemas.microsoft.com/office/drawing/2010/main" val="0"/>
-              </a:ext>
-            </a:extLst>
-          </a:blip>
-          <a:stretch>
-            <a:fillRect/>
-          </a:stretch>
-        </p:blipFill>
-        <p:spPr>
-          <a:xfrm>
-            <a:off x="3824764" y="2686050"/>
-            <a:ext cx="2745344" cy="468059"/>
-          </a:xfrm>
-          <a:prstGeom prst="rect">
-            <a:avLst/>
-          </a:prstGeom>
-        </p:spPr>
-      </p:pic>
-      <p:pic>
-        <p:nvPicPr>
-          <p:cNvPr id="17" name="Picture 16"/>
-          <p:cNvPicPr>
-            <a:picLocks noChangeAspect="1"/>
-          </p:cNvPicPr>
-          <p:nvPr>
-            <p:custDataLst>
-              <p:tags r:id="rId14"/>
-            </p:custDataLst>
-          </p:nvPr>
-        </p:nvPicPr>
-        <p:blipFill>
-          <a:blip r:embed="rId30" cstate="print">
-            <a:extLst>
-              <a:ext uri="{28A0092B-C50C-407E-A947-70E740481C1C}">
-                <a14:useLocalDpi xmlns:a14="http://schemas.microsoft.com/office/drawing/2010/main" val="0"/>
-              </a:ext>
-            </a:extLst>
-          </a:blip>
-          <a:stretch>
-            <a:fillRect/>
-          </a:stretch>
-        </p:blipFill>
-        <p:spPr>
-          <a:xfrm>
-            <a:off x="3823261" y="3246691"/>
-            <a:ext cx="2745344" cy="468059"/>
-          </a:xfrm>
-          <a:prstGeom prst="rect">
-            <a:avLst/>
-          </a:prstGeom>
-        </p:spPr>
-      </p:pic>
-      <p:pic>
-        <p:nvPicPr>
-          <p:cNvPr id="7" name="Picture 6"/>
-          <p:cNvPicPr>
-            <a:picLocks noChangeAspect="1"/>
-          </p:cNvPicPr>
-          <p:nvPr>
-            <p:custDataLst>
-              <p:tags r:id="rId15"/>
-            </p:custDataLst>
-          </p:nvPr>
-        </p:nvPicPr>
-        <p:blipFill>
-          <a:blip r:embed="rId31" cstate="print">
-            <a:extLst>
-              <a:ext uri="{28A0092B-C50C-407E-A947-70E740481C1C}">
-                <a14:useLocalDpi xmlns:a14="http://schemas.microsoft.com/office/drawing/2010/main" val="0"/>
-              </a:ext>
-            </a:extLst>
-          </a:blip>
-          <a:stretch>
-            <a:fillRect/>
-          </a:stretch>
-        </p:blipFill>
-        <p:spPr>
-          <a:xfrm>
-            <a:off x="3823261" y="3761041"/>
-            <a:ext cx="2745344" cy="468059"/>
-          </a:xfrm>
-          <a:prstGeom prst="rect">
-            <a:avLst/>
-          </a:prstGeom>
-        </p:spPr>
-      </p:pic>
-      <p:pic>
-        <p:nvPicPr>
-          <p:cNvPr id="54" name="Picture 53"/>
-          <p:cNvPicPr>
-            <a:picLocks noChangeAspect="1"/>
-          </p:cNvPicPr>
-          <p:nvPr>
-            <p:custDataLst>
-              <p:tags r:id="rId16"/>
-            </p:custDataLst>
-          </p:nvPr>
-        </p:nvPicPr>
-        <p:blipFill>
-          <a:blip r:embed="rId32" cstate="print">
-            <a:extLst>
-              <a:ext uri="{28A0092B-C50C-407E-A947-70E740481C1C}">
-                <a14:useLocalDpi xmlns:a14="http://schemas.microsoft.com/office/drawing/2010/main" val="0"/>
-              </a:ext>
-            </a:extLst>
-          </a:blip>
-          <a:stretch>
-            <a:fillRect/>
-          </a:stretch>
-        </p:blipFill>
-        <p:spPr>
-          <a:xfrm>
-            <a:off x="3823261" y="4302324"/>
-            <a:ext cx="142518" cy="16073"/>
-          </a:xfrm>
-          <a:prstGeom prst="rect">
-            <a:avLst/>
-          </a:prstGeom>
-        </p:spPr>
-      </p:pic>
-    </p:spTree>
-    <p:extLst>
-      <p:ext uri="{BB962C8B-B14F-4D97-AF65-F5344CB8AC3E}">
-        <p14:creationId xmlns:p14="http://schemas.microsoft.com/office/powerpoint/2010/main" val="2133148997"/>
-      </p:ext>
-    </p:extLst>
-  </p:cSld>
-  <p:clrMapOvr>
-    <a:masterClrMapping/>
-  </p:clrMapOvr>
-</p:sld>
-</file>
-
-<file path=ppt/slides/slide55.xml><?xml version="1.0" encoding="utf-8"?>
-<p:sld xmlns:a="http://schemas.openxmlformats.org/drawingml/2006/main" xmlns:r="http://schemas.openxmlformats.org/officeDocument/2006/relationships" xmlns:p="http://schemas.openxmlformats.org/presentationml/2006/main">
-  <p:cSld>
-    <p:spTree>
-      <p:nvGrpSpPr>
-        <p:cNvPr id="1" name=""/>
-        <p:cNvGrpSpPr/>
-        <p:nvPr/>
-      </p:nvGrpSpPr>
-      <p:grpSpPr>
-        <a:xfrm>
-          <a:off x="0" y="0"/>
-          <a:ext cx="0" cy="0"/>
-          <a:chOff x="0" y="0"/>
-          <a:chExt cx="0" cy="0"/>
-        </a:xfrm>
-      </p:grpSpPr>
-      <p:sp>
-        <p:nvSpPr>
-          <p:cNvPr id="14" name="Title 1"/>
-          <p:cNvSpPr>
-            <a:spLocks noGrp="1"/>
-          </p:cNvSpPr>
-          <p:nvPr>
-            <p:ph type="ctrTitle" idx="4294967295"/>
-          </p:nvPr>
-        </p:nvSpPr>
-        <p:spPr>
-          <a:xfrm>
-            <a:off x="514351" y="2057400"/>
-            <a:ext cx="6193631" cy="1485900"/>
-          </a:xfrm>
-        </p:spPr>
-        <p:txBody>
-          <a:bodyPr>
-            <a:noAutofit/>
-          </a:bodyPr>
-          <a:lstStyle/>
-          <a:p>
-            <a:pPr algn="l"/>
-            <a:r>
-              <a:rPr lang="tr-TR" sz="2700" dirty="0">
-                <a:solidFill>
-                  <a:schemeClr val="tx1">
-                    <a:lumMod val="75000"/>
-                    <a:lumOff val="25000"/>
-                  </a:schemeClr>
-                </a:solidFill>
-              </a:rPr>
-              <a:t>Öznitelik Ölçekleme</a:t>
-            </a:r>
-            <a:endParaRPr lang="en-US" sz="2700" dirty="0">
-              <a:solidFill>
-                <a:schemeClr val="tx1">
-                  <a:lumMod val="75000"/>
-                  <a:lumOff val="25000"/>
-                </a:schemeClr>
-              </a:solidFill>
-            </a:endParaRPr>
-          </a:p>
-        </p:txBody>
-      </p:sp>
-    </p:spTree>
-    <p:extLst>
-      <p:ext uri="{BB962C8B-B14F-4D97-AF65-F5344CB8AC3E}">
-        <p14:creationId xmlns:p14="http://schemas.microsoft.com/office/powerpoint/2010/main" val="2107134870"/>
-      </p:ext>
-    </p:extLst>
-  </p:cSld>
-  <p:clrMapOvr>
-    <a:masterClrMapping/>
-  </p:clrMapOvr>
-</p:sld>
-</file>
-
-<file path=ppt/slides/slide56.xml><?xml version="1.0" encoding="utf-8"?>
-<p:sld xmlns:a="http://schemas.openxmlformats.org/drawingml/2006/main" xmlns:r="http://schemas.openxmlformats.org/officeDocument/2006/relationships" xmlns:p="http://schemas.openxmlformats.org/presentationml/2006/main">
-  <p:cSld>
-    <p:spTree>
-      <p:nvGrpSpPr>
-        <p:cNvPr id="1" name=""/>
-        <p:cNvGrpSpPr/>
-        <p:nvPr/>
-      </p:nvGrpSpPr>
-      <p:grpSpPr>
-        <a:xfrm>
-          <a:off x="0" y="0"/>
-          <a:ext cx="0" cy="0"/>
-          <a:chOff x="0" y="0"/>
-          <a:chExt cx="0" cy="0"/>
-        </a:xfrm>
-      </p:grpSpPr>
-      <p:sp>
-        <p:nvSpPr>
-          <p:cNvPr id="5" name="TextBox 4"/>
-          <p:cNvSpPr txBox="1"/>
-          <p:nvPr/>
-        </p:nvSpPr>
-        <p:spPr>
-          <a:xfrm>
-            <a:off x="285750" y="1371600"/>
-            <a:ext cx="3486150" cy="651460"/>
-          </a:xfrm>
-          <a:prstGeom prst="rect">
-            <a:avLst/>
-          </a:prstGeom>
-          <a:noFill/>
-        </p:spPr>
-        <p:txBody>
-          <a:bodyPr wrap="square" rtlCol="0">
-            <a:spAutoFit/>
-          </a:bodyPr>
-          <a:lstStyle/>
-          <a:p>
-            <a:pPr>
-              <a:spcAft>
-                <a:spcPts val="375"/>
-              </a:spcAft>
-            </a:pPr>
-            <a:r>
-              <a:rPr lang="en-US" sz="1500" dirty="0"/>
-              <a:t>E.g.       = size (0-2000 feet</a:t>
-            </a:r>
-            <a:r>
-              <a:rPr lang="en-US" sz="1500" baseline="30000" dirty="0"/>
-              <a:t>2</a:t>
-            </a:r>
-            <a:r>
-              <a:rPr lang="en-US" sz="1500" dirty="0"/>
-              <a:t>)</a:t>
-            </a:r>
-            <a:endParaRPr lang="en-US" sz="1500" dirty="0">
-              <a:solidFill>
-                <a:srgbClr val="000000"/>
-              </a:solidFill>
-            </a:endParaRPr>
-          </a:p>
-          <a:p>
-            <a:pPr>
-              <a:spcAft>
-                <a:spcPts val="375"/>
-              </a:spcAft>
-            </a:pPr>
-            <a:r>
-              <a:rPr lang="en-US" sz="1500" dirty="0"/>
-              <a:t>              = number of bedrooms (1-5</a:t>
-            </a:r>
-            <a:r>
-              <a:rPr lang="en-US" dirty="0"/>
-              <a:t>)</a:t>
-            </a:r>
-          </a:p>
-        </p:txBody>
-      </p:sp>
-      <p:pic>
-        <p:nvPicPr>
-          <p:cNvPr id="9" name="Picture 8"/>
-          <p:cNvPicPr>
-            <a:picLocks noChangeAspect="1"/>
-          </p:cNvPicPr>
-          <p:nvPr>
-            <p:custDataLst>
-              <p:tags r:id="rId1"/>
-            </p:custDataLst>
-          </p:nvPr>
-        </p:nvPicPr>
-        <p:blipFill>
-          <a:blip r:embed="rId13" cstate="print">
-            <a:extLst>
-              <a:ext uri="{28A0092B-C50C-407E-A947-70E740481C1C}">
-                <a14:useLocalDpi xmlns:a14="http://schemas.microsoft.com/office/drawing/2010/main" val="0"/>
-              </a:ext>
-            </a:extLst>
-          </a:blip>
-          <a:stretch>
-            <a:fillRect/>
-          </a:stretch>
-        </p:blipFill>
-        <p:spPr>
-          <a:xfrm>
-            <a:off x="685800" y="1485900"/>
-            <a:ext cx="200597" cy="135446"/>
-          </a:xfrm>
-          <a:prstGeom prst="rect">
-            <a:avLst/>
-          </a:prstGeom>
-        </p:spPr>
-      </p:pic>
-      <p:pic>
-        <p:nvPicPr>
-          <p:cNvPr id="11" name="Picture 10"/>
-          <p:cNvPicPr>
-            <a:picLocks noChangeAspect="1"/>
-          </p:cNvPicPr>
-          <p:nvPr>
-            <p:custDataLst>
-              <p:tags r:id="rId2"/>
-            </p:custDataLst>
-          </p:nvPr>
-        </p:nvPicPr>
-        <p:blipFill>
-          <a:blip r:embed="rId14" cstate="print">
-            <a:extLst>
-              <a:ext uri="{28A0092B-C50C-407E-A947-70E740481C1C}">
-                <a14:useLocalDpi xmlns:a14="http://schemas.microsoft.com/office/drawing/2010/main" val="0"/>
-              </a:ext>
-            </a:extLst>
-          </a:blip>
-          <a:stretch>
-            <a:fillRect/>
-          </a:stretch>
-        </p:blipFill>
-        <p:spPr>
-          <a:xfrm>
-            <a:off x="685800" y="1762899"/>
-            <a:ext cx="205740" cy="135446"/>
-          </a:xfrm>
-          <a:prstGeom prst="rect">
-            <a:avLst/>
-          </a:prstGeom>
-        </p:spPr>
-      </p:pic>
-      <p:cxnSp>
-        <p:nvCxnSpPr>
-          <p:cNvPr id="14" name="Straight Connector 13"/>
-          <p:cNvCxnSpPr/>
-          <p:nvPr/>
-        </p:nvCxnSpPr>
-        <p:spPr>
-          <a:xfrm>
-            <a:off x="3543300" y="1485900"/>
-            <a:ext cx="0" cy="2746697"/>
-          </a:xfrm>
-          <a:prstGeom prst="line">
-            <a:avLst/>
-          </a:prstGeom>
-        </p:spPr>
-        <p:style>
-          <a:lnRef idx="1">
-            <a:schemeClr val="dk1"/>
-          </a:lnRef>
-          <a:fillRef idx="0">
-            <a:schemeClr val="dk1"/>
-          </a:fillRef>
-          <a:effectRef idx="0">
-            <a:schemeClr val="dk1"/>
-          </a:effectRef>
-          <a:fontRef idx="minor">
-            <a:schemeClr val="tx1"/>
-          </a:fontRef>
-        </p:style>
-      </p:cxnSp>
-      <p:cxnSp>
-        <p:nvCxnSpPr>
-          <p:cNvPr id="16" name="Straight Connector 15"/>
-          <p:cNvCxnSpPr/>
-          <p:nvPr/>
-        </p:nvCxnSpPr>
-        <p:spPr>
-          <a:xfrm flipV="1">
-            <a:off x="1276474" y="2091435"/>
-            <a:ext cx="0" cy="2302237"/>
-          </a:xfrm>
-          <a:prstGeom prst="line">
-            <a:avLst/>
-          </a:prstGeom>
-          <a:ln w="38100">
-            <a:solidFill>
-              <a:schemeClr val="tx1"/>
-            </a:solidFill>
-            <a:tailEnd type="arrow" w="lg" len="med"/>
-          </a:ln>
-        </p:spPr>
-        <p:style>
-          <a:lnRef idx="1">
-            <a:schemeClr val="accent1"/>
-          </a:lnRef>
-          <a:fillRef idx="0">
-            <a:schemeClr val="accent1"/>
-          </a:fillRef>
-          <a:effectRef idx="0">
-            <a:schemeClr val="accent1"/>
-          </a:effectRef>
-          <a:fontRef idx="minor">
-            <a:schemeClr val="tx1"/>
-          </a:fontRef>
-        </p:style>
-      </p:cxnSp>
-      <p:cxnSp>
-        <p:nvCxnSpPr>
-          <p:cNvPr id="17" name="Straight Connector 16"/>
-          <p:cNvCxnSpPr/>
-          <p:nvPr/>
-        </p:nvCxnSpPr>
-        <p:spPr>
-          <a:xfrm>
-            <a:off x="1105024" y="4213384"/>
-            <a:ext cx="1523876" cy="0"/>
-          </a:xfrm>
-          <a:prstGeom prst="line">
-            <a:avLst/>
-          </a:prstGeom>
-          <a:ln w="38100">
-            <a:solidFill>
-              <a:schemeClr val="tx1"/>
-            </a:solidFill>
-            <a:tailEnd type="arrow" w="lg" len="med"/>
-          </a:ln>
-        </p:spPr>
-        <p:style>
-          <a:lnRef idx="1">
-            <a:schemeClr val="accent1"/>
-          </a:lnRef>
-          <a:fillRef idx="0">
-            <a:schemeClr val="accent1"/>
-          </a:fillRef>
-          <a:effectRef idx="0">
-            <a:schemeClr val="accent1"/>
-          </a:effectRef>
-          <a:fontRef idx="minor">
-            <a:schemeClr val="tx1"/>
-          </a:fontRef>
-        </p:style>
-      </p:cxnSp>
-      <p:cxnSp>
-        <p:nvCxnSpPr>
-          <p:cNvPr id="42" name="Straight Connector 41"/>
-          <p:cNvCxnSpPr/>
-          <p:nvPr/>
-        </p:nvCxnSpPr>
-        <p:spPr>
-          <a:xfrm flipV="1">
-            <a:off x="4464558" y="3015510"/>
-            <a:ext cx="0" cy="1359539"/>
-          </a:xfrm>
-          <a:prstGeom prst="line">
-            <a:avLst/>
-          </a:prstGeom>
-          <a:ln w="38100">
-            <a:solidFill>
-              <a:schemeClr val="tx1"/>
-            </a:solidFill>
-            <a:tailEnd type="arrow" w="lg" len="med"/>
-          </a:ln>
-        </p:spPr>
-        <p:style>
-          <a:lnRef idx="1">
-            <a:schemeClr val="accent1"/>
-          </a:lnRef>
-          <a:fillRef idx="0">
-            <a:schemeClr val="accent1"/>
-          </a:fillRef>
-          <a:effectRef idx="0">
-            <a:schemeClr val="accent1"/>
-          </a:effectRef>
-          <a:fontRef idx="minor">
-            <a:schemeClr val="tx1"/>
-          </a:fontRef>
-        </p:style>
-      </p:cxnSp>
-      <p:cxnSp>
-        <p:nvCxnSpPr>
-          <p:cNvPr id="43" name="Straight Connector 42"/>
-          <p:cNvCxnSpPr/>
-          <p:nvPr/>
-        </p:nvCxnSpPr>
-        <p:spPr>
-          <a:xfrm>
-            <a:off x="4293108" y="4213384"/>
-            <a:ext cx="1485900" cy="0"/>
-          </a:xfrm>
-          <a:prstGeom prst="line">
-            <a:avLst/>
-          </a:prstGeom>
-          <a:ln w="38100">
-            <a:solidFill>
-              <a:schemeClr val="tx1"/>
-            </a:solidFill>
-            <a:tailEnd type="arrow" w="lg" len="med"/>
-          </a:ln>
-        </p:spPr>
-        <p:style>
-          <a:lnRef idx="1">
-            <a:schemeClr val="accent1"/>
-          </a:lnRef>
-          <a:fillRef idx="0">
-            <a:schemeClr val="accent1"/>
-          </a:fillRef>
-          <a:effectRef idx="0">
-            <a:schemeClr val="accent1"/>
-          </a:effectRef>
-          <a:fontRef idx="minor">
-            <a:schemeClr val="tx1"/>
-          </a:fontRef>
-        </p:style>
-      </p:cxnSp>
-      <p:pic>
-        <p:nvPicPr>
-          <p:cNvPr id="51" name="Picture 50"/>
-          <p:cNvPicPr>
-            <a:picLocks noChangeAspect="1"/>
-          </p:cNvPicPr>
-          <p:nvPr>
-            <p:custDataLst>
-              <p:tags r:id="rId3"/>
-            </p:custDataLst>
-          </p:nvPr>
-        </p:nvPicPr>
-        <p:blipFill>
-          <a:blip r:embed="rId15" cstate="print">
-            <a:extLst>
-              <a:ext uri="{28A0092B-C50C-407E-A947-70E740481C1C}">
-                <a14:useLocalDpi xmlns:a14="http://schemas.microsoft.com/office/drawing/2010/main" val="0"/>
-              </a:ext>
-            </a:extLst>
-          </a:blip>
-          <a:stretch>
-            <a:fillRect/>
-          </a:stretch>
-        </p:blipFill>
-        <p:spPr>
-          <a:xfrm>
-            <a:off x="812551" y="2237166"/>
-            <a:ext cx="178308" cy="197168"/>
-          </a:xfrm>
-          <a:prstGeom prst="rect">
-            <a:avLst/>
-          </a:prstGeom>
-        </p:spPr>
-      </p:pic>
-      <p:pic>
-        <p:nvPicPr>
-          <p:cNvPr id="53" name="Picture 52"/>
-          <p:cNvPicPr>
-            <a:picLocks noChangeAspect="1"/>
-          </p:cNvPicPr>
-          <p:nvPr>
-            <p:custDataLst>
-              <p:tags r:id="rId4"/>
-            </p:custDataLst>
-          </p:nvPr>
-        </p:nvPicPr>
-        <p:blipFill>
-          <a:blip r:embed="rId16" cstate="print">
-            <a:extLst>
-              <a:ext uri="{28A0092B-C50C-407E-A947-70E740481C1C}">
-                <a14:useLocalDpi xmlns:a14="http://schemas.microsoft.com/office/drawing/2010/main" val="0"/>
-              </a:ext>
-            </a:extLst>
-          </a:blip>
-          <a:stretch>
-            <a:fillRect/>
-          </a:stretch>
-        </p:blipFill>
-        <p:spPr>
-          <a:xfrm>
-            <a:off x="2800350" y="4114800"/>
-            <a:ext cx="173165" cy="197168"/>
-          </a:xfrm>
-          <a:prstGeom prst="rect">
-            <a:avLst/>
-          </a:prstGeom>
-        </p:spPr>
-      </p:pic>
-      <p:pic>
-        <p:nvPicPr>
-          <p:cNvPr id="54" name="Picture 53"/>
-          <p:cNvPicPr>
-            <a:picLocks noChangeAspect="1"/>
-          </p:cNvPicPr>
-          <p:nvPr>
-            <p:custDataLst>
-              <p:tags r:id="rId5"/>
-            </p:custDataLst>
-          </p:nvPr>
-        </p:nvPicPr>
-        <p:blipFill>
-          <a:blip r:embed="rId16" cstate="print">
-            <a:extLst>
-              <a:ext uri="{28A0092B-C50C-407E-A947-70E740481C1C}">
-                <a14:useLocalDpi xmlns:a14="http://schemas.microsoft.com/office/drawing/2010/main" val="0"/>
-              </a:ext>
-            </a:extLst>
-          </a:blip>
-          <a:stretch>
-            <a:fillRect/>
-          </a:stretch>
-        </p:blipFill>
-        <p:spPr>
-          <a:xfrm>
-            <a:off x="5893308" y="4123635"/>
-            <a:ext cx="173165" cy="197168"/>
-          </a:xfrm>
-          <a:prstGeom prst="rect">
-            <a:avLst/>
-          </a:prstGeom>
-        </p:spPr>
-      </p:pic>
-      <p:pic>
-        <p:nvPicPr>
-          <p:cNvPr id="56" name="Picture 55"/>
-          <p:cNvPicPr>
-            <a:picLocks noChangeAspect="1"/>
-          </p:cNvPicPr>
-          <p:nvPr>
-            <p:custDataLst>
-              <p:tags r:id="rId6"/>
-            </p:custDataLst>
-          </p:nvPr>
-        </p:nvPicPr>
-        <p:blipFill>
-          <a:blip r:embed="rId15" cstate="print">
-            <a:extLst>
-              <a:ext uri="{28A0092B-C50C-407E-A947-70E740481C1C}">
-                <a14:useLocalDpi xmlns:a14="http://schemas.microsoft.com/office/drawing/2010/main" val="0"/>
-              </a:ext>
-            </a:extLst>
-          </a:blip>
-          <a:stretch>
-            <a:fillRect/>
-          </a:stretch>
-        </p:blipFill>
-        <p:spPr>
-          <a:xfrm>
-            <a:off x="4114800" y="3015509"/>
-            <a:ext cx="178308" cy="197168"/>
-          </a:xfrm>
-          <a:prstGeom prst="rect">
-            <a:avLst/>
-          </a:prstGeom>
-        </p:spPr>
-      </p:pic>
-      <p:pic>
-        <p:nvPicPr>
-          <p:cNvPr id="62" name="Picture 61"/>
-          <p:cNvPicPr>
-            <a:picLocks noChangeAspect="1"/>
-          </p:cNvPicPr>
-          <p:nvPr>
-            <p:custDataLst>
-              <p:tags r:id="rId7"/>
-            </p:custDataLst>
-          </p:nvPr>
-        </p:nvPicPr>
-        <p:blipFill>
-          <a:blip r:embed="rId17" cstate="print">
-            <a:extLst>
-              <a:ext uri="{28A0092B-C50C-407E-A947-70E740481C1C}">
-                <a14:useLocalDpi xmlns:a14="http://schemas.microsoft.com/office/drawing/2010/main" val="0"/>
-              </a:ext>
-            </a:extLst>
-          </a:blip>
-          <a:stretch>
-            <a:fillRect/>
-          </a:stretch>
-        </p:blipFill>
-        <p:spPr>
-          <a:xfrm>
-            <a:off x="4125074" y="1372336"/>
-            <a:ext cx="1469327" cy="337757"/>
-          </a:xfrm>
-          <a:prstGeom prst="rect">
-            <a:avLst/>
-          </a:prstGeom>
-        </p:spPr>
-      </p:pic>
-      <p:pic>
-        <p:nvPicPr>
-          <p:cNvPr id="68" name="Picture 67"/>
-          <p:cNvPicPr>
-            <a:picLocks noChangeAspect="1"/>
-          </p:cNvPicPr>
-          <p:nvPr>
-            <p:custDataLst>
-              <p:tags r:id="rId8"/>
-            </p:custDataLst>
-          </p:nvPr>
-        </p:nvPicPr>
-        <p:blipFill>
-          <a:blip r:embed="rId18" cstate="print">
-            <a:extLst>
-              <a:ext uri="{28A0092B-C50C-407E-A947-70E740481C1C}">
-                <a14:useLocalDpi xmlns:a14="http://schemas.microsoft.com/office/drawing/2010/main" val="0"/>
-              </a:ext>
-            </a:extLst>
-          </a:blip>
-          <a:stretch>
-            <a:fillRect/>
-          </a:stretch>
-        </p:blipFill>
-        <p:spPr>
-          <a:xfrm>
-            <a:off x="4114800" y="1950685"/>
-            <a:ext cx="2431161" cy="296609"/>
-          </a:xfrm>
-          <a:prstGeom prst="rect">
-            <a:avLst/>
-          </a:prstGeom>
-        </p:spPr>
-      </p:pic>
-      <p:sp>
-        <p:nvSpPr>
-          <p:cNvPr id="69" name="Rectangle 68"/>
-          <p:cNvSpPr/>
-          <p:nvPr/>
-        </p:nvSpPr>
-        <p:spPr>
-          <a:xfrm>
-            <a:off x="258032" y="742951"/>
-            <a:ext cx="5257800" cy="646331"/>
-          </a:xfrm>
-          <a:prstGeom prst="rect">
-            <a:avLst/>
-          </a:prstGeom>
-        </p:spPr>
-        <p:txBody>
-          <a:bodyPr wrap="square">
-            <a:spAutoFit/>
-          </a:bodyPr>
-          <a:lstStyle/>
-          <a:p>
-            <a:r>
-              <a:rPr lang="en-US" b="1" dirty="0"/>
-              <a:t>Feature Scaling</a:t>
-            </a:r>
-          </a:p>
-          <a:p>
-            <a:pPr>
-              <a:spcAft>
-                <a:spcPts val="375"/>
-              </a:spcAft>
-            </a:pPr>
-            <a:r>
-              <a:rPr lang="en-US" dirty="0"/>
-              <a:t>Idea: Make sure features are on a similar scale.</a:t>
-            </a:r>
-          </a:p>
-        </p:txBody>
-      </p:sp>
-      <p:pic>
-        <p:nvPicPr>
-          <p:cNvPr id="79" name="Picture 78"/>
-          <p:cNvPicPr>
-            <a:picLocks noChangeAspect="1"/>
-          </p:cNvPicPr>
-          <p:nvPr>
-            <p:custDataLst>
-              <p:tags r:id="rId9"/>
-            </p:custDataLst>
-          </p:nvPr>
-        </p:nvPicPr>
-        <p:blipFill>
-          <a:blip r:embed="rId19" cstate="print">
-            <a:extLst>
-              <a:ext uri="{28A0092B-C50C-407E-A947-70E740481C1C}">
-                <a14:useLocalDpi xmlns:a14="http://schemas.microsoft.com/office/drawing/2010/main" val="0"/>
-              </a:ext>
-            </a:extLst>
-          </a:blip>
-          <a:stretch>
-            <a:fillRect/>
-          </a:stretch>
-        </p:blipFill>
-        <p:spPr>
-          <a:xfrm>
-            <a:off x="2795207" y="2138582"/>
-            <a:ext cx="401193" cy="229743"/>
-          </a:xfrm>
-          <a:prstGeom prst="rect">
-            <a:avLst/>
-          </a:prstGeom>
-        </p:spPr>
-      </p:pic>
-      <p:sp>
-        <p:nvSpPr>
-          <p:cNvPr id="2" name="Rectangle 1"/>
-          <p:cNvSpPr/>
-          <p:nvPr/>
-        </p:nvSpPr>
-        <p:spPr>
-          <a:xfrm>
-            <a:off x="4660261" y="1371600"/>
-            <a:ext cx="938903" cy="187425"/>
-          </a:xfrm>
-          <a:prstGeom prst="rect">
-            <a:avLst/>
-          </a:prstGeom>
-          <a:solidFill>
-            <a:schemeClr val="bg1"/>
-          </a:solidFill>
-          <a:ln>
-            <a:noFill/>
-          </a:ln>
-        </p:spPr>
-        <p:style>
-          <a:lnRef idx="2">
-            <a:schemeClr val="accent1">
-              <a:shade val="50000"/>
-            </a:schemeClr>
-          </a:lnRef>
-          <a:fillRef idx="1">
-            <a:schemeClr val="accent1"/>
-          </a:fillRef>
-          <a:effectRef idx="0">
-            <a:schemeClr val="accent1"/>
-          </a:effectRef>
-          <a:fontRef idx="minor">
-            <a:schemeClr val="lt1"/>
-          </a:fontRef>
-        </p:style>
-        <p:txBody>
-          <a:bodyPr rtlCol="0" anchor="ctr"/>
-          <a:lstStyle/>
-          <a:p>
-            <a:pPr algn="ctr"/>
-            <a:endParaRPr lang="en-US" sz="1350"/>
-          </a:p>
-        </p:txBody>
-      </p:sp>
-      <p:pic>
-        <p:nvPicPr>
-          <p:cNvPr id="80" name="Picture 79"/>
-          <p:cNvPicPr>
-            <a:picLocks noChangeAspect="1"/>
-          </p:cNvPicPr>
-          <p:nvPr>
-            <p:custDataLst>
-              <p:tags r:id="rId10"/>
-            </p:custDataLst>
-          </p:nvPr>
-        </p:nvPicPr>
-        <p:blipFill>
-          <a:blip r:embed="rId19" cstate="print">
-            <a:extLst>
-              <a:ext uri="{28A0092B-C50C-407E-A947-70E740481C1C}">
-                <a14:useLocalDpi xmlns:a14="http://schemas.microsoft.com/office/drawing/2010/main" val="0"/>
-              </a:ext>
-            </a:extLst>
-          </a:blip>
-          <a:stretch>
-            <a:fillRect/>
-          </a:stretch>
-        </p:blipFill>
-        <p:spPr>
-          <a:xfrm>
-            <a:off x="5779008" y="3097805"/>
-            <a:ext cx="401193" cy="229743"/>
-          </a:xfrm>
-          <a:prstGeom prst="rect">
-            <a:avLst/>
-          </a:prstGeom>
-        </p:spPr>
-      </p:pic>
-      <p:sp>
-        <p:nvSpPr>
-          <p:cNvPr id="65" name="Rectangle 64"/>
-          <p:cNvSpPr/>
-          <p:nvPr/>
-        </p:nvSpPr>
-        <p:spPr>
-          <a:xfrm>
-            <a:off x="4643774" y="1325717"/>
-            <a:ext cx="1009975" cy="323165"/>
-          </a:xfrm>
-          <a:prstGeom prst="rect">
-            <a:avLst/>
-          </a:prstGeom>
-          <a:noFill/>
-        </p:spPr>
-        <p:txBody>
-          <a:bodyPr wrap="square">
-            <a:spAutoFit/>
-          </a:bodyPr>
-          <a:lstStyle/>
-          <a:p>
-            <a:pPr algn="ctr"/>
-            <a:r>
-              <a:rPr lang="en-US" sz="1500" dirty="0"/>
-              <a:t>size (feet</a:t>
-            </a:r>
-            <a:r>
-              <a:rPr lang="en-US" sz="1500" baseline="30000" dirty="0"/>
-              <a:t>2</a:t>
-            </a:r>
-            <a:r>
-              <a:rPr lang="en-US" sz="1500" dirty="0"/>
-              <a:t>)</a:t>
-            </a:r>
-            <a:endParaRPr lang="en-US" sz="1500" dirty="0">
-              <a:solidFill>
-                <a:srgbClr val="000000"/>
-              </a:solidFill>
-            </a:endParaRPr>
-          </a:p>
-        </p:txBody>
-      </p:sp>
-      <p:sp>
-        <p:nvSpPr>
-          <p:cNvPr id="3" name="Rectangle 2"/>
-          <p:cNvSpPr/>
-          <p:nvPr/>
-        </p:nvSpPr>
-        <p:spPr>
-          <a:xfrm>
-            <a:off x="4660260" y="1950686"/>
-            <a:ext cx="1885701" cy="140749"/>
-          </a:xfrm>
-          <a:prstGeom prst="rect">
-            <a:avLst/>
-          </a:prstGeom>
-          <a:solidFill>
-            <a:schemeClr val="bg1"/>
-          </a:solidFill>
-          <a:ln>
-            <a:solidFill>
-              <a:schemeClr val="bg1"/>
-            </a:solidFill>
-          </a:ln>
-        </p:spPr>
-        <p:style>
-          <a:lnRef idx="2">
-            <a:schemeClr val="accent1">
-              <a:shade val="50000"/>
-            </a:schemeClr>
-          </a:lnRef>
-          <a:fillRef idx="1">
-            <a:schemeClr val="accent1"/>
-          </a:fillRef>
-          <a:effectRef idx="0">
-            <a:schemeClr val="accent1"/>
-          </a:effectRef>
-          <a:fontRef idx="minor">
-            <a:schemeClr val="lt1"/>
-          </a:fontRef>
-        </p:style>
-        <p:txBody>
-          <a:bodyPr rtlCol="0" anchor="ctr"/>
-          <a:lstStyle/>
-          <a:p>
-            <a:pPr algn="ctr"/>
-            <a:endParaRPr lang="en-US" sz="1350"/>
-          </a:p>
-        </p:txBody>
-      </p:sp>
-      <p:sp>
-        <p:nvSpPr>
-          <p:cNvPr id="66" name="Rectangle 65"/>
-          <p:cNvSpPr/>
-          <p:nvPr/>
-        </p:nvSpPr>
-        <p:spPr>
-          <a:xfrm>
-            <a:off x="4660260" y="1873514"/>
-            <a:ext cx="1907010" cy="323165"/>
-          </a:xfrm>
-          <a:prstGeom prst="rect">
-            <a:avLst/>
-          </a:prstGeom>
-          <a:noFill/>
-        </p:spPr>
-        <p:txBody>
-          <a:bodyPr wrap="square">
-            <a:spAutoFit/>
-          </a:bodyPr>
-          <a:lstStyle/>
-          <a:p>
-            <a:pPr algn="ctr"/>
-            <a:r>
-              <a:rPr lang="en-US" sz="1500" dirty="0"/>
-              <a:t>number of bedrooms</a:t>
-            </a:r>
-            <a:endParaRPr lang="en-US" sz="1500" dirty="0">
-              <a:solidFill>
-                <a:srgbClr val="000000"/>
-              </a:solidFill>
-            </a:endParaRPr>
-          </a:p>
-        </p:txBody>
-      </p:sp>
-      <mc:AlternateContent xmlns:mc="http://schemas.openxmlformats.org/markup-compatibility/2006">
-        <mc:Choice xmlns:p14="http://schemas.microsoft.com/office/powerpoint/2010/main" Requires="p14">
-          <p:contentPart p14:bwMode="auto" r:id="rId20">
-            <p14:nvContentPartPr>
-              <p14:cNvPr id="4" name="Ink 3"/>
-              <p14:cNvContentPartPr/>
-              <p14:nvPr/>
-            </p14:nvContentPartPr>
-            <p14:xfrm>
-              <a:off x="283770" y="1281218"/>
-              <a:ext cx="6373350" cy="3096090"/>
-            </p14:xfrm>
-          </p:contentPart>
-        </mc:Choice>
-        <mc:Fallback>
-          <p:pic>
-            <p:nvPicPr>
-              <p:cNvPr id="4" name="Ink 3"/>
-              <p:cNvPicPr/>
-              <p:nvPr/>
-            </p:nvPicPr>
-            <p:blipFill>
-              <a:blip r:embed="rId21"/>
-              <a:stretch>
-                <a:fillRect/>
-              </a:stretch>
-            </p:blipFill>
-            <p:spPr>
-              <a:xfrm>
-                <a:off x="274410" y="1271859"/>
-                <a:ext cx="6392070" cy="3114448"/>
-              </a:xfrm>
-              <a:prstGeom prst="rect">
-                <a:avLst/>
-              </a:prstGeom>
-            </p:spPr>
-          </p:pic>
-        </mc:Fallback>
-      </mc:AlternateContent>
-    </p:spTree>
-    <p:extLst>
-      <p:ext uri="{BB962C8B-B14F-4D97-AF65-F5344CB8AC3E}">
-        <p14:creationId xmlns:p14="http://schemas.microsoft.com/office/powerpoint/2010/main" val="981714803"/>
-      </p:ext>
-    </p:extLst>
-  </p:cSld>
-  <p:clrMapOvr>
-    <a:masterClrMapping/>
-  </p:clrMapOvr>
-</p:sld>
-</file>
-
-<file path=ppt/slides/slide57.xml><?xml version="1.0" encoding="utf-8"?>
-<p:sld xmlns:a="http://schemas.openxmlformats.org/drawingml/2006/main" xmlns:r="http://schemas.openxmlformats.org/officeDocument/2006/relationships" xmlns:p="http://schemas.openxmlformats.org/presentationml/2006/main">
-  <p:cSld>
-    <p:spTree>
-      <p:nvGrpSpPr>
-        <p:cNvPr id="1" name=""/>
-        <p:cNvGrpSpPr/>
-        <p:nvPr/>
-      </p:nvGrpSpPr>
-      <p:grpSpPr>
-        <a:xfrm>
-          <a:off x="0" y="0"/>
-          <a:ext cx="0" cy="0"/>
-          <a:chOff x="0" y="0"/>
-          <a:chExt cx="0" cy="0"/>
-        </a:xfrm>
-      </p:grpSpPr>
-      <p:sp>
-        <p:nvSpPr>
-          <p:cNvPr id="2" name="Rectangle 1"/>
-          <p:cNvSpPr/>
-          <p:nvPr/>
-        </p:nvSpPr>
-        <p:spPr>
-          <a:xfrm>
-            <a:off x="542605" y="1060785"/>
-            <a:ext cx="5972495" cy="553998"/>
-          </a:xfrm>
-          <a:prstGeom prst="rect">
-            <a:avLst/>
-          </a:prstGeom>
-        </p:spPr>
-        <p:txBody>
-          <a:bodyPr wrap="square">
-            <a:spAutoFit/>
-          </a:bodyPr>
-          <a:lstStyle/>
-          <a:p>
-            <a:pPr>
-              <a:spcAft>
-                <a:spcPts val="375"/>
-              </a:spcAft>
-            </a:pPr>
-            <a:r>
-              <a:rPr lang="en-US" sz="1500" dirty="0"/>
-              <a:t>Replace      with                to make features have approximately zero mean (Do not apply to              ).</a:t>
-            </a:r>
-          </a:p>
-        </p:txBody>
-      </p:sp>
-      <p:sp>
-        <p:nvSpPr>
-          <p:cNvPr id="69" name="Rectangle 68"/>
-          <p:cNvSpPr/>
-          <p:nvPr/>
-        </p:nvSpPr>
-        <p:spPr>
-          <a:xfrm>
-            <a:off x="258032" y="742950"/>
-            <a:ext cx="6314218" cy="369332"/>
-          </a:xfrm>
-          <a:prstGeom prst="rect">
-            <a:avLst/>
-          </a:prstGeom>
-        </p:spPr>
-        <p:txBody>
-          <a:bodyPr wrap="square">
-            <a:spAutoFit/>
-          </a:bodyPr>
-          <a:lstStyle/>
-          <a:p>
-            <a:r>
-              <a:rPr lang="en-US" b="1" dirty="0"/>
-              <a:t>Mean normalization</a:t>
-            </a:r>
-          </a:p>
-        </p:txBody>
-      </p:sp>
-      <p:pic>
-        <p:nvPicPr>
-          <p:cNvPr id="22" name="Picture 21"/>
-          <p:cNvPicPr>
-            <a:picLocks noChangeAspect="1"/>
-          </p:cNvPicPr>
-          <p:nvPr>
-            <p:custDataLst>
-              <p:tags r:id="rId1"/>
-            </p:custDataLst>
-          </p:nvPr>
-        </p:nvPicPr>
-        <p:blipFill>
-          <a:blip r:embed="rId9" cstate="print">
-            <a:extLst>
-              <a:ext uri="{28A0092B-C50C-407E-A947-70E740481C1C}">
-                <a14:useLocalDpi xmlns:a14="http://schemas.microsoft.com/office/drawing/2010/main" val="0"/>
-              </a:ext>
-            </a:extLst>
-          </a:blip>
-          <a:stretch>
-            <a:fillRect/>
-          </a:stretch>
-        </p:blipFill>
-        <p:spPr>
-          <a:xfrm>
-            <a:off x="1272711" y="1178628"/>
-            <a:ext cx="151448" cy="114300"/>
-          </a:xfrm>
-          <a:prstGeom prst="rect">
-            <a:avLst/>
-          </a:prstGeom>
-        </p:spPr>
-      </p:pic>
-      <p:pic>
-        <p:nvPicPr>
-          <p:cNvPr id="23" name="Picture 22"/>
-          <p:cNvPicPr>
-            <a:picLocks noChangeAspect="1"/>
-          </p:cNvPicPr>
-          <p:nvPr>
-            <p:custDataLst>
-              <p:tags r:id="rId2"/>
-            </p:custDataLst>
-          </p:nvPr>
-        </p:nvPicPr>
-        <p:blipFill>
-          <a:blip r:embed="rId10" cstate="print">
-            <a:extLst>
-              <a:ext uri="{28A0092B-C50C-407E-A947-70E740481C1C}">
-                <a14:useLocalDpi xmlns:a14="http://schemas.microsoft.com/office/drawing/2010/main" val="0"/>
-              </a:ext>
-            </a:extLst>
-          </a:blip>
-          <a:stretch>
-            <a:fillRect/>
-          </a:stretch>
-        </p:blipFill>
-        <p:spPr>
-          <a:xfrm>
-            <a:off x="1882541" y="1176658"/>
-            <a:ext cx="561499" cy="125730"/>
-          </a:xfrm>
-          <a:prstGeom prst="rect">
-            <a:avLst/>
-          </a:prstGeom>
-        </p:spPr>
-      </p:pic>
-      <p:pic>
-        <p:nvPicPr>
-          <p:cNvPr id="24" name="Picture 23"/>
-          <p:cNvPicPr>
-            <a:picLocks noChangeAspect="1"/>
-          </p:cNvPicPr>
-          <p:nvPr>
-            <p:custDataLst>
-              <p:tags r:id="rId3"/>
-            </p:custDataLst>
-          </p:nvPr>
-        </p:nvPicPr>
-        <p:blipFill>
-          <a:blip r:embed="rId11" cstate="print">
-            <a:extLst>
-              <a:ext uri="{28A0092B-C50C-407E-A947-70E740481C1C}">
-                <a14:useLocalDpi xmlns:a14="http://schemas.microsoft.com/office/drawing/2010/main" val="0"/>
-              </a:ext>
-            </a:extLst>
-          </a:blip>
-          <a:stretch>
-            <a:fillRect/>
-          </a:stretch>
-        </p:blipFill>
-        <p:spPr>
-          <a:xfrm>
-            <a:off x="1907191" y="1377238"/>
-            <a:ext cx="522923" cy="158591"/>
-          </a:xfrm>
-          <a:prstGeom prst="rect">
-            <a:avLst/>
-          </a:prstGeom>
-        </p:spPr>
-      </p:pic>
-      <p:sp>
-        <p:nvSpPr>
-          <p:cNvPr id="11" name="TextBox 10"/>
-          <p:cNvSpPr txBox="1"/>
-          <p:nvPr/>
-        </p:nvSpPr>
-        <p:spPr>
-          <a:xfrm>
-            <a:off x="542605" y="1660699"/>
-            <a:ext cx="3486150" cy="323165"/>
-          </a:xfrm>
-          <a:prstGeom prst="rect">
-            <a:avLst/>
-          </a:prstGeom>
-          <a:noFill/>
-        </p:spPr>
-        <p:txBody>
-          <a:bodyPr wrap="square" rtlCol="0">
-            <a:spAutoFit/>
-          </a:bodyPr>
-          <a:lstStyle/>
-          <a:p>
-            <a:pPr>
-              <a:spcAft>
-                <a:spcPts val="375"/>
-              </a:spcAft>
-            </a:pPr>
-            <a:r>
-              <a:rPr lang="en-US" sz="1500" dirty="0"/>
-              <a:t>E.g. </a:t>
-            </a:r>
-            <a:endParaRPr lang="en-US" dirty="0"/>
-          </a:p>
-        </p:txBody>
-      </p:sp>
-      <p:pic>
-        <p:nvPicPr>
-          <p:cNvPr id="10" name="Picture 9"/>
-          <p:cNvPicPr>
-            <a:picLocks noChangeAspect="1"/>
-          </p:cNvPicPr>
-          <p:nvPr>
-            <p:custDataLst>
-              <p:tags r:id="rId4"/>
-            </p:custDataLst>
-          </p:nvPr>
-        </p:nvPicPr>
-        <p:blipFill>
-          <a:blip r:embed="rId12" cstate="print">
-            <a:extLst>
-              <a:ext uri="{28A0092B-C50C-407E-A947-70E740481C1C}">
-                <a14:useLocalDpi xmlns:a14="http://schemas.microsoft.com/office/drawing/2010/main" val="0"/>
-              </a:ext>
-            </a:extLst>
-          </a:blip>
-          <a:stretch>
-            <a:fillRect/>
-          </a:stretch>
-        </p:blipFill>
-        <p:spPr>
-          <a:xfrm>
-            <a:off x="1200150" y="1694091"/>
-            <a:ext cx="1395603" cy="279464"/>
-          </a:xfrm>
-          <a:prstGeom prst="rect">
-            <a:avLst/>
-          </a:prstGeom>
-        </p:spPr>
-      </p:pic>
-      <p:pic>
-        <p:nvPicPr>
-          <p:cNvPr id="15" name="Picture 14"/>
-          <p:cNvPicPr>
-            <a:picLocks noChangeAspect="1"/>
-          </p:cNvPicPr>
-          <p:nvPr>
-            <p:custDataLst>
-              <p:tags r:id="rId5"/>
-            </p:custDataLst>
-          </p:nvPr>
-        </p:nvPicPr>
-        <p:blipFill>
-          <a:blip r:embed="rId13" cstate="print">
-            <a:extLst>
-              <a:ext uri="{28A0092B-C50C-407E-A947-70E740481C1C}">
-                <a14:useLocalDpi xmlns:a14="http://schemas.microsoft.com/office/drawing/2010/main" val="0"/>
-              </a:ext>
-            </a:extLst>
-          </a:blip>
-          <a:stretch>
-            <a:fillRect/>
-          </a:stretch>
-        </p:blipFill>
-        <p:spPr>
-          <a:xfrm>
-            <a:off x="1200150" y="2160712"/>
-            <a:ext cx="1721358" cy="296609"/>
-          </a:xfrm>
-          <a:prstGeom prst="rect">
-            <a:avLst/>
-          </a:prstGeom>
-        </p:spPr>
-      </p:pic>
-      <p:pic>
-        <p:nvPicPr>
-          <p:cNvPr id="27" name="Picture 26"/>
-          <p:cNvPicPr>
-            <a:picLocks noChangeAspect="1"/>
-          </p:cNvPicPr>
-          <p:nvPr>
-            <p:custDataLst>
-              <p:tags r:id="rId6"/>
-            </p:custDataLst>
-          </p:nvPr>
-        </p:nvPicPr>
-        <p:blipFill>
-          <a:blip r:embed="rId14" cstate="print">
-            <a:extLst>
-              <a:ext uri="{28A0092B-C50C-407E-A947-70E740481C1C}">
-                <a14:useLocalDpi xmlns:a14="http://schemas.microsoft.com/office/drawing/2010/main" val="0"/>
-              </a:ext>
-            </a:extLst>
-          </a:blip>
-          <a:stretch>
-            <a:fillRect/>
-          </a:stretch>
-        </p:blipFill>
-        <p:spPr>
-          <a:xfrm>
-            <a:off x="1913364" y="2639662"/>
-            <a:ext cx="2724626" cy="164306"/>
-          </a:xfrm>
-          <a:prstGeom prst="rect">
-            <a:avLst/>
-          </a:prstGeom>
-        </p:spPr>
-      </p:pic>
-    </p:spTree>
-    <p:extLst>
-      <p:ext uri="{BB962C8B-B14F-4D97-AF65-F5344CB8AC3E}">
-        <p14:creationId xmlns:p14="http://schemas.microsoft.com/office/powerpoint/2010/main" val="2611989313"/>
-      </p:ext>
-    </p:extLst>
-  </p:cSld>
-  <p:clrMapOvr>
-    <a:masterClrMapping/>
-  </p:clrMapOvr>
-</p:sld>
-</file>
-
-<file path=ppt/slides/slide58.xml><?xml version="1.0" encoding="utf-8"?>
-<p:sld xmlns:a="http://schemas.openxmlformats.org/drawingml/2006/main" xmlns:r="http://schemas.openxmlformats.org/officeDocument/2006/relationships" xmlns:p="http://schemas.openxmlformats.org/presentationml/2006/main">
-  <p:cSld>
-    <p:spTree>
-      <p:nvGrpSpPr>
-        <p:cNvPr id="1" name=""/>
-        <p:cNvGrpSpPr/>
-        <p:nvPr/>
-      </p:nvGrpSpPr>
-      <p:grpSpPr>
-        <a:xfrm>
-          <a:off x="0" y="0"/>
-          <a:ext cx="0" cy="0"/>
-          <a:chOff x="0" y="0"/>
-          <a:chExt cx="0" cy="0"/>
-        </a:xfrm>
-      </p:grpSpPr>
-      <p:sp>
-        <p:nvSpPr>
-          <p:cNvPr id="14" name="Title 1"/>
-          <p:cNvSpPr>
-            <a:spLocks noGrp="1"/>
-          </p:cNvSpPr>
-          <p:nvPr>
-            <p:ph type="ctrTitle" idx="4294967295"/>
-          </p:nvPr>
-        </p:nvSpPr>
-        <p:spPr>
-          <a:xfrm>
-            <a:off x="685800" y="2343150"/>
-            <a:ext cx="6172200" cy="1257300"/>
-          </a:xfrm>
-        </p:spPr>
-        <p:txBody>
-          <a:bodyPr>
-            <a:noAutofit/>
-          </a:bodyPr>
-          <a:lstStyle/>
-          <a:p>
-            <a:pPr algn="l"/>
-            <a:r>
-              <a:rPr lang="tr-TR" sz="2700" dirty="0">
-                <a:solidFill>
-                  <a:schemeClr val="tx1">
-                    <a:lumMod val="75000"/>
-                    <a:lumOff val="25000"/>
-                  </a:schemeClr>
-                </a:solidFill>
-              </a:rPr>
-              <a:t>Polinom Regresyonu</a:t>
-            </a:r>
-            <a:endParaRPr lang="en-US" sz="2700" dirty="0">
-              <a:solidFill>
-                <a:schemeClr val="tx1">
-                  <a:lumMod val="75000"/>
-                  <a:lumOff val="25000"/>
-                </a:schemeClr>
-              </a:solidFill>
-            </a:endParaRPr>
-          </a:p>
-        </p:txBody>
-      </p:sp>
-      <mc:AlternateContent xmlns:mc="http://schemas.openxmlformats.org/markup-compatibility/2006">
-        <mc:Choice xmlns:p14="http://schemas.microsoft.com/office/powerpoint/2010/main" Requires="p14">
-          <p:contentPart p14:bwMode="auto" r:id="rId3">
-            <p14:nvContentPartPr>
-              <p14:cNvPr id="3" name="Ink 2"/>
-              <p14:cNvContentPartPr/>
-              <p14:nvPr/>
-            </p14:nvContentPartPr>
-            <p14:xfrm>
-              <a:off x="6220530" y="4237988"/>
-              <a:ext cx="270" cy="270"/>
-            </p14:xfrm>
-          </p:contentPart>
-        </mc:Choice>
-        <mc:Fallback>
-          <p:pic>
-            <p:nvPicPr>
-              <p:cNvPr id="3" name="Ink 2"/>
-              <p:cNvPicPr/>
-              <p:nvPr/>
-            </p:nvPicPr>
-            <p:blipFill>
-              <a:blip r:embed="rId4"/>
-              <a:stretch>
-                <a:fillRect/>
-              </a:stretch>
-            </p:blipFill>
-            <p:spPr>
-              <a:xfrm>
-                <a:off x="6213510" y="4230968"/>
-                <a:ext cx="14310" cy="14310"/>
-              </a:xfrm>
-              <a:prstGeom prst="rect">
-                <a:avLst/>
-              </a:prstGeom>
-            </p:spPr>
-          </p:pic>
-        </mc:Fallback>
-      </mc:AlternateContent>
-    </p:spTree>
-    <p:extLst>
-      <p:ext uri="{BB962C8B-B14F-4D97-AF65-F5344CB8AC3E}">
-        <p14:creationId xmlns:p14="http://schemas.microsoft.com/office/powerpoint/2010/main" val="1586622102"/>
-      </p:ext>
-    </p:extLst>
-  </p:cSld>
-  <p:clrMapOvr>
-    <a:masterClrMapping/>
-  </p:clrMapOvr>
-</p:sld>
-</file>
-
-<file path=ppt/slides/slide59.xml><?xml version="1.0" encoding="utf-8"?>
-<p:sld xmlns:a="http://schemas.openxmlformats.org/drawingml/2006/main" xmlns:r="http://schemas.openxmlformats.org/officeDocument/2006/relationships" xmlns:p="http://schemas.openxmlformats.org/presentationml/2006/main">
-  <p:cSld>
-    <p:spTree>
-      <p:nvGrpSpPr>
-        <p:cNvPr id="1" name=""/>
-        <p:cNvGrpSpPr/>
-        <p:nvPr/>
-      </p:nvGrpSpPr>
-      <p:grpSpPr>
-        <a:xfrm>
-          <a:off x="0" y="0"/>
-          <a:ext cx="0" cy="0"/>
-          <a:chOff x="0" y="0"/>
-          <a:chExt cx="0" cy="0"/>
-        </a:xfrm>
-      </p:grpSpPr>
-      <p:sp>
-        <p:nvSpPr>
-          <p:cNvPr id="8" name="TextBox 7"/>
-          <p:cNvSpPr txBox="1"/>
-          <p:nvPr/>
-        </p:nvSpPr>
-        <p:spPr>
-          <a:xfrm>
-            <a:off x="229314" y="800100"/>
-            <a:ext cx="5885736" cy="369332"/>
-          </a:xfrm>
-          <a:prstGeom prst="rect">
-            <a:avLst/>
-          </a:prstGeom>
-          <a:noFill/>
-        </p:spPr>
-        <p:txBody>
-          <a:bodyPr wrap="square" rtlCol="0">
-            <a:spAutoFit/>
-          </a:bodyPr>
-          <a:lstStyle/>
-          <a:p>
-            <a:r>
-              <a:rPr lang="en-US" b="1" dirty="0"/>
-              <a:t>Polynomial regression</a:t>
-            </a:r>
-          </a:p>
-        </p:txBody>
-      </p:sp>
-      <p:sp>
-        <p:nvSpPr>
-          <p:cNvPr id="34" name="TextBox 33"/>
-          <p:cNvSpPr txBox="1"/>
-          <p:nvPr/>
-        </p:nvSpPr>
-        <p:spPr>
-          <a:xfrm>
-            <a:off x="-228600" y="1714501"/>
-            <a:ext cx="1181559" cy="507831"/>
-          </a:xfrm>
-          <a:prstGeom prst="rect">
-            <a:avLst/>
-          </a:prstGeom>
-          <a:noFill/>
-        </p:spPr>
-        <p:txBody>
-          <a:bodyPr wrap="square" rtlCol="0">
-            <a:spAutoFit/>
-          </a:bodyPr>
-          <a:lstStyle/>
-          <a:p>
-            <a:pPr algn="ctr"/>
-            <a:r>
-              <a:rPr lang="en-US" sz="1350" dirty="0"/>
-              <a:t>Price</a:t>
-            </a:r>
-          </a:p>
-          <a:p>
-            <a:pPr algn="ctr"/>
-            <a:r>
-              <a:rPr lang="en-US" sz="1350" dirty="0"/>
-              <a:t>(y)</a:t>
-            </a:r>
-          </a:p>
-        </p:txBody>
-      </p:sp>
-      <p:sp>
-        <p:nvSpPr>
-          <p:cNvPr id="36" name="TextBox 35"/>
-          <p:cNvSpPr txBox="1"/>
-          <p:nvPr/>
-        </p:nvSpPr>
-        <p:spPr>
-          <a:xfrm>
-            <a:off x="1771651" y="2743200"/>
-            <a:ext cx="676083" cy="300082"/>
-          </a:xfrm>
-          <a:prstGeom prst="rect">
-            <a:avLst/>
-          </a:prstGeom>
-          <a:noFill/>
-        </p:spPr>
-        <p:txBody>
-          <a:bodyPr wrap="none" rtlCol="0">
-            <a:spAutoFit/>
-          </a:bodyPr>
-          <a:lstStyle/>
-          <a:p>
-            <a:r>
-              <a:rPr lang="en-US" sz="1350" dirty="0"/>
-              <a:t>Size (x)</a:t>
-            </a:r>
-          </a:p>
-        </p:txBody>
-      </p:sp>
-      <p:pic>
-        <p:nvPicPr>
-          <p:cNvPr id="10" name="Picture 9"/>
-          <p:cNvPicPr>
-            <a:picLocks noChangeAspect="1"/>
-          </p:cNvPicPr>
-          <p:nvPr>
-            <p:custDataLst>
-              <p:tags r:id="rId1"/>
-            </p:custDataLst>
-          </p:nvPr>
-        </p:nvPicPr>
-        <p:blipFill>
-          <a:blip r:embed="rId10" cstate="print">
-            <a:extLst>
-              <a:ext uri="{28A0092B-C50C-407E-A947-70E740481C1C}">
-                <a14:useLocalDpi xmlns:a14="http://schemas.microsoft.com/office/drawing/2010/main" val="0"/>
-              </a:ext>
-            </a:extLst>
-          </a:blip>
-          <a:stretch>
-            <a:fillRect/>
-          </a:stretch>
-        </p:blipFill>
-        <p:spPr>
-          <a:xfrm>
-            <a:off x="4349881" y="1391981"/>
-            <a:ext cx="1517333" cy="228029"/>
-          </a:xfrm>
-          <a:prstGeom prst="rect">
-            <a:avLst/>
-          </a:prstGeom>
-        </p:spPr>
-      </p:pic>
-      <p:pic>
-        <p:nvPicPr>
-          <p:cNvPr id="9" name="Picture 8"/>
-          <p:cNvPicPr>
-            <a:picLocks noChangeAspect="1"/>
-          </p:cNvPicPr>
-          <p:nvPr>
-            <p:custDataLst>
-              <p:tags r:id="rId2"/>
-            </p:custDataLst>
-          </p:nvPr>
-        </p:nvPicPr>
-        <p:blipFill>
-          <a:blip r:embed="rId11" cstate="print">
-            <a:extLst>
-              <a:ext uri="{28A0092B-C50C-407E-A947-70E740481C1C}">
-                <a14:useLocalDpi xmlns:a14="http://schemas.microsoft.com/office/drawing/2010/main" val="0"/>
-              </a:ext>
-            </a:extLst>
-          </a:blip>
-          <a:stretch>
-            <a:fillRect/>
-          </a:stretch>
-        </p:blipFill>
-        <p:spPr>
-          <a:xfrm>
-            <a:off x="4343400" y="1900388"/>
-            <a:ext cx="2239137" cy="228029"/>
-          </a:xfrm>
-          <a:prstGeom prst="rect">
-            <a:avLst/>
-          </a:prstGeom>
-        </p:spPr>
-      </p:pic>
-      <p:pic>
-        <p:nvPicPr>
-          <p:cNvPr id="3" name="Picture 2"/>
-          <p:cNvPicPr>
-            <a:picLocks noChangeAspect="1"/>
-          </p:cNvPicPr>
-          <p:nvPr>
-            <p:custDataLst>
-              <p:tags r:id="rId3"/>
-            </p:custDataLst>
-          </p:nvPr>
-        </p:nvPicPr>
-        <p:blipFill>
-          <a:blip r:embed="rId12" cstate="print">
-            <a:extLst>
-              <a:ext uri="{28A0092B-C50C-407E-A947-70E740481C1C}">
-                <a14:useLocalDpi xmlns:a14="http://schemas.microsoft.com/office/drawing/2010/main" val="0"/>
-              </a:ext>
-            </a:extLst>
-          </a:blip>
-          <a:stretch>
-            <a:fillRect/>
-          </a:stretch>
-        </p:blipFill>
-        <p:spPr>
-          <a:xfrm>
-            <a:off x="114300" y="3086100"/>
-            <a:ext cx="2653189" cy="191453"/>
-          </a:xfrm>
-          <a:prstGeom prst="rect">
-            <a:avLst/>
-          </a:prstGeom>
-        </p:spPr>
-      </p:pic>
-      <p:pic>
-        <p:nvPicPr>
-          <p:cNvPr id="43" name="Picture 42"/>
-          <p:cNvPicPr>
-            <a:picLocks noChangeAspect="1"/>
-          </p:cNvPicPr>
-          <p:nvPr>
-            <p:custDataLst>
-              <p:tags r:id="rId4"/>
-            </p:custDataLst>
-          </p:nvPr>
-        </p:nvPicPr>
-        <p:blipFill>
-          <a:blip r:embed="rId13" cstate="print">
-            <a:extLst>
-              <a:ext uri="{28A0092B-C50C-407E-A947-70E740481C1C}">
-                <a14:useLocalDpi xmlns:a14="http://schemas.microsoft.com/office/drawing/2010/main" val="0"/>
-              </a:ext>
-            </a:extLst>
-          </a:blip>
-          <a:stretch>
-            <a:fillRect/>
-          </a:stretch>
-        </p:blipFill>
-        <p:spPr>
-          <a:xfrm>
-            <a:off x="615939" y="3328988"/>
-            <a:ext cx="3198971" cy="205740"/>
-          </a:xfrm>
-          <a:prstGeom prst="rect">
-            <a:avLst/>
-          </a:prstGeom>
-        </p:spPr>
-      </p:pic>
-      <p:pic>
-        <p:nvPicPr>
-          <p:cNvPr id="44" name="Picture 43"/>
-          <p:cNvPicPr>
-            <a:picLocks noChangeAspect="1"/>
-          </p:cNvPicPr>
-          <p:nvPr>
-            <p:custDataLst>
-              <p:tags r:id="rId5"/>
-            </p:custDataLst>
-          </p:nvPr>
-        </p:nvPicPr>
-        <p:blipFill>
-          <a:blip r:embed="rId14" cstate="print">
-            <a:extLst>
-              <a:ext uri="{28A0092B-C50C-407E-A947-70E740481C1C}">
-                <a14:useLocalDpi xmlns:a14="http://schemas.microsoft.com/office/drawing/2010/main" val="0"/>
-              </a:ext>
-            </a:extLst>
-          </a:blip>
-          <a:stretch>
-            <a:fillRect/>
-          </a:stretch>
-        </p:blipFill>
-        <p:spPr>
-          <a:xfrm>
-            <a:off x="362179" y="3664670"/>
-            <a:ext cx="911543" cy="191453"/>
-          </a:xfrm>
-          <a:prstGeom prst="rect">
-            <a:avLst/>
-          </a:prstGeom>
-        </p:spPr>
-      </p:pic>
-      <p:pic>
-        <p:nvPicPr>
-          <p:cNvPr id="45" name="Picture 44"/>
-          <p:cNvPicPr>
-            <a:picLocks noChangeAspect="1"/>
-          </p:cNvPicPr>
-          <p:nvPr>
-            <p:custDataLst>
-              <p:tags r:id="rId6"/>
-            </p:custDataLst>
-          </p:nvPr>
-        </p:nvPicPr>
-        <p:blipFill>
-          <a:blip r:embed="rId15" cstate="print">
-            <a:extLst>
-              <a:ext uri="{28A0092B-C50C-407E-A947-70E740481C1C}">
-                <a14:useLocalDpi xmlns:a14="http://schemas.microsoft.com/office/drawing/2010/main" val="0"/>
-              </a:ext>
-            </a:extLst>
-          </a:blip>
-          <a:stretch>
-            <a:fillRect/>
-          </a:stretch>
-        </p:blipFill>
-        <p:spPr>
-          <a:xfrm>
-            <a:off x="365526" y="3887931"/>
-            <a:ext cx="997268" cy="205740"/>
-          </a:xfrm>
-          <a:prstGeom prst="rect">
-            <a:avLst/>
-          </a:prstGeom>
-        </p:spPr>
-      </p:pic>
-      <p:pic>
-        <p:nvPicPr>
-          <p:cNvPr id="46" name="Picture 45"/>
-          <p:cNvPicPr>
-            <a:picLocks noChangeAspect="1"/>
-          </p:cNvPicPr>
-          <p:nvPr>
-            <p:custDataLst>
-              <p:tags r:id="rId7"/>
-            </p:custDataLst>
-          </p:nvPr>
-        </p:nvPicPr>
-        <p:blipFill>
-          <a:blip r:embed="rId16" cstate="print">
-            <a:extLst>
-              <a:ext uri="{28A0092B-C50C-407E-A947-70E740481C1C}">
-                <a14:useLocalDpi xmlns:a14="http://schemas.microsoft.com/office/drawing/2010/main" val="0"/>
-              </a:ext>
-            </a:extLst>
-          </a:blip>
-          <a:stretch>
-            <a:fillRect/>
-          </a:stretch>
-        </p:blipFill>
-        <p:spPr>
-          <a:xfrm>
-            <a:off x="364813" y="4139905"/>
-            <a:ext cx="998696" cy="205740"/>
-          </a:xfrm>
-          <a:prstGeom prst="rect">
-            <a:avLst/>
-          </a:prstGeom>
-        </p:spPr>
-      </p:pic>
-      <p:graphicFrame>
-        <p:nvGraphicFramePr>
-          <p:cNvPr id="13" name="Chart 12"/>
-          <p:cNvGraphicFramePr>
-            <a:graphicFrameLocks/>
-          </p:cNvGraphicFramePr>
-          <p:nvPr/>
-        </p:nvGraphicFramePr>
-        <p:xfrm>
-          <a:off x="615939" y="1146349"/>
-          <a:ext cx="3198971" cy="1721064"/>
-        </p:xfrm>
-        <a:graphic>
-          <a:graphicData uri="http://schemas.openxmlformats.org/drawingml/2006/chart">
-            <c:chart xmlns:c="http://schemas.openxmlformats.org/drawingml/2006/chart" xmlns:r="http://schemas.openxmlformats.org/officeDocument/2006/relationships" r:id="rId17"/>
-          </a:graphicData>
-        </a:graphic>
-      </p:graphicFrame>
-      <mc:AlternateContent xmlns:mc="http://schemas.openxmlformats.org/markup-compatibility/2006">
-        <mc:Choice xmlns:p14="http://schemas.microsoft.com/office/powerpoint/2010/main" Requires="p14">
-          <p:contentPart p14:bwMode="auto" r:id="rId18">
-            <p14:nvContentPartPr>
-              <p14:cNvPr id="2" name="Ink 1"/>
-              <p14:cNvContentPartPr/>
-              <p14:nvPr/>
-            </p14:nvContentPartPr>
-            <p14:xfrm>
-              <a:off x="1023570" y="1152428"/>
-              <a:ext cx="5681610" cy="1277640"/>
-            </p14:xfrm>
-          </p:contentPart>
-        </mc:Choice>
-        <mc:Fallback>
-          <p:pic>
-            <p:nvPicPr>
-              <p:cNvPr id="2" name="Ink 1"/>
-              <p:cNvPicPr/>
-              <p:nvPr/>
-            </p:nvPicPr>
-            <p:blipFill>
-              <a:blip r:embed="rId19"/>
-              <a:stretch>
-                <a:fillRect/>
-              </a:stretch>
-            </p:blipFill>
-            <p:spPr>
-              <a:xfrm>
-                <a:off x="1014210" y="1143068"/>
-                <a:ext cx="5699969" cy="1296360"/>
-              </a:xfrm>
-              <a:prstGeom prst="rect">
-                <a:avLst/>
-              </a:prstGeom>
-            </p:spPr>
-          </p:pic>
-        </mc:Fallback>
-      </mc:AlternateContent>
-    </p:spTree>
-    <p:extLst>
-      <p:ext uri="{BB962C8B-B14F-4D97-AF65-F5344CB8AC3E}">
-        <p14:creationId xmlns:p14="http://schemas.microsoft.com/office/powerpoint/2010/main" val="3011994667"/>
       </p:ext>
     </p:extLst>
   </p:cSld>
@@ -44262,363 +35603,6 @@
 </p:sld>
 </file>
 
-<file path=ppt/slides/slide60.xml><?xml version="1.0" encoding="utf-8"?>
-<p:sld xmlns:a="http://schemas.openxmlformats.org/drawingml/2006/main" xmlns:r="http://schemas.openxmlformats.org/officeDocument/2006/relationships" xmlns:p="http://schemas.openxmlformats.org/presentationml/2006/main">
-  <p:cSld>
-    <p:spTree>
-      <p:nvGrpSpPr>
-        <p:cNvPr id="1" name=""/>
-        <p:cNvGrpSpPr/>
-        <p:nvPr/>
-      </p:nvGrpSpPr>
-      <p:grpSpPr>
-        <a:xfrm>
-          <a:off x="0" y="0"/>
-          <a:ext cx="0" cy="0"/>
-          <a:chOff x="0" y="0"/>
-          <a:chExt cx="0" cy="0"/>
-        </a:xfrm>
-      </p:grpSpPr>
-      <p:sp>
-        <p:nvSpPr>
-          <p:cNvPr id="8" name="TextBox 7"/>
-          <p:cNvSpPr txBox="1"/>
-          <p:nvPr/>
-        </p:nvSpPr>
-        <p:spPr>
-          <a:xfrm>
-            <a:off x="229314" y="800100"/>
-            <a:ext cx="5885736" cy="369332"/>
-          </a:xfrm>
-          <a:prstGeom prst="rect">
-            <a:avLst/>
-          </a:prstGeom>
-          <a:noFill/>
-        </p:spPr>
-        <p:txBody>
-          <a:bodyPr wrap="square" rtlCol="0">
-            <a:spAutoFit/>
-          </a:bodyPr>
-          <a:lstStyle/>
-          <a:p>
-            <a:r>
-              <a:rPr lang="en-US" b="1" dirty="0"/>
-              <a:t>Choice of features</a:t>
-            </a:r>
-          </a:p>
-        </p:txBody>
-      </p:sp>
-      <p:sp>
-        <p:nvSpPr>
-          <p:cNvPr id="34" name="TextBox 33"/>
-          <p:cNvSpPr txBox="1"/>
-          <p:nvPr/>
-        </p:nvSpPr>
-        <p:spPr>
-          <a:xfrm>
-            <a:off x="1085850" y="1951852"/>
-            <a:ext cx="1181559" cy="507831"/>
-          </a:xfrm>
-          <a:prstGeom prst="rect">
-            <a:avLst/>
-          </a:prstGeom>
-          <a:noFill/>
-        </p:spPr>
-        <p:txBody>
-          <a:bodyPr wrap="square" rtlCol="0">
-            <a:spAutoFit/>
-          </a:bodyPr>
-          <a:lstStyle/>
-          <a:p>
-            <a:pPr algn="ctr"/>
-            <a:r>
-              <a:rPr lang="en-US" sz="1350" dirty="0"/>
-              <a:t>Price</a:t>
-            </a:r>
-          </a:p>
-          <a:p>
-            <a:pPr algn="ctr"/>
-            <a:r>
-              <a:rPr lang="en-US" sz="1350" dirty="0"/>
-              <a:t>(y)</a:t>
-            </a:r>
-          </a:p>
-        </p:txBody>
-      </p:sp>
-      <p:sp>
-        <p:nvSpPr>
-          <p:cNvPr id="36" name="TextBox 35"/>
-          <p:cNvSpPr txBox="1"/>
-          <p:nvPr/>
-        </p:nvSpPr>
-        <p:spPr>
-          <a:xfrm>
-            <a:off x="3257471" y="2980551"/>
-            <a:ext cx="676083" cy="300082"/>
-          </a:xfrm>
-          <a:prstGeom prst="rect">
-            <a:avLst/>
-          </a:prstGeom>
-          <a:noFill/>
-        </p:spPr>
-        <p:txBody>
-          <a:bodyPr wrap="none" rtlCol="0">
-            <a:spAutoFit/>
-          </a:bodyPr>
-          <a:lstStyle/>
-          <a:p>
-            <a:r>
-              <a:rPr lang="en-US" sz="1350" dirty="0"/>
-              <a:t>Size (x)</a:t>
-            </a:r>
-          </a:p>
-        </p:txBody>
-      </p:sp>
-      <p:pic>
-        <p:nvPicPr>
-          <p:cNvPr id="2" name="Picture 1"/>
-          <p:cNvPicPr>
-            <a:picLocks noChangeAspect="1"/>
-          </p:cNvPicPr>
-          <p:nvPr>
-            <p:custDataLst>
-              <p:tags r:id="rId1"/>
-            </p:custDataLst>
-          </p:nvPr>
-        </p:nvPicPr>
-        <p:blipFill>
-          <a:blip r:embed="rId5" cstate="print">
-            <a:extLst>
-              <a:ext uri="{28A0092B-C50C-407E-A947-70E740481C1C}">
-                <a14:useLocalDpi xmlns:a14="http://schemas.microsoft.com/office/drawing/2010/main" val="0"/>
-              </a:ext>
-            </a:extLst>
-          </a:blip>
-          <a:stretch>
-            <a:fillRect/>
-          </a:stretch>
-        </p:blipFill>
-        <p:spPr>
-          <a:xfrm>
-            <a:off x="2061686" y="3468681"/>
-            <a:ext cx="2723198" cy="205740"/>
-          </a:xfrm>
-          <a:prstGeom prst="rect">
-            <a:avLst/>
-          </a:prstGeom>
-        </p:spPr>
-      </p:pic>
-      <p:pic>
-        <p:nvPicPr>
-          <p:cNvPr id="3" name="Picture 2"/>
-          <p:cNvPicPr>
-            <a:picLocks noChangeAspect="1"/>
-          </p:cNvPicPr>
-          <p:nvPr>
-            <p:custDataLst>
-              <p:tags r:id="rId2"/>
-            </p:custDataLst>
-          </p:nvPr>
-        </p:nvPicPr>
-        <p:blipFill>
-          <a:blip r:embed="rId6" cstate="print">
-            <a:extLst>
-              <a:ext uri="{28A0092B-C50C-407E-A947-70E740481C1C}">
-                <a14:useLocalDpi xmlns:a14="http://schemas.microsoft.com/office/drawing/2010/main" val="0"/>
-              </a:ext>
-            </a:extLst>
-          </a:blip>
-          <a:stretch>
-            <a:fillRect/>
-          </a:stretch>
-        </p:blipFill>
-        <p:spPr>
-          <a:xfrm>
-            <a:off x="2000250" y="3857124"/>
-            <a:ext cx="2846070" cy="228600"/>
-          </a:xfrm>
-          <a:prstGeom prst="rect">
-            <a:avLst/>
-          </a:prstGeom>
-        </p:spPr>
-      </p:pic>
-      <p:graphicFrame>
-        <p:nvGraphicFramePr>
-          <p:cNvPr id="9" name="Chart 8"/>
-          <p:cNvGraphicFramePr>
-            <a:graphicFrameLocks/>
-          </p:cNvGraphicFramePr>
-          <p:nvPr/>
-        </p:nvGraphicFramePr>
-        <p:xfrm>
-          <a:off x="1885951" y="1146349"/>
-          <a:ext cx="3198971" cy="1908408"/>
-        </p:xfrm>
-        <a:graphic>
-          <a:graphicData uri="http://schemas.openxmlformats.org/drawingml/2006/chart">
-            <c:chart xmlns:c="http://schemas.openxmlformats.org/drawingml/2006/chart" xmlns:r="http://schemas.openxmlformats.org/officeDocument/2006/relationships" r:id="rId7"/>
-          </a:graphicData>
-        </a:graphic>
-      </p:graphicFrame>
-      <mc:AlternateContent xmlns:mc="http://schemas.openxmlformats.org/markup-compatibility/2006">
-        <mc:Choice xmlns:p14="http://schemas.microsoft.com/office/powerpoint/2010/main" Requires="p14">
-          <p:contentPart p14:bwMode="auto" r:id="rId8">
-            <p14:nvContentPartPr>
-              <p14:cNvPr id="4" name="Ink 3"/>
-              <p14:cNvContentPartPr/>
-              <p14:nvPr/>
-            </p14:nvContentPartPr>
-            <p14:xfrm>
-              <a:off x="1639710" y="1200758"/>
-              <a:ext cx="5097870" cy="3004830"/>
-            </p14:xfrm>
-          </p:contentPart>
-        </mc:Choice>
-        <mc:Fallback>
-          <p:pic>
-            <p:nvPicPr>
-              <p:cNvPr id="4" name="Ink 3"/>
-              <p:cNvPicPr/>
-              <p:nvPr/>
-            </p:nvPicPr>
-            <p:blipFill>
-              <a:blip r:embed="rId9"/>
-              <a:stretch>
-                <a:fillRect/>
-              </a:stretch>
-            </p:blipFill>
-            <p:spPr>
-              <a:xfrm>
-                <a:off x="1630350" y="1191398"/>
-                <a:ext cx="5116590" cy="3023549"/>
-              </a:xfrm>
-              <a:prstGeom prst="rect">
-                <a:avLst/>
-              </a:prstGeom>
-            </p:spPr>
-          </p:pic>
-        </mc:Fallback>
-      </mc:AlternateContent>
-    </p:spTree>
-    <p:extLst>
-      <p:ext uri="{BB962C8B-B14F-4D97-AF65-F5344CB8AC3E}">
-        <p14:creationId xmlns:p14="http://schemas.microsoft.com/office/powerpoint/2010/main" val="3030596577"/>
-      </p:ext>
-    </p:extLst>
-  </p:cSld>
-  <p:clrMapOvr>
-    <a:masterClrMapping/>
-  </p:clrMapOvr>
-</p:sld>
-</file>
-
-<file path=ppt/slides/slide61.xml><?xml version="1.0" encoding="utf-8"?>
-<p:sld xmlns:a="http://schemas.openxmlformats.org/drawingml/2006/main" xmlns:r="http://schemas.openxmlformats.org/officeDocument/2006/relationships" xmlns:p="http://schemas.openxmlformats.org/presentationml/2006/main">
-  <p:cSld>
-    <p:spTree>
-      <p:nvGrpSpPr>
-        <p:cNvPr id="1" name=""/>
-        <p:cNvGrpSpPr/>
-        <p:nvPr/>
-      </p:nvGrpSpPr>
-      <p:grpSpPr>
-        <a:xfrm>
-          <a:off x="0" y="0"/>
-          <a:ext cx="0" cy="0"/>
-          <a:chOff x="0" y="0"/>
-          <a:chExt cx="0" cy="0"/>
-        </a:xfrm>
-      </p:grpSpPr>
-      <p:sp>
-        <p:nvSpPr>
-          <p:cNvPr id="2" name="TextBox 1">
-            <a:extLst>
-              <a:ext uri="{FF2B5EF4-FFF2-40B4-BE49-F238E27FC236}">
-                <a16:creationId xmlns:a16="http://schemas.microsoft.com/office/drawing/2014/main" id="{0AA22AC2-74DD-1083-71C1-DADF66C297D2}"/>
-              </a:ext>
-            </a:extLst>
-          </p:cNvPr>
-          <p:cNvSpPr txBox="1"/>
-          <p:nvPr/>
-        </p:nvSpPr>
-        <p:spPr>
-          <a:xfrm>
-            <a:off x="609600" y="1428750"/>
-            <a:ext cx="5486400" cy="1754326"/>
-          </a:xfrm>
-          <a:prstGeom prst="rect">
-            <a:avLst/>
-          </a:prstGeom>
-          <a:noFill/>
-        </p:spPr>
-        <p:txBody>
-          <a:bodyPr wrap="square" rtlCol="0">
-            <a:spAutoFit/>
-          </a:bodyPr>
-          <a:lstStyle/>
-          <a:p>
-            <a:r>
-              <a:rPr lang="tr-TR" dirty="0"/>
-              <a:t>Slaytların </a:t>
-            </a:r>
-            <a:r>
-              <a:rPr lang="tr-TR" dirty="0" err="1"/>
-              <a:t>orjinalleri</a:t>
-            </a:r>
-            <a:r>
-              <a:rPr lang="tr-TR" dirty="0"/>
-              <a:t> için:</a:t>
-            </a:r>
-          </a:p>
-          <a:p>
-            <a:r>
-              <a:rPr lang="tr-TR" dirty="0">
-                <a:hlinkClick r:id="rId2"/>
-              </a:rPr>
-              <a:t>https://github.com/vkosuri/CourseraMachineLearning</a:t>
-            </a:r>
-            <a:endParaRPr lang="tr-TR" dirty="0"/>
-          </a:p>
-          <a:p>
-            <a:endParaRPr lang="tr-TR" dirty="0"/>
-          </a:p>
-          <a:p>
-            <a:r>
-              <a:rPr lang="tr-TR" dirty="0" err="1"/>
-              <a:t>Adrew</a:t>
-            </a:r>
-            <a:r>
-              <a:rPr lang="tr-TR" dirty="0"/>
-              <a:t> Ng’nin Video Dersler için:</a:t>
-            </a:r>
-          </a:p>
-          <a:p>
-            <a:r>
-              <a:rPr lang="tr-TR" dirty="0">
-                <a:hlinkClick r:id="rId3"/>
-              </a:rPr>
-              <a:t>https://www.youtube.com/playlist?list=PL2qEL_7r0QISbIq8G5ywDv8go0EVr5bky</a:t>
-            </a:r>
-            <a:r>
-              <a:rPr lang="tr-TR" dirty="0"/>
-              <a:t> </a:t>
-            </a:r>
-          </a:p>
-        </p:txBody>
-      </p:sp>
-    </p:spTree>
-    <p:extLst>
-      <p:ext uri="{BB962C8B-B14F-4D97-AF65-F5344CB8AC3E}">
-        <p14:creationId xmlns:p14="http://schemas.microsoft.com/office/powerpoint/2010/main" val="4128277047"/>
-      </p:ext>
-    </p:extLst>
-  </p:cSld>
-  <p:clrMapOvr>
-    <a:masterClrMapping/>
-  </p:clrMapOvr>
-</p:sld>
-</file>
-
 <file path=ppt/slides/slide7.xml><?xml version="1.0" encoding="utf-8"?>
 <p:sld xmlns:a="http://schemas.openxmlformats.org/drawingml/2006/main" xmlns:r="http://schemas.openxmlformats.org/officeDocument/2006/relationships" xmlns:p="http://schemas.openxmlformats.org/presentationml/2006/main">
   <p:cSld>
@@ -46180,55 +37164,6 @@
 </p:tagLst>
 </file>
 
-<file path=ppt/tags/tag133.xml><?xml version="1.0" encoding="utf-8"?>
-<p:tagLst xmlns:a="http://schemas.openxmlformats.org/drawingml/2006/main" xmlns:r="http://schemas.openxmlformats.org/officeDocument/2006/relationships" xmlns:p="http://schemas.openxmlformats.org/presentationml/2006/main">
-  <p:tag name="LATEXADDIN" val="\documentclass{article}&#10;\usepackage{amsmath}&#10;\pagestyle{empty}&#10;\begin{document}&#10;&#10;&#10;$x&#10;$&#10;&#10;\end{document}"/>
-  <p:tag name="IGUANATEXSIZE" val="24"/>
-</p:tagLst>
-</file>
-
-<file path=ppt/tags/tag134.xml><?xml version="1.0" encoding="utf-8"?>
-<p:tagLst xmlns:a="http://schemas.openxmlformats.org/drawingml/2006/main" xmlns:r="http://schemas.openxmlformats.org/officeDocument/2006/relationships" xmlns:p="http://schemas.openxmlformats.org/presentationml/2006/main">
-  <p:tag name="LATEXADDIN" val="\documentclass{article}&#10;\usepackage{amsmath}&#10;\pagestyle{empty}&#10;\begin{document}&#10;&#10;&#10;$y&#10;$&#10;&#10;\end{document}"/>
-  <p:tag name="IGUANATEXSIZE" val="24"/>
-</p:tagLst>
-</file>
-
-<file path=ppt/tags/tag135.xml><?xml version="1.0" encoding="utf-8"?>
-<p:tagLst xmlns:a="http://schemas.openxmlformats.org/drawingml/2006/main" xmlns:r="http://schemas.openxmlformats.org/officeDocument/2006/relationships" xmlns:p="http://schemas.openxmlformats.org/presentationml/2006/main">
-  <p:tag name="LATEXADDIN" val="\documentclass{article}&#10;\usepackage{amsmath}&#10;\pagestyle{empty}&#10;\begin{document}&#10;&#10;&#10;$h_\theta (x) = \theta_0 + \theta_1 x$&#10;&#10;\end{document}"/>
-  <p:tag name="IGUANATEXSIZE" val="32"/>
-</p:tagLst>
-</file>
-
-<file path=ppt/tags/tag136.xml><?xml version="1.0" encoding="utf-8"?>
-<p:tagLst xmlns:a="http://schemas.openxmlformats.org/drawingml/2006/main" xmlns:r="http://schemas.openxmlformats.org/officeDocument/2006/relationships" xmlns:p="http://schemas.openxmlformats.org/presentationml/2006/main">
-  <p:tag name="LATEXADDIN" val="\documentclass{article}&#10;\usepackage{amsmath}&#10;\pagestyle{empty}&#10;\begin{document}&#10;&#10;&#10;$n$&#10;&#10;\end{document}"/>
-  <p:tag name="IGUANATEXSIZE" val="20"/>
-</p:tagLst>
-</file>
-
-<file path=ppt/tags/tag137.xml><?xml version="1.0" encoding="utf-8"?>
-<p:tagLst xmlns:a="http://schemas.openxmlformats.org/drawingml/2006/main" xmlns:r="http://schemas.openxmlformats.org/officeDocument/2006/relationships" xmlns:p="http://schemas.openxmlformats.org/presentationml/2006/main">
-  <p:tag name="LATEXADDIN" val="\documentclass{article}&#10;\usepackage{amsmath}&#10;\pagestyle{empty}&#10;\begin{document}&#10;&#10;&#10;$x^{(i)}$&#10;&#10;\end{document}"/>
-  <p:tag name="IGUANATEXSIZE" val="20"/>
-</p:tagLst>
-</file>
-
-<file path=ppt/tags/tag138.xml><?xml version="1.0" encoding="utf-8"?>
-<p:tagLst xmlns:a="http://schemas.openxmlformats.org/drawingml/2006/main" xmlns:r="http://schemas.openxmlformats.org/officeDocument/2006/relationships" xmlns:p="http://schemas.openxmlformats.org/presentationml/2006/main">
-  <p:tag name="LATEXADDIN" val="\documentclass{article}&#10;\usepackage{amsmath}&#10;\pagestyle{empty}&#10;\begin{document}&#10;&#10;&#10;$x^{(i)}_j$&#10;&#10;\end{document}"/>
-  <p:tag name="IGUANATEXSIZE" val="20"/>
-</p:tagLst>
-</file>
-
-<file path=ppt/tags/tag139.xml><?xml version="1.0" encoding="utf-8"?>
-<p:tagLst xmlns:a="http://schemas.openxmlformats.org/drawingml/2006/main" xmlns:r="http://schemas.openxmlformats.org/officeDocument/2006/relationships" xmlns:p="http://schemas.openxmlformats.org/presentationml/2006/main">
-  <p:tag name="LATEXADDIN" val="\documentclass{article}&#10;\usepackage{amsmath}&#10;\pagestyle{empty}&#10;\begin{document}&#10;&#10;&#10;$i^{th}$&#10;&#10;\end{document}"/>
-  <p:tag name="IGUANATEXSIZE" val="20"/>
-</p:tagLst>
-</file>
-
 <file path=ppt/tags/tag14.xml><?xml version="1.0" encoding="utf-8"?>
 <p:tagLst xmlns:a="http://schemas.openxmlformats.org/drawingml/2006/main" xmlns:r="http://schemas.openxmlformats.org/officeDocument/2006/relationships" xmlns:p="http://schemas.openxmlformats.org/presentationml/2006/main">
   <p:tag name="LATEXADDIN" val="\documentclass{article}&#10;\usepackage{amsmath}&#10;\usepackage{color}&#10;\pagestyle{empty}&#10;\begin{document}&#10;&#10;$&#10;\theta_0, \theta_1&#10;$&#10;% \delta_i^{(l)} = \left(\sum_j W_{ji}^{(l)} \delta_j^{(l+1)}\right) f'(z_i^{(l)})&#10;&#10;&#10;&#10;\end{document}"/>
@@ -46236,149 +37171,9 @@
 </p:tagLst>
 </file>
 
-<file path=ppt/tags/tag140.xml><?xml version="1.0" encoding="utf-8"?>
-<p:tagLst xmlns:a="http://schemas.openxmlformats.org/drawingml/2006/main" xmlns:r="http://schemas.openxmlformats.org/officeDocument/2006/relationships" xmlns:p="http://schemas.openxmlformats.org/presentationml/2006/main">
-  <p:tag name="LATEXADDIN" val="\documentclass{article}&#10;\usepackage{amsmath}&#10;\pagestyle{empty}&#10;\begin{document}&#10;&#10;&#10;$i^{th}$&#10;&#10;\end{document}"/>
-  <p:tag name="IGUANATEXSIZE" val="20"/>
-</p:tagLst>
-</file>
-
-<file path=ppt/tags/tag141.xml><?xml version="1.0" encoding="utf-8"?>
-<p:tagLst xmlns:a="http://schemas.openxmlformats.org/drawingml/2006/main" xmlns:r="http://schemas.openxmlformats.org/officeDocument/2006/relationships" xmlns:p="http://schemas.openxmlformats.org/presentationml/2006/main">
-  <p:tag name="LATEXADDIN" val="\documentclass{article}&#10;\usepackage{amsmath}&#10;\pagestyle{empty}&#10;\begin{document}&#10;&#10;&#10;$j$&#10;&#10;\end{document}"/>
-  <p:tag name="IGUANATEXSIZE" val="20"/>
-</p:tagLst>
-</file>
-
-<file path=ppt/tags/tag142.xml><?xml version="1.0" encoding="utf-8"?>
-<p:tagLst xmlns:a="http://schemas.openxmlformats.org/drawingml/2006/main" xmlns:r="http://schemas.openxmlformats.org/officeDocument/2006/relationships" xmlns:p="http://schemas.openxmlformats.org/presentationml/2006/main">
-  <p:tag name="LATEXADDIN" val="\documentclass{article}&#10;\usepackage{amsmath}&#10;\pagestyle{empty}&#10;\begin{document}&#10;&#10;&#10;$h_\theta (x) = \theta_0 + \theta_1 x$&#10;&#10;\end{document}"/>
-  <p:tag name="IGUANATEXSIZE" val="28"/>
-</p:tagLst>
-</file>
-
-<file path=ppt/tags/tag143.xml><?xml version="1.0" encoding="utf-8"?>
-<p:tagLst xmlns:a="http://schemas.openxmlformats.org/drawingml/2006/main" xmlns:r="http://schemas.openxmlformats.org/officeDocument/2006/relationships" xmlns:p="http://schemas.openxmlformats.org/presentationml/2006/main">
-  <p:tag name="LATEXADDIN" val="\documentclass{article}&#10;\usepackage{amsmath}&#10;\pagestyle{empty}&#10;\begin{document}&#10;&#10;&#10;$h_\theta (x) = \theta_0 + \theta_1 x_1 + \theta_2 x_2 + \dots + \theta_n x_n$&#10;&#10;\end{document}"/>
-  <p:tag name="IGUANATEXSIZE" val="28"/>
-</p:tagLst>
-</file>
-
-<file path=ppt/tags/tag144.xml><?xml version="1.0" encoding="utf-8"?>
-<p:tagLst xmlns:a="http://schemas.openxmlformats.org/drawingml/2006/main" xmlns:r="http://schemas.openxmlformats.org/officeDocument/2006/relationships" xmlns:p="http://schemas.openxmlformats.org/presentationml/2006/main">
-  <p:tag name="LATEXADDIN" val="\documentclass{article}&#10;\usepackage{amsmath}&#10;\pagestyle{empty}&#10;\begin{document}&#10; &#10;&#10;$x_0 = 1$&#10;&#10;\end{document}"/>
-  <p:tag name="IGUANATEXSIZE" val="28"/>
-</p:tagLst>
-</file>
-
-<file path=ppt/tags/tag145.xml><?xml version="1.0" encoding="utf-8"?>
-<p:tagLst xmlns:a="http://schemas.openxmlformats.org/drawingml/2006/main" xmlns:r="http://schemas.openxmlformats.org/officeDocument/2006/relationships" xmlns:p="http://schemas.openxmlformats.org/presentationml/2006/main">
-  <p:tag name="LATEXADDIN" val="\documentclass{article}&#10;\usepackage{amsmath}&#10;\pagestyle{empty}&#10;\begin{document}&#10;&#10;&#10;$h_\theta (x) = \theta^T x =  \theta_0 x_0 + \theta_1 x_1 + \theta_2 x_2 + \dots + \theta_n x_n$&#10;&#10;\end{document}"/>
-  <p:tag name="IGUANATEXSIZE" val="24"/>
-</p:tagLst>
-</file>
-
-<file path=ppt/tags/tag146.xml><?xml version="1.0" encoding="utf-8"?>
-<p:tagLst xmlns:a="http://schemas.openxmlformats.org/drawingml/2006/main" xmlns:r="http://schemas.openxmlformats.org/officeDocument/2006/relationships" xmlns:p="http://schemas.openxmlformats.org/presentationml/2006/main">
-  <p:tag name="LATEXADDIN" val="\documentclass{article}&#10;\usepackage{amsmath}&#10;\pagestyle{empty}&#10;\begin{document}&#10;&#10;&#10;$\theta_0, \theta_1, \dots, \theta_n$&#10;&#10;\end{document}"/>
-  <p:tag name="IGUANATEXSIZE" val="24"/>
-</p:tagLst>
-</file>
-
-<file path=ppt/tags/tag147.xml><?xml version="1.0" encoding="utf-8"?>
-<p:tagLst xmlns:a="http://schemas.openxmlformats.org/drawingml/2006/main" xmlns:r="http://schemas.openxmlformats.org/officeDocument/2006/relationships" xmlns:p="http://schemas.openxmlformats.org/presentationml/2006/main">
-  <p:tag name="LATEXADDIN" val="\documentclass{article}&#10;\usepackage{amsmath}&#10;\pagestyle{empty}&#10;\begin{document}&#10;&#10;&#10;$\displaystyle  J(\theta_0, \theta_1, \dots, \theta_n) = \frac{1}{2m} \sum^{m}_{i=1} (h_\theta (x^{(i)}) - y^{(i)})^2$&#10;&#10;\end{document}"/>
-  <p:tag name="IGUANATEXSIZE" val="24"/>
-</p:tagLst>
-</file>
-
-<file path=ppt/tags/tag148.xml><?xml version="1.0" encoding="utf-8"?>
-<p:tagLst xmlns:a="http://schemas.openxmlformats.org/drawingml/2006/main" xmlns:r="http://schemas.openxmlformats.org/officeDocument/2006/relationships" xmlns:p="http://schemas.openxmlformats.org/presentationml/2006/main">
-  <p:tag name="LATEXADDIN" val="\documentclass{article}&#10;\usepackage{amsmath}&#10;\pagestyle{empty}&#10;\begin{document}&#10;&#10;&#10;$j = 0, \dots, n$&#10;&#10;\end{document}"/>
-  <p:tag name="IGUANATEXSIZE" val="20"/>
-</p:tagLst>
-</file>
-
-<file path=ppt/tags/tag149.xml><?xml version="1.0" encoding="utf-8"?>
-<p:tagLst xmlns:a="http://schemas.openxmlformats.org/drawingml/2006/main" xmlns:r="http://schemas.openxmlformats.org/officeDocument/2006/relationships" xmlns:p="http://schemas.openxmlformats.org/presentationml/2006/main">
-  <p:tag name="LATEXADDIN" val="\documentclass{article}&#10;\usepackage{amsmath}&#10;\pagestyle{empty}&#10;\begin{document}&#10;&#10;&#10;$\{$&#10;&#10;\end{document}"/>
-  <p:tag name="IGUANATEXSIZE" val="24"/>
-</p:tagLst>
-</file>
-
 <file path=ppt/tags/tag15.xml><?xml version="1.0" encoding="utf-8"?>
 <p:tagLst xmlns:a="http://schemas.openxmlformats.org/drawingml/2006/main" xmlns:r="http://schemas.openxmlformats.org/officeDocument/2006/relationships" xmlns:p="http://schemas.openxmlformats.org/presentationml/2006/main">
   <p:tag name="LATEXADDIN" val="\documentclass{article}&#10;\usepackage{amsmath}&#10;\usepackage{color}&#10;\pagestyle{empty}&#10;\begin{document}&#10;&#10;$&#10;J(\theta_0,\theta_1) = \frac{1}{2m} \sum\limits^{m}_{i=1} \left( h_\theta(x^{(i)}) - y^{(i)} \right)^2&#10;$&#10;% \delta_i^{(l)} = \left(\sum_j W_{ji}^{(l)} \delta_j^{(l+1)}\right) f'(z_i^{(l)})&#10;&#10;&#10;&#10;\end{document}"/>
-  <p:tag name="IGUANATEXSIZE" val="24"/>
-</p:tagLst>
-</file>
-
-<file path=ppt/tags/tag150.xml><?xml version="1.0" encoding="utf-8"?>
-<p:tagLst xmlns:a="http://schemas.openxmlformats.org/drawingml/2006/main" xmlns:r="http://schemas.openxmlformats.org/officeDocument/2006/relationships" xmlns:p="http://schemas.openxmlformats.org/presentationml/2006/main">
-  <p:tag name="LATEXADDIN" val="\documentclass{article}&#10;\usepackage{amsmath}&#10;\pagestyle{empty}&#10;\begin{document}&#10;&#10;&#10;$\}$&#10;&#10;\end{document}"/>
-  <p:tag name="IGUANATEXSIZE" val="24"/>
-</p:tagLst>
-</file>
-
-<file path=ppt/tags/tag151.xml><?xml version="1.0" encoding="utf-8"?>
-<p:tagLst xmlns:a="http://schemas.openxmlformats.org/drawingml/2006/main" xmlns:r="http://schemas.openxmlformats.org/officeDocument/2006/relationships" xmlns:p="http://schemas.openxmlformats.org/presentationml/2006/main">
-  <p:tag name="LATEXADDIN" val="\documentclass{article}&#10;\usepackage{amsmath}&#10;\pagestyle{empty}&#10;\begin{document}&#10;&#10;&#10;$ \theta_j := \theta_j - \alpha &#10;\frac{\partial}{\partial \theta_j} J(\theta_0, \dots, \theta_n)&#10;$&#10;&#10;\end{document}"/>
-  <p:tag name="IGUANATEXSIZE" val="24"/>
-</p:tagLst>
-</file>
-
-<file path=ppt/tags/tag152.xml><?xml version="1.0" encoding="utf-8"?>
-<p:tagLst xmlns:a="http://schemas.openxmlformats.org/drawingml/2006/main" xmlns:r="http://schemas.openxmlformats.org/officeDocument/2006/relationships" xmlns:p="http://schemas.openxmlformats.org/presentationml/2006/main">
-  <p:tag name="LATEXADDIN" val="\documentclass{article}&#10;\usepackage{amsmath}&#10;\pagestyle{empty}&#10;\begin{document}&#10;&#10;&#10;$\displaystyle  \theta_0 := \theta_0 - \alpha \frac{1}{m} \sum^{m}_{i=1} (h_\theta (x^{(i)}) - y^{(i)})$&#10;&#10;\end{document}"/>
-  <p:tag name="IGUANATEXSIZE" val="18"/>
-</p:tagLst>
-</file>
-
-<file path=ppt/tags/tag153.xml><?xml version="1.0" encoding="utf-8"?>
-<p:tagLst xmlns:a="http://schemas.openxmlformats.org/drawingml/2006/main" xmlns:r="http://schemas.openxmlformats.org/officeDocument/2006/relationships" xmlns:p="http://schemas.openxmlformats.org/presentationml/2006/main">
-  <p:tag name="LATEXADDIN" val="\documentclass{article}&#10;\usepackage{amsmath}&#10;\pagestyle{empty}&#10;\begin{document}&#10;&#10;&#10;$\theta_0, \theta_1$&#10;&#10;\end{document}"/>
-  <p:tag name="IGUANATEXSIZE" val="18"/>
-</p:tagLst>
-</file>
-
-<file path=ppt/tags/tag154.xml><?xml version="1.0" encoding="utf-8"?>
-<p:tagLst xmlns:a="http://schemas.openxmlformats.org/drawingml/2006/main" xmlns:r="http://schemas.openxmlformats.org/officeDocument/2006/relationships" xmlns:p="http://schemas.openxmlformats.org/presentationml/2006/main">
-  <p:tag name="LATEXADDIN" val="\documentclass{article}&#10;\usepackage{amsmath}&#10;\pagestyle{empty}&#10;\begin{document}&#10;&#10;&#10;$\{$&#10;&#10;\end{document}"/>
-  <p:tag name="IGUANATEXSIZE" val="24"/>
-</p:tagLst>
-</file>
-
-<file path=ppt/tags/tag155.xml><?xml version="1.0" encoding="utf-8"?>
-<p:tagLst xmlns:a="http://schemas.openxmlformats.org/drawingml/2006/main" xmlns:r="http://schemas.openxmlformats.org/officeDocument/2006/relationships" xmlns:p="http://schemas.openxmlformats.org/presentationml/2006/main">
-  <p:tag name="LATEXADDIN" val="\documentclass{article}&#10;\usepackage{amsmath}&#10;\pagestyle{empty}&#10;\begin{document}&#10;&#10;&#10;$\}$&#10;&#10;\end{document}"/>
-  <p:tag name="IGUANATEXSIZE" val="24"/>
-</p:tagLst>
-</file>
-
-<file path=ppt/tags/tag156.xml><?xml version="1.0" encoding="utf-8"?>
-<p:tagLst xmlns:a="http://schemas.openxmlformats.org/drawingml/2006/main" xmlns:r="http://schemas.openxmlformats.org/officeDocument/2006/relationships" xmlns:p="http://schemas.openxmlformats.org/presentationml/2006/main">
-  <p:tag name="LATEXADDIN" val="\documentclass{article}&#10;\usepackage{amsmath}&#10;\pagestyle{empty}&#10;\begin{document}&#10;&#10;&#10;$\displaystyle  \theta_1 := \theta_1 - \alpha \frac{1}{m} \sum^{m}_{i=1} (h_\theta (x^{(i)}) - y^{(i)})x^{(i)}$&#10;&#10;\end{document}"/>
-  <p:tag name="IGUANATEXSIZE" val="18"/>
-</p:tagLst>
-</file>
-
-<file path=ppt/tags/tag157.xml><?xml version="1.0" encoding="utf-8"?>
-<p:tagLst xmlns:a="http://schemas.openxmlformats.org/drawingml/2006/main" xmlns:r="http://schemas.openxmlformats.org/officeDocument/2006/relationships" xmlns:p="http://schemas.openxmlformats.org/presentationml/2006/main">
-  <p:tag name="LATEXADDIN" val="\documentclass{article}&#10;\usepackage{amsmath}&#10;\pagestyle{empty}&#10;\begin{document}&#10;&#10;&#10;$&#10;\frac{\partial}{\partial \theta_0} J(\theta)&#10;$&#10;&#10;\end{document}"/>
-  <p:tag name="IGUANATEXSIZE" val="18"/>
-</p:tagLst>
-</file>
-
-<file path=ppt/tags/tag158.xml><?xml version="1.0" encoding="utf-8"?>
-<p:tagLst xmlns:a="http://schemas.openxmlformats.org/drawingml/2006/main" xmlns:r="http://schemas.openxmlformats.org/officeDocument/2006/relationships" xmlns:p="http://schemas.openxmlformats.org/presentationml/2006/main">
-  <p:tag name="LATEXADDIN" val="\documentclass{article}&#10;\usepackage{amsmath}&#10;\pagestyle{empty}&#10;\begin{document}&#10;&#10;&#10;$&#10;(n \geq 1)&#10;$&#10;&#10;\end{document}"/>
-  <p:tag name="IGUANATEXSIZE" val="18"/>
-</p:tagLst>
-</file>
-
-<file path=ppt/tags/tag159.xml><?xml version="1.0" encoding="utf-8"?>
-<p:tagLst xmlns:a="http://schemas.openxmlformats.org/drawingml/2006/main" xmlns:r="http://schemas.openxmlformats.org/officeDocument/2006/relationships" xmlns:p="http://schemas.openxmlformats.org/presentationml/2006/main">
-  <p:tag name="LATEXADDIN" val="\documentclass{article}&#10;\usepackage{amsmath}&#10;\pagestyle{empty}&#10;\begin{document}&#10;&#10;&#10;$\{$&#10;&#10;\end{document}"/>
   <p:tag name="IGUANATEXSIZE" val="24"/>
 </p:tagLst>
 </file>
@@ -46390,150 +37185,10 @@
 </p:tagLst>
 </file>
 
-<file path=ppt/tags/tag160.xml><?xml version="1.0" encoding="utf-8"?>
-<p:tagLst xmlns:a="http://schemas.openxmlformats.org/drawingml/2006/main" xmlns:r="http://schemas.openxmlformats.org/officeDocument/2006/relationships" xmlns:p="http://schemas.openxmlformats.org/presentationml/2006/main">
-  <p:tag name="LATEXADDIN" val="\documentclass{article}&#10;\usepackage{amsmath}&#10;\pagestyle{empty}&#10;\begin{document}&#10;&#10;&#10;$\}$&#10;&#10;\end{document}"/>
-  <p:tag name="IGUANATEXSIZE" val="24"/>
-</p:tagLst>
-</file>
-
-<file path=ppt/tags/tag161.xml><?xml version="1.0" encoding="utf-8"?>
-<p:tagLst xmlns:a="http://schemas.openxmlformats.org/drawingml/2006/main" xmlns:r="http://schemas.openxmlformats.org/officeDocument/2006/relationships" xmlns:p="http://schemas.openxmlformats.org/presentationml/2006/main">
-  <p:tag name="LATEXADDIN" val="\documentclass{article}&#10;\usepackage{amsmath}&#10;\pagestyle{empty}&#10;\begin{document}&#10;&#10;&#10;$\displaystyle  \theta_j := \theta_j - &#10;\alpha \frac{1}{m} \sum^{m}_{i=1} (h_\theta (x^{(i)}) - y^{(i)})x^{(i)}_j$&#10;&#10;\end{document}"/>
-  <p:tag name="IGUANATEXSIZE" val="18"/>
-</p:tagLst>
-</file>
-
-<file path=ppt/tags/tag162.xml><?xml version="1.0" encoding="utf-8"?>
-<p:tagLst xmlns:a="http://schemas.openxmlformats.org/drawingml/2006/main" xmlns:r="http://schemas.openxmlformats.org/officeDocument/2006/relationships" xmlns:p="http://schemas.openxmlformats.org/presentationml/2006/main">
-  <p:tag name="LATEXADDIN" val="\documentclass{article}&#10;\usepackage{amsmath}&#10;\pagestyle{empty}&#10;\begin{document}&#10;&#10;&#10;$\theta_j$&#10;&#10;\end{document}"/>
-  <p:tag name="IGUANATEXSIZE" val="18"/>
-</p:tagLst>
-</file>
-
-<file path=ppt/tags/tag163.xml><?xml version="1.0" encoding="utf-8"?>
-<p:tagLst xmlns:a="http://schemas.openxmlformats.org/drawingml/2006/main" xmlns:r="http://schemas.openxmlformats.org/officeDocument/2006/relationships" xmlns:p="http://schemas.openxmlformats.org/presentationml/2006/main">
-  <p:tag name="LATEXADDIN" val="\documentclass{article}&#10;\usepackage{amsmath}&#10;\pagestyle{empty}&#10;\begin{document}&#10;&#10;&#10;$j = 0, \dots, n$&#10;&#10;\end{document}"/>
-  <p:tag name="IGUANATEXSIZE" val="16"/>
-</p:tagLst>
-</file>
-
-<file path=ppt/tags/tag164.xml><?xml version="1.0" encoding="utf-8"?>
-<p:tagLst xmlns:a="http://schemas.openxmlformats.org/drawingml/2006/main" xmlns:r="http://schemas.openxmlformats.org/officeDocument/2006/relationships" xmlns:p="http://schemas.openxmlformats.org/presentationml/2006/main">
-  <p:tag name="LATEXADDIN" val="\documentclass{article}&#10;\usepackage{amsmath}&#10;\pagestyle{empty}&#10;\begin{document}&#10;&#10;&#10;$\theta_0 := \theta_0 - &#10;\alpha \frac{1}{m} \displaystyle\sum^{m}_{i=1} (h_\theta (x^{(i)}) - y^{(i)})x^{(i)}_0$&#10;&#10;\end{document}"/>
-  <p:tag name="IGUANATEXSIZE" val="18"/>
-</p:tagLst>
-</file>
-
-<file path=ppt/tags/tag165.xml><?xml version="1.0" encoding="utf-8"?>
-<p:tagLst xmlns:a="http://schemas.openxmlformats.org/drawingml/2006/main" xmlns:r="http://schemas.openxmlformats.org/officeDocument/2006/relationships" xmlns:p="http://schemas.openxmlformats.org/presentationml/2006/main">
-  <p:tag name="LATEXADDIN" val="\documentclass{article}&#10;\usepackage{amsmath}&#10;\pagestyle{empty}&#10;\begin{document}&#10;&#10;&#10;$\theta_1 := \theta_1 - &#10;\alpha \frac{1}{m} \displaystyle\sum^{m}_{i=1} (h_\theta (x^{(i)}) - y^{(i)})x^{(i)}_1$&#10;&#10;\end{document}"/>
-  <p:tag name="IGUANATEXSIZE" val="18"/>
-</p:tagLst>
-</file>
-
-<file path=ppt/tags/tag166.xml><?xml version="1.0" encoding="utf-8"?>
-<p:tagLst xmlns:a="http://schemas.openxmlformats.org/drawingml/2006/main" xmlns:r="http://schemas.openxmlformats.org/officeDocument/2006/relationships" xmlns:p="http://schemas.openxmlformats.org/presentationml/2006/main">
-  <p:tag name="LATEXADDIN" val="\documentclass{article}&#10;\usepackage{amsmath}&#10;\pagestyle{empty}&#10;\begin{document}&#10;&#10;&#10;$\theta_2 := \theta_2 - &#10;\alpha \frac{1}{m} \displaystyle\sum^{m}_{i=1} (h_\theta (x^{(i)}) - y^{(i)})x^{(i)}_2$&#10;&#10;\end{document}"/>
-  <p:tag name="IGUANATEXSIZE" val="18"/>
-</p:tagLst>
-</file>
-
-<file path=ppt/tags/tag167.xml><?xml version="1.0" encoding="utf-8"?>
-<p:tagLst xmlns:a="http://schemas.openxmlformats.org/drawingml/2006/main" xmlns:r="http://schemas.openxmlformats.org/officeDocument/2006/relationships" xmlns:p="http://schemas.openxmlformats.org/presentationml/2006/main">
-  <p:tag name="LATEXADDIN" val="\documentclass{article}&#10;\usepackage{amsmath}&#10;\pagestyle{empty}&#10;\begin{document}&#10;&#10;&#10;$ \dots $&#10;&#10;&#10;\end{document}"/>
-  <p:tag name="IGUANATEXSIZE" val="15"/>
-</p:tagLst>
-</file>
-
-<file path=ppt/tags/tag168.xml><?xml version="1.0" encoding="utf-8"?>
-<p:tagLst xmlns:a="http://schemas.openxmlformats.org/drawingml/2006/main" xmlns:r="http://schemas.openxmlformats.org/officeDocument/2006/relationships" xmlns:p="http://schemas.openxmlformats.org/presentationml/2006/main">
-  <p:tag name="LATEXADDIN" val="\documentclass{article}&#10;\usepackage{amsmath}&#10;\pagestyle{empty}&#10;\begin{document}&#10;&#10;&#10;$x_1$&#10;&#10;\end{document}"/>
-  <p:tag name="IGUANATEXSIZE" val="24"/>
-</p:tagLst>
-</file>
-
-<file path=ppt/tags/tag169.xml><?xml version="1.0" encoding="utf-8"?>
-<p:tagLst xmlns:a="http://schemas.openxmlformats.org/drawingml/2006/main" xmlns:r="http://schemas.openxmlformats.org/officeDocument/2006/relationships" xmlns:p="http://schemas.openxmlformats.org/presentationml/2006/main">
-  <p:tag name="LATEXADDIN" val="\documentclass{article}&#10;\usepackage{amsmath}&#10;\pagestyle{empty}&#10;\begin{document}&#10;&#10;&#10;$x_2$&#10;&#10;\end{document}"/>
-  <p:tag name="IGUANATEXSIZE" val="24"/>
-</p:tagLst>
-</file>
-
 <file path=ppt/tags/tag17.xml><?xml version="1.0" encoding="utf-8"?>
 <p:tagLst xmlns:a="http://schemas.openxmlformats.org/drawingml/2006/main" xmlns:r="http://schemas.openxmlformats.org/officeDocument/2006/relationships" xmlns:p="http://schemas.openxmlformats.org/presentationml/2006/main">
   <p:tag name="LATEXADDIN" val="\documentclass{article}&#10;\usepackage{amsmath}&#10;\usepackage{color}&#10;\pagestyle{empty}&#10;\begin{document}&#10;&#10;$&#10;h_\theta(x) = \theta_1 x&#10;$&#10;% \delta_i^{(l)} = \left(\sum_j W_{ji}^{(l)} \delta_j^{(l+1)}\right) f'(z_i^{(l)})&#10;&#10;&#10;&#10;\end{document}"/>
   <p:tag name="IGUANATEXSIZE" val="30"/>
-</p:tagLst>
-</file>
-
-<file path=ppt/tags/tag170.xml><?xml version="1.0" encoding="utf-8"?>
-<p:tagLst xmlns:a="http://schemas.openxmlformats.org/drawingml/2006/main" xmlns:r="http://schemas.openxmlformats.org/officeDocument/2006/relationships" xmlns:p="http://schemas.openxmlformats.org/presentationml/2006/main">
-  <p:tag name="LATEXADDIN" val="\documentclass{article}&#10;\usepackage{amsmath}&#10;\pagestyle{empty}&#10;\begin{document}&#10;&#10;&#10;$\theta_2$&#10;&#10;\end{document}"/>
-  <p:tag name="IGUANATEXSIZE" val="24"/>
-</p:tagLst>
-</file>
-
-<file path=ppt/tags/tag171.xml><?xml version="1.0" encoding="utf-8"?>
-<p:tagLst xmlns:a="http://schemas.openxmlformats.org/drawingml/2006/main" xmlns:r="http://schemas.openxmlformats.org/officeDocument/2006/relationships" xmlns:p="http://schemas.openxmlformats.org/presentationml/2006/main">
-  <p:tag name="LATEXADDIN" val="\documentclass{article}&#10;\usepackage{amsmath}&#10;\pagestyle{empty}&#10;\begin{document}&#10;&#10;&#10;$\theta_1$&#10;&#10;\end{document}"/>
-  <p:tag name="IGUANATEXSIZE" val="24"/>
-</p:tagLst>
-</file>
-
-<file path=ppt/tags/tag172.xml><?xml version="1.0" encoding="utf-8"?>
-<p:tagLst xmlns:a="http://schemas.openxmlformats.org/drawingml/2006/main" xmlns:r="http://schemas.openxmlformats.org/officeDocument/2006/relationships" xmlns:p="http://schemas.openxmlformats.org/presentationml/2006/main">
-  <p:tag name="LATEXADDIN" val="\documentclass{article}&#10;\usepackage{amsmath}&#10;\pagestyle{empty}&#10;\begin{document}&#10;&#10;&#10;$\theta_1$&#10;&#10;\end{document}"/>
-  <p:tag name="IGUANATEXSIZE" val="24"/>
-</p:tagLst>
-</file>
-
-<file path=ppt/tags/tag173.xml><?xml version="1.0" encoding="utf-8"?>
-<p:tagLst xmlns:a="http://schemas.openxmlformats.org/drawingml/2006/main" xmlns:r="http://schemas.openxmlformats.org/officeDocument/2006/relationships" xmlns:p="http://schemas.openxmlformats.org/presentationml/2006/main">
-  <p:tag name="LATEXADDIN" val="\documentclass{article}&#10;\usepackage{amsmath}&#10;\pagestyle{empty}&#10;\begin{document}&#10;&#10;&#10;$\theta_2$&#10;&#10;\end{document}"/>
-  <p:tag name="IGUANATEXSIZE" val="24"/>
-</p:tagLst>
-</file>
-
-<file path=ppt/tags/tag174.xml><?xml version="1.0" encoding="utf-8"?>
-<p:tagLst xmlns:a="http://schemas.openxmlformats.org/drawingml/2006/main" xmlns:r="http://schemas.openxmlformats.org/officeDocument/2006/relationships" xmlns:p="http://schemas.openxmlformats.org/presentationml/2006/main">
-  <p:tag name="LATEXADDIN" val="\documentclass{article}&#10;\usepackage{amsmath}&#10;\pagestyle{empty}&#10;\begin{document}&#10;&#10;&#10;$x_1 = \frac{size (feet^2)}{2000}$&#10;&#10;\end{document}"/>
-  <p:tag name="IGUANATEXSIZE" val="24"/>
-</p:tagLst>
-</file>
-
-<file path=ppt/tags/tag175.xml><?xml version="1.0" encoding="utf-8"?>
-<p:tagLst xmlns:a="http://schemas.openxmlformats.org/drawingml/2006/main" xmlns:r="http://schemas.openxmlformats.org/officeDocument/2006/relationships" xmlns:p="http://schemas.openxmlformats.org/presentationml/2006/main">
-  <p:tag name="LATEXADDIN" val="\documentclass{article}&#10;\usepackage{amsmath}&#10;\pagestyle{empty}&#10;\begin{document}&#10;&#10;&#10;$x_2 = \frac{numbersdf    of bedrooms}{5}$&#10;&#10;\end{document}"/>
-  <p:tag name="IGUANATEXSIZE" val="24"/>
-</p:tagLst>
-</file>
-
-<file path=ppt/tags/tag176.xml><?xml version="1.0" encoding="utf-8"?>
-<p:tagLst xmlns:a="http://schemas.openxmlformats.org/drawingml/2006/main" xmlns:r="http://schemas.openxmlformats.org/officeDocument/2006/relationships" xmlns:p="http://schemas.openxmlformats.org/presentationml/2006/main">
-  <p:tag name="LATEXADDIN" val="\documentclass{article}&#10;\usepackage{amsmath}&#10;\pagestyle{empty}&#10;\begin{document}&#10;&#10;&#10;$J(\theta)$&#10;&#10;\end{document}"/>
-  <p:tag name="IGUANATEXSIZE" val="24"/>
-</p:tagLst>
-</file>
-
-<file path=ppt/tags/tag177.xml><?xml version="1.0" encoding="utf-8"?>
-<p:tagLst xmlns:a="http://schemas.openxmlformats.org/drawingml/2006/main" xmlns:r="http://schemas.openxmlformats.org/officeDocument/2006/relationships" xmlns:p="http://schemas.openxmlformats.org/presentationml/2006/main">
-  <p:tag name="LATEXADDIN" val="\documentclass{article}&#10;\usepackage{amsmath}&#10;\pagestyle{empty}&#10;\begin{document}&#10;&#10;&#10;$J(\theta)$&#10;&#10;\end{document}"/>
-  <p:tag name="IGUANATEXSIZE" val="24"/>
-</p:tagLst>
-</file>
-
-<file path=ppt/tags/tag178.xml><?xml version="1.0" encoding="utf-8"?>
-<p:tagLst xmlns:a="http://schemas.openxmlformats.org/drawingml/2006/main" xmlns:r="http://schemas.openxmlformats.org/officeDocument/2006/relationships" xmlns:p="http://schemas.openxmlformats.org/presentationml/2006/main">
-  <p:tag name="LATEXADDIN" val="\documentclass{article}&#10;\usepackage{amsmath}&#10;\pagestyle{empty}&#10;\begin{document}&#10;&#10;&#10;$x_i$&#10;&#10;&#10;\end{document}"/>
-  <p:tag name="IGUANATEXSIZE" val="20"/>
-</p:tagLst>
-</file>
-
-<file path=ppt/tags/tag179.xml><?xml version="1.0" encoding="utf-8"?>
-<p:tagLst xmlns:a="http://schemas.openxmlformats.org/drawingml/2006/main" xmlns:r="http://schemas.openxmlformats.org/officeDocument/2006/relationships" xmlns:p="http://schemas.openxmlformats.org/presentationml/2006/main">
-  <p:tag name="LATEXADDIN" val="\documentclass{article}&#10;\usepackage{amsmath}&#10;\pagestyle{empty}&#10;\begin{document}&#10;&#10;&#10;$x_i - \mu_i$&#10;&#10;&#10;\end{document}"/>
-  <p:tag name="IGUANATEXSIZE" val="20"/>
 </p:tagLst>
 </file>
 
@@ -46544,101 +37199,10 @@
 </p:tagLst>
 </file>
 
-<file path=ppt/tags/tag180.xml><?xml version="1.0" encoding="utf-8"?>
-<p:tagLst xmlns:a="http://schemas.openxmlformats.org/drawingml/2006/main" xmlns:r="http://schemas.openxmlformats.org/officeDocument/2006/relationships" xmlns:p="http://schemas.openxmlformats.org/presentationml/2006/main">
-  <p:tag name="LATEXADDIN" val="\documentclass{article}&#10;\usepackage{amsmath}&#10;\pagestyle{empty}&#10;\begin{document}&#10;&#10;&#10;$x_0 = 1$&#10;&#10;&#10;\end{document}"/>
-  <p:tag name="IGUANATEXSIZE" val="20"/>
-</p:tagLst>
-</file>
-
-<file path=ppt/tags/tag181.xml><?xml version="1.0" encoding="utf-8"?>
-<p:tagLst xmlns:a="http://schemas.openxmlformats.org/drawingml/2006/main" xmlns:r="http://schemas.openxmlformats.org/officeDocument/2006/relationships" xmlns:p="http://schemas.openxmlformats.org/presentationml/2006/main">
-  <p:tag name="LATEXADDIN" val="\documentclass{article}&#10;\usepackage{amsmath}&#10;\pagestyle{empty}&#10;\begin{document}&#10;&#10;&#10;$x_1 = \frac{size - 1000}{2000}$&#10;&#10;&#10;\end{document}"/>
-  <p:tag name="IGUANATEXSIZE" val="24"/>
-</p:tagLst>
-</file>
-
-<file path=ppt/tags/tag182.xml><?xml version="1.0" encoding="utf-8"?>
-<p:tagLst xmlns:a="http://schemas.openxmlformats.org/drawingml/2006/main" xmlns:r="http://schemas.openxmlformats.org/officeDocument/2006/relationships" xmlns:p="http://schemas.openxmlformats.org/presentationml/2006/main">
-  <p:tag name="LATEXADDIN" val="\documentclass{article}&#10;\usepackage{amsmath}&#10;\pagestyle{empty}&#10;\begin{document}&#10;&#10;&#10;$x_2 = \frac{\#bedrooms - 2}{5}$&#10;&#10;&#10;\end{document}"/>
-  <p:tag name="IGUANATEXSIZE" val="24"/>
-</p:tagLst>
-</file>
-
-<file path=ppt/tags/tag183.xml><?xml version="1.0" encoding="utf-8"?>
-<p:tagLst xmlns:a="http://schemas.openxmlformats.org/drawingml/2006/main" xmlns:r="http://schemas.openxmlformats.org/officeDocument/2006/relationships" xmlns:p="http://schemas.openxmlformats.org/presentationml/2006/main">
-  <p:tag name="LATEXADDIN" val="\documentclass{article}&#10;\usepackage{amsmath}&#10;\pagestyle{empty}&#10;\begin{document}&#10;&#10;&#10;$-0.5 \leq x_1 \leq 0.5, -0.5 \leq x_2 \leq 0.5$&#10;&#10;&#10;\end{document}"/>
-  <p:tag name="IGUANATEXSIZE" val="20"/>
-</p:tagLst>
-</file>
-
-<file path=ppt/tags/tag184.xml><?xml version="1.0" encoding="utf-8"?>
-<p:tagLst xmlns:a="http://schemas.openxmlformats.org/drawingml/2006/main" xmlns:r="http://schemas.openxmlformats.org/officeDocument/2006/relationships" xmlns:p="http://schemas.openxmlformats.org/presentationml/2006/main">
-  <p:tag name="LATEXADDIN" val="\documentclass{article}&#10;\usepackage{amsmath}&#10;\pagestyle{empty}&#10;\begin{document}&#10;&#10;&#10;$&#10;\theta_0 + \theta_1 x + \theta_2 x^2&#10;$&#10;&#10;\end{document}"/>
-  <p:tag name="IGUANATEXSIZE" val="24"/>
-</p:tagLst>
-</file>
-
-<file path=ppt/tags/tag185.xml><?xml version="1.0" encoding="utf-8"?>
-<p:tagLst xmlns:a="http://schemas.openxmlformats.org/drawingml/2006/main" xmlns:r="http://schemas.openxmlformats.org/officeDocument/2006/relationships" xmlns:p="http://schemas.openxmlformats.org/presentationml/2006/main">
-  <p:tag name="LATEXADDIN" val="\documentclass{article}&#10;\usepackage{amsmath}&#10;\pagestyle{empty}&#10;\begin{document}&#10;&#10;&#10;$&#10;\theta_0 + \theta_1 x + \theta_2 x^2 + \theta_3 x^3&#10;$&#10;&#10;\end{document}"/>
-  <p:tag name="IGUANATEXSIZE" val="24"/>
-</p:tagLst>
-</file>
-
-<file path=ppt/tags/tag186.xml><?xml version="1.0" encoding="utf-8"?>
-<p:tagLst xmlns:a="http://schemas.openxmlformats.org/drawingml/2006/main" xmlns:r="http://schemas.openxmlformats.org/officeDocument/2006/relationships" xmlns:p="http://schemas.openxmlformats.org/presentationml/2006/main">
-  <p:tag name="LATEXADDIN" val="\documentclass{article}&#10;\usepackage{amsmath}&#10;\pagestyle{empty}&#10;\begin{document}&#10;&#10;&#10;$&#10;h_\theta(x) = \theta_0 + \theta_1 x_1 + \theta_2 x_2 + \theta_3 x_3&#10;$&#10;&#10;\end{document}"/>
-  <p:tag name="IGUANATEXSIZE" val="20"/>
-</p:tagLst>
-</file>
-
-<file path=ppt/tags/tag187.xml><?xml version="1.0" encoding="utf-8"?>
-<p:tagLst xmlns:a="http://schemas.openxmlformats.org/drawingml/2006/main" xmlns:r="http://schemas.openxmlformats.org/officeDocument/2006/relationships" xmlns:p="http://schemas.openxmlformats.org/presentationml/2006/main">
-  <p:tag name="LATEXADDIN" val="\documentclass{article}&#10;\usepackage{amsmath}&#10;\pagestyle{empty}&#10;\begin{document}&#10;&#10;&#10;$&#10;= \theta_0 + \theta_1 (size) + \theta_2 (size)^2 + \theta_3 (size)^3&#10;$&#10;&#10;\end{document}"/>
-  <p:tag name="IGUANATEXSIZE" val="20"/>
-</p:tagLst>
-</file>
-
-<file path=ppt/tags/tag188.xml><?xml version="1.0" encoding="utf-8"?>
-<p:tagLst xmlns:a="http://schemas.openxmlformats.org/drawingml/2006/main" xmlns:r="http://schemas.openxmlformats.org/officeDocument/2006/relationships" xmlns:p="http://schemas.openxmlformats.org/presentationml/2006/main">
-  <p:tag name="LATEXADDIN" val="\documentclass{article}&#10;\usepackage{amsmath}&#10;\pagestyle{empty}&#10;\begin{document}&#10;&#10;&#10;$&#10;x_1 = (size)&#10;$&#10;&#10;\end{document}"/>
-  <p:tag name="IGUANATEXSIZE" val="20"/>
-</p:tagLst>
-</file>
-
-<file path=ppt/tags/tag189.xml><?xml version="1.0" encoding="utf-8"?>
-<p:tagLst xmlns:a="http://schemas.openxmlformats.org/drawingml/2006/main" xmlns:r="http://schemas.openxmlformats.org/officeDocument/2006/relationships" xmlns:p="http://schemas.openxmlformats.org/presentationml/2006/main">
-  <p:tag name="LATEXADDIN" val="\documentclass{article}&#10;\usepackage{amsmath}&#10;\pagestyle{empty}&#10;\begin{document}&#10;&#10;&#10;$&#10;x_2 = (size)^2&#10;$&#10;&#10;\end{document}"/>
-  <p:tag name="IGUANATEXSIZE" val="20"/>
-</p:tagLst>
-</file>
-
 <file path=ppt/tags/tag19.xml><?xml version="1.0" encoding="utf-8"?>
 <p:tagLst xmlns:a="http://schemas.openxmlformats.org/drawingml/2006/main" xmlns:r="http://schemas.openxmlformats.org/officeDocument/2006/relationships" xmlns:p="http://schemas.openxmlformats.org/presentationml/2006/main">
   <p:tag name="LATEXADDIN" val="\documentclass{article}&#10;\usepackage{amsmath}&#10;\usepackage{color}&#10;\pagestyle{empty}&#10;\begin{document}&#10;&#10;&#10;$&#10;\underset{\theta_1}{\mathrm{minimize}} \; J(\theta_1)&#10;$&#10;% \delta_i^{(l)} = \left(\sum_j W_{ji}^{(l)} \delta_j^{(l+1)}\right) f'(z_i^{(l)})&#10;&#10;&#10;&#10;\end{document}"/>
   <p:tag name="IGUANATEXSIZE" val="30"/>
-</p:tagLst>
-</file>
-
-<file path=ppt/tags/tag190.xml><?xml version="1.0" encoding="utf-8"?>
-<p:tagLst xmlns:a="http://schemas.openxmlformats.org/drawingml/2006/main" xmlns:r="http://schemas.openxmlformats.org/officeDocument/2006/relationships" xmlns:p="http://schemas.openxmlformats.org/presentationml/2006/main">
-  <p:tag name="LATEXADDIN" val="\documentclass{article}&#10;\usepackage{amsmath}&#10;\pagestyle{empty}&#10;\begin{document}&#10;&#10;&#10;$&#10;x_3 = (size)^3&#10;$&#10;&#10;\end{document}"/>
-  <p:tag name="IGUANATEXSIZE" val="20"/>
-</p:tagLst>
-</file>
-
-<file path=ppt/tags/tag191.xml><?xml version="1.0" encoding="utf-8"?>
-<p:tagLst xmlns:a="http://schemas.openxmlformats.org/drawingml/2006/main" xmlns:r="http://schemas.openxmlformats.org/officeDocument/2006/relationships" xmlns:p="http://schemas.openxmlformats.org/presentationml/2006/main">
-  <p:tag name="LATEXADDIN" val="\documentclass{article}&#10;\usepackage{amsmath}&#10;\pagestyle{empty}&#10;\begin{document}&#10;&#10;&#10;$&#10;h_\theta (x) = \theta_0 + \theta_1 (size) + \theta_2 (size)^2&#10;$&#10;&#10;\end{document}"/>
-  <p:tag name="IGUANATEXSIZE" val="20"/>
-</p:tagLst>
-</file>
-
-<file path=ppt/tags/tag192.xml><?xml version="1.0" encoding="utf-8"?>
-<p:tagLst xmlns:a="http://schemas.openxmlformats.org/drawingml/2006/main" xmlns:r="http://schemas.openxmlformats.org/officeDocument/2006/relationships" xmlns:p="http://schemas.openxmlformats.org/presentationml/2006/main">
-  <p:tag name="LATEXADDIN" val="\documentclass{article}&#10;\usepackage{amsmath}&#10;\pagestyle{empty}&#10;\begin{document}&#10;&#10;&#10;$&#10;h_\theta (x) = \theta_0 + \theta_1 (size) + \theta_2 \sqrt{(size)}&#10;$&#10;&#10;\end{document}"/>
-  <p:tag name="IGUANATEXSIZE" val="20"/>
 </p:tagLst>
 </file>
 
